--- a/i2c_report_ben.pptx
+++ b/i2c_report_ben.pptx
@@ -245,7 +245,7 @@
             <a:fld id="{325154A4-CA18-43B2-977D-6DF08BA83A3D}" type="datetimeFigureOut">
               <a:rPr lang="zh-TW" altLang="en-US" smtClean="0"/>
               <a:pPr/>
-              <a:t>2015/9/18</a:t>
+              <a:t>2015/10/6</a:t>
             </a:fld>
             <a:endParaRPr lang="zh-TW" altLang="en-US"/>
           </a:p>
@@ -321,7 +321,7 @@
     </p:spTree>
     <p:extLst>
       <p:ext uri="{BB962C8B-B14F-4D97-AF65-F5344CB8AC3E}">
-        <p14:creationId xmlns:p14="http://schemas.microsoft.com/office/powerpoint/2010/main" xmlns="" val="1745725823"/>
+        <p14:creationId xmlns="" xmlns:p14="http://schemas.microsoft.com/office/powerpoint/2010/main" val="1745725823"/>
       </p:ext>
     </p:extLst>
   </p:cSld>
@@ -412,7 +412,7 @@
             <a:fld id="{956157D8-F6D7-4F1C-8521-742A313DD9E2}" type="datetimeFigureOut">
               <a:rPr lang="zh-TW" altLang="en-US" smtClean="0"/>
               <a:pPr/>
-              <a:t>2015/9/18</a:t>
+              <a:t>2015/10/6</a:t>
             </a:fld>
             <a:endParaRPr lang="zh-TW" altLang="en-US"/>
           </a:p>
@@ -583,7 +583,7 @@
     </p:spTree>
     <p:extLst>
       <p:ext uri="{BB962C8B-B14F-4D97-AF65-F5344CB8AC3E}">
-        <p14:creationId xmlns:p14="http://schemas.microsoft.com/office/powerpoint/2010/main" xmlns="" val="3871340698"/>
+        <p14:creationId xmlns="" xmlns:p14="http://schemas.microsoft.com/office/powerpoint/2010/main" val="3871340698"/>
       </p:ext>
     </p:extLst>
   </p:cSld>
@@ -1352,7 +1352,7 @@
           <a:blip r:embed="rId2" cstate="print">
             <a:extLst>
               <a:ext uri="{28A0092B-C50C-407E-A947-70E740481C1C}">
-                <a14:useLocalDpi xmlns:a14="http://schemas.microsoft.com/office/drawing/2010/main" xmlns="" val="0"/>
+                <a14:useLocalDpi xmlns="" xmlns:a14="http://schemas.microsoft.com/office/drawing/2010/main" val="0"/>
               </a:ext>
             </a:extLst>
           </a:blip>
@@ -1718,7 +1718,7 @@
     </p:spTree>
     <p:extLst>
       <p:ext uri="{BB962C8B-B14F-4D97-AF65-F5344CB8AC3E}">
-        <p14:creationId xmlns:p14="http://schemas.microsoft.com/office/powerpoint/2010/main" xmlns="" val="1604652190"/>
+        <p14:creationId xmlns="" xmlns:p14="http://schemas.microsoft.com/office/powerpoint/2010/main" val="1604652190"/>
       </p:ext>
     </p:extLst>
   </p:cSld>
@@ -1764,7 +1764,7 @@
           <a:blip r:embed="rId2" cstate="print">
             <a:extLst>
               <a:ext uri="{28A0092B-C50C-407E-A947-70E740481C1C}">
-                <a14:useLocalDpi xmlns:a14="http://schemas.microsoft.com/office/drawing/2010/main" xmlns="" val="0"/>
+                <a14:useLocalDpi xmlns="" xmlns:a14="http://schemas.microsoft.com/office/drawing/2010/main" val="0"/>
               </a:ext>
             </a:extLst>
           </a:blip>
@@ -1852,7 +1852,7 @@
     </p:spTree>
     <p:extLst>
       <p:ext uri="{BB962C8B-B14F-4D97-AF65-F5344CB8AC3E}">
-        <p14:creationId xmlns:p14="http://schemas.microsoft.com/office/powerpoint/2010/main" xmlns="" val="3828523544"/>
+        <p14:creationId xmlns="" xmlns:p14="http://schemas.microsoft.com/office/powerpoint/2010/main" val="3828523544"/>
       </p:ext>
     </p:extLst>
   </p:cSld>
@@ -4807,7 +4807,7 @@
           <a:blip r:embed="rId10" cstate="print">
             <a:extLst>
               <a:ext uri="{28A0092B-C50C-407E-A947-70E740481C1C}">
-                <a14:useLocalDpi xmlns:a14="http://schemas.microsoft.com/office/drawing/2010/main" xmlns="" val="0"/>
+                <a14:useLocalDpi xmlns="" xmlns:a14="http://schemas.microsoft.com/office/drawing/2010/main" val="0"/>
               </a:ext>
             </a:extLst>
           </a:blip>
@@ -5506,7 +5506,7 @@
                 <a:tabLst/>
                 <a:defRPr/>
               </a:pPr>
-              <a:t>2015/9/18</a:t>
+              <a:t>2015/10/6</a:t>
             </a:fld>
             <a:endParaRPr kumimoji="0" lang="zh-TW" altLang="en-US" sz="1050" b="0" i="0" u="none" strike="noStrike" kern="1200" cap="none" spc="0" normalizeH="0" baseline="0" noProof="0" dirty="0">
               <a:ln>
@@ -5531,7 +5531,7 @@
     </p:spTree>
     <p:extLst>
       <p:ext uri="{BB962C8B-B14F-4D97-AF65-F5344CB8AC3E}">
-        <p14:creationId xmlns:p14="http://schemas.microsoft.com/office/powerpoint/2010/main" xmlns="" val="495258064"/>
+        <p14:creationId xmlns="" xmlns:p14="http://schemas.microsoft.com/office/powerpoint/2010/main" val="495258064"/>
       </p:ext>
     </p:extLst>
   </p:cSld>
@@ -5614,7 +5614,7 @@
     </p:spTree>
     <p:extLst>
       <p:ext uri="{BB962C8B-B14F-4D97-AF65-F5344CB8AC3E}">
-        <p14:creationId xmlns:p14="http://schemas.microsoft.com/office/powerpoint/2010/main" xmlns="" val="1188013231"/>
+        <p14:creationId xmlns="" xmlns:p14="http://schemas.microsoft.com/office/powerpoint/2010/main" val="1188013231"/>
       </p:ext>
     </p:extLst>
   </p:cSld>
@@ -6747,7 +6747,7 @@
     </p:spTree>
     <p:extLst>
       <p:ext uri="{BB962C8B-B14F-4D97-AF65-F5344CB8AC3E}">
-        <p14:creationId xmlns:p14="http://schemas.microsoft.com/office/powerpoint/2010/main" xmlns="" val="1188013231"/>
+        <p14:creationId xmlns="" xmlns:p14="http://schemas.microsoft.com/office/powerpoint/2010/main" val="1188013231"/>
       </p:ext>
     </p:extLst>
   </p:cSld>
@@ -6847,7 +6847,7 @@
     </p:spTree>
     <p:extLst>
       <p:ext uri="{BB962C8B-B14F-4D97-AF65-F5344CB8AC3E}">
-        <p14:creationId xmlns:p14="http://schemas.microsoft.com/office/powerpoint/2010/main" xmlns="" val="553085013"/>
+        <p14:creationId xmlns="" xmlns:p14="http://schemas.microsoft.com/office/powerpoint/2010/main" val="553085013"/>
       </p:ext>
     </p:extLst>
   </p:cSld>
@@ -7580,7 +7580,7 @@
     </p:spTree>
     <p:extLst>
       <p:ext uri="{BB962C8B-B14F-4D97-AF65-F5344CB8AC3E}">
-        <p14:creationId xmlns="" xmlns:p14="http://schemas.microsoft.com/office/powerpoint/2010/main" val="3577142735"/>
+        <p14:creationId xmlns:p14="http://schemas.microsoft.com/office/powerpoint/2010/main" xmlns="" val="3577142735"/>
       </p:ext>
     </p:extLst>
   </p:cSld>
@@ -8552,7 +8552,7 @@
     </p:spTree>
     <p:extLst>
       <p:ext uri="{BB962C8B-B14F-4D97-AF65-F5344CB8AC3E}">
-        <p14:creationId xmlns:p14="http://schemas.microsoft.com/office/powerpoint/2010/main" xmlns="" val="1188013231"/>
+        <p14:creationId xmlns="" xmlns:p14="http://schemas.microsoft.com/office/powerpoint/2010/main" val="1188013231"/>
       </p:ext>
     </p:extLst>
   </p:cSld>
@@ -10816,7 +10816,7 @@
     </p:spTree>
     <p:extLst>
       <p:ext uri="{BB962C8B-B14F-4D97-AF65-F5344CB8AC3E}">
-        <p14:creationId xmlns:p14="http://schemas.microsoft.com/office/powerpoint/2010/main" xmlns="" val="2423379894"/>
+        <p14:creationId xmlns="" xmlns:p14="http://schemas.microsoft.com/office/powerpoint/2010/main" val="2423379894"/>
       </p:ext>
     </p:extLst>
   </p:cSld>
@@ -12085,7 +12085,7 @@
     </p:spTree>
     <p:extLst>
       <p:ext uri="{BB962C8B-B14F-4D97-AF65-F5344CB8AC3E}">
-        <p14:creationId xmlns:p14="http://schemas.microsoft.com/office/powerpoint/2010/main" xmlns="" val="2423379894"/>
+        <p14:creationId xmlns="" xmlns:p14="http://schemas.microsoft.com/office/powerpoint/2010/main" val="2423379894"/>
       </p:ext>
     </p:extLst>
   </p:cSld>
@@ -12856,7 +12856,7 @@
     </p:spTree>
     <p:extLst>
       <p:ext uri="{BB962C8B-B14F-4D97-AF65-F5344CB8AC3E}">
-        <p14:creationId xmlns:p14="http://schemas.microsoft.com/office/powerpoint/2010/main" xmlns="" val="1188013231"/>
+        <p14:creationId xmlns="" xmlns:p14="http://schemas.microsoft.com/office/powerpoint/2010/main" val="1188013231"/>
       </p:ext>
     </p:extLst>
   </p:cSld>
@@ -14360,7 +14360,7 @@
     </p:spTree>
     <p:extLst>
       <p:ext uri="{BB962C8B-B14F-4D97-AF65-F5344CB8AC3E}">
-        <p14:creationId xmlns:p14="http://schemas.microsoft.com/office/powerpoint/2010/main" xmlns="" val="2423379894"/>
+        <p14:creationId xmlns="" xmlns:p14="http://schemas.microsoft.com/office/powerpoint/2010/main" val="2423379894"/>
       </p:ext>
     </p:extLst>
   </p:cSld>
@@ -14515,7 +14515,7 @@
         </p:nvSpPr>
         <p:spPr>
           <a:xfrm>
-            <a:off x="1691680" y="2569468"/>
+            <a:off x="1691680" y="2641476"/>
             <a:ext cx="576064" cy="504056"/>
           </a:xfrm>
           <a:prstGeom prst="rect">
@@ -14602,8 +14602,8 @@
         </p:nvCxnSpPr>
         <p:spPr>
           <a:xfrm flipV="1">
-            <a:off x="1979712" y="3073524"/>
-            <a:ext cx="0" cy="504056"/>
+            <a:off x="1979712" y="3145532"/>
+            <a:ext cx="0" cy="432048"/>
           </a:xfrm>
           <a:prstGeom prst="straightConnector1">
             <a:avLst/>
@@ -14638,8 +14638,8 @@
         </p:nvCxnSpPr>
         <p:spPr>
           <a:xfrm flipV="1">
-            <a:off x="1187624" y="2821496"/>
-            <a:ext cx="504056" cy="540060"/>
+            <a:off x="1187624" y="2893504"/>
+            <a:ext cx="504056" cy="468052"/>
           </a:xfrm>
           <a:prstGeom prst="straightConnector1">
             <a:avLst/>
@@ -14957,14 +14957,14 @@
           <p:cNvPr id="42" name="直線單箭頭接點 41"/>
           <p:cNvCxnSpPr>
             <a:stCxn id="11" idx="0"/>
-            <a:endCxn id="40" idx="1"/>
+            <a:endCxn id="40" idx="2"/>
           </p:cNvCxnSpPr>
           <p:nvPr/>
         </p:nvCxnSpPr>
         <p:spPr>
           <a:xfrm flipV="1">
-            <a:off x="1979712" y="1957400"/>
-            <a:ext cx="648072" cy="612068"/>
+            <a:off x="1979712" y="2497460"/>
+            <a:ext cx="1260140" cy="144016"/>
           </a:xfrm>
           <a:prstGeom prst="straightConnector1">
             <a:avLst/>
@@ -15438,8 +15438,8 @@
         </p:nvSpPr>
         <p:spPr>
           <a:xfrm>
-            <a:off x="1619672" y="2497460"/>
-            <a:ext cx="720080" cy="1656184"/>
+            <a:off x="1619672" y="2569468"/>
+            <a:ext cx="720080" cy="1584176"/>
           </a:xfrm>
           <a:prstGeom prst="rect">
             <a:avLst/>
@@ -15669,7 +15669,7 @@
         <p:spPr>
           <a:xfrm>
             <a:off x="1475656" y="2353444"/>
-            <a:ext cx="1008112" cy="0"/>
+            <a:ext cx="936104" cy="0"/>
           </a:xfrm>
           <a:prstGeom prst="line">
             <a:avLst/>
@@ -15707,7 +15707,7 @@
         </p:nvCxnSpPr>
         <p:spPr>
           <a:xfrm flipV="1">
-            <a:off x="2483768" y="1345332"/>
+            <a:off x="2411760" y="1345332"/>
             <a:ext cx="0" cy="1008112"/>
           </a:xfrm>
           <a:prstGeom prst="line">
@@ -15746,7 +15746,7 @@
         </p:nvCxnSpPr>
         <p:spPr>
           <a:xfrm>
-            <a:off x="1475656" y="3217540"/>
+            <a:off x="1475656" y="3361556"/>
             <a:ext cx="1008112" cy="0"/>
           </a:xfrm>
           <a:prstGeom prst="line">
@@ -15786,7 +15786,7 @@
         <p:spPr>
           <a:xfrm>
             <a:off x="1475656" y="2353444"/>
-            <a:ext cx="0" cy="864096"/>
+            <a:ext cx="0" cy="1008112"/>
           </a:xfrm>
           <a:prstGeom prst="line">
             <a:avLst/>
@@ -15824,8 +15824,8 @@
         </p:nvCxnSpPr>
         <p:spPr>
           <a:xfrm flipV="1">
-            <a:off x="2483768" y="3217540"/>
-            <a:ext cx="0" cy="1080120"/>
+            <a:off x="2483768" y="3361556"/>
+            <a:ext cx="0" cy="936104"/>
           </a:xfrm>
           <a:prstGeom prst="line">
             <a:avLst/>
@@ -16010,7 +16010,7 @@
         </p:nvSpPr>
         <p:spPr>
           <a:xfrm>
-            <a:off x="1520756" y="2137420"/>
+            <a:off x="2699792" y="1057300"/>
             <a:ext cx="1467068" cy="246221"/>
           </a:xfrm>
           <a:prstGeom prst="rect">
@@ -16112,7 +16112,6 @@
               <a:rPr lang="en-US" sz="1600" dirty="0" smtClean="0"/>
               <a:t>i2c_add_numbered_adapter </a:t>
             </a:r>
-            <a:endParaRPr lang="en-US" sz="1600" dirty="0" smtClean="0"/>
           </a:p>
           <a:p>
             <a:pPr>
@@ -16142,16 +16141,140 @@
             </a:pPr>
             <a:r>
               <a:rPr lang="en-US" sz="1600" dirty="0" smtClean="0"/>
-              <a:t>Device Tree (</a:t>
-            </a:r>
-            <a:r>
-              <a:rPr lang="en-US" sz="1600" smtClean="0"/>
-              <a:t>platform device)</a:t>
+              <a:t>Device Tree (platform device)</a:t>
             </a:r>
             <a:endParaRPr lang="en-US" sz="1400" dirty="0"/>
           </a:p>
         </p:txBody>
       </p:sp>
+      <p:sp>
+        <p:nvSpPr>
+          <p:cNvPr id="51" name="矩形 50"/>
+          <p:cNvSpPr/>
+          <p:nvPr/>
+        </p:nvSpPr>
+        <p:spPr>
+          <a:xfrm>
+            <a:off x="1691680" y="1561356"/>
+            <a:ext cx="576064" cy="504056"/>
+          </a:xfrm>
+          <a:prstGeom prst="rect">
+            <a:avLst/>
+          </a:prstGeom>
+        </p:spPr>
+        <p:style>
+          <a:lnRef idx="1">
+            <a:schemeClr val="dk1"/>
+          </a:lnRef>
+          <a:fillRef idx="2">
+            <a:schemeClr val="dk1"/>
+          </a:fillRef>
+          <a:effectRef idx="1">
+            <a:schemeClr val="dk1"/>
+          </a:effectRef>
+          <a:fontRef idx="minor">
+            <a:schemeClr val="dk1"/>
+          </a:fontRef>
+        </p:style>
+        <p:txBody>
+          <a:bodyPr rtlCol="0" anchor="ctr"/>
+          <a:lstStyle/>
+          <a:p>
+            <a:pPr algn="ctr"/>
+            <a:r>
+              <a:rPr lang="en-US" altLang="zh-TW" sz="800" dirty="0" smtClean="0">
+                <a:solidFill>
+                  <a:schemeClr val="tx1"/>
+                </a:solidFill>
+              </a:rPr>
+              <a:t>board info</a:t>
+            </a:r>
+            <a:endParaRPr lang="zh-TW" altLang="en-US" sz="800" dirty="0" smtClean="0">
+              <a:solidFill>
+                <a:schemeClr val="tx1"/>
+              </a:solidFill>
+            </a:endParaRPr>
+          </a:p>
+        </p:txBody>
+      </p:sp>
+      <p:cxnSp>
+        <p:nvCxnSpPr>
+          <p:cNvPr id="63" name="直線單箭頭接點 62"/>
+          <p:cNvCxnSpPr>
+            <a:stCxn id="51" idx="3"/>
+            <a:endCxn id="40" idx="1"/>
+          </p:cNvCxnSpPr>
+          <p:nvPr/>
+        </p:nvCxnSpPr>
+        <p:spPr>
+          <a:xfrm>
+            <a:off x="2267744" y="1813384"/>
+            <a:ext cx="360040" cy="144016"/>
+          </a:xfrm>
+          <a:prstGeom prst="straightConnector1">
+            <a:avLst/>
+          </a:prstGeom>
+          <a:ln>
+            <a:tailEnd type="arrow"/>
+          </a:ln>
+        </p:spPr>
+        <p:style>
+          <a:lnRef idx="1">
+            <a:schemeClr val="accent1"/>
+          </a:lnRef>
+          <a:fillRef idx="0">
+            <a:schemeClr val="accent1"/>
+          </a:fillRef>
+          <a:effectRef idx="0">
+            <a:schemeClr val="accent1"/>
+          </a:effectRef>
+          <a:fontRef idx="minor">
+            <a:schemeClr val="tx1"/>
+          </a:fontRef>
+        </p:style>
+      </p:cxnSp>
+      <p:cxnSp>
+        <p:nvCxnSpPr>
+          <p:cNvPr id="70" name="直線接點 69"/>
+          <p:cNvCxnSpPr>
+            <a:stCxn id="48" idx="4"/>
+            <a:endCxn id="51" idx="1"/>
+          </p:cNvCxnSpPr>
+          <p:nvPr/>
+        </p:nvCxnSpPr>
+        <p:spPr>
+          <a:xfrm>
+            <a:off x="1403648" y="1345332"/>
+            <a:ext cx="288032" cy="468052"/>
+          </a:xfrm>
+          <a:prstGeom prst="line">
+            <a:avLst/>
+          </a:prstGeom>
+          <a:ln w="22225">
+            <a:solidFill>
+              <a:schemeClr val="accent4">
+                <a:lumMod val="40000"/>
+                <a:lumOff val="60000"/>
+              </a:schemeClr>
+            </a:solidFill>
+            <a:prstDash val="sysDot"/>
+          </a:ln>
+        </p:spPr>
+        <p:style>
+          <a:lnRef idx="1">
+            <a:schemeClr val="accent1"/>
+          </a:lnRef>
+          <a:fillRef idx="0">
+            <a:schemeClr val="accent1"/>
+          </a:fillRef>
+          <a:effectRef idx="0">
+            <a:schemeClr val="accent1"/>
+          </a:effectRef>
+          <a:fontRef idx="minor">
+            <a:schemeClr val="tx1"/>
+          </a:fontRef>
+        </p:style>
+      </p:cxnSp>
     </p:spTree>
   </p:cSld>
   <p:clrMapOvr>

--- a/i2c_report_ben.pptx
+++ b/i2c_report_ben.pptx
@@ -245,7 +245,7 @@
             <a:fld id="{325154A4-CA18-43B2-977D-6DF08BA83A3D}" type="datetimeFigureOut">
               <a:rPr lang="zh-TW" altLang="en-US" smtClean="0"/>
               <a:pPr/>
-              <a:t>2015/10/6</a:t>
+              <a:t>2015/10/7</a:t>
             </a:fld>
             <a:endParaRPr lang="zh-TW" altLang="en-US"/>
           </a:p>
@@ -321,7 +321,7 @@
     </p:spTree>
     <p:extLst>
       <p:ext uri="{BB962C8B-B14F-4D97-AF65-F5344CB8AC3E}">
-        <p14:creationId xmlns="" xmlns:p14="http://schemas.microsoft.com/office/powerpoint/2010/main" val="1745725823"/>
+        <p14:creationId xmlns:p14="http://schemas.microsoft.com/office/powerpoint/2010/main" xmlns="" val="1745725823"/>
       </p:ext>
     </p:extLst>
   </p:cSld>
@@ -412,7 +412,7 @@
             <a:fld id="{956157D8-F6D7-4F1C-8521-742A313DD9E2}" type="datetimeFigureOut">
               <a:rPr lang="zh-TW" altLang="en-US" smtClean="0"/>
               <a:pPr/>
-              <a:t>2015/10/6</a:t>
+              <a:t>2015/10/7</a:t>
             </a:fld>
             <a:endParaRPr lang="zh-TW" altLang="en-US"/>
           </a:p>
@@ -583,7 +583,7 @@
     </p:spTree>
     <p:extLst>
       <p:ext uri="{BB962C8B-B14F-4D97-AF65-F5344CB8AC3E}">
-        <p14:creationId xmlns="" xmlns:p14="http://schemas.microsoft.com/office/powerpoint/2010/main" val="3871340698"/>
+        <p14:creationId xmlns:p14="http://schemas.microsoft.com/office/powerpoint/2010/main" xmlns="" val="3871340698"/>
       </p:ext>
     </p:extLst>
   </p:cSld>
@@ -1352,7 +1352,7 @@
           <a:blip r:embed="rId2" cstate="print">
             <a:extLst>
               <a:ext uri="{28A0092B-C50C-407E-A947-70E740481C1C}">
-                <a14:useLocalDpi xmlns="" xmlns:a14="http://schemas.microsoft.com/office/drawing/2010/main" val="0"/>
+                <a14:useLocalDpi xmlns:a14="http://schemas.microsoft.com/office/drawing/2010/main" xmlns="" val="0"/>
               </a:ext>
             </a:extLst>
           </a:blip>
@@ -1718,7 +1718,7 @@
     </p:spTree>
     <p:extLst>
       <p:ext uri="{BB962C8B-B14F-4D97-AF65-F5344CB8AC3E}">
-        <p14:creationId xmlns="" xmlns:p14="http://schemas.microsoft.com/office/powerpoint/2010/main" val="1604652190"/>
+        <p14:creationId xmlns:p14="http://schemas.microsoft.com/office/powerpoint/2010/main" xmlns="" val="1604652190"/>
       </p:ext>
     </p:extLst>
   </p:cSld>
@@ -1764,7 +1764,7 @@
           <a:blip r:embed="rId2" cstate="print">
             <a:extLst>
               <a:ext uri="{28A0092B-C50C-407E-A947-70E740481C1C}">
-                <a14:useLocalDpi xmlns="" xmlns:a14="http://schemas.microsoft.com/office/drawing/2010/main" val="0"/>
+                <a14:useLocalDpi xmlns:a14="http://schemas.microsoft.com/office/drawing/2010/main" xmlns="" val="0"/>
               </a:ext>
             </a:extLst>
           </a:blip>
@@ -1852,7 +1852,7 @@
     </p:spTree>
     <p:extLst>
       <p:ext uri="{BB962C8B-B14F-4D97-AF65-F5344CB8AC3E}">
-        <p14:creationId xmlns="" xmlns:p14="http://schemas.microsoft.com/office/powerpoint/2010/main" val="3828523544"/>
+        <p14:creationId xmlns:p14="http://schemas.microsoft.com/office/powerpoint/2010/main" xmlns="" val="3828523544"/>
       </p:ext>
     </p:extLst>
   </p:cSld>
@@ -4807,7 +4807,7 @@
           <a:blip r:embed="rId10" cstate="print">
             <a:extLst>
               <a:ext uri="{28A0092B-C50C-407E-A947-70E740481C1C}">
-                <a14:useLocalDpi xmlns="" xmlns:a14="http://schemas.microsoft.com/office/drawing/2010/main" val="0"/>
+                <a14:useLocalDpi xmlns:a14="http://schemas.microsoft.com/office/drawing/2010/main" xmlns="" val="0"/>
               </a:ext>
             </a:extLst>
           </a:blip>
@@ -5506,7 +5506,7 @@
                 <a:tabLst/>
                 <a:defRPr/>
               </a:pPr>
-              <a:t>2015/10/6</a:t>
+              <a:t>2015/10/7</a:t>
             </a:fld>
             <a:endParaRPr kumimoji="0" lang="zh-TW" altLang="en-US" sz="1050" b="0" i="0" u="none" strike="noStrike" kern="1200" cap="none" spc="0" normalizeH="0" baseline="0" noProof="0" dirty="0">
               <a:ln>
@@ -5531,7 +5531,7 @@
     </p:spTree>
     <p:extLst>
       <p:ext uri="{BB962C8B-B14F-4D97-AF65-F5344CB8AC3E}">
-        <p14:creationId xmlns="" xmlns:p14="http://schemas.microsoft.com/office/powerpoint/2010/main" val="495258064"/>
+        <p14:creationId xmlns:p14="http://schemas.microsoft.com/office/powerpoint/2010/main" xmlns="" val="495258064"/>
       </p:ext>
     </p:extLst>
   </p:cSld>
@@ -5614,7 +5614,7 @@
     </p:spTree>
     <p:extLst>
       <p:ext uri="{BB962C8B-B14F-4D97-AF65-F5344CB8AC3E}">
-        <p14:creationId xmlns="" xmlns:p14="http://schemas.microsoft.com/office/powerpoint/2010/main" val="1188013231"/>
+        <p14:creationId xmlns:p14="http://schemas.microsoft.com/office/powerpoint/2010/main" xmlns="" val="1188013231"/>
       </p:ext>
     </p:extLst>
   </p:cSld>
@@ -6747,7 +6747,7 @@
     </p:spTree>
     <p:extLst>
       <p:ext uri="{BB962C8B-B14F-4D97-AF65-F5344CB8AC3E}">
-        <p14:creationId xmlns="" xmlns:p14="http://schemas.microsoft.com/office/powerpoint/2010/main" val="1188013231"/>
+        <p14:creationId xmlns:p14="http://schemas.microsoft.com/office/powerpoint/2010/main" xmlns="" val="1188013231"/>
       </p:ext>
     </p:extLst>
   </p:cSld>
@@ -6847,7 +6847,7 @@
     </p:spTree>
     <p:extLst>
       <p:ext uri="{BB962C8B-B14F-4D97-AF65-F5344CB8AC3E}">
-        <p14:creationId xmlns="" xmlns:p14="http://schemas.microsoft.com/office/powerpoint/2010/main" val="553085013"/>
+        <p14:creationId xmlns:p14="http://schemas.microsoft.com/office/powerpoint/2010/main" xmlns="" val="553085013"/>
       </p:ext>
     </p:extLst>
   </p:cSld>
@@ -7580,7 +7580,7 @@
     </p:spTree>
     <p:extLst>
       <p:ext uri="{BB962C8B-B14F-4D97-AF65-F5344CB8AC3E}">
-        <p14:creationId xmlns:p14="http://schemas.microsoft.com/office/powerpoint/2010/main" xmlns="" val="3577142735"/>
+        <p14:creationId xmlns="" xmlns:p14="http://schemas.microsoft.com/office/powerpoint/2010/main" val="3577142735"/>
       </p:ext>
     </p:extLst>
   </p:cSld>
@@ -8552,7 +8552,7 @@
     </p:spTree>
     <p:extLst>
       <p:ext uri="{BB962C8B-B14F-4D97-AF65-F5344CB8AC3E}">
-        <p14:creationId xmlns="" xmlns:p14="http://schemas.microsoft.com/office/powerpoint/2010/main" val="1188013231"/>
+        <p14:creationId xmlns:p14="http://schemas.microsoft.com/office/powerpoint/2010/main" xmlns="" val="1188013231"/>
       </p:ext>
     </p:extLst>
   </p:cSld>
@@ -10816,7 +10816,7 @@
     </p:spTree>
     <p:extLst>
       <p:ext uri="{BB962C8B-B14F-4D97-AF65-F5344CB8AC3E}">
-        <p14:creationId xmlns="" xmlns:p14="http://schemas.microsoft.com/office/powerpoint/2010/main" val="2423379894"/>
+        <p14:creationId xmlns:p14="http://schemas.microsoft.com/office/powerpoint/2010/main" xmlns="" val="2423379894"/>
       </p:ext>
     </p:extLst>
   </p:cSld>
@@ -12085,7 +12085,7 @@
     </p:spTree>
     <p:extLst>
       <p:ext uri="{BB962C8B-B14F-4D97-AF65-F5344CB8AC3E}">
-        <p14:creationId xmlns="" xmlns:p14="http://schemas.microsoft.com/office/powerpoint/2010/main" val="2423379894"/>
+        <p14:creationId xmlns:p14="http://schemas.microsoft.com/office/powerpoint/2010/main" xmlns="" val="2423379894"/>
       </p:ext>
     </p:extLst>
   </p:cSld>
@@ -12856,7 +12856,7 @@
     </p:spTree>
     <p:extLst>
       <p:ext uri="{BB962C8B-B14F-4D97-AF65-F5344CB8AC3E}">
-        <p14:creationId xmlns="" xmlns:p14="http://schemas.microsoft.com/office/powerpoint/2010/main" val="1188013231"/>
+        <p14:creationId xmlns:p14="http://schemas.microsoft.com/office/powerpoint/2010/main" xmlns="" val="1188013231"/>
       </p:ext>
     </p:extLst>
   </p:cSld>
@@ -14360,7 +14360,7 @@
     </p:spTree>
     <p:extLst>
       <p:ext uri="{BB962C8B-B14F-4D97-AF65-F5344CB8AC3E}">
-        <p14:creationId xmlns="" xmlns:p14="http://schemas.microsoft.com/office/powerpoint/2010/main" val="2423379894"/>
+        <p14:creationId xmlns:p14="http://schemas.microsoft.com/office/powerpoint/2010/main" xmlns="" val="2423379894"/>
       </p:ext>
     </p:extLst>
   </p:cSld>
@@ -14494,7 +14494,11 @@
             <a:pPr algn="ctr"/>
             <a:r>
               <a:rPr lang="en-US" altLang="zh-TW" sz="1000" dirty="0" smtClean="0"/>
-              <a:t>Platform device : </a:t>
+              <a:t>platform </a:t>
+            </a:r>
+            <a:r>
+              <a:rPr lang="en-US" altLang="zh-TW" sz="1000" dirty="0" smtClean="0"/>
+              <a:t>device : </a:t>
             </a:r>
             <a:br>
               <a:rPr lang="en-US" altLang="zh-TW" sz="1000" dirty="0" smtClean="0"/>
@@ -14854,7 +14858,11 @@
             <a:pPr algn="ctr"/>
             <a:r>
               <a:rPr lang="en-US" altLang="zh-TW" sz="1000" dirty="0" smtClean="0"/>
-              <a:t>Platform driver : </a:t>
+              <a:t>platform </a:t>
+            </a:r>
+            <a:r>
+              <a:rPr lang="en-US" altLang="zh-TW" sz="1000" dirty="0" smtClean="0"/>
+              <a:t>driver : </a:t>
             </a:r>
             <a:br>
               <a:rPr lang="en-US" altLang="zh-TW" sz="1000" dirty="0" smtClean="0"/>
@@ -15110,7 +15118,11 @@
             <a:pPr algn="ctr"/>
             <a:r>
               <a:rPr lang="en-US" altLang="zh-TW" sz="1000" dirty="0" smtClean="0"/>
-              <a:t>Client driver</a:t>
+              <a:t>client </a:t>
+            </a:r>
+            <a:r>
+              <a:rPr lang="en-US" altLang="zh-TW" sz="1000" dirty="0" smtClean="0"/>
+              <a:t>driver</a:t>
             </a:r>
             <a:endParaRPr lang="zh-TW" altLang="en-US" sz="1000" dirty="0" smtClean="0"/>
           </a:p>
@@ -15152,7 +15164,11 @@
             <a:pPr algn="ctr"/>
             <a:r>
               <a:rPr lang="en-US" altLang="zh-TW" sz="1200" dirty="0" smtClean="0"/>
-              <a:t>Device tree</a:t>
+              <a:t>device </a:t>
+            </a:r>
+            <a:r>
+              <a:rPr lang="en-US" altLang="zh-TW" sz="1200" dirty="0" smtClean="0"/>
+              <a:t>tree</a:t>
             </a:r>
             <a:endParaRPr lang="zh-TW" altLang="en-US" sz="1200" dirty="0" smtClean="0"/>
           </a:p>

--- a/i2c_report_ben.pptx
+++ b/i2c_report_ben.pptx
@@ -248,7 +248,7 @@
             <a:fld id="{325154A4-CA18-43B2-977D-6DF08BA83A3D}" type="datetimeFigureOut">
               <a:rPr lang="zh-TW" altLang="en-US" smtClean="0"/>
               <a:pPr/>
-              <a:t>2015/10/23</a:t>
+              <a:t>2015/10/26</a:t>
             </a:fld>
             <a:endParaRPr lang="zh-TW" altLang="en-US"/>
           </a:p>
@@ -324,7 +324,7 @@
     </p:spTree>
     <p:extLst>
       <p:ext uri="{BB962C8B-B14F-4D97-AF65-F5344CB8AC3E}">
-        <p14:creationId xmlns="" xmlns:p14="http://schemas.microsoft.com/office/powerpoint/2010/main" val="1745725823"/>
+        <p14:creationId xmlns:p14="http://schemas.microsoft.com/office/powerpoint/2010/main" xmlns="" val="1745725823"/>
       </p:ext>
     </p:extLst>
   </p:cSld>
@@ -415,7 +415,7 @@
             <a:fld id="{956157D8-F6D7-4F1C-8521-742A313DD9E2}" type="datetimeFigureOut">
               <a:rPr lang="zh-TW" altLang="en-US" smtClean="0"/>
               <a:pPr/>
-              <a:t>2015/10/23</a:t>
+              <a:t>2015/10/26</a:t>
             </a:fld>
             <a:endParaRPr lang="zh-TW" altLang="en-US"/>
           </a:p>
@@ -586,7 +586,7 @@
     </p:spTree>
     <p:extLst>
       <p:ext uri="{BB962C8B-B14F-4D97-AF65-F5344CB8AC3E}">
-        <p14:creationId xmlns="" xmlns:p14="http://schemas.microsoft.com/office/powerpoint/2010/main" val="3871340698"/>
+        <p14:creationId xmlns:p14="http://schemas.microsoft.com/office/powerpoint/2010/main" xmlns="" val="3871340698"/>
       </p:ext>
     </p:extLst>
   </p:cSld>
@@ -1844,11 +1844,7 @@
           <a:p>
             <a:r>
               <a:rPr lang="en-US" altLang="zh-TW" dirty="0" smtClean="0"/>
-              <a:t>Sgt15000 </a:t>
-            </a:r>
-            <a:r>
-              <a:rPr lang="en-US" altLang="zh-TW" dirty="0" smtClean="0"/>
-              <a:t>: audio machine 	at24 :</a:t>
+              <a:t>Sgt15000 : audio machine 	at24 :</a:t>
             </a:r>
             <a:r>
               <a:rPr lang="en-US" altLang="zh-TW" baseline="0" dirty="0" smtClean="0"/>
@@ -2378,7 +2374,7 @@
           <a:blip r:embed="rId2" cstate="print">
             <a:extLst>
               <a:ext uri="{28A0092B-C50C-407E-A947-70E740481C1C}">
-                <a14:useLocalDpi xmlns="" xmlns:a14="http://schemas.microsoft.com/office/drawing/2010/main" val="0"/>
+                <a14:useLocalDpi xmlns:a14="http://schemas.microsoft.com/office/drawing/2010/main" xmlns="" val="0"/>
               </a:ext>
             </a:extLst>
           </a:blip>
@@ -2744,7 +2740,7 @@
     </p:spTree>
     <p:extLst>
       <p:ext uri="{BB962C8B-B14F-4D97-AF65-F5344CB8AC3E}">
-        <p14:creationId xmlns="" xmlns:p14="http://schemas.microsoft.com/office/powerpoint/2010/main" val="1604652190"/>
+        <p14:creationId xmlns:p14="http://schemas.microsoft.com/office/powerpoint/2010/main" xmlns="" val="1604652190"/>
       </p:ext>
     </p:extLst>
   </p:cSld>
@@ -2790,7 +2786,7 @@
           <a:blip r:embed="rId2" cstate="print">
             <a:extLst>
               <a:ext uri="{28A0092B-C50C-407E-A947-70E740481C1C}">
-                <a14:useLocalDpi xmlns="" xmlns:a14="http://schemas.microsoft.com/office/drawing/2010/main" val="0"/>
+                <a14:useLocalDpi xmlns:a14="http://schemas.microsoft.com/office/drawing/2010/main" xmlns="" val="0"/>
               </a:ext>
             </a:extLst>
           </a:blip>
@@ -2878,7 +2874,7 @@
     </p:spTree>
     <p:extLst>
       <p:ext uri="{BB962C8B-B14F-4D97-AF65-F5344CB8AC3E}">
-        <p14:creationId xmlns="" xmlns:p14="http://schemas.microsoft.com/office/powerpoint/2010/main" val="3828523544"/>
+        <p14:creationId xmlns:p14="http://schemas.microsoft.com/office/powerpoint/2010/main" xmlns="" val="3828523544"/>
       </p:ext>
     </p:extLst>
   </p:cSld>
@@ -5833,7 +5829,7 @@
           <a:blip r:embed="rId10" cstate="print">
             <a:extLst>
               <a:ext uri="{28A0092B-C50C-407E-A947-70E740481C1C}">
-                <a14:useLocalDpi xmlns="" xmlns:a14="http://schemas.microsoft.com/office/drawing/2010/main" val="0"/>
+                <a14:useLocalDpi xmlns:a14="http://schemas.microsoft.com/office/drawing/2010/main" xmlns="" val="0"/>
               </a:ext>
             </a:extLst>
           </a:blip>
@@ -6532,7 +6528,7 @@
                 <a:tabLst/>
                 <a:defRPr/>
               </a:pPr>
-              <a:t>2015/10/23</a:t>
+              <a:t>2015/10/26</a:t>
             </a:fld>
             <a:endParaRPr kumimoji="0" lang="zh-TW" altLang="en-US" sz="1050" b="0" i="0" u="none" strike="noStrike" kern="1200" cap="none" spc="0" normalizeH="0" baseline="0" noProof="0" dirty="0">
               <a:ln>
@@ -6557,7 +6553,7 @@
     </p:spTree>
     <p:extLst>
       <p:ext uri="{BB962C8B-B14F-4D97-AF65-F5344CB8AC3E}">
-        <p14:creationId xmlns="" xmlns:p14="http://schemas.microsoft.com/office/powerpoint/2010/main" val="495258064"/>
+        <p14:creationId xmlns:p14="http://schemas.microsoft.com/office/powerpoint/2010/main" xmlns="" val="495258064"/>
       </p:ext>
     </p:extLst>
   </p:cSld>
@@ -6972,11 +6968,7 @@
             <a:pPr algn="ctr"/>
             <a:r>
               <a:rPr lang="en-US" altLang="zh-TW" sz="1000" dirty="0" smtClean="0"/>
-              <a:t>i2c </a:t>
-            </a:r>
-            <a:r>
-              <a:rPr lang="en-US" altLang="zh-TW" sz="1000" dirty="0" smtClean="0"/>
-              <a:t>device</a:t>
+              <a:t>i2c device</a:t>
             </a:r>
             <a:endParaRPr lang="zh-TW" altLang="en-US" sz="1000" dirty="0" smtClean="0"/>
           </a:p>
@@ -7311,11 +7303,7 @@
             <a:pPr algn="ctr"/>
             <a:r>
               <a:rPr lang="en-US" altLang="zh-TW" sz="1000" dirty="0" smtClean="0"/>
-              <a:t>i2c </a:t>
-            </a:r>
-            <a:r>
-              <a:rPr lang="en-US" altLang="zh-TW" sz="1000" dirty="0" smtClean="0"/>
-              <a:t>driver</a:t>
+              <a:t>i2c driver</a:t>
             </a:r>
             <a:endParaRPr lang="zh-TW" altLang="en-US" sz="1000" dirty="0" smtClean="0"/>
           </a:p>
@@ -8284,23 +8272,7 @@
                   <a:schemeClr val="tx1"/>
                 </a:solidFill>
               </a:rPr>
-              <a:t>i</a:t>
-            </a:r>
-            <a:r>
-              <a:rPr lang="en-US" altLang="zh-TW" sz="800" dirty="0" smtClean="0">
-                <a:solidFill>
-                  <a:schemeClr val="tx1"/>
-                </a:solidFill>
-              </a:rPr>
-              <a:t>2c board </a:t>
-            </a:r>
-            <a:r>
-              <a:rPr lang="en-US" altLang="zh-TW" sz="800" dirty="0" smtClean="0">
-                <a:solidFill>
-                  <a:schemeClr val="tx1"/>
-                </a:solidFill>
-              </a:rPr>
-              <a:t>info</a:t>
+              <a:t>i2c board info</a:t>
             </a:r>
             <a:endParaRPr lang="zh-TW" altLang="en-US" sz="800" dirty="0" smtClean="0">
               <a:solidFill>
@@ -10624,11 +10596,7 @@
             </a:r>
             <a:r>
               <a:rPr lang="en-US" altLang="zh-TW" sz="1000" dirty="0" smtClean="0"/>
-              <a:t> </a:t>
-            </a:r>
-            <a:r>
-              <a:rPr lang="en-US" altLang="zh-TW" sz="1000" dirty="0" smtClean="0"/>
-              <a:t>Mode</a:t>
+              <a:t> Mode</a:t>
             </a:r>
             <a:endParaRPr lang="zh-TW" altLang="en-US" sz="1000" dirty="0" smtClean="0"/>
           </a:p>
@@ -10685,11 +10653,7 @@
             <a:pPr algn="ctr"/>
             <a:r>
               <a:rPr lang="en-US" altLang="zh-TW" sz="700" dirty="0" smtClean="0"/>
-              <a:t>Data(8) </a:t>
-            </a:r>
-            <a:r>
-              <a:rPr lang="en-US" altLang="zh-TW" sz="700" dirty="0" smtClean="0"/>
-              <a:t>= </a:t>
+              <a:t>Data(8) = </a:t>
             </a:r>
             <a:r>
               <a:rPr lang="en-US" altLang="zh-TW" sz="700" dirty="0" err="1" smtClean="0"/>
@@ -10697,15 +10661,7 @@
             </a:r>
             <a:r>
               <a:rPr lang="en-US" altLang="zh-TW" sz="700" dirty="0" smtClean="0"/>
-              <a:t>(7) </a:t>
-            </a:r>
-            <a:r>
-              <a:rPr lang="en-US" altLang="zh-TW" sz="700" dirty="0" smtClean="0"/>
-              <a:t>+ </a:t>
-            </a:r>
-            <a:r>
-              <a:rPr lang="en-US" altLang="zh-TW" sz="700" dirty="0" smtClean="0"/>
-              <a:t>W/R(1)</a:t>
+              <a:t>(7) + W/R(1)</a:t>
             </a:r>
             <a:endParaRPr lang="zh-TW" altLang="en-US" sz="700" dirty="0" smtClean="0"/>
           </a:p>
@@ -11262,15 +11218,7 @@
             <a:pPr algn="ctr"/>
             <a:r>
               <a:rPr lang="en-US" altLang="zh-TW" sz="1000" dirty="0" smtClean="0"/>
-              <a:t>Set I2C to </a:t>
-            </a:r>
-            <a:r>
-              <a:rPr lang="en-US" altLang="zh-TW" sz="1000" dirty="0" smtClean="0"/>
-              <a:t>Rx </a:t>
-            </a:r>
-            <a:r>
-              <a:rPr lang="en-US" altLang="zh-TW" sz="1000" dirty="0" smtClean="0"/>
-              <a:t>Mode</a:t>
+              <a:t>Set I2C to Rx Mode</a:t>
             </a:r>
             <a:endParaRPr lang="zh-TW" altLang="en-US" sz="1000" dirty="0" smtClean="0"/>
           </a:p>
@@ -11319,11 +11267,7 @@
             <a:pPr algn="ctr"/>
             <a:r>
               <a:rPr lang="en-US" altLang="zh-TW" sz="1000" dirty="0" smtClean="0"/>
-              <a:t>Read </a:t>
-            </a:r>
-            <a:r>
-              <a:rPr lang="en-US" altLang="zh-TW" sz="1000" dirty="0" smtClean="0"/>
-              <a:t>Rx Buffer</a:t>
+              <a:t>Read Rx Buffer</a:t>
             </a:r>
           </a:p>
         </p:txBody>
@@ -11622,11 +11566,7 @@
             </a:r>
             <a:r>
               <a:rPr lang="zh-TW" altLang="en-US" sz="1000" b="1" dirty="0" smtClean="0"/>
-              <a:t>等實際上</a:t>
-            </a:r>
-            <a:r>
-              <a:rPr lang="zh-TW" altLang="en-US" sz="1000" b="1" dirty="0" smtClean="0"/>
-              <a:t>的</a:t>
+              <a:t>等實際上的</a:t>
             </a:r>
             <a:r>
               <a:rPr lang="en-US" altLang="zh-TW" sz="1000" b="1" dirty="0" err="1" smtClean="0"/>
@@ -13301,7 +13241,7 @@
     </p:spTree>
     <p:extLst>
       <p:ext uri="{BB962C8B-B14F-4D97-AF65-F5344CB8AC3E}">
-        <p14:creationId xmlns="" xmlns:p14="http://schemas.microsoft.com/office/powerpoint/2010/main" val="553085013"/>
+        <p14:creationId xmlns:p14="http://schemas.microsoft.com/office/powerpoint/2010/main" xmlns="" val="553085013"/>
       </p:ext>
     </p:extLst>
   </p:cSld>
@@ -15143,23 +15083,7 @@
                   <a:schemeClr val="tx1"/>
                 </a:solidFill>
               </a:rPr>
-              <a:t>i</a:t>
-            </a:r>
-            <a:r>
-              <a:rPr lang="en-US" altLang="zh-TW" sz="800" dirty="0" smtClean="0">
-                <a:solidFill>
-                  <a:schemeClr val="tx1"/>
-                </a:solidFill>
-              </a:rPr>
-              <a:t>2c board </a:t>
-            </a:r>
-            <a:r>
-              <a:rPr lang="en-US" altLang="zh-TW" sz="800" dirty="0" smtClean="0">
-                <a:solidFill>
-                  <a:schemeClr val="tx1"/>
-                </a:solidFill>
-              </a:rPr>
-              <a:t>info</a:t>
+              <a:t>i2c board info</a:t>
             </a:r>
             <a:endParaRPr lang="zh-TW" altLang="en-US" sz="800" dirty="0" smtClean="0">
               <a:solidFill>
@@ -19528,13 +19452,8 @@
             <a:pPr lvl="1"/>
             <a:r>
               <a:rPr lang="en-US" altLang="zh-TW" dirty="0" smtClean="0"/>
-              <a:t>I2C Packet </a:t>
-            </a:r>
-            <a:r>
-              <a:rPr lang="en-US" altLang="zh-TW" dirty="0" smtClean="0"/>
-              <a:t>Format</a:t>
-            </a:r>
-            <a:endParaRPr lang="en-US" altLang="zh-TW" dirty="0" smtClean="0"/>
+              <a:t>I2C Packet Format</a:t>
+            </a:r>
           </a:p>
           <a:p>
             <a:r>
@@ -19605,7 +19524,7 @@
     </p:spTree>
     <p:extLst>
       <p:ext uri="{BB962C8B-B14F-4D97-AF65-F5344CB8AC3E}">
-        <p14:creationId xmlns:p14="http://schemas.microsoft.com/office/powerpoint/2010/main" xmlns="" val="3577142735"/>
+        <p14:creationId xmlns="" xmlns:p14="http://schemas.microsoft.com/office/powerpoint/2010/main" val="3577142735"/>
       </p:ext>
     </p:extLst>
   </p:cSld>
@@ -19757,15 +19676,7 @@
           <a:p>
             <a:r>
               <a:rPr lang="en-US" altLang="zh-TW" dirty="0" smtClean="0"/>
-              <a:t>Detail Register </a:t>
-            </a:r>
-            <a:r>
-              <a:rPr lang="en-US" altLang="zh-TW" dirty="0" smtClean="0"/>
-              <a:t>Description - MTXR</a:t>
-            </a:r>
-            <a:r>
-              <a:rPr lang="en-US" altLang="zh-TW" dirty="0" smtClean="0"/>
-              <a:t/>
+              <a:t>Detail Register Description - MTXR</a:t>
             </a:r>
             <a:br>
               <a:rPr lang="en-US" altLang="zh-TW" dirty="0" smtClean="0"/>
@@ -19870,15 +19781,7 @@
           <a:p>
             <a:r>
               <a:rPr lang="en-US" altLang="zh-TW" dirty="0" smtClean="0"/>
-              <a:t>Detail Register </a:t>
-            </a:r>
-            <a:r>
-              <a:rPr lang="en-US" altLang="zh-TW" dirty="0" smtClean="0"/>
-              <a:t>Description – SRXR, SADDR</a:t>
-            </a:r>
-            <a:r>
-              <a:rPr lang="en-US" altLang="zh-TW" dirty="0" smtClean="0"/>
-              <a:t/>
+              <a:t>Detail Register Description – SRXR, SADDR</a:t>
             </a:r>
             <a:br>
               <a:rPr lang="en-US" altLang="zh-TW" dirty="0" smtClean="0"/>
@@ -19981,11 +19884,7 @@
           <a:p>
             <a:r>
               <a:rPr lang="en-US" altLang="zh-TW" dirty="0" smtClean="0"/>
-              <a:t>Detail Register </a:t>
-            </a:r>
-            <a:r>
-              <a:rPr lang="en-US" altLang="zh-TW" dirty="0" smtClean="0"/>
-              <a:t>Description – I2C_IER</a:t>
+              <a:t>Detail Register Description – I2C_IER</a:t>
             </a:r>
             <a:endParaRPr lang="zh-TW" altLang="en-US" dirty="0"/>
           </a:p>
@@ -20085,11 +19984,7 @@
           <a:p>
             <a:r>
               <a:rPr lang="en-US" altLang="zh-TW" dirty="0" smtClean="0"/>
-              <a:t>Detail Register </a:t>
-            </a:r>
-            <a:r>
-              <a:rPr lang="en-US" altLang="zh-TW" dirty="0" smtClean="0"/>
-              <a:t>Description - ISR</a:t>
+              <a:t>Detail Register Description - ISR</a:t>
             </a:r>
             <a:endParaRPr lang="zh-TW" altLang="en-US" dirty="0"/>
           </a:p>
@@ -20188,11 +20083,7 @@
           <a:p>
             <a:r>
               <a:rPr lang="en-US" altLang="zh-TW" dirty="0" smtClean="0"/>
-              <a:t>Detail Register </a:t>
-            </a:r>
-            <a:r>
-              <a:rPr lang="en-US" altLang="zh-TW" dirty="0" smtClean="0"/>
-              <a:t>Description - LCMR</a:t>
+              <a:t>Detail Register Description - LCMR</a:t>
             </a:r>
             <a:endParaRPr lang="zh-TW" altLang="en-US" dirty="0"/>
           </a:p>
@@ -20292,11 +20183,7 @@
           <a:p>
             <a:r>
               <a:rPr lang="en-US" altLang="zh-TW" dirty="0" smtClean="0"/>
-              <a:t>Detail Register </a:t>
-            </a:r>
-            <a:r>
-              <a:rPr lang="en-US" altLang="zh-TW" dirty="0" smtClean="0"/>
-              <a:t>Description - LSR</a:t>
+              <a:t>Detail Register Description - LSR</a:t>
             </a:r>
             <a:endParaRPr lang="zh-TW" altLang="en-US" dirty="0"/>
           </a:p>
@@ -20396,11 +20283,7 @@
           <a:p>
             <a:r>
               <a:rPr lang="en-US" altLang="zh-TW" dirty="0" smtClean="0"/>
-              <a:t>Detail Register </a:t>
-            </a:r>
-            <a:r>
-              <a:rPr lang="en-US" altLang="zh-TW" dirty="0" smtClean="0"/>
-              <a:t>Description - CONR</a:t>
+              <a:t>Detail Register Description - CONR</a:t>
             </a:r>
             <a:endParaRPr lang="zh-TW" altLang="en-US" dirty="0"/>
           </a:p>
@@ -20500,11 +20383,7 @@
           <a:p>
             <a:r>
               <a:rPr lang="en-US" altLang="zh-TW" dirty="0" smtClean="0"/>
-              <a:t>Detail Register </a:t>
-            </a:r>
-            <a:r>
-              <a:rPr lang="en-US" altLang="zh-TW" dirty="0" smtClean="0"/>
-              <a:t>Description - OPR</a:t>
+              <a:t>Detail Register Description - OPR</a:t>
             </a:r>
             <a:endParaRPr lang="zh-TW" altLang="en-US" dirty="0"/>
           </a:p>
@@ -22362,7 +22241,7 @@
     </p:spTree>
     <p:extLst>
       <p:ext uri="{BB962C8B-B14F-4D97-AF65-F5344CB8AC3E}">
-        <p14:creationId xmlns="" xmlns:p14="http://schemas.microsoft.com/office/powerpoint/2010/main" val="1188013231"/>
+        <p14:creationId xmlns:p14="http://schemas.microsoft.com/office/powerpoint/2010/main" xmlns="" val="1188013231"/>
       </p:ext>
     </p:extLst>
   </p:cSld>
@@ -22903,7 +22782,7 @@
     </p:spTree>
     <p:extLst>
       <p:ext uri="{BB962C8B-B14F-4D97-AF65-F5344CB8AC3E}">
-        <p14:creationId xmlns="" xmlns:p14="http://schemas.microsoft.com/office/powerpoint/2010/main" val="2423379894"/>
+        <p14:creationId xmlns:p14="http://schemas.microsoft.com/office/powerpoint/2010/main" xmlns="" val="2423379894"/>
       </p:ext>
     </p:extLst>
   </p:cSld>
@@ -23179,7 +23058,7 @@
     </p:spTree>
     <p:extLst>
       <p:ext uri="{BB962C8B-B14F-4D97-AF65-F5344CB8AC3E}">
-        <p14:creationId xmlns="" xmlns:p14="http://schemas.microsoft.com/office/powerpoint/2010/main" val="2423379894"/>
+        <p14:creationId xmlns:p14="http://schemas.microsoft.com/office/powerpoint/2010/main" xmlns="" val="2423379894"/>
       </p:ext>
     </p:extLst>
   </p:cSld>
@@ -24124,7 +24003,7 @@
     </p:spTree>
     <p:extLst>
       <p:ext uri="{BB962C8B-B14F-4D97-AF65-F5344CB8AC3E}">
-        <p14:creationId xmlns="" xmlns:p14="http://schemas.microsoft.com/office/powerpoint/2010/main" val="2423379894"/>
+        <p14:creationId xmlns:p14="http://schemas.microsoft.com/office/powerpoint/2010/main" xmlns="" val="2423379894"/>
       </p:ext>
     </p:extLst>
   </p:cSld>
@@ -24953,17 +24832,7 @@
                   </a:schemeClr>
                 </a:solidFill>
               </a:rPr>
-              <a:t>Slave </a:t>
-            </a:r>
-            <a:r>
-              <a:rPr lang="en-US" sz="1600" b="1" dirty="0" smtClean="0">
-                <a:solidFill>
-                  <a:schemeClr val="tx2">
-                    <a:lumMod val="75000"/>
-                  </a:schemeClr>
-                </a:solidFill>
-              </a:rPr>
-              <a:t>Address </a:t>
+              <a:t>Slave Address </a:t>
             </a:r>
             <a:r>
               <a:rPr lang="en-US" sz="1600" dirty="0" smtClean="0"/>
@@ -25208,7 +25077,7 @@
     </p:spTree>
     <p:extLst>
       <p:ext uri="{BB962C8B-B14F-4D97-AF65-F5344CB8AC3E}">
-        <p14:creationId xmlns="" xmlns:p14="http://schemas.microsoft.com/office/powerpoint/2010/main" val="2423379894"/>
+        <p14:creationId xmlns:p14="http://schemas.microsoft.com/office/powerpoint/2010/main" xmlns="" val="2423379894"/>
       </p:ext>
     </p:extLst>
   </p:cSld>
@@ -25259,11 +25128,7 @@
           <a:p>
             <a:r>
               <a:rPr lang="en-US" altLang="zh-TW" dirty="0" smtClean="0"/>
-              <a:t>I2C Packet </a:t>
-            </a:r>
-            <a:r>
-              <a:rPr lang="en-US" altLang="zh-TW" dirty="0" smtClean="0"/>
-              <a:t>Format </a:t>
+              <a:t>I2C Packet Format </a:t>
             </a:r>
             <a:r>
               <a:rPr lang="en-US" altLang="zh-TW" dirty="0" smtClean="0">
@@ -25274,18 +25139,7 @@
                   </a:schemeClr>
                 </a:solidFill>
               </a:rPr>
-              <a:t>– </a:t>
-            </a:r>
-            <a:r>
-              <a:rPr lang="en-US" altLang="zh-TW" dirty="0" smtClean="0">
-                <a:solidFill>
-                  <a:schemeClr val="tx1">
-                    <a:lumMod val="95000"/>
-                    <a:lumOff val="5000"/>
-                  </a:schemeClr>
-                </a:solidFill>
-              </a:rPr>
-              <a:t>Write And Read</a:t>
+              <a:t>– Write And Read</a:t>
             </a:r>
           </a:p>
         </p:txBody>
@@ -26493,19 +26347,7 @@
           <a:p>
             <a:r>
               <a:rPr lang="zh-TW" altLang="en-US" sz="1000" b="1" dirty="0" smtClean="0"/>
-              <a:t>讀取資料</a:t>
-            </a:r>
-            <a:r>
-              <a:rPr lang="zh-TW" altLang="en-US" sz="1000" b="1" dirty="0" smtClean="0"/>
-              <a:t>的</a:t>
-            </a:r>
-            <a:r>
-              <a:rPr lang="zh-TW" altLang="en-US" sz="1000" b="1" dirty="0" smtClean="0"/>
-              <a:t>起始</a:t>
-            </a:r>
-            <a:r>
-              <a:rPr lang="zh-TW" altLang="en-US" sz="1000" b="1" dirty="0" smtClean="0"/>
-              <a:t>位置</a:t>
+              <a:t>讀取資料的起始位置</a:t>
             </a:r>
             <a:endParaRPr lang="zh-TW" altLang="en-US" sz="1000" b="1" dirty="0"/>
           </a:p>
@@ -26730,7 +26572,7 @@
     </p:spTree>
     <p:extLst>
       <p:ext uri="{BB962C8B-B14F-4D97-AF65-F5344CB8AC3E}">
-        <p14:creationId xmlns="" xmlns:p14="http://schemas.microsoft.com/office/powerpoint/2010/main" val="2423379894"/>
+        <p14:creationId xmlns:p14="http://schemas.microsoft.com/office/powerpoint/2010/main" xmlns="" val="2423379894"/>
       </p:ext>
     </p:extLst>
   </p:cSld>
@@ -26818,7 +26660,7 @@
     </p:spTree>
     <p:extLst>
       <p:ext uri="{BB962C8B-B14F-4D97-AF65-F5344CB8AC3E}">
-        <p14:creationId xmlns="" xmlns:p14="http://schemas.microsoft.com/office/powerpoint/2010/main" val="1188013231"/>
+        <p14:creationId xmlns:p14="http://schemas.microsoft.com/office/powerpoint/2010/main" xmlns="" val="1188013231"/>
       </p:ext>
     </p:extLst>
   </p:cSld>
@@ -28146,7 +27988,7 @@
         </p:nvSpPr>
         <p:spPr>
           <a:xfrm>
-            <a:off x="5916654" y="2569468"/>
+            <a:off x="5916654" y="2776200"/>
             <a:ext cx="1140056" cy="369332"/>
           </a:xfrm>
           <a:prstGeom prst="rect">
@@ -28197,8 +28039,8 @@
         </p:nvCxnSpPr>
         <p:spPr>
           <a:xfrm flipV="1">
-            <a:off x="5124566" y="2754134"/>
-            <a:ext cx="792088" cy="247382"/>
+            <a:off x="5124566" y="2960866"/>
+            <a:ext cx="792088" cy="40650"/>
           </a:xfrm>
           <a:prstGeom prst="straightConnector1">
             <a:avLst/>
@@ -28459,7 +28301,7 @@
         </p:nvSpPr>
         <p:spPr>
           <a:xfrm>
-            <a:off x="6156176" y="2281436"/>
+            <a:off x="6279113" y="1633364"/>
             <a:ext cx="2864887" cy="861774"/>
           </a:xfrm>
           <a:prstGeom prst="rect">
@@ -28981,11 +28823,7 @@
             </a:r>
             <a:r>
               <a:rPr lang="zh-TW" altLang="en-US" sz="1000" b="1" dirty="0" smtClean="0"/>
-              <a:t>等實際上</a:t>
-            </a:r>
-            <a:r>
-              <a:rPr lang="zh-TW" altLang="en-US" sz="1000" b="1" dirty="0" smtClean="0"/>
-              <a:t>的</a:t>
+              <a:t>等實際上的</a:t>
             </a:r>
             <a:r>
               <a:rPr lang="en-US" altLang="zh-TW" sz="1000" b="1" dirty="0" err="1" smtClean="0"/>
@@ -29012,8 +28850,8 @@
         </p:nvCxnSpPr>
         <p:spPr>
           <a:xfrm flipV="1">
-            <a:off x="5220072" y="2712323"/>
-            <a:ext cx="936104" cy="145177"/>
+            <a:off x="5436096" y="2064251"/>
+            <a:ext cx="843017" cy="649233"/>
           </a:xfrm>
           <a:prstGeom prst="straightConnector1">
             <a:avLst/>
@@ -29091,7 +28929,7 @@
         </p:nvSpPr>
         <p:spPr>
           <a:xfrm>
-            <a:off x="755576" y="1777380"/>
+            <a:off x="467544" y="1993404"/>
             <a:ext cx="1368152" cy="400110"/>
           </a:xfrm>
           <a:prstGeom prst="rect">
@@ -29107,11 +28945,7 @@
           <a:p>
             <a:r>
               <a:rPr lang="en-US" altLang="zh-TW" sz="1000" b="1" dirty="0" smtClean="0"/>
-              <a:t>I2C Device </a:t>
-            </a:r>
-            <a:r>
-              <a:rPr lang="en-US" altLang="zh-TW" sz="1000" b="1" dirty="0" smtClean="0"/>
-              <a:t>Driver</a:t>
+              <a:t>I2C Device Driver</a:t>
             </a:r>
           </a:p>
           <a:p>
@@ -29143,9 +28977,9 @@
           <p:nvPr/>
         </p:nvCxnSpPr>
         <p:spPr>
-          <a:xfrm flipH="1" flipV="1">
-            <a:off x="2123728" y="1977435"/>
-            <a:ext cx="840598" cy="159985"/>
+          <a:xfrm flipH="1">
+            <a:off x="1835696" y="2137420"/>
+            <a:ext cx="1128630" cy="56039"/>
           </a:xfrm>
           <a:prstGeom prst="straightConnector1">
             <a:avLst/>
@@ -29178,7 +29012,7 @@
     </p:spTree>
     <p:extLst>
       <p:ext uri="{BB962C8B-B14F-4D97-AF65-F5344CB8AC3E}">
-        <p14:creationId xmlns="" xmlns:p14="http://schemas.microsoft.com/office/powerpoint/2010/main" val="2423379894"/>
+        <p14:creationId xmlns:p14="http://schemas.microsoft.com/office/powerpoint/2010/main" xmlns="" val="2423379894"/>
       </p:ext>
     </p:extLst>
   </p:cSld>

--- a/i2c_report_ben.pptx
+++ b/i2c_report_ben.pptx
@@ -5,10 +5,10 @@
     <p:sldMasterId id="2147483648" r:id="rId1"/>
   </p:sldMasterIdLst>
   <p:notesMasterIdLst>
-    <p:notesMasterId r:id="rId33"/>
+    <p:notesMasterId r:id="rId34"/>
   </p:notesMasterIdLst>
   <p:handoutMasterIdLst>
-    <p:handoutMasterId r:id="rId34"/>
+    <p:handoutMasterId r:id="rId35"/>
   </p:handoutMasterIdLst>
   <p:sldIdLst>
     <p:sldId id="256" r:id="rId2"/>
@@ -22,49 +22,50 @@
     <p:sldId id="334" r:id="rId10"/>
     <p:sldId id="335" r:id="rId11"/>
     <p:sldId id="331" r:id="rId12"/>
-    <p:sldId id="258" r:id="rId13"/>
-    <p:sldId id="290" r:id="rId14"/>
-    <p:sldId id="336" r:id="rId15"/>
-    <p:sldId id="296" r:id="rId16"/>
-    <p:sldId id="306" r:id="rId17"/>
-    <p:sldId id="304" r:id="rId18"/>
-    <p:sldId id="302" r:id="rId19"/>
-    <p:sldId id="316" r:id="rId20"/>
-    <p:sldId id="317" r:id="rId21"/>
-    <p:sldId id="318" r:id="rId22"/>
-    <p:sldId id="319" r:id="rId23"/>
-    <p:sldId id="320" r:id="rId24"/>
-    <p:sldId id="321" r:id="rId25"/>
-    <p:sldId id="322" r:id="rId26"/>
-    <p:sldId id="323" r:id="rId27"/>
-    <p:sldId id="324" r:id="rId28"/>
-    <p:sldId id="325" r:id="rId29"/>
-    <p:sldId id="328" r:id="rId30"/>
-    <p:sldId id="333" r:id="rId31"/>
-    <p:sldId id="337" r:id="rId32"/>
+    <p:sldId id="338" r:id="rId13"/>
+    <p:sldId id="258" r:id="rId14"/>
+    <p:sldId id="290" r:id="rId15"/>
+    <p:sldId id="336" r:id="rId16"/>
+    <p:sldId id="296" r:id="rId17"/>
+    <p:sldId id="306" r:id="rId18"/>
+    <p:sldId id="304" r:id="rId19"/>
+    <p:sldId id="302" r:id="rId20"/>
+    <p:sldId id="316" r:id="rId21"/>
+    <p:sldId id="317" r:id="rId22"/>
+    <p:sldId id="318" r:id="rId23"/>
+    <p:sldId id="319" r:id="rId24"/>
+    <p:sldId id="320" r:id="rId25"/>
+    <p:sldId id="321" r:id="rId26"/>
+    <p:sldId id="322" r:id="rId27"/>
+    <p:sldId id="323" r:id="rId28"/>
+    <p:sldId id="324" r:id="rId29"/>
+    <p:sldId id="325" r:id="rId30"/>
+    <p:sldId id="328" r:id="rId31"/>
+    <p:sldId id="333" r:id="rId32"/>
+    <p:sldId id="337" r:id="rId33"/>
   </p:sldIdLst>
   <p:sldSz cx="9144000" cy="5715000" type="screen16x10"/>
   <p:notesSz cx="6858000" cy="9144000"/>
   <p:embeddedFontLst>
     <p:embeddedFont>
       <p:font typeface="Futura Bk BT"/>
-      <p:regular r:id="rId35"/>
+      <p:regular r:id="rId36"/>
     </p:embeddedFont>
     <p:embeddedFont>
       <p:font typeface="Arial Unicode MS" pitchFamily="34" charset="-120"/>
-      <p:regular r:id="rId36"/>
+      <p:regular r:id="rId37"/>
     </p:embeddedFont>
     <p:embeddedFont>
       <p:font typeface="微軟正黑體" pitchFamily="34" charset="-120"/>
-      <p:regular r:id="rId37"/>
-      <p:bold r:id="rId38"/>
+      <p:regular r:id="rId38"/>
+      <p:bold r:id="rId39"/>
     </p:embeddedFont>
     <p:embeddedFont>
       <p:font typeface="Calibri" pitchFamily="34" charset="0"/>
-      <p:regular r:id="rId39"/>
-      <p:bold r:id="rId40"/>
-      <p:italic r:id="rId41"/>
-      <p:boldItalic r:id="rId42"/>
+      <p:regular r:id="rId40"/>
+      <p:bold r:id="rId41"/>
+      <p:italic r:id="rId42"/>
+      <p:boldItalic r:id="rId43"/>
     </p:embeddedFont>
   </p:embeddedFontLst>
   <p:defaultTextStyle>
@@ -248,7 +249,7 @@
             <a:fld id="{325154A4-CA18-43B2-977D-6DF08BA83A3D}" type="datetimeFigureOut">
               <a:rPr lang="zh-TW" altLang="en-US" smtClean="0"/>
               <a:pPr/>
-              <a:t>2015/10/26</a:t>
+              <a:t>2015/11/23</a:t>
             </a:fld>
             <a:endParaRPr lang="zh-TW" altLang="en-US"/>
           </a:p>
@@ -324,7 +325,7 @@
     </p:spTree>
     <p:extLst>
       <p:ext uri="{BB962C8B-B14F-4D97-AF65-F5344CB8AC3E}">
-        <p14:creationId xmlns:p14="http://schemas.microsoft.com/office/powerpoint/2010/main" xmlns="" val="1745725823"/>
+        <p14:creationId xmlns="" xmlns:p14="http://schemas.microsoft.com/office/powerpoint/2010/main" val="1745725823"/>
       </p:ext>
     </p:extLst>
   </p:cSld>
@@ -415,7 +416,7 @@
             <a:fld id="{956157D8-F6D7-4F1C-8521-742A313DD9E2}" type="datetimeFigureOut">
               <a:rPr lang="zh-TW" altLang="en-US" smtClean="0"/>
               <a:pPr/>
-              <a:t>2015/10/26</a:t>
+              <a:t>2015/11/23</a:t>
             </a:fld>
             <a:endParaRPr lang="zh-TW" altLang="en-US"/>
           </a:p>
@@ -586,7 +587,7 @@
     </p:spTree>
     <p:extLst>
       <p:ext uri="{BB962C8B-B14F-4D97-AF65-F5344CB8AC3E}">
-        <p14:creationId xmlns:p14="http://schemas.microsoft.com/office/powerpoint/2010/main" xmlns="" val="3871340698"/>
+        <p14:creationId xmlns="" xmlns:p14="http://schemas.microsoft.com/office/powerpoint/2010/main" val="3871340698"/>
       </p:ext>
     </p:extLst>
   </p:cSld>
@@ -841,7 +842,7 @@
             <a:fld id="{AF8DC78C-5E18-4B5E-A3A5-B4400BC2AE47}" type="slidenum">
               <a:rPr lang="zh-TW" altLang="en-US" smtClean="0"/>
               <a:pPr/>
-              <a:t>30</a:t>
+              <a:t>31</a:t>
             </a:fld>
             <a:endParaRPr lang="zh-TW" altLang="en-US"/>
           </a:p>
@@ -923,7 +924,7 @@
             <a:fld id="{AF8DC78C-5E18-4B5E-A3A5-B4400BC2AE47}" type="slidenum">
               <a:rPr lang="zh-TW" altLang="en-US" smtClean="0"/>
               <a:pPr/>
-              <a:t>31</a:t>
+              <a:t>32</a:t>
             </a:fld>
             <a:endParaRPr lang="zh-TW" altLang="en-US"/>
           </a:p>
@@ -2310,7 +2311,7 @@
             <a:fld id="{AF8DC78C-5E18-4B5E-A3A5-B4400BC2AE47}" type="slidenum">
               <a:rPr lang="zh-TW" altLang="en-US" smtClean="0"/>
               <a:pPr/>
-              <a:t>14</a:t>
+              <a:t>15</a:t>
             </a:fld>
             <a:endParaRPr lang="zh-TW" altLang="en-US"/>
           </a:p>
@@ -2374,7 +2375,7 @@
           <a:blip r:embed="rId2" cstate="print">
             <a:extLst>
               <a:ext uri="{28A0092B-C50C-407E-A947-70E740481C1C}">
-                <a14:useLocalDpi xmlns:a14="http://schemas.microsoft.com/office/drawing/2010/main" xmlns="" val="0"/>
+                <a14:useLocalDpi xmlns="" xmlns:a14="http://schemas.microsoft.com/office/drawing/2010/main" val="0"/>
               </a:ext>
             </a:extLst>
           </a:blip>
@@ -2740,7 +2741,7 @@
     </p:spTree>
     <p:extLst>
       <p:ext uri="{BB962C8B-B14F-4D97-AF65-F5344CB8AC3E}">
-        <p14:creationId xmlns:p14="http://schemas.microsoft.com/office/powerpoint/2010/main" xmlns="" val="1604652190"/>
+        <p14:creationId xmlns="" xmlns:p14="http://schemas.microsoft.com/office/powerpoint/2010/main" val="1604652190"/>
       </p:ext>
     </p:extLst>
   </p:cSld>
@@ -2786,7 +2787,7 @@
           <a:blip r:embed="rId2" cstate="print">
             <a:extLst>
               <a:ext uri="{28A0092B-C50C-407E-A947-70E740481C1C}">
-                <a14:useLocalDpi xmlns:a14="http://schemas.microsoft.com/office/drawing/2010/main" xmlns="" val="0"/>
+                <a14:useLocalDpi xmlns="" xmlns:a14="http://schemas.microsoft.com/office/drawing/2010/main" val="0"/>
               </a:ext>
             </a:extLst>
           </a:blip>
@@ -2874,7 +2875,7 @@
     </p:spTree>
     <p:extLst>
       <p:ext uri="{BB962C8B-B14F-4D97-AF65-F5344CB8AC3E}">
-        <p14:creationId xmlns:p14="http://schemas.microsoft.com/office/powerpoint/2010/main" xmlns="" val="3828523544"/>
+        <p14:creationId xmlns="" xmlns:p14="http://schemas.microsoft.com/office/powerpoint/2010/main" val="3828523544"/>
       </p:ext>
     </p:extLst>
   </p:cSld>
@@ -5829,7 +5830,7 @@
           <a:blip r:embed="rId10" cstate="print">
             <a:extLst>
               <a:ext uri="{28A0092B-C50C-407E-A947-70E740481C1C}">
-                <a14:useLocalDpi xmlns:a14="http://schemas.microsoft.com/office/drawing/2010/main" xmlns="" val="0"/>
+                <a14:useLocalDpi xmlns="" xmlns:a14="http://schemas.microsoft.com/office/drawing/2010/main" val="0"/>
               </a:ext>
             </a:extLst>
           </a:blip>
@@ -6528,7 +6529,7 @@
                 <a:tabLst/>
                 <a:defRPr/>
               </a:pPr>
-              <a:t>2015/10/26</a:t>
+              <a:t>2015/11/23</a:t>
             </a:fld>
             <a:endParaRPr kumimoji="0" lang="zh-TW" altLang="en-US" sz="1050" b="0" i="0" u="none" strike="noStrike" kern="1200" cap="none" spc="0" normalizeH="0" baseline="0" noProof="0" dirty="0">
               <a:ln>
@@ -6553,7 +6554,7 @@
     </p:spTree>
     <p:extLst>
       <p:ext uri="{BB962C8B-B14F-4D97-AF65-F5344CB8AC3E}">
-        <p14:creationId xmlns:p14="http://schemas.microsoft.com/office/powerpoint/2010/main" xmlns="" val="495258064"/>
+        <p14:creationId xmlns="" xmlns:p14="http://schemas.microsoft.com/office/powerpoint/2010/main" val="495258064"/>
       </p:ext>
     </p:extLst>
   </p:cSld>
@@ -13238,10 +13239,2597 @@
           <a:chExt cx="0" cy="0"/>
         </a:xfrm>
       </p:grpSpPr>
+      <p:sp>
+        <p:nvSpPr>
+          <p:cNvPr id="3" name="標題 2"/>
+          <p:cNvSpPr>
+            <a:spLocks noGrp="1"/>
+          </p:cNvSpPr>
+          <p:nvPr>
+            <p:ph type="title"/>
+          </p:nvPr>
+        </p:nvSpPr>
+        <p:spPr/>
+        <p:txBody>
+          <a:bodyPr/>
+          <a:lstStyle/>
+          <a:p>
+            <a:r>
+              <a:rPr lang="en-US" altLang="zh-TW" dirty="0" smtClean="0"/>
+              <a:t>I2C – Algorithm –L6021</a:t>
+            </a:r>
+            <a:endParaRPr lang="zh-TW" altLang="en-US" dirty="0"/>
+          </a:p>
+        </p:txBody>
+      </p:sp>
+      <p:pic>
+        <p:nvPicPr>
+          <p:cNvPr id="1026" name="Picture 2"/>
+          <p:cNvPicPr>
+            <a:picLocks noChangeAspect="1" noChangeArrowheads="1"/>
+          </p:cNvPicPr>
+          <p:nvPr/>
+        </p:nvPicPr>
+        <p:blipFill>
+          <a:blip r:embed="rId2" cstate="print"/>
+          <a:srcRect/>
+          <a:stretch>
+            <a:fillRect/>
+          </a:stretch>
+        </p:blipFill>
+        <p:spPr bwMode="auto">
+          <a:xfrm>
+            <a:off x="1941165" y="882799"/>
+            <a:ext cx="4791075" cy="390525"/>
+          </a:xfrm>
+          <a:prstGeom prst="rect">
+            <a:avLst/>
+          </a:prstGeom>
+          <a:noFill/>
+          <a:ln w="9525">
+            <a:noFill/>
+            <a:miter lim="800000"/>
+            <a:headEnd/>
+            <a:tailEnd/>
+          </a:ln>
+        </p:spPr>
+      </p:pic>
+      <p:sp>
+        <p:nvSpPr>
+          <p:cNvPr id="10" name="矩形 9"/>
+          <p:cNvSpPr/>
+          <p:nvPr/>
+        </p:nvSpPr>
+        <p:spPr>
+          <a:xfrm>
+            <a:off x="1907704" y="841276"/>
+            <a:ext cx="2304256" cy="432048"/>
+          </a:xfrm>
+          <a:prstGeom prst="rect">
+            <a:avLst/>
+          </a:prstGeom>
+          <a:noFill/>
+          <a:ln w="12700">
+            <a:solidFill>
+              <a:srgbClr val="00B050"/>
+            </a:solidFill>
+            <a:prstDash val="sysDash"/>
+          </a:ln>
+        </p:spPr>
+        <p:style>
+          <a:lnRef idx="1">
+            <a:schemeClr val="accent1"/>
+          </a:lnRef>
+          <a:fillRef idx="3">
+            <a:schemeClr val="accent1"/>
+          </a:fillRef>
+          <a:effectRef idx="2">
+            <a:schemeClr val="accent1"/>
+          </a:effectRef>
+          <a:fontRef idx="minor">
+            <a:schemeClr val="lt1"/>
+          </a:fontRef>
+        </p:style>
+        <p:txBody>
+          <a:bodyPr rtlCol="0" anchor="ctr"/>
+          <a:lstStyle/>
+          <a:p>
+            <a:pPr marL="228600" indent="-228600"/>
+            <a:endParaRPr lang="en-US" altLang="zh-TW" sz="800" b="1" dirty="0" smtClean="0">
+              <a:solidFill>
+                <a:schemeClr val="tx1"/>
+              </a:solidFill>
+              <a:latin typeface="+mj-ea"/>
+              <a:ea typeface="+mj-ea"/>
+            </a:endParaRPr>
+          </a:p>
+        </p:txBody>
+      </p:sp>
+      <p:sp>
+        <p:nvSpPr>
+          <p:cNvPr id="11" name="矩形 10"/>
+          <p:cNvSpPr/>
+          <p:nvPr/>
+        </p:nvSpPr>
+        <p:spPr>
+          <a:xfrm>
+            <a:off x="6300192" y="841276"/>
+            <a:ext cx="504056" cy="432048"/>
+          </a:xfrm>
+          <a:prstGeom prst="rect">
+            <a:avLst/>
+          </a:prstGeom>
+          <a:noFill/>
+          <a:ln w="12700">
+            <a:solidFill>
+              <a:schemeClr val="tx1">
+                <a:lumMod val="65000"/>
+                <a:lumOff val="35000"/>
+              </a:schemeClr>
+            </a:solidFill>
+            <a:prstDash val="sysDash"/>
+          </a:ln>
+        </p:spPr>
+        <p:style>
+          <a:lnRef idx="1">
+            <a:schemeClr val="accent1"/>
+          </a:lnRef>
+          <a:fillRef idx="3">
+            <a:schemeClr val="accent1"/>
+          </a:fillRef>
+          <a:effectRef idx="2">
+            <a:schemeClr val="accent1"/>
+          </a:effectRef>
+          <a:fontRef idx="minor">
+            <a:schemeClr val="lt1"/>
+          </a:fontRef>
+        </p:style>
+        <p:txBody>
+          <a:bodyPr rtlCol="0" anchor="ctr"/>
+          <a:lstStyle/>
+          <a:p>
+            <a:pPr marL="228600" indent="-228600"/>
+            <a:endParaRPr lang="en-US" altLang="zh-TW" sz="800" b="1" dirty="0" smtClean="0">
+              <a:solidFill>
+                <a:schemeClr val="tx1"/>
+              </a:solidFill>
+              <a:latin typeface="+mj-ea"/>
+              <a:ea typeface="+mj-ea"/>
+            </a:endParaRPr>
+          </a:p>
+        </p:txBody>
+      </p:sp>
+      <p:sp>
+        <p:nvSpPr>
+          <p:cNvPr id="12" name="矩形 11"/>
+          <p:cNvSpPr/>
+          <p:nvPr/>
+        </p:nvSpPr>
+        <p:spPr>
+          <a:xfrm>
+            <a:off x="4427984" y="841276"/>
+            <a:ext cx="1080120" cy="432048"/>
+          </a:xfrm>
+          <a:prstGeom prst="rect">
+            <a:avLst/>
+          </a:prstGeom>
+          <a:noFill/>
+          <a:ln w="12700">
+            <a:solidFill>
+              <a:srgbClr val="FF0000"/>
+            </a:solidFill>
+            <a:prstDash val="sysDash"/>
+          </a:ln>
+        </p:spPr>
+        <p:style>
+          <a:lnRef idx="1">
+            <a:schemeClr val="accent1"/>
+          </a:lnRef>
+          <a:fillRef idx="3">
+            <a:schemeClr val="accent1"/>
+          </a:fillRef>
+          <a:effectRef idx="2">
+            <a:schemeClr val="accent1"/>
+          </a:effectRef>
+          <a:fontRef idx="minor">
+            <a:schemeClr val="lt1"/>
+          </a:fontRef>
+        </p:style>
+        <p:txBody>
+          <a:bodyPr rtlCol="0" anchor="ctr"/>
+          <a:lstStyle/>
+          <a:p>
+            <a:pPr marL="228600" indent="-228600"/>
+            <a:endParaRPr lang="en-US" altLang="zh-TW" sz="800" b="1" dirty="0" smtClean="0">
+              <a:solidFill>
+                <a:schemeClr val="tx1"/>
+              </a:solidFill>
+              <a:latin typeface="+mj-ea"/>
+              <a:ea typeface="+mj-ea"/>
+            </a:endParaRPr>
+          </a:p>
+        </p:txBody>
+      </p:sp>
+      <p:pic>
+        <p:nvPicPr>
+          <p:cNvPr id="1027" name="Picture 3"/>
+          <p:cNvPicPr>
+            <a:picLocks noChangeAspect="1" noChangeArrowheads="1"/>
+          </p:cNvPicPr>
+          <p:nvPr/>
+        </p:nvPicPr>
+        <p:blipFill>
+          <a:blip r:embed="rId3" cstate="print"/>
+          <a:srcRect/>
+          <a:stretch>
+            <a:fillRect/>
+          </a:stretch>
+        </p:blipFill>
+        <p:spPr bwMode="auto">
+          <a:xfrm>
+            <a:off x="1907705" y="1436059"/>
+            <a:ext cx="5040560" cy="403979"/>
+          </a:xfrm>
+          <a:prstGeom prst="rect">
+            <a:avLst/>
+          </a:prstGeom>
+          <a:noFill/>
+          <a:ln w="9525">
+            <a:noFill/>
+            <a:miter lim="800000"/>
+            <a:headEnd/>
+            <a:tailEnd/>
+          </a:ln>
+        </p:spPr>
+      </p:pic>
+      <p:sp>
+        <p:nvSpPr>
+          <p:cNvPr id="14" name="矩形 13"/>
+          <p:cNvSpPr/>
+          <p:nvPr/>
+        </p:nvSpPr>
+        <p:spPr>
+          <a:xfrm>
+            <a:off x="4499992" y="1417340"/>
+            <a:ext cx="1152128" cy="432048"/>
+          </a:xfrm>
+          <a:prstGeom prst="rect">
+            <a:avLst/>
+          </a:prstGeom>
+          <a:noFill/>
+          <a:ln w="12700">
+            <a:solidFill>
+              <a:srgbClr val="0070C0"/>
+            </a:solidFill>
+            <a:prstDash val="sysDash"/>
+          </a:ln>
+        </p:spPr>
+        <p:style>
+          <a:lnRef idx="1">
+            <a:schemeClr val="accent1"/>
+          </a:lnRef>
+          <a:fillRef idx="3">
+            <a:schemeClr val="accent1"/>
+          </a:fillRef>
+          <a:effectRef idx="2">
+            <a:schemeClr val="accent1"/>
+          </a:effectRef>
+          <a:fontRef idx="minor">
+            <a:schemeClr val="lt1"/>
+          </a:fontRef>
+        </p:style>
+        <p:txBody>
+          <a:bodyPr rtlCol="0" anchor="ctr"/>
+          <a:lstStyle/>
+          <a:p>
+            <a:pPr marL="228600" indent="-228600"/>
+            <a:endParaRPr lang="en-US" altLang="zh-TW" sz="800" b="1" dirty="0" smtClean="0">
+              <a:solidFill>
+                <a:schemeClr val="tx1"/>
+              </a:solidFill>
+              <a:latin typeface="+mj-ea"/>
+              <a:ea typeface="+mj-ea"/>
+            </a:endParaRPr>
+          </a:p>
+        </p:txBody>
+      </p:sp>
+      <p:sp>
+        <p:nvSpPr>
+          <p:cNvPr id="15" name="文字方塊 14"/>
+          <p:cNvSpPr txBox="1"/>
+          <p:nvPr/>
+        </p:nvSpPr>
+        <p:spPr>
+          <a:xfrm>
+            <a:off x="107504" y="2065412"/>
+            <a:ext cx="2449710" cy="276999"/>
+          </a:xfrm>
+          <a:prstGeom prst="rect">
+            <a:avLst/>
+          </a:prstGeom>
+          <a:noFill/>
+        </p:spPr>
+        <p:txBody>
+          <a:bodyPr wrap="none" rtlCol="0">
+            <a:spAutoFit/>
+          </a:bodyPr>
+          <a:lstStyle/>
+          <a:p>
+            <a:r>
+              <a:rPr lang="en-US" altLang="zh-TW" sz="1200" dirty="0" smtClean="0">
+                <a:solidFill>
+                  <a:srgbClr val="00B050"/>
+                </a:solidFill>
+              </a:rPr>
+              <a:t>Start Condition </a:t>
+            </a:r>
+            <a:r>
+              <a:rPr lang="en-US" altLang="zh-TW" sz="1200" dirty="0" smtClean="0"/>
+              <a:t>+ </a:t>
+            </a:r>
+            <a:r>
+              <a:rPr lang="en-US" altLang="zh-TW" sz="1200" dirty="0" err="1" smtClean="0">
+                <a:solidFill>
+                  <a:srgbClr val="006600"/>
+                </a:solidFill>
+              </a:rPr>
+              <a:t>Addr</a:t>
+            </a:r>
+            <a:r>
+              <a:rPr lang="en-US" altLang="zh-TW" sz="1200" dirty="0" smtClean="0">
+                <a:solidFill>
+                  <a:srgbClr val="006600"/>
+                </a:solidFill>
+              </a:rPr>
+              <a:t> </a:t>
+            </a:r>
+            <a:r>
+              <a:rPr lang="en-US" altLang="zh-TW" sz="1200" dirty="0" smtClean="0"/>
+              <a:t>+</a:t>
+            </a:r>
+            <a:r>
+              <a:rPr lang="en-US" altLang="zh-TW" sz="1200" dirty="0" smtClean="0">
+                <a:solidFill>
+                  <a:srgbClr val="006600"/>
+                </a:solidFill>
+              </a:rPr>
+              <a:t> R/W Bit</a:t>
+            </a:r>
+            <a:endParaRPr lang="zh-TW" altLang="en-US" sz="1200" dirty="0">
+              <a:solidFill>
+                <a:srgbClr val="006600"/>
+              </a:solidFill>
+            </a:endParaRPr>
+          </a:p>
+        </p:txBody>
+      </p:sp>
+      <p:sp>
+        <p:nvSpPr>
+          <p:cNvPr id="18" name="剪去並圓角化單一角落矩形 17"/>
+          <p:cNvSpPr/>
+          <p:nvPr/>
+        </p:nvSpPr>
+        <p:spPr>
+          <a:xfrm>
+            <a:off x="179512" y="2425452"/>
+            <a:ext cx="1440160" cy="360040"/>
+          </a:xfrm>
+          <a:prstGeom prst="snipRoundRect">
+            <a:avLst/>
+          </a:prstGeom>
+        </p:spPr>
+        <p:style>
+          <a:lnRef idx="1">
+            <a:schemeClr val="accent3"/>
+          </a:lnRef>
+          <a:fillRef idx="2">
+            <a:schemeClr val="accent3"/>
+          </a:fillRef>
+          <a:effectRef idx="1">
+            <a:schemeClr val="accent3"/>
+          </a:effectRef>
+          <a:fontRef idx="minor">
+            <a:schemeClr val="dk1"/>
+          </a:fontRef>
+        </p:style>
+        <p:txBody>
+          <a:bodyPr rtlCol="0" anchor="ctr"/>
+          <a:lstStyle/>
+          <a:p>
+            <a:pPr algn="ctr"/>
+            <a:r>
+              <a:rPr lang="en-US" altLang="zh-TW" sz="1000" dirty="0" smtClean="0"/>
+              <a:t>Set I2C to </a:t>
+            </a:r>
+            <a:r>
+              <a:rPr lang="en-US" altLang="zh-TW" sz="1000" dirty="0" err="1" smtClean="0"/>
+              <a:t>Tx</a:t>
+            </a:r>
+            <a:r>
+              <a:rPr lang="en-US" altLang="zh-TW" sz="1000" dirty="0" smtClean="0"/>
+              <a:t> Mode</a:t>
+            </a:r>
+            <a:endParaRPr lang="zh-TW" altLang="en-US" sz="1000" dirty="0" smtClean="0"/>
+          </a:p>
+        </p:txBody>
+      </p:sp>
+      <p:sp>
+        <p:nvSpPr>
+          <p:cNvPr id="19" name="剪去並圓角化單一角落矩形 18"/>
+          <p:cNvSpPr/>
+          <p:nvPr/>
+        </p:nvSpPr>
+        <p:spPr>
+          <a:xfrm>
+            <a:off x="179512" y="3001516"/>
+            <a:ext cx="1440160" cy="360040"/>
+          </a:xfrm>
+          <a:prstGeom prst="snipRoundRect">
+            <a:avLst/>
+          </a:prstGeom>
+        </p:spPr>
+        <p:style>
+          <a:lnRef idx="1">
+            <a:schemeClr val="accent3"/>
+          </a:lnRef>
+          <a:fillRef idx="2">
+            <a:schemeClr val="accent3"/>
+          </a:fillRef>
+          <a:effectRef idx="1">
+            <a:schemeClr val="accent3"/>
+          </a:effectRef>
+          <a:fontRef idx="minor">
+            <a:schemeClr val="dk1"/>
+          </a:fontRef>
+        </p:style>
+        <p:txBody>
+          <a:bodyPr rtlCol="0" anchor="ctr"/>
+          <a:lstStyle/>
+          <a:p>
+            <a:pPr algn="ctr"/>
+            <a:r>
+              <a:rPr lang="en-US" altLang="zh-TW" sz="1000" dirty="0" smtClean="0"/>
+              <a:t>Write to </a:t>
+            </a:r>
+            <a:r>
+              <a:rPr lang="en-US" altLang="zh-TW" sz="1000" dirty="0" err="1" smtClean="0"/>
+              <a:t>Tx</a:t>
+            </a:r>
+            <a:r>
+              <a:rPr lang="en-US" altLang="zh-TW" sz="1000" dirty="0" smtClean="0"/>
+              <a:t> Buffer</a:t>
+            </a:r>
+          </a:p>
+          <a:p>
+            <a:pPr algn="ctr"/>
+            <a:r>
+              <a:rPr lang="en-US" altLang="zh-TW" sz="700" dirty="0" smtClean="0"/>
+              <a:t>Data(8) = </a:t>
+            </a:r>
+            <a:r>
+              <a:rPr lang="en-US" altLang="zh-TW" sz="700" dirty="0" err="1" smtClean="0"/>
+              <a:t>Addr</a:t>
+            </a:r>
+            <a:r>
+              <a:rPr lang="en-US" altLang="zh-TW" sz="700" dirty="0" smtClean="0"/>
+              <a:t>(7) + W/R(1)</a:t>
+            </a:r>
+            <a:endParaRPr lang="zh-TW" altLang="en-US" sz="700" dirty="0" smtClean="0"/>
+          </a:p>
+        </p:txBody>
+      </p:sp>
+      <p:sp>
+        <p:nvSpPr>
+          <p:cNvPr id="20" name="剪去並圓角化單一角落矩形 19"/>
+          <p:cNvSpPr/>
+          <p:nvPr/>
+        </p:nvSpPr>
+        <p:spPr>
+          <a:xfrm>
+            <a:off x="179512" y="3577580"/>
+            <a:ext cx="1440160" cy="360040"/>
+          </a:xfrm>
+          <a:prstGeom prst="snipRoundRect">
+            <a:avLst/>
+          </a:prstGeom>
+        </p:spPr>
+        <p:style>
+          <a:lnRef idx="1">
+            <a:schemeClr val="accent3"/>
+          </a:lnRef>
+          <a:fillRef idx="2">
+            <a:schemeClr val="accent3"/>
+          </a:fillRef>
+          <a:effectRef idx="1">
+            <a:schemeClr val="accent3"/>
+          </a:effectRef>
+          <a:fontRef idx="minor">
+            <a:schemeClr val="dk1"/>
+          </a:fontRef>
+        </p:style>
+        <p:txBody>
+          <a:bodyPr rtlCol="0" anchor="ctr"/>
+          <a:lstStyle/>
+          <a:p>
+            <a:pPr algn="ctr"/>
+            <a:r>
+              <a:rPr lang="en-US" altLang="zh-TW" sz="1000" dirty="0" smtClean="0"/>
+              <a:t>Set Line Control</a:t>
+            </a:r>
+          </a:p>
+          <a:p>
+            <a:pPr algn="ctr"/>
+            <a:r>
+              <a:rPr lang="en-US" altLang="zh-TW" sz="1000" dirty="0" smtClean="0"/>
+              <a:t>&lt;</a:t>
+            </a:r>
+            <a:r>
+              <a:rPr lang="en-US" altLang="zh-TW" sz="1000" b="1" dirty="0" smtClean="0">
+                <a:solidFill>
+                  <a:srgbClr val="FF0000"/>
+                </a:solidFill>
+              </a:rPr>
+              <a:t>START</a:t>
+            </a:r>
+            <a:r>
+              <a:rPr lang="en-US" altLang="zh-TW" sz="1000" dirty="0" smtClean="0">
+                <a:solidFill>
+                  <a:srgbClr val="FF0000"/>
+                </a:solidFill>
+              </a:rPr>
+              <a:t> </a:t>
+            </a:r>
+            <a:r>
+              <a:rPr lang="en-US" altLang="zh-TW" sz="1000" dirty="0" smtClean="0"/>
+              <a:t>+ RESUME&gt;</a:t>
+            </a:r>
+          </a:p>
+        </p:txBody>
+      </p:sp>
+      <p:sp>
+        <p:nvSpPr>
+          <p:cNvPr id="21" name="剪去並圓角化單一角落矩形 20"/>
+          <p:cNvSpPr/>
+          <p:nvPr/>
+        </p:nvSpPr>
+        <p:spPr>
+          <a:xfrm>
+            <a:off x="179512" y="4153644"/>
+            <a:ext cx="1440160" cy="360040"/>
+          </a:xfrm>
+          <a:prstGeom prst="snipRoundRect">
+            <a:avLst/>
+          </a:prstGeom>
+        </p:spPr>
+        <p:style>
+          <a:lnRef idx="1">
+            <a:schemeClr val="accent3"/>
+          </a:lnRef>
+          <a:fillRef idx="2">
+            <a:schemeClr val="accent3"/>
+          </a:fillRef>
+          <a:effectRef idx="1">
+            <a:schemeClr val="accent3"/>
+          </a:effectRef>
+          <a:fontRef idx="minor">
+            <a:schemeClr val="dk1"/>
+          </a:fontRef>
+        </p:style>
+        <p:txBody>
+          <a:bodyPr rtlCol="0" anchor="ctr"/>
+          <a:lstStyle/>
+          <a:p>
+            <a:pPr algn="ctr"/>
+            <a:r>
+              <a:rPr lang="en-US" altLang="zh-TW" sz="1000" dirty="0" smtClean="0"/>
+              <a:t>Wait </a:t>
+            </a:r>
+            <a:r>
+              <a:rPr lang="en-US" altLang="zh-TW" sz="1000" dirty="0" err="1" smtClean="0"/>
+              <a:t>Ack</a:t>
+            </a:r>
+            <a:r>
+              <a:rPr lang="en-US" altLang="zh-TW" sz="1000" dirty="0" smtClean="0"/>
+              <a:t> Signal</a:t>
+            </a:r>
+            <a:endParaRPr lang="zh-TW" altLang="en-US" sz="1000" dirty="0" smtClean="0"/>
+          </a:p>
+        </p:txBody>
+      </p:sp>
+      <p:sp>
+        <p:nvSpPr>
+          <p:cNvPr id="22" name="文字方塊 21"/>
+          <p:cNvSpPr txBox="1"/>
+          <p:nvPr/>
+        </p:nvSpPr>
+        <p:spPr>
+          <a:xfrm>
+            <a:off x="2482330" y="2065412"/>
+            <a:ext cx="1089337" cy="276999"/>
+          </a:xfrm>
+          <a:prstGeom prst="rect">
+            <a:avLst/>
+          </a:prstGeom>
+          <a:noFill/>
+        </p:spPr>
+        <p:txBody>
+          <a:bodyPr wrap="none" rtlCol="0">
+            <a:spAutoFit/>
+          </a:bodyPr>
+          <a:lstStyle/>
+          <a:p>
+            <a:r>
+              <a:rPr lang="en-US" altLang="zh-TW" sz="1200" dirty="0" smtClean="0">
+                <a:solidFill>
+                  <a:srgbClr val="FF0000"/>
+                </a:solidFill>
+              </a:rPr>
+              <a:t>Data Transfer</a:t>
+            </a:r>
+            <a:endParaRPr lang="zh-TW" altLang="en-US" sz="1200" dirty="0">
+              <a:solidFill>
+                <a:srgbClr val="FF0000"/>
+              </a:solidFill>
+            </a:endParaRPr>
+          </a:p>
+        </p:txBody>
+      </p:sp>
+      <p:sp>
+        <p:nvSpPr>
+          <p:cNvPr id="23" name="剪去並圓角化單一角落矩形 22"/>
+          <p:cNvSpPr/>
+          <p:nvPr/>
+        </p:nvSpPr>
+        <p:spPr>
+          <a:xfrm>
+            <a:off x="2554338" y="2425452"/>
+            <a:ext cx="1440160" cy="360040"/>
+          </a:xfrm>
+          <a:prstGeom prst="snipRoundRect">
+            <a:avLst/>
+          </a:prstGeom>
+        </p:spPr>
+        <p:style>
+          <a:lnRef idx="1">
+            <a:schemeClr val="accent2"/>
+          </a:lnRef>
+          <a:fillRef idx="2">
+            <a:schemeClr val="accent2"/>
+          </a:fillRef>
+          <a:effectRef idx="1">
+            <a:schemeClr val="accent2"/>
+          </a:effectRef>
+          <a:fontRef idx="minor">
+            <a:schemeClr val="dk1"/>
+          </a:fontRef>
+        </p:style>
+        <p:txBody>
+          <a:bodyPr rtlCol="0" anchor="ctr"/>
+          <a:lstStyle/>
+          <a:p>
+            <a:pPr algn="ctr"/>
+            <a:r>
+              <a:rPr lang="en-US" altLang="zh-TW" sz="1000" dirty="0" smtClean="0"/>
+              <a:t>Set I2C to </a:t>
+            </a:r>
+            <a:r>
+              <a:rPr lang="en-US" altLang="zh-TW" sz="1000" dirty="0" err="1" smtClean="0"/>
+              <a:t>Tx</a:t>
+            </a:r>
+            <a:r>
+              <a:rPr lang="en-US" altLang="zh-TW" sz="1000" dirty="0" smtClean="0"/>
+              <a:t> Mode</a:t>
+            </a:r>
+            <a:endParaRPr lang="zh-TW" altLang="en-US" sz="1000" dirty="0" smtClean="0"/>
+          </a:p>
+        </p:txBody>
+      </p:sp>
+      <p:sp>
+        <p:nvSpPr>
+          <p:cNvPr id="24" name="剪去並圓角化單一角落矩形 23"/>
+          <p:cNvSpPr/>
+          <p:nvPr/>
+        </p:nvSpPr>
+        <p:spPr>
+          <a:xfrm>
+            <a:off x="2554338" y="3001516"/>
+            <a:ext cx="1440160" cy="360040"/>
+          </a:xfrm>
+          <a:prstGeom prst="snipRoundRect">
+            <a:avLst/>
+          </a:prstGeom>
+        </p:spPr>
+        <p:style>
+          <a:lnRef idx="1">
+            <a:schemeClr val="accent2"/>
+          </a:lnRef>
+          <a:fillRef idx="2">
+            <a:schemeClr val="accent2"/>
+          </a:fillRef>
+          <a:effectRef idx="1">
+            <a:schemeClr val="accent2"/>
+          </a:effectRef>
+          <a:fontRef idx="minor">
+            <a:schemeClr val="dk1"/>
+          </a:fontRef>
+        </p:style>
+        <p:txBody>
+          <a:bodyPr rtlCol="0" anchor="ctr"/>
+          <a:lstStyle/>
+          <a:p>
+            <a:pPr algn="ctr"/>
+            <a:r>
+              <a:rPr lang="en-US" altLang="zh-TW" sz="1100" dirty="0" smtClean="0"/>
+              <a:t>Write to </a:t>
+            </a:r>
+            <a:r>
+              <a:rPr lang="en-US" altLang="zh-TW" sz="1100" dirty="0" err="1" smtClean="0"/>
+              <a:t>Tx</a:t>
+            </a:r>
+            <a:r>
+              <a:rPr lang="en-US" altLang="zh-TW" sz="1100" dirty="0" smtClean="0"/>
+              <a:t> Buffer</a:t>
+            </a:r>
+          </a:p>
+          <a:p>
+            <a:pPr algn="ctr"/>
+            <a:r>
+              <a:rPr lang="en-US" altLang="zh-TW" sz="800" dirty="0" smtClean="0"/>
+              <a:t>Data(8) = </a:t>
+            </a:r>
+            <a:r>
+              <a:rPr lang="en-US" altLang="zh-TW" sz="800" dirty="0" err="1" smtClean="0"/>
+              <a:t>Cmd</a:t>
+            </a:r>
+            <a:r>
+              <a:rPr lang="en-US" altLang="zh-TW" sz="800" dirty="0" smtClean="0"/>
+              <a:t>/Data</a:t>
+            </a:r>
+            <a:endParaRPr lang="zh-TW" altLang="en-US" sz="800" dirty="0" smtClean="0"/>
+          </a:p>
+        </p:txBody>
+      </p:sp>
+      <p:sp>
+        <p:nvSpPr>
+          <p:cNvPr id="25" name="剪去並圓角化單一角落矩形 24"/>
+          <p:cNvSpPr/>
+          <p:nvPr/>
+        </p:nvSpPr>
+        <p:spPr>
+          <a:xfrm>
+            <a:off x="2554338" y="3577580"/>
+            <a:ext cx="1440160" cy="360040"/>
+          </a:xfrm>
+          <a:prstGeom prst="snipRoundRect">
+            <a:avLst/>
+          </a:prstGeom>
+        </p:spPr>
+        <p:style>
+          <a:lnRef idx="1">
+            <a:schemeClr val="accent2"/>
+          </a:lnRef>
+          <a:fillRef idx="2">
+            <a:schemeClr val="accent2"/>
+          </a:fillRef>
+          <a:effectRef idx="1">
+            <a:schemeClr val="accent2"/>
+          </a:effectRef>
+          <a:fontRef idx="minor">
+            <a:schemeClr val="dk1"/>
+          </a:fontRef>
+        </p:style>
+        <p:txBody>
+          <a:bodyPr rtlCol="0" anchor="ctr"/>
+          <a:lstStyle/>
+          <a:p>
+            <a:pPr algn="ctr"/>
+            <a:r>
+              <a:rPr lang="en-US" altLang="zh-TW" sz="1000" dirty="0" smtClean="0"/>
+              <a:t>Set Line Control</a:t>
+            </a:r>
+          </a:p>
+          <a:p>
+            <a:pPr algn="ctr"/>
+            <a:r>
+              <a:rPr lang="en-US" altLang="zh-TW" sz="1000" dirty="0" smtClean="0"/>
+              <a:t>&lt;RESUME&gt;</a:t>
+            </a:r>
+          </a:p>
+        </p:txBody>
+      </p:sp>
+      <p:sp>
+        <p:nvSpPr>
+          <p:cNvPr id="26" name="剪去並圓角化單一角落矩形 25"/>
+          <p:cNvSpPr/>
+          <p:nvPr/>
+        </p:nvSpPr>
+        <p:spPr>
+          <a:xfrm>
+            <a:off x="2554338" y="4153644"/>
+            <a:ext cx="1440160" cy="360040"/>
+          </a:xfrm>
+          <a:prstGeom prst="snipRoundRect">
+            <a:avLst/>
+          </a:prstGeom>
+        </p:spPr>
+        <p:style>
+          <a:lnRef idx="1">
+            <a:schemeClr val="accent2"/>
+          </a:lnRef>
+          <a:fillRef idx="2">
+            <a:schemeClr val="accent2"/>
+          </a:fillRef>
+          <a:effectRef idx="1">
+            <a:schemeClr val="accent2"/>
+          </a:effectRef>
+          <a:fontRef idx="minor">
+            <a:schemeClr val="dk1"/>
+          </a:fontRef>
+        </p:style>
+        <p:txBody>
+          <a:bodyPr rtlCol="0" anchor="ctr"/>
+          <a:lstStyle/>
+          <a:p>
+            <a:pPr algn="ctr"/>
+            <a:r>
+              <a:rPr lang="en-US" altLang="zh-TW" sz="1000" dirty="0" smtClean="0"/>
+              <a:t>Wait </a:t>
+            </a:r>
+            <a:r>
+              <a:rPr lang="en-US" altLang="zh-TW" sz="1000" dirty="0" err="1" smtClean="0"/>
+              <a:t>Ack</a:t>
+            </a:r>
+            <a:r>
+              <a:rPr lang="en-US" altLang="zh-TW" sz="1000" dirty="0" smtClean="0"/>
+              <a:t> Signal</a:t>
+            </a:r>
+            <a:endParaRPr lang="zh-TW" altLang="en-US" sz="1000" dirty="0" smtClean="0"/>
+          </a:p>
+        </p:txBody>
+      </p:sp>
+      <p:sp>
+        <p:nvSpPr>
+          <p:cNvPr id="27" name="文字方塊 26"/>
+          <p:cNvSpPr txBox="1"/>
+          <p:nvPr/>
+        </p:nvSpPr>
+        <p:spPr>
+          <a:xfrm>
+            <a:off x="6300192" y="2065412"/>
+            <a:ext cx="1184940" cy="276999"/>
+          </a:xfrm>
+          <a:prstGeom prst="rect">
+            <a:avLst/>
+          </a:prstGeom>
+          <a:noFill/>
+        </p:spPr>
+        <p:txBody>
+          <a:bodyPr wrap="none" rtlCol="0">
+            <a:spAutoFit/>
+          </a:bodyPr>
+          <a:lstStyle/>
+          <a:p>
+            <a:r>
+              <a:rPr lang="en-US" altLang="zh-TW" sz="1200" dirty="0" smtClean="0">
+                <a:solidFill>
+                  <a:schemeClr val="tx1">
+                    <a:lumMod val="65000"/>
+                    <a:lumOff val="35000"/>
+                  </a:schemeClr>
+                </a:solidFill>
+              </a:rPr>
+              <a:t>Stop Condition</a:t>
+            </a:r>
+            <a:endParaRPr lang="zh-TW" altLang="en-US" sz="1200" dirty="0">
+              <a:solidFill>
+                <a:schemeClr val="tx1">
+                  <a:lumMod val="65000"/>
+                  <a:lumOff val="35000"/>
+                </a:schemeClr>
+              </a:solidFill>
+            </a:endParaRPr>
+          </a:p>
+        </p:txBody>
+      </p:sp>
+      <p:sp>
+        <p:nvSpPr>
+          <p:cNvPr id="30" name="剪去並圓角化單一角落矩形 29"/>
+          <p:cNvSpPr/>
+          <p:nvPr/>
+        </p:nvSpPr>
+        <p:spPr>
+          <a:xfrm>
+            <a:off x="6372200" y="2425452"/>
+            <a:ext cx="1440160" cy="360040"/>
+          </a:xfrm>
+          <a:prstGeom prst="snipRoundRect">
+            <a:avLst/>
+          </a:prstGeom>
+        </p:spPr>
+        <p:style>
+          <a:lnRef idx="1">
+            <a:schemeClr val="dk1"/>
+          </a:lnRef>
+          <a:fillRef idx="2">
+            <a:schemeClr val="dk1"/>
+          </a:fillRef>
+          <a:effectRef idx="1">
+            <a:schemeClr val="dk1"/>
+          </a:effectRef>
+          <a:fontRef idx="minor">
+            <a:schemeClr val="dk1"/>
+          </a:fontRef>
+        </p:style>
+        <p:txBody>
+          <a:bodyPr rtlCol="0" anchor="ctr"/>
+          <a:lstStyle/>
+          <a:p>
+            <a:pPr algn="ctr"/>
+            <a:r>
+              <a:rPr lang="en-US" altLang="zh-TW" sz="1000" dirty="0" smtClean="0"/>
+              <a:t>Set Line Control</a:t>
+            </a:r>
+          </a:p>
+          <a:p>
+            <a:pPr algn="ctr"/>
+            <a:r>
+              <a:rPr lang="en-US" altLang="zh-TW" sz="1000" dirty="0" smtClean="0"/>
+              <a:t>&lt;</a:t>
+            </a:r>
+            <a:r>
+              <a:rPr lang="en-US" altLang="zh-TW" sz="1000" b="1" dirty="0" smtClean="0">
+                <a:solidFill>
+                  <a:srgbClr val="FF0000"/>
+                </a:solidFill>
+              </a:rPr>
+              <a:t>STOP</a:t>
+            </a:r>
+            <a:r>
+              <a:rPr lang="en-US" altLang="zh-TW" sz="1000" dirty="0" smtClean="0"/>
+              <a:t>&gt;</a:t>
+            </a:r>
+          </a:p>
+        </p:txBody>
+      </p:sp>
+      <p:sp>
+        <p:nvSpPr>
+          <p:cNvPr id="32" name="文字方塊 31"/>
+          <p:cNvSpPr txBox="1"/>
+          <p:nvPr/>
+        </p:nvSpPr>
+        <p:spPr>
+          <a:xfrm>
+            <a:off x="4427984" y="2065412"/>
+            <a:ext cx="1104790" cy="276999"/>
+          </a:xfrm>
+          <a:prstGeom prst="rect">
+            <a:avLst/>
+          </a:prstGeom>
+          <a:noFill/>
+        </p:spPr>
+        <p:txBody>
+          <a:bodyPr wrap="none" rtlCol="0">
+            <a:spAutoFit/>
+          </a:bodyPr>
+          <a:lstStyle/>
+          <a:p>
+            <a:r>
+              <a:rPr lang="en-US" altLang="zh-TW" sz="1200" dirty="0" smtClean="0">
+                <a:solidFill>
+                  <a:schemeClr val="accent1">
+                    <a:lumMod val="75000"/>
+                  </a:schemeClr>
+                </a:solidFill>
+              </a:rPr>
+              <a:t>Data Receiver</a:t>
+            </a:r>
+            <a:endParaRPr lang="zh-TW" altLang="en-US" sz="1200" dirty="0">
+              <a:solidFill>
+                <a:schemeClr val="accent1">
+                  <a:lumMod val="75000"/>
+                </a:schemeClr>
+              </a:solidFill>
+            </a:endParaRPr>
+          </a:p>
+        </p:txBody>
+      </p:sp>
+      <p:sp>
+        <p:nvSpPr>
+          <p:cNvPr id="33" name="剪去並圓角化單一角落矩形 32"/>
+          <p:cNvSpPr/>
+          <p:nvPr/>
+        </p:nvSpPr>
+        <p:spPr>
+          <a:xfrm>
+            <a:off x="4499992" y="2425452"/>
+            <a:ext cx="1440160" cy="360040"/>
+          </a:xfrm>
+          <a:prstGeom prst="snipRoundRect">
+            <a:avLst/>
+          </a:prstGeom>
+        </p:spPr>
+        <p:style>
+          <a:lnRef idx="1">
+            <a:schemeClr val="accent1"/>
+          </a:lnRef>
+          <a:fillRef idx="2">
+            <a:schemeClr val="accent1"/>
+          </a:fillRef>
+          <a:effectRef idx="1">
+            <a:schemeClr val="accent1"/>
+          </a:effectRef>
+          <a:fontRef idx="minor">
+            <a:schemeClr val="dk1"/>
+          </a:fontRef>
+        </p:style>
+        <p:txBody>
+          <a:bodyPr rtlCol="0" anchor="ctr"/>
+          <a:lstStyle/>
+          <a:p>
+            <a:pPr algn="ctr"/>
+            <a:r>
+              <a:rPr lang="en-US" altLang="zh-TW" sz="1000" dirty="0" smtClean="0"/>
+              <a:t>Set I2C to Rx Mode</a:t>
+            </a:r>
+            <a:endParaRPr lang="zh-TW" altLang="en-US" sz="1000" dirty="0" smtClean="0"/>
+          </a:p>
+        </p:txBody>
+      </p:sp>
+      <p:sp>
+        <p:nvSpPr>
+          <p:cNvPr id="34" name="剪去並圓角化單一角落矩形 33"/>
+          <p:cNvSpPr/>
+          <p:nvPr/>
+        </p:nvSpPr>
+        <p:spPr>
+          <a:xfrm>
+            <a:off x="4499992" y="3577580"/>
+            <a:ext cx="1440160" cy="360040"/>
+          </a:xfrm>
+          <a:prstGeom prst="snipRoundRect">
+            <a:avLst/>
+          </a:prstGeom>
+        </p:spPr>
+        <p:style>
+          <a:lnRef idx="1">
+            <a:schemeClr val="accent1"/>
+          </a:lnRef>
+          <a:fillRef idx="2">
+            <a:schemeClr val="accent1"/>
+          </a:fillRef>
+          <a:effectRef idx="1">
+            <a:schemeClr val="accent1"/>
+          </a:effectRef>
+          <a:fontRef idx="minor">
+            <a:schemeClr val="dk1"/>
+          </a:fontRef>
+        </p:style>
+        <p:txBody>
+          <a:bodyPr rtlCol="0" anchor="ctr"/>
+          <a:lstStyle/>
+          <a:p>
+            <a:pPr algn="ctr"/>
+            <a:r>
+              <a:rPr lang="en-US" altLang="zh-TW" sz="800" dirty="0" smtClean="0"/>
+              <a:t>Wait interrupt</a:t>
+            </a:r>
+          </a:p>
+          <a:p>
+            <a:pPr algn="ctr"/>
+            <a:r>
+              <a:rPr lang="en-US" altLang="zh-TW" sz="1000" dirty="0" smtClean="0"/>
+              <a:t>Read Rx Buffer</a:t>
+            </a:r>
+          </a:p>
+        </p:txBody>
+      </p:sp>
+      <p:sp>
+        <p:nvSpPr>
+          <p:cNvPr id="35" name="剪去並圓角化單一角落矩形 34"/>
+          <p:cNvSpPr/>
+          <p:nvPr/>
+        </p:nvSpPr>
+        <p:spPr>
+          <a:xfrm>
+            <a:off x="4499992" y="3001516"/>
+            <a:ext cx="1440160" cy="360040"/>
+          </a:xfrm>
+          <a:prstGeom prst="snipRoundRect">
+            <a:avLst/>
+          </a:prstGeom>
+        </p:spPr>
+        <p:style>
+          <a:lnRef idx="1">
+            <a:schemeClr val="accent1"/>
+          </a:lnRef>
+          <a:fillRef idx="2">
+            <a:schemeClr val="accent1"/>
+          </a:fillRef>
+          <a:effectRef idx="1">
+            <a:schemeClr val="accent1"/>
+          </a:effectRef>
+          <a:fontRef idx="minor">
+            <a:schemeClr val="dk1"/>
+          </a:fontRef>
+        </p:style>
+        <p:txBody>
+          <a:bodyPr rtlCol="0" anchor="ctr"/>
+          <a:lstStyle/>
+          <a:p>
+            <a:pPr algn="ctr"/>
+            <a:r>
+              <a:rPr lang="en-US" altLang="zh-TW" sz="1000" dirty="0" smtClean="0"/>
+              <a:t>Set Line Control</a:t>
+            </a:r>
+          </a:p>
+          <a:p>
+            <a:pPr algn="ctr"/>
+            <a:r>
+              <a:rPr lang="en-US" altLang="zh-TW" sz="1000" dirty="0" smtClean="0"/>
+              <a:t>&lt;RESUME&gt;</a:t>
+            </a:r>
+          </a:p>
+        </p:txBody>
+      </p:sp>
+      <p:sp>
+        <p:nvSpPr>
+          <p:cNvPr id="36" name="剪去並圓角化單一角落矩形 35"/>
+          <p:cNvSpPr/>
+          <p:nvPr/>
+        </p:nvSpPr>
+        <p:spPr>
+          <a:xfrm>
+            <a:off x="4499992" y="4153644"/>
+            <a:ext cx="1440160" cy="360040"/>
+          </a:xfrm>
+          <a:prstGeom prst="snipRoundRect">
+            <a:avLst/>
+          </a:prstGeom>
+        </p:spPr>
+        <p:style>
+          <a:lnRef idx="1">
+            <a:schemeClr val="accent1"/>
+          </a:lnRef>
+          <a:fillRef idx="2">
+            <a:schemeClr val="accent1"/>
+          </a:fillRef>
+          <a:effectRef idx="1">
+            <a:schemeClr val="accent1"/>
+          </a:effectRef>
+          <a:fontRef idx="minor">
+            <a:schemeClr val="dk1"/>
+          </a:fontRef>
+        </p:style>
+        <p:txBody>
+          <a:bodyPr rtlCol="0" anchor="ctr"/>
+          <a:lstStyle/>
+          <a:p>
+            <a:pPr algn="ctr"/>
+            <a:r>
+              <a:rPr lang="en-US" altLang="zh-TW" sz="1000" dirty="0" smtClean="0"/>
+              <a:t>Send </a:t>
+            </a:r>
+            <a:r>
+              <a:rPr lang="en-US" altLang="zh-TW" sz="1000" dirty="0" err="1" smtClean="0"/>
+              <a:t>Ack</a:t>
+            </a:r>
+            <a:r>
+              <a:rPr lang="en-US" altLang="zh-TW" sz="1000" dirty="0" smtClean="0"/>
+              <a:t> Signal</a:t>
+            </a:r>
+            <a:endParaRPr lang="zh-TW" altLang="en-US" sz="1000" dirty="0" smtClean="0"/>
+          </a:p>
+        </p:txBody>
+      </p:sp>
+      <p:sp>
+        <p:nvSpPr>
+          <p:cNvPr id="28" name="文字方塊 27"/>
+          <p:cNvSpPr txBox="1"/>
+          <p:nvPr/>
+        </p:nvSpPr>
+        <p:spPr>
+          <a:xfrm>
+            <a:off x="7236296" y="913284"/>
+            <a:ext cx="1584176" cy="861774"/>
+          </a:xfrm>
+          <a:prstGeom prst="rect">
+            <a:avLst/>
+          </a:prstGeom>
+          <a:noFill/>
+        </p:spPr>
+        <p:txBody>
+          <a:bodyPr wrap="square" rtlCol="0">
+            <a:spAutoFit/>
+          </a:bodyPr>
+          <a:lstStyle/>
+          <a:p>
+            <a:r>
+              <a:rPr lang="zh-TW" altLang="en-US" sz="1000" b="1" dirty="0" smtClean="0"/>
+              <a:t>對應</a:t>
+            </a:r>
+            <a:r>
+              <a:rPr lang="en-US" altLang="zh-TW" sz="1000" b="1" dirty="0" err="1" smtClean="0"/>
+              <a:t>SoC</a:t>
+            </a:r>
+            <a:r>
+              <a:rPr lang="zh-TW" altLang="en-US" sz="1000" b="1" dirty="0" smtClean="0"/>
+              <a:t>的</a:t>
+            </a:r>
+            <a:r>
+              <a:rPr lang="en-US" altLang="zh-TW" sz="1000" b="1" dirty="0" smtClean="0">
+                <a:solidFill>
+                  <a:schemeClr val="accent5">
+                    <a:lumMod val="75000"/>
+                  </a:schemeClr>
+                </a:solidFill>
+              </a:rPr>
+              <a:t>I2C</a:t>
+            </a:r>
+            <a:r>
+              <a:rPr lang="zh-TW" altLang="en-US" sz="1000" b="1" dirty="0" smtClean="0">
+                <a:solidFill>
+                  <a:schemeClr val="accent5">
+                    <a:lumMod val="75000"/>
+                  </a:schemeClr>
+                </a:solidFill>
+              </a:rPr>
+              <a:t>通信方法</a:t>
+            </a:r>
+            <a:r>
+              <a:rPr lang="en-US" altLang="zh-TW" sz="1000" b="1" dirty="0" smtClean="0">
+                <a:solidFill>
+                  <a:schemeClr val="accent5">
+                    <a:lumMod val="75000"/>
+                  </a:schemeClr>
+                </a:solidFill>
+              </a:rPr>
+              <a:t>,</a:t>
+            </a:r>
+            <a:r>
+              <a:rPr lang="zh-TW" altLang="en-US" sz="1000" b="1" dirty="0" smtClean="0">
+                <a:solidFill>
+                  <a:schemeClr val="accent5">
+                    <a:lumMod val="75000"/>
+                  </a:schemeClr>
+                </a:solidFill>
+              </a:rPr>
+              <a:t> </a:t>
+            </a:r>
+            <a:r>
+              <a:rPr lang="zh-TW" altLang="en-US" sz="1000" b="1" dirty="0" smtClean="0"/>
+              <a:t>包括</a:t>
+            </a:r>
+            <a:r>
+              <a:rPr lang="en-US" altLang="zh-TW" sz="1000" b="1" dirty="0" smtClean="0"/>
+              <a:t>I2C </a:t>
+            </a:r>
+            <a:r>
+              <a:rPr lang="en-US" altLang="zh-TW" sz="1000" b="1" dirty="0" smtClean="0">
+                <a:solidFill>
+                  <a:schemeClr val="accent5">
+                    <a:lumMod val="75000"/>
+                  </a:schemeClr>
+                </a:solidFill>
+              </a:rPr>
+              <a:t>Start Condition</a:t>
+            </a:r>
+            <a:r>
+              <a:rPr lang="en-US" altLang="zh-TW" sz="1000" b="1" dirty="0" smtClean="0"/>
+              <a:t>, </a:t>
+            </a:r>
+            <a:r>
+              <a:rPr lang="en-US" altLang="zh-TW" sz="1000" b="1" dirty="0" smtClean="0">
+                <a:solidFill>
+                  <a:schemeClr val="accent5">
+                    <a:lumMod val="75000"/>
+                  </a:schemeClr>
+                </a:solidFill>
+              </a:rPr>
+              <a:t>Stop Condition</a:t>
+            </a:r>
+            <a:r>
+              <a:rPr lang="en-US" altLang="zh-TW" sz="1000" b="1" dirty="0" smtClean="0"/>
+              <a:t>,</a:t>
+            </a:r>
+            <a:r>
+              <a:rPr lang="zh-TW" altLang="en-US" sz="1000" b="1" dirty="0" smtClean="0">
+                <a:solidFill>
+                  <a:schemeClr val="accent5">
+                    <a:lumMod val="75000"/>
+                  </a:schemeClr>
+                </a:solidFill>
+              </a:rPr>
+              <a:t> </a:t>
+            </a:r>
+            <a:r>
+              <a:rPr lang="en-US" altLang="zh-TW" sz="1000" b="1" dirty="0" smtClean="0">
+                <a:solidFill>
+                  <a:schemeClr val="accent5">
+                    <a:lumMod val="75000"/>
+                  </a:schemeClr>
+                </a:solidFill>
+              </a:rPr>
+              <a:t>Data</a:t>
+            </a:r>
+            <a:r>
+              <a:rPr lang="zh-TW" altLang="en-US" sz="1000" b="1" dirty="0" smtClean="0">
+                <a:solidFill>
+                  <a:schemeClr val="accent5">
+                    <a:lumMod val="75000"/>
+                  </a:schemeClr>
+                </a:solidFill>
+              </a:rPr>
+              <a:t> </a:t>
+            </a:r>
+            <a:r>
+              <a:rPr lang="en-US" altLang="zh-TW" sz="1000" b="1" dirty="0" smtClean="0">
+                <a:solidFill>
+                  <a:schemeClr val="accent5">
+                    <a:lumMod val="75000"/>
+                  </a:schemeClr>
+                </a:solidFill>
+              </a:rPr>
+              <a:t>Transmit</a:t>
+            </a:r>
+            <a:r>
+              <a:rPr lang="en-US" altLang="zh-TW" sz="1000" b="1" dirty="0" smtClean="0"/>
+              <a:t>,</a:t>
+            </a:r>
+            <a:r>
+              <a:rPr lang="zh-TW" altLang="en-US" sz="1000" b="1" dirty="0" smtClean="0">
+                <a:solidFill>
+                  <a:schemeClr val="accent5">
+                    <a:lumMod val="75000"/>
+                  </a:schemeClr>
+                </a:solidFill>
+              </a:rPr>
+              <a:t> </a:t>
+            </a:r>
+            <a:r>
+              <a:rPr lang="en-US" altLang="zh-TW" sz="1000" b="1" dirty="0" smtClean="0">
+                <a:solidFill>
+                  <a:schemeClr val="accent5">
+                    <a:lumMod val="75000"/>
+                  </a:schemeClr>
+                </a:solidFill>
+              </a:rPr>
+              <a:t>Data</a:t>
+            </a:r>
+            <a:r>
+              <a:rPr lang="zh-TW" altLang="en-US" sz="1000" b="1" dirty="0" smtClean="0">
+                <a:solidFill>
+                  <a:schemeClr val="accent5">
+                    <a:lumMod val="75000"/>
+                  </a:schemeClr>
+                </a:solidFill>
+              </a:rPr>
+              <a:t> </a:t>
+            </a:r>
+            <a:r>
+              <a:rPr lang="en-US" altLang="zh-TW" sz="1000" b="1" dirty="0" smtClean="0">
+                <a:solidFill>
+                  <a:schemeClr val="accent5">
+                    <a:lumMod val="75000"/>
+                  </a:schemeClr>
+                </a:solidFill>
+              </a:rPr>
+              <a:t>Receive</a:t>
+            </a:r>
+            <a:r>
+              <a:rPr lang="zh-TW" altLang="en-US" sz="1000" b="1" dirty="0" smtClean="0"/>
+              <a:t>等實際上的</a:t>
+            </a:r>
+            <a:r>
+              <a:rPr lang="en-US" altLang="zh-TW" sz="1000" b="1" dirty="0" err="1" smtClean="0"/>
+              <a:t>Reg</a:t>
+            </a:r>
+            <a:r>
+              <a:rPr lang="zh-TW" altLang="en-US" sz="1000" b="1" dirty="0" smtClean="0"/>
+              <a:t>設定</a:t>
+            </a:r>
+            <a:r>
+              <a:rPr lang="en-US" altLang="zh-TW" sz="1000" b="1" dirty="0" smtClean="0"/>
+              <a:t>.</a:t>
+            </a:r>
+            <a:endParaRPr lang="zh-TW" altLang="en-US" dirty="0"/>
+          </a:p>
+        </p:txBody>
+      </p:sp>
+    </p:spTree>
+  </p:cSld>
+  <p:clrMapOvr>
+    <a:masterClrMapping/>
+  </p:clrMapOvr>
+  <p:timing>
+    <p:tnLst>
+      <p:par>
+        <p:cTn id="1" dur="indefinite" restart="never" nodeType="tmRoot">
+          <p:childTnLst>
+            <p:seq concurrent="1" nextAc="seek">
+              <p:cTn id="2" dur="indefinite" nodeType="mainSeq">
+                <p:childTnLst>
+                  <p:par>
+                    <p:cTn id="3" fill="hold">
+                      <p:stCondLst>
+                        <p:cond delay="indefinite"/>
+                      </p:stCondLst>
+                      <p:childTnLst>
+                        <p:par>
+                          <p:cTn id="4" fill="hold">
+                            <p:stCondLst>
+                              <p:cond delay="0"/>
+                            </p:stCondLst>
+                            <p:childTnLst>
+                              <p:par>
+                                <p:cTn id="5" presetID="4" presetClass="entr" presetSubtype="16" fill="hold" grpId="0" nodeType="clickEffect">
+                                  <p:stCondLst>
+                                    <p:cond delay="0"/>
+                                  </p:stCondLst>
+                                  <p:childTnLst>
+                                    <p:set>
+                                      <p:cBhvr>
+                                        <p:cTn id="6" dur="1" fill="hold">
+                                          <p:stCondLst>
+                                            <p:cond delay="0"/>
+                                          </p:stCondLst>
+                                        </p:cTn>
+                                        <p:tgtEl>
+                                          <p:spTgt spid="15"/>
+                                        </p:tgtEl>
+                                        <p:attrNameLst>
+                                          <p:attrName>style.visibility</p:attrName>
+                                        </p:attrNameLst>
+                                      </p:cBhvr>
+                                      <p:to>
+                                        <p:strVal val="visible"/>
+                                      </p:to>
+                                    </p:set>
+                                    <p:animEffect transition="in" filter="box(in)">
+                                      <p:cBhvr>
+                                        <p:cTn id="7" dur="1000"/>
+                                        <p:tgtEl>
+                                          <p:spTgt spid="15"/>
+                                        </p:tgtEl>
+                                      </p:cBhvr>
+                                    </p:animEffect>
+                                  </p:childTnLst>
+                                </p:cTn>
+                              </p:par>
+                              <p:par>
+                                <p:cTn id="8" presetID="4" presetClass="entr" presetSubtype="16" fill="hold" grpId="0" nodeType="withEffect">
+                                  <p:stCondLst>
+                                    <p:cond delay="0"/>
+                                  </p:stCondLst>
+                                  <p:childTnLst>
+                                    <p:set>
+                                      <p:cBhvr>
+                                        <p:cTn id="9" dur="1" fill="hold">
+                                          <p:stCondLst>
+                                            <p:cond delay="0"/>
+                                          </p:stCondLst>
+                                        </p:cTn>
+                                        <p:tgtEl>
+                                          <p:spTgt spid="18"/>
+                                        </p:tgtEl>
+                                        <p:attrNameLst>
+                                          <p:attrName>style.visibility</p:attrName>
+                                        </p:attrNameLst>
+                                      </p:cBhvr>
+                                      <p:to>
+                                        <p:strVal val="visible"/>
+                                      </p:to>
+                                    </p:set>
+                                    <p:animEffect transition="in" filter="box(in)">
+                                      <p:cBhvr>
+                                        <p:cTn id="10" dur="1000"/>
+                                        <p:tgtEl>
+                                          <p:spTgt spid="18"/>
+                                        </p:tgtEl>
+                                      </p:cBhvr>
+                                    </p:animEffect>
+                                  </p:childTnLst>
+                                </p:cTn>
+                              </p:par>
+                              <p:par>
+                                <p:cTn id="11" presetID="4" presetClass="entr" presetSubtype="16" fill="hold" grpId="0" nodeType="withEffect">
+                                  <p:stCondLst>
+                                    <p:cond delay="0"/>
+                                  </p:stCondLst>
+                                  <p:childTnLst>
+                                    <p:set>
+                                      <p:cBhvr>
+                                        <p:cTn id="12" dur="1" fill="hold">
+                                          <p:stCondLst>
+                                            <p:cond delay="0"/>
+                                          </p:stCondLst>
+                                        </p:cTn>
+                                        <p:tgtEl>
+                                          <p:spTgt spid="19"/>
+                                        </p:tgtEl>
+                                        <p:attrNameLst>
+                                          <p:attrName>style.visibility</p:attrName>
+                                        </p:attrNameLst>
+                                      </p:cBhvr>
+                                      <p:to>
+                                        <p:strVal val="visible"/>
+                                      </p:to>
+                                    </p:set>
+                                    <p:animEffect transition="in" filter="box(in)">
+                                      <p:cBhvr>
+                                        <p:cTn id="13" dur="1000"/>
+                                        <p:tgtEl>
+                                          <p:spTgt spid="19"/>
+                                        </p:tgtEl>
+                                      </p:cBhvr>
+                                    </p:animEffect>
+                                  </p:childTnLst>
+                                </p:cTn>
+                              </p:par>
+                              <p:par>
+                                <p:cTn id="14" presetID="4" presetClass="entr" presetSubtype="16" fill="hold" grpId="0" nodeType="withEffect">
+                                  <p:stCondLst>
+                                    <p:cond delay="0"/>
+                                  </p:stCondLst>
+                                  <p:childTnLst>
+                                    <p:set>
+                                      <p:cBhvr>
+                                        <p:cTn id="15" dur="1" fill="hold">
+                                          <p:stCondLst>
+                                            <p:cond delay="0"/>
+                                          </p:stCondLst>
+                                        </p:cTn>
+                                        <p:tgtEl>
+                                          <p:spTgt spid="20"/>
+                                        </p:tgtEl>
+                                        <p:attrNameLst>
+                                          <p:attrName>style.visibility</p:attrName>
+                                        </p:attrNameLst>
+                                      </p:cBhvr>
+                                      <p:to>
+                                        <p:strVal val="visible"/>
+                                      </p:to>
+                                    </p:set>
+                                    <p:animEffect transition="in" filter="box(in)">
+                                      <p:cBhvr>
+                                        <p:cTn id="16" dur="1000"/>
+                                        <p:tgtEl>
+                                          <p:spTgt spid="20"/>
+                                        </p:tgtEl>
+                                      </p:cBhvr>
+                                    </p:animEffect>
+                                  </p:childTnLst>
+                                </p:cTn>
+                              </p:par>
+                              <p:par>
+                                <p:cTn id="17" presetID="4" presetClass="entr" presetSubtype="16" fill="hold" grpId="0" nodeType="withEffect">
+                                  <p:stCondLst>
+                                    <p:cond delay="0"/>
+                                  </p:stCondLst>
+                                  <p:childTnLst>
+                                    <p:set>
+                                      <p:cBhvr>
+                                        <p:cTn id="18" dur="1" fill="hold">
+                                          <p:stCondLst>
+                                            <p:cond delay="0"/>
+                                          </p:stCondLst>
+                                        </p:cTn>
+                                        <p:tgtEl>
+                                          <p:spTgt spid="21"/>
+                                        </p:tgtEl>
+                                        <p:attrNameLst>
+                                          <p:attrName>style.visibility</p:attrName>
+                                        </p:attrNameLst>
+                                      </p:cBhvr>
+                                      <p:to>
+                                        <p:strVal val="visible"/>
+                                      </p:to>
+                                    </p:set>
+                                    <p:animEffect transition="in" filter="box(in)">
+                                      <p:cBhvr>
+                                        <p:cTn id="19" dur="1000"/>
+                                        <p:tgtEl>
+                                          <p:spTgt spid="21"/>
+                                        </p:tgtEl>
+                                      </p:cBhvr>
+                                    </p:animEffect>
+                                  </p:childTnLst>
+                                </p:cTn>
+                              </p:par>
+                            </p:childTnLst>
+                          </p:cTn>
+                        </p:par>
+                      </p:childTnLst>
+                    </p:cTn>
+                  </p:par>
+                  <p:par>
+                    <p:cTn id="20" fill="hold">
+                      <p:stCondLst>
+                        <p:cond delay="indefinite"/>
+                      </p:stCondLst>
+                      <p:childTnLst>
+                        <p:par>
+                          <p:cTn id="21" fill="hold">
+                            <p:stCondLst>
+                              <p:cond delay="0"/>
+                            </p:stCondLst>
+                            <p:childTnLst>
+                              <p:par>
+                                <p:cTn id="22" presetID="4" presetClass="entr" presetSubtype="16" fill="hold" grpId="0" nodeType="clickEffect">
+                                  <p:stCondLst>
+                                    <p:cond delay="0"/>
+                                  </p:stCondLst>
+                                  <p:childTnLst>
+                                    <p:set>
+                                      <p:cBhvr>
+                                        <p:cTn id="23" dur="1" fill="hold">
+                                          <p:stCondLst>
+                                            <p:cond delay="0"/>
+                                          </p:stCondLst>
+                                        </p:cTn>
+                                        <p:tgtEl>
+                                          <p:spTgt spid="23"/>
+                                        </p:tgtEl>
+                                        <p:attrNameLst>
+                                          <p:attrName>style.visibility</p:attrName>
+                                        </p:attrNameLst>
+                                      </p:cBhvr>
+                                      <p:to>
+                                        <p:strVal val="visible"/>
+                                      </p:to>
+                                    </p:set>
+                                    <p:animEffect transition="in" filter="box(in)">
+                                      <p:cBhvr>
+                                        <p:cTn id="24" dur="1000"/>
+                                        <p:tgtEl>
+                                          <p:spTgt spid="23"/>
+                                        </p:tgtEl>
+                                      </p:cBhvr>
+                                    </p:animEffect>
+                                  </p:childTnLst>
+                                </p:cTn>
+                              </p:par>
+                              <p:par>
+                                <p:cTn id="25" presetID="4" presetClass="entr" presetSubtype="16" fill="hold" grpId="0" nodeType="withEffect">
+                                  <p:stCondLst>
+                                    <p:cond delay="0"/>
+                                  </p:stCondLst>
+                                  <p:childTnLst>
+                                    <p:set>
+                                      <p:cBhvr>
+                                        <p:cTn id="26" dur="1" fill="hold">
+                                          <p:stCondLst>
+                                            <p:cond delay="0"/>
+                                          </p:stCondLst>
+                                        </p:cTn>
+                                        <p:tgtEl>
+                                          <p:spTgt spid="24"/>
+                                        </p:tgtEl>
+                                        <p:attrNameLst>
+                                          <p:attrName>style.visibility</p:attrName>
+                                        </p:attrNameLst>
+                                      </p:cBhvr>
+                                      <p:to>
+                                        <p:strVal val="visible"/>
+                                      </p:to>
+                                    </p:set>
+                                    <p:animEffect transition="in" filter="box(in)">
+                                      <p:cBhvr>
+                                        <p:cTn id="27" dur="1000"/>
+                                        <p:tgtEl>
+                                          <p:spTgt spid="24"/>
+                                        </p:tgtEl>
+                                      </p:cBhvr>
+                                    </p:animEffect>
+                                  </p:childTnLst>
+                                </p:cTn>
+                              </p:par>
+                              <p:par>
+                                <p:cTn id="28" presetID="4" presetClass="entr" presetSubtype="16" fill="hold" grpId="1" nodeType="withEffect">
+                                  <p:stCondLst>
+                                    <p:cond delay="0"/>
+                                  </p:stCondLst>
+                                  <p:childTnLst>
+                                    <p:set>
+                                      <p:cBhvr>
+                                        <p:cTn id="29" dur="1" fill="hold">
+                                          <p:stCondLst>
+                                            <p:cond delay="0"/>
+                                          </p:stCondLst>
+                                        </p:cTn>
+                                        <p:tgtEl>
+                                          <p:spTgt spid="22"/>
+                                        </p:tgtEl>
+                                        <p:attrNameLst>
+                                          <p:attrName>style.visibility</p:attrName>
+                                        </p:attrNameLst>
+                                      </p:cBhvr>
+                                      <p:to>
+                                        <p:strVal val="visible"/>
+                                      </p:to>
+                                    </p:set>
+                                    <p:animEffect transition="in" filter="box(in)">
+                                      <p:cBhvr>
+                                        <p:cTn id="30" dur="1000"/>
+                                        <p:tgtEl>
+                                          <p:spTgt spid="22"/>
+                                        </p:tgtEl>
+                                      </p:cBhvr>
+                                    </p:animEffect>
+                                  </p:childTnLst>
+                                </p:cTn>
+                              </p:par>
+                              <p:par>
+                                <p:cTn id="31" presetID="4" presetClass="entr" presetSubtype="16" fill="hold" grpId="0" nodeType="withEffect">
+                                  <p:stCondLst>
+                                    <p:cond delay="0"/>
+                                  </p:stCondLst>
+                                  <p:childTnLst>
+                                    <p:set>
+                                      <p:cBhvr>
+                                        <p:cTn id="32" dur="1" fill="hold">
+                                          <p:stCondLst>
+                                            <p:cond delay="0"/>
+                                          </p:stCondLst>
+                                        </p:cTn>
+                                        <p:tgtEl>
+                                          <p:spTgt spid="25"/>
+                                        </p:tgtEl>
+                                        <p:attrNameLst>
+                                          <p:attrName>style.visibility</p:attrName>
+                                        </p:attrNameLst>
+                                      </p:cBhvr>
+                                      <p:to>
+                                        <p:strVal val="visible"/>
+                                      </p:to>
+                                    </p:set>
+                                    <p:animEffect transition="in" filter="box(in)">
+                                      <p:cBhvr>
+                                        <p:cTn id="33" dur="1000"/>
+                                        <p:tgtEl>
+                                          <p:spTgt spid="25"/>
+                                        </p:tgtEl>
+                                      </p:cBhvr>
+                                    </p:animEffect>
+                                  </p:childTnLst>
+                                </p:cTn>
+                              </p:par>
+                              <p:par>
+                                <p:cTn id="34" presetID="4" presetClass="entr" presetSubtype="16" fill="hold" grpId="0" nodeType="withEffect">
+                                  <p:stCondLst>
+                                    <p:cond delay="0"/>
+                                  </p:stCondLst>
+                                  <p:childTnLst>
+                                    <p:set>
+                                      <p:cBhvr>
+                                        <p:cTn id="35" dur="1" fill="hold">
+                                          <p:stCondLst>
+                                            <p:cond delay="0"/>
+                                          </p:stCondLst>
+                                        </p:cTn>
+                                        <p:tgtEl>
+                                          <p:spTgt spid="26"/>
+                                        </p:tgtEl>
+                                        <p:attrNameLst>
+                                          <p:attrName>style.visibility</p:attrName>
+                                        </p:attrNameLst>
+                                      </p:cBhvr>
+                                      <p:to>
+                                        <p:strVal val="visible"/>
+                                      </p:to>
+                                    </p:set>
+                                    <p:animEffect transition="in" filter="box(in)">
+                                      <p:cBhvr>
+                                        <p:cTn id="36" dur="1000"/>
+                                        <p:tgtEl>
+                                          <p:spTgt spid="26"/>
+                                        </p:tgtEl>
+                                      </p:cBhvr>
+                                    </p:animEffect>
+                                  </p:childTnLst>
+                                </p:cTn>
+                              </p:par>
+                            </p:childTnLst>
+                          </p:cTn>
+                        </p:par>
+                      </p:childTnLst>
+                    </p:cTn>
+                  </p:par>
+                  <p:par>
+                    <p:cTn id="37" fill="hold">
+                      <p:stCondLst>
+                        <p:cond delay="indefinite"/>
+                      </p:stCondLst>
+                      <p:childTnLst>
+                        <p:par>
+                          <p:cTn id="38" fill="hold">
+                            <p:stCondLst>
+                              <p:cond delay="0"/>
+                            </p:stCondLst>
+                            <p:childTnLst>
+                              <p:par>
+                                <p:cTn id="39" presetID="4" presetClass="entr" presetSubtype="16" fill="hold" grpId="0" nodeType="clickEffect">
+                                  <p:stCondLst>
+                                    <p:cond delay="0"/>
+                                  </p:stCondLst>
+                                  <p:childTnLst>
+                                    <p:set>
+                                      <p:cBhvr>
+                                        <p:cTn id="40" dur="1" fill="hold">
+                                          <p:stCondLst>
+                                            <p:cond delay="0"/>
+                                          </p:stCondLst>
+                                        </p:cTn>
+                                        <p:tgtEl>
+                                          <p:spTgt spid="32"/>
+                                        </p:tgtEl>
+                                        <p:attrNameLst>
+                                          <p:attrName>style.visibility</p:attrName>
+                                        </p:attrNameLst>
+                                      </p:cBhvr>
+                                      <p:to>
+                                        <p:strVal val="visible"/>
+                                      </p:to>
+                                    </p:set>
+                                    <p:animEffect transition="in" filter="box(in)">
+                                      <p:cBhvr>
+                                        <p:cTn id="41" dur="1000"/>
+                                        <p:tgtEl>
+                                          <p:spTgt spid="32"/>
+                                        </p:tgtEl>
+                                      </p:cBhvr>
+                                    </p:animEffect>
+                                  </p:childTnLst>
+                                </p:cTn>
+                              </p:par>
+                              <p:par>
+                                <p:cTn id="42" presetID="4" presetClass="entr" presetSubtype="16" fill="hold" grpId="0" nodeType="withEffect">
+                                  <p:stCondLst>
+                                    <p:cond delay="0"/>
+                                  </p:stCondLst>
+                                  <p:childTnLst>
+                                    <p:set>
+                                      <p:cBhvr>
+                                        <p:cTn id="43" dur="1" fill="hold">
+                                          <p:stCondLst>
+                                            <p:cond delay="0"/>
+                                          </p:stCondLst>
+                                        </p:cTn>
+                                        <p:tgtEl>
+                                          <p:spTgt spid="33"/>
+                                        </p:tgtEl>
+                                        <p:attrNameLst>
+                                          <p:attrName>style.visibility</p:attrName>
+                                        </p:attrNameLst>
+                                      </p:cBhvr>
+                                      <p:to>
+                                        <p:strVal val="visible"/>
+                                      </p:to>
+                                    </p:set>
+                                    <p:animEffect transition="in" filter="box(in)">
+                                      <p:cBhvr>
+                                        <p:cTn id="44" dur="1000"/>
+                                        <p:tgtEl>
+                                          <p:spTgt spid="33"/>
+                                        </p:tgtEl>
+                                      </p:cBhvr>
+                                    </p:animEffect>
+                                  </p:childTnLst>
+                                </p:cTn>
+                              </p:par>
+                              <p:par>
+                                <p:cTn id="45" presetID="4" presetClass="entr" presetSubtype="16" fill="hold" grpId="0" nodeType="withEffect">
+                                  <p:stCondLst>
+                                    <p:cond delay="0"/>
+                                  </p:stCondLst>
+                                  <p:childTnLst>
+                                    <p:set>
+                                      <p:cBhvr>
+                                        <p:cTn id="46" dur="1" fill="hold">
+                                          <p:stCondLst>
+                                            <p:cond delay="0"/>
+                                          </p:stCondLst>
+                                        </p:cTn>
+                                        <p:tgtEl>
+                                          <p:spTgt spid="34"/>
+                                        </p:tgtEl>
+                                        <p:attrNameLst>
+                                          <p:attrName>style.visibility</p:attrName>
+                                        </p:attrNameLst>
+                                      </p:cBhvr>
+                                      <p:to>
+                                        <p:strVal val="visible"/>
+                                      </p:to>
+                                    </p:set>
+                                    <p:animEffect transition="in" filter="box(in)">
+                                      <p:cBhvr>
+                                        <p:cTn id="47" dur="1000"/>
+                                        <p:tgtEl>
+                                          <p:spTgt spid="34"/>
+                                        </p:tgtEl>
+                                      </p:cBhvr>
+                                    </p:animEffect>
+                                  </p:childTnLst>
+                                </p:cTn>
+                              </p:par>
+                              <p:par>
+                                <p:cTn id="48" presetID="4" presetClass="entr" presetSubtype="16" fill="hold" grpId="0" nodeType="withEffect">
+                                  <p:stCondLst>
+                                    <p:cond delay="0"/>
+                                  </p:stCondLst>
+                                  <p:childTnLst>
+                                    <p:set>
+                                      <p:cBhvr>
+                                        <p:cTn id="49" dur="1" fill="hold">
+                                          <p:stCondLst>
+                                            <p:cond delay="0"/>
+                                          </p:stCondLst>
+                                        </p:cTn>
+                                        <p:tgtEl>
+                                          <p:spTgt spid="35"/>
+                                        </p:tgtEl>
+                                        <p:attrNameLst>
+                                          <p:attrName>style.visibility</p:attrName>
+                                        </p:attrNameLst>
+                                      </p:cBhvr>
+                                      <p:to>
+                                        <p:strVal val="visible"/>
+                                      </p:to>
+                                    </p:set>
+                                    <p:animEffect transition="in" filter="box(in)">
+                                      <p:cBhvr>
+                                        <p:cTn id="50" dur="1000"/>
+                                        <p:tgtEl>
+                                          <p:spTgt spid="35"/>
+                                        </p:tgtEl>
+                                      </p:cBhvr>
+                                    </p:animEffect>
+                                  </p:childTnLst>
+                                </p:cTn>
+                              </p:par>
+                              <p:par>
+                                <p:cTn id="51" presetID="4" presetClass="entr" presetSubtype="16" fill="hold" grpId="0" nodeType="withEffect">
+                                  <p:stCondLst>
+                                    <p:cond delay="0"/>
+                                  </p:stCondLst>
+                                  <p:childTnLst>
+                                    <p:set>
+                                      <p:cBhvr>
+                                        <p:cTn id="52" dur="1" fill="hold">
+                                          <p:stCondLst>
+                                            <p:cond delay="0"/>
+                                          </p:stCondLst>
+                                        </p:cTn>
+                                        <p:tgtEl>
+                                          <p:spTgt spid="36"/>
+                                        </p:tgtEl>
+                                        <p:attrNameLst>
+                                          <p:attrName>style.visibility</p:attrName>
+                                        </p:attrNameLst>
+                                      </p:cBhvr>
+                                      <p:to>
+                                        <p:strVal val="visible"/>
+                                      </p:to>
+                                    </p:set>
+                                    <p:animEffect transition="in" filter="box(in)">
+                                      <p:cBhvr>
+                                        <p:cTn id="53" dur="1000"/>
+                                        <p:tgtEl>
+                                          <p:spTgt spid="36"/>
+                                        </p:tgtEl>
+                                      </p:cBhvr>
+                                    </p:animEffect>
+                                  </p:childTnLst>
+                                </p:cTn>
+                              </p:par>
+                            </p:childTnLst>
+                          </p:cTn>
+                        </p:par>
+                      </p:childTnLst>
+                    </p:cTn>
+                  </p:par>
+                  <p:par>
+                    <p:cTn id="54" fill="hold">
+                      <p:stCondLst>
+                        <p:cond delay="indefinite"/>
+                      </p:stCondLst>
+                      <p:childTnLst>
+                        <p:par>
+                          <p:cTn id="55" fill="hold">
+                            <p:stCondLst>
+                              <p:cond delay="0"/>
+                            </p:stCondLst>
+                            <p:childTnLst>
+                              <p:par>
+                                <p:cTn id="56" presetID="4" presetClass="entr" presetSubtype="16" fill="hold" grpId="0" nodeType="clickEffect">
+                                  <p:stCondLst>
+                                    <p:cond delay="0"/>
+                                  </p:stCondLst>
+                                  <p:childTnLst>
+                                    <p:set>
+                                      <p:cBhvr>
+                                        <p:cTn id="57" dur="1" fill="hold">
+                                          <p:stCondLst>
+                                            <p:cond delay="0"/>
+                                          </p:stCondLst>
+                                        </p:cTn>
+                                        <p:tgtEl>
+                                          <p:spTgt spid="27"/>
+                                        </p:tgtEl>
+                                        <p:attrNameLst>
+                                          <p:attrName>style.visibility</p:attrName>
+                                        </p:attrNameLst>
+                                      </p:cBhvr>
+                                      <p:to>
+                                        <p:strVal val="visible"/>
+                                      </p:to>
+                                    </p:set>
+                                    <p:animEffect transition="in" filter="box(in)">
+                                      <p:cBhvr>
+                                        <p:cTn id="58" dur="1000"/>
+                                        <p:tgtEl>
+                                          <p:spTgt spid="27"/>
+                                        </p:tgtEl>
+                                      </p:cBhvr>
+                                    </p:animEffect>
+                                  </p:childTnLst>
+                                </p:cTn>
+                              </p:par>
+                              <p:par>
+                                <p:cTn id="59" presetID="4" presetClass="entr" presetSubtype="16" fill="hold" grpId="0" nodeType="withEffect">
+                                  <p:stCondLst>
+                                    <p:cond delay="0"/>
+                                  </p:stCondLst>
+                                  <p:childTnLst>
+                                    <p:set>
+                                      <p:cBhvr>
+                                        <p:cTn id="60" dur="1" fill="hold">
+                                          <p:stCondLst>
+                                            <p:cond delay="0"/>
+                                          </p:stCondLst>
+                                        </p:cTn>
+                                        <p:tgtEl>
+                                          <p:spTgt spid="30"/>
+                                        </p:tgtEl>
+                                        <p:attrNameLst>
+                                          <p:attrName>style.visibility</p:attrName>
+                                        </p:attrNameLst>
+                                      </p:cBhvr>
+                                      <p:to>
+                                        <p:strVal val="visible"/>
+                                      </p:to>
+                                    </p:set>
+                                    <p:animEffect transition="in" filter="box(in)">
+                                      <p:cBhvr>
+                                        <p:cTn id="61" dur="1000"/>
+                                        <p:tgtEl>
+                                          <p:spTgt spid="30"/>
+                                        </p:tgtEl>
+                                      </p:cBhvr>
+                                    </p:animEffect>
+                                  </p:childTnLst>
+                                </p:cTn>
+                              </p:par>
+                            </p:childTnLst>
+                          </p:cTn>
+                        </p:par>
+                      </p:childTnLst>
+                    </p:cTn>
+                  </p:par>
+                  <p:par>
+                    <p:cTn id="62" fill="hold">
+                      <p:stCondLst>
+                        <p:cond delay="indefinite"/>
+                      </p:stCondLst>
+                      <p:childTnLst>
+                        <p:par>
+                          <p:cTn id="63" fill="hold">
+                            <p:stCondLst>
+                              <p:cond delay="0"/>
+                            </p:stCondLst>
+                            <p:childTnLst>
+                              <p:par>
+                                <p:cTn id="64" presetID="4" presetClass="exit" presetSubtype="16" fill="hold" grpId="0" nodeType="clickEffect">
+                                  <p:stCondLst>
+                                    <p:cond delay="0"/>
+                                  </p:stCondLst>
+                                  <p:childTnLst>
+                                    <p:animEffect transition="out" filter="box(in)">
+                                      <p:cBhvr>
+                                        <p:cTn id="65" dur="500"/>
+                                        <p:tgtEl>
+                                          <p:spTgt spid="22"/>
+                                        </p:tgtEl>
+                                      </p:cBhvr>
+                                    </p:animEffect>
+                                    <p:set>
+                                      <p:cBhvr>
+                                        <p:cTn id="66" dur="1" fill="hold">
+                                          <p:stCondLst>
+                                            <p:cond delay="499"/>
+                                          </p:stCondLst>
+                                        </p:cTn>
+                                        <p:tgtEl>
+                                          <p:spTgt spid="22"/>
+                                        </p:tgtEl>
+                                        <p:attrNameLst>
+                                          <p:attrName>style.visibility</p:attrName>
+                                        </p:attrNameLst>
+                                      </p:cBhvr>
+                                      <p:to>
+                                        <p:strVal val="hidden"/>
+                                      </p:to>
+                                    </p:set>
+                                  </p:childTnLst>
+                                </p:cTn>
+                              </p:par>
+                              <p:par>
+                                <p:cTn id="67" presetID="4" presetClass="exit" presetSubtype="16" fill="hold" grpId="1" nodeType="withEffect">
+                                  <p:stCondLst>
+                                    <p:cond delay="0"/>
+                                  </p:stCondLst>
+                                  <p:childTnLst>
+                                    <p:animEffect transition="out" filter="box(in)">
+                                      <p:cBhvr>
+                                        <p:cTn id="68" dur="500"/>
+                                        <p:tgtEl>
+                                          <p:spTgt spid="23"/>
+                                        </p:tgtEl>
+                                      </p:cBhvr>
+                                    </p:animEffect>
+                                    <p:set>
+                                      <p:cBhvr>
+                                        <p:cTn id="69" dur="1" fill="hold">
+                                          <p:stCondLst>
+                                            <p:cond delay="499"/>
+                                          </p:stCondLst>
+                                        </p:cTn>
+                                        <p:tgtEl>
+                                          <p:spTgt spid="23"/>
+                                        </p:tgtEl>
+                                        <p:attrNameLst>
+                                          <p:attrName>style.visibility</p:attrName>
+                                        </p:attrNameLst>
+                                      </p:cBhvr>
+                                      <p:to>
+                                        <p:strVal val="hidden"/>
+                                      </p:to>
+                                    </p:set>
+                                  </p:childTnLst>
+                                </p:cTn>
+                              </p:par>
+                              <p:par>
+                                <p:cTn id="70" presetID="4" presetClass="exit" presetSubtype="16" fill="hold" grpId="1" nodeType="withEffect">
+                                  <p:stCondLst>
+                                    <p:cond delay="0"/>
+                                  </p:stCondLst>
+                                  <p:childTnLst>
+                                    <p:animEffect transition="out" filter="box(in)">
+                                      <p:cBhvr>
+                                        <p:cTn id="71" dur="500"/>
+                                        <p:tgtEl>
+                                          <p:spTgt spid="24"/>
+                                        </p:tgtEl>
+                                      </p:cBhvr>
+                                    </p:animEffect>
+                                    <p:set>
+                                      <p:cBhvr>
+                                        <p:cTn id="72" dur="1" fill="hold">
+                                          <p:stCondLst>
+                                            <p:cond delay="499"/>
+                                          </p:stCondLst>
+                                        </p:cTn>
+                                        <p:tgtEl>
+                                          <p:spTgt spid="24"/>
+                                        </p:tgtEl>
+                                        <p:attrNameLst>
+                                          <p:attrName>style.visibility</p:attrName>
+                                        </p:attrNameLst>
+                                      </p:cBhvr>
+                                      <p:to>
+                                        <p:strVal val="hidden"/>
+                                      </p:to>
+                                    </p:set>
+                                  </p:childTnLst>
+                                </p:cTn>
+                              </p:par>
+                              <p:par>
+                                <p:cTn id="73" presetID="4" presetClass="exit" presetSubtype="16" fill="hold" grpId="1" nodeType="withEffect">
+                                  <p:stCondLst>
+                                    <p:cond delay="0"/>
+                                  </p:stCondLst>
+                                  <p:childTnLst>
+                                    <p:animEffect transition="out" filter="box(in)">
+                                      <p:cBhvr>
+                                        <p:cTn id="74" dur="500"/>
+                                        <p:tgtEl>
+                                          <p:spTgt spid="25"/>
+                                        </p:tgtEl>
+                                      </p:cBhvr>
+                                    </p:animEffect>
+                                    <p:set>
+                                      <p:cBhvr>
+                                        <p:cTn id="75" dur="1" fill="hold">
+                                          <p:stCondLst>
+                                            <p:cond delay="499"/>
+                                          </p:stCondLst>
+                                        </p:cTn>
+                                        <p:tgtEl>
+                                          <p:spTgt spid="25"/>
+                                        </p:tgtEl>
+                                        <p:attrNameLst>
+                                          <p:attrName>style.visibility</p:attrName>
+                                        </p:attrNameLst>
+                                      </p:cBhvr>
+                                      <p:to>
+                                        <p:strVal val="hidden"/>
+                                      </p:to>
+                                    </p:set>
+                                  </p:childTnLst>
+                                </p:cTn>
+                              </p:par>
+                              <p:par>
+                                <p:cTn id="76" presetID="4" presetClass="exit" presetSubtype="16" fill="hold" grpId="1" nodeType="withEffect">
+                                  <p:stCondLst>
+                                    <p:cond delay="0"/>
+                                  </p:stCondLst>
+                                  <p:childTnLst>
+                                    <p:animEffect transition="out" filter="box(in)">
+                                      <p:cBhvr>
+                                        <p:cTn id="77" dur="500"/>
+                                        <p:tgtEl>
+                                          <p:spTgt spid="26"/>
+                                        </p:tgtEl>
+                                      </p:cBhvr>
+                                    </p:animEffect>
+                                    <p:set>
+                                      <p:cBhvr>
+                                        <p:cTn id="78" dur="1" fill="hold">
+                                          <p:stCondLst>
+                                            <p:cond delay="499"/>
+                                          </p:stCondLst>
+                                        </p:cTn>
+                                        <p:tgtEl>
+                                          <p:spTgt spid="26"/>
+                                        </p:tgtEl>
+                                        <p:attrNameLst>
+                                          <p:attrName>style.visibility</p:attrName>
+                                        </p:attrNameLst>
+                                      </p:cBhvr>
+                                      <p:to>
+                                        <p:strVal val="hidden"/>
+                                      </p:to>
+                                    </p:set>
+                                  </p:childTnLst>
+                                </p:cTn>
+                              </p:par>
+                              <p:par>
+                                <p:cTn id="79" presetID="4" presetClass="exit" presetSubtype="16" fill="hold" grpId="1" nodeType="withEffect">
+                                  <p:stCondLst>
+                                    <p:cond delay="0"/>
+                                  </p:stCondLst>
+                                  <p:childTnLst>
+                                    <p:animEffect transition="out" filter="box(in)">
+                                      <p:cBhvr>
+                                        <p:cTn id="80" dur="500"/>
+                                        <p:tgtEl>
+                                          <p:spTgt spid="27"/>
+                                        </p:tgtEl>
+                                      </p:cBhvr>
+                                    </p:animEffect>
+                                    <p:set>
+                                      <p:cBhvr>
+                                        <p:cTn id="81" dur="1" fill="hold">
+                                          <p:stCondLst>
+                                            <p:cond delay="499"/>
+                                          </p:stCondLst>
+                                        </p:cTn>
+                                        <p:tgtEl>
+                                          <p:spTgt spid="27"/>
+                                        </p:tgtEl>
+                                        <p:attrNameLst>
+                                          <p:attrName>style.visibility</p:attrName>
+                                        </p:attrNameLst>
+                                      </p:cBhvr>
+                                      <p:to>
+                                        <p:strVal val="hidden"/>
+                                      </p:to>
+                                    </p:set>
+                                  </p:childTnLst>
+                                </p:cTn>
+                              </p:par>
+                              <p:par>
+                                <p:cTn id="82" presetID="4" presetClass="exit" presetSubtype="16" fill="hold" grpId="1" nodeType="withEffect">
+                                  <p:stCondLst>
+                                    <p:cond delay="0"/>
+                                  </p:stCondLst>
+                                  <p:childTnLst>
+                                    <p:animEffect transition="out" filter="box(in)">
+                                      <p:cBhvr>
+                                        <p:cTn id="83" dur="500"/>
+                                        <p:tgtEl>
+                                          <p:spTgt spid="30"/>
+                                        </p:tgtEl>
+                                      </p:cBhvr>
+                                    </p:animEffect>
+                                    <p:set>
+                                      <p:cBhvr>
+                                        <p:cTn id="84" dur="1" fill="hold">
+                                          <p:stCondLst>
+                                            <p:cond delay="499"/>
+                                          </p:stCondLst>
+                                        </p:cTn>
+                                        <p:tgtEl>
+                                          <p:spTgt spid="30"/>
+                                        </p:tgtEl>
+                                        <p:attrNameLst>
+                                          <p:attrName>style.visibility</p:attrName>
+                                        </p:attrNameLst>
+                                      </p:cBhvr>
+                                      <p:to>
+                                        <p:strVal val="hidden"/>
+                                      </p:to>
+                                    </p:set>
+                                  </p:childTnLst>
+                                </p:cTn>
+                              </p:par>
+                              <p:par>
+                                <p:cTn id="85" presetID="4" presetClass="exit" presetSubtype="16" fill="hold" grpId="1" nodeType="withEffect">
+                                  <p:stCondLst>
+                                    <p:cond delay="0"/>
+                                  </p:stCondLst>
+                                  <p:childTnLst>
+                                    <p:animEffect transition="out" filter="box(in)">
+                                      <p:cBhvr>
+                                        <p:cTn id="86" dur="500"/>
+                                        <p:tgtEl>
+                                          <p:spTgt spid="32"/>
+                                        </p:tgtEl>
+                                      </p:cBhvr>
+                                    </p:animEffect>
+                                    <p:set>
+                                      <p:cBhvr>
+                                        <p:cTn id="87" dur="1" fill="hold">
+                                          <p:stCondLst>
+                                            <p:cond delay="499"/>
+                                          </p:stCondLst>
+                                        </p:cTn>
+                                        <p:tgtEl>
+                                          <p:spTgt spid="32"/>
+                                        </p:tgtEl>
+                                        <p:attrNameLst>
+                                          <p:attrName>style.visibility</p:attrName>
+                                        </p:attrNameLst>
+                                      </p:cBhvr>
+                                      <p:to>
+                                        <p:strVal val="hidden"/>
+                                      </p:to>
+                                    </p:set>
+                                  </p:childTnLst>
+                                </p:cTn>
+                              </p:par>
+                              <p:par>
+                                <p:cTn id="88" presetID="4" presetClass="exit" presetSubtype="16" fill="hold" grpId="1" nodeType="withEffect">
+                                  <p:stCondLst>
+                                    <p:cond delay="0"/>
+                                  </p:stCondLst>
+                                  <p:childTnLst>
+                                    <p:animEffect transition="out" filter="box(in)">
+                                      <p:cBhvr>
+                                        <p:cTn id="89" dur="500"/>
+                                        <p:tgtEl>
+                                          <p:spTgt spid="33"/>
+                                        </p:tgtEl>
+                                      </p:cBhvr>
+                                    </p:animEffect>
+                                    <p:set>
+                                      <p:cBhvr>
+                                        <p:cTn id="90" dur="1" fill="hold">
+                                          <p:stCondLst>
+                                            <p:cond delay="499"/>
+                                          </p:stCondLst>
+                                        </p:cTn>
+                                        <p:tgtEl>
+                                          <p:spTgt spid="33"/>
+                                        </p:tgtEl>
+                                        <p:attrNameLst>
+                                          <p:attrName>style.visibility</p:attrName>
+                                        </p:attrNameLst>
+                                      </p:cBhvr>
+                                      <p:to>
+                                        <p:strVal val="hidden"/>
+                                      </p:to>
+                                    </p:set>
+                                  </p:childTnLst>
+                                </p:cTn>
+                              </p:par>
+                              <p:par>
+                                <p:cTn id="91" presetID="4" presetClass="exit" presetSubtype="16" fill="hold" grpId="1" nodeType="withEffect">
+                                  <p:stCondLst>
+                                    <p:cond delay="0"/>
+                                  </p:stCondLst>
+                                  <p:childTnLst>
+                                    <p:animEffect transition="out" filter="box(in)">
+                                      <p:cBhvr>
+                                        <p:cTn id="92" dur="500"/>
+                                        <p:tgtEl>
+                                          <p:spTgt spid="34"/>
+                                        </p:tgtEl>
+                                      </p:cBhvr>
+                                    </p:animEffect>
+                                    <p:set>
+                                      <p:cBhvr>
+                                        <p:cTn id="93" dur="1" fill="hold">
+                                          <p:stCondLst>
+                                            <p:cond delay="499"/>
+                                          </p:stCondLst>
+                                        </p:cTn>
+                                        <p:tgtEl>
+                                          <p:spTgt spid="34"/>
+                                        </p:tgtEl>
+                                        <p:attrNameLst>
+                                          <p:attrName>style.visibility</p:attrName>
+                                        </p:attrNameLst>
+                                      </p:cBhvr>
+                                      <p:to>
+                                        <p:strVal val="hidden"/>
+                                      </p:to>
+                                    </p:set>
+                                  </p:childTnLst>
+                                </p:cTn>
+                              </p:par>
+                              <p:par>
+                                <p:cTn id="94" presetID="4" presetClass="exit" presetSubtype="16" fill="hold" grpId="1" nodeType="withEffect">
+                                  <p:stCondLst>
+                                    <p:cond delay="0"/>
+                                  </p:stCondLst>
+                                  <p:childTnLst>
+                                    <p:animEffect transition="out" filter="box(in)">
+                                      <p:cBhvr>
+                                        <p:cTn id="95" dur="500"/>
+                                        <p:tgtEl>
+                                          <p:spTgt spid="35"/>
+                                        </p:tgtEl>
+                                      </p:cBhvr>
+                                    </p:animEffect>
+                                    <p:set>
+                                      <p:cBhvr>
+                                        <p:cTn id="96" dur="1" fill="hold">
+                                          <p:stCondLst>
+                                            <p:cond delay="499"/>
+                                          </p:stCondLst>
+                                        </p:cTn>
+                                        <p:tgtEl>
+                                          <p:spTgt spid="35"/>
+                                        </p:tgtEl>
+                                        <p:attrNameLst>
+                                          <p:attrName>style.visibility</p:attrName>
+                                        </p:attrNameLst>
+                                      </p:cBhvr>
+                                      <p:to>
+                                        <p:strVal val="hidden"/>
+                                      </p:to>
+                                    </p:set>
+                                  </p:childTnLst>
+                                </p:cTn>
+                              </p:par>
+                              <p:par>
+                                <p:cTn id="97" presetID="4" presetClass="exit" presetSubtype="16" fill="hold" grpId="1" nodeType="withEffect">
+                                  <p:stCondLst>
+                                    <p:cond delay="0"/>
+                                  </p:stCondLst>
+                                  <p:childTnLst>
+                                    <p:animEffect transition="out" filter="box(in)">
+                                      <p:cBhvr>
+                                        <p:cTn id="98" dur="500"/>
+                                        <p:tgtEl>
+                                          <p:spTgt spid="36"/>
+                                        </p:tgtEl>
+                                      </p:cBhvr>
+                                    </p:animEffect>
+                                    <p:set>
+                                      <p:cBhvr>
+                                        <p:cTn id="99" dur="1" fill="hold">
+                                          <p:stCondLst>
+                                            <p:cond delay="499"/>
+                                          </p:stCondLst>
+                                        </p:cTn>
+                                        <p:tgtEl>
+                                          <p:spTgt spid="36"/>
+                                        </p:tgtEl>
+                                        <p:attrNameLst>
+                                          <p:attrName>style.visibility</p:attrName>
+                                        </p:attrNameLst>
+                                      </p:cBhvr>
+                                      <p:to>
+                                        <p:strVal val="hidden"/>
+                                      </p:to>
+                                    </p:set>
+                                  </p:childTnLst>
+                                </p:cTn>
+                              </p:par>
+                            </p:childTnLst>
+                          </p:cTn>
+                        </p:par>
+                      </p:childTnLst>
+                    </p:cTn>
+                  </p:par>
+                </p:childTnLst>
+              </p:cTn>
+              <p:prevCondLst>
+                <p:cond evt="onPrev" delay="0">
+                  <p:tgtEl>
+                    <p:sldTgt/>
+                  </p:tgtEl>
+                </p:cond>
+              </p:prevCondLst>
+              <p:nextCondLst>
+                <p:cond evt="onNext" delay="0">
+                  <p:tgtEl>
+                    <p:sldTgt/>
+                  </p:tgtEl>
+                </p:cond>
+              </p:nextCondLst>
+            </p:seq>
+          </p:childTnLst>
+        </p:cTn>
+      </p:par>
+    </p:tnLst>
+    <p:bldLst>
+      <p:bldP spid="15" grpId="0"/>
+      <p:bldP spid="18" grpId="0" animBg="1"/>
+      <p:bldP spid="19" grpId="0" animBg="1"/>
+      <p:bldP spid="20" grpId="0" animBg="1"/>
+      <p:bldP spid="21" grpId="0" animBg="1"/>
+      <p:bldP spid="22" grpId="0"/>
+      <p:bldP spid="22" grpId="1"/>
+      <p:bldP spid="23" grpId="0" animBg="1"/>
+      <p:bldP spid="23" grpId="1" animBg="1"/>
+      <p:bldP spid="24" grpId="0" animBg="1"/>
+      <p:bldP spid="24" grpId="1" animBg="1"/>
+      <p:bldP spid="25" grpId="0" animBg="1"/>
+      <p:bldP spid="25" grpId="1" animBg="1"/>
+      <p:bldP spid="26" grpId="0" animBg="1"/>
+      <p:bldP spid="26" grpId="1" animBg="1"/>
+      <p:bldP spid="27" grpId="0"/>
+      <p:bldP spid="27" grpId="1"/>
+      <p:bldP spid="30" grpId="0" animBg="1"/>
+      <p:bldP spid="30" grpId="1" animBg="1"/>
+      <p:bldP spid="32" grpId="0"/>
+      <p:bldP spid="32" grpId="1"/>
+      <p:bldP spid="33" grpId="0" animBg="1"/>
+      <p:bldP spid="33" grpId="1" animBg="1"/>
+      <p:bldP spid="34" grpId="0" animBg="1"/>
+      <p:bldP spid="34" grpId="1" animBg="1"/>
+      <p:bldP spid="35" grpId="0" animBg="1"/>
+      <p:bldP spid="35" grpId="1" animBg="1"/>
+      <p:bldP spid="36" grpId="0" animBg="1"/>
+      <p:bldP spid="36" grpId="1" animBg="1"/>
+    </p:bldLst>
+  </p:timing>
+</p:sld>
+</file>
+
+<file path=ppt/slides/slide13.xml><?xml version="1.0" encoding="utf-8"?>
+<p:sld xmlns:a="http://schemas.openxmlformats.org/drawingml/2006/main" xmlns:r="http://schemas.openxmlformats.org/officeDocument/2006/relationships" xmlns:p="http://schemas.openxmlformats.org/presentationml/2006/main">
+  <p:cSld>
+    <p:spTree>
+      <p:nvGrpSpPr>
+        <p:cNvPr id="1" name=""/>
+        <p:cNvGrpSpPr/>
+        <p:nvPr/>
+      </p:nvGrpSpPr>
+      <p:grpSpPr>
+        <a:xfrm>
+          <a:off x="0" y="0"/>
+          <a:ext cx="0" cy="0"/>
+          <a:chOff x="0" y="0"/>
+          <a:chExt cx="0" cy="0"/>
+        </a:xfrm>
+      </p:grpSpPr>
     </p:spTree>
     <p:extLst>
       <p:ext uri="{BB962C8B-B14F-4D97-AF65-F5344CB8AC3E}">
-        <p14:creationId xmlns:p14="http://schemas.microsoft.com/office/powerpoint/2010/main" xmlns="" val="553085013"/>
+        <p14:creationId xmlns="" xmlns:p14="http://schemas.microsoft.com/office/powerpoint/2010/main" val="553085013"/>
       </p:ext>
     </p:extLst>
   </p:cSld>
@@ -13258,7 +15846,7 @@
 </p:sld>
 </file>
 
-<file path=ppt/slides/slide13.xml><?xml version="1.0" encoding="utf-8"?>
+<file path=ppt/slides/slide14.xml><?xml version="1.0" encoding="utf-8"?>
 <p:sld xmlns:a="http://schemas.openxmlformats.org/drawingml/2006/main" xmlns:r="http://schemas.openxmlformats.org/officeDocument/2006/relationships" xmlns:p="http://schemas.openxmlformats.org/presentationml/2006/main">
   <p:cSld>
     <p:spTree>
@@ -13340,7 +15928,7 @@
 </p:sld>
 </file>
 
-<file path=ppt/slides/slide14.xml><?xml version="1.0" encoding="utf-8"?>
+<file path=ppt/slides/slide15.xml><?xml version="1.0" encoding="utf-8"?>
 <p:sld xmlns:a="http://schemas.openxmlformats.org/drawingml/2006/main" xmlns:r="http://schemas.openxmlformats.org/officeDocument/2006/relationships" xmlns:p="http://schemas.openxmlformats.org/presentationml/2006/main">
   <p:cSld>
     <p:spTree>
@@ -17839,7 +20427,7 @@
 </p:sld>
 </file>
 
-<file path=ppt/slides/slide15.xml><?xml version="1.0" encoding="utf-8"?>
+<file path=ppt/slides/slide16.xml><?xml version="1.0" encoding="utf-8"?>
 <p:sld xmlns:a="http://schemas.openxmlformats.org/drawingml/2006/main" xmlns:r="http://schemas.openxmlformats.org/officeDocument/2006/relationships" xmlns:p="http://schemas.openxmlformats.org/presentationml/2006/main">
   <p:cSld>
     <p:spTree>
@@ -18272,7 +20860,7 @@
 </p:sld>
 </file>
 
-<file path=ppt/slides/slide16.xml><?xml version="1.0" encoding="utf-8"?>
+<file path=ppt/slides/slide17.xml><?xml version="1.0" encoding="utf-8"?>
 <p:sld xmlns:a="http://schemas.openxmlformats.org/drawingml/2006/main" xmlns:r="http://schemas.openxmlformats.org/officeDocument/2006/relationships" xmlns:p="http://schemas.openxmlformats.org/presentationml/2006/main">
   <p:cSld>
     <p:spTree>
@@ -18386,442 +20974,6 @@
   <p:clrMapOvr>
     <a:masterClrMapping/>
   </p:clrMapOvr>
-</p:sld>
-</file>
-
-<file path=ppt/slides/slide17.xml><?xml version="1.0" encoding="utf-8"?>
-<p:sld xmlns:a="http://schemas.openxmlformats.org/drawingml/2006/main" xmlns:r="http://schemas.openxmlformats.org/officeDocument/2006/relationships" xmlns:p="http://schemas.openxmlformats.org/presentationml/2006/main">
-  <p:cSld>
-    <p:spTree>
-      <p:nvGrpSpPr>
-        <p:cNvPr id="1" name=""/>
-        <p:cNvGrpSpPr/>
-        <p:nvPr/>
-      </p:nvGrpSpPr>
-      <p:grpSpPr>
-        <a:xfrm>
-          <a:off x="0" y="0"/>
-          <a:ext cx="0" cy="0"/>
-          <a:chOff x="0" y="0"/>
-          <a:chExt cx="0" cy="0"/>
-        </a:xfrm>
-      </p:grpSpPr>
-      <p:sp>
-        <p:nvSpPr>
-          <p:cNvPr id="3" name="標題 2"/>
-          <p:cNvSpPr>
-            <a:spLocks noGrp="1"/>
-          </p:cNvSpPr>
-          <p:nvPr>
-            <p:ph type="title"/>
-          </p:nvPr>
-        </p:nvSpPr>
-        <p:spPr/>
-        <p:txBody>
-          <a:bodyPr/>
-          <a:lstStyle/>
-          <a:p>
-            <a:r>
-              <a:rPr lang="en-US" altLang="zh-TW" dirty="0" smtClean="0"/>
-              <a:t>Detail Register Description</a:t>
-            </a:r>
-            <a:endParaRPr lang="zh-TW" altLang="en-US" dirty="0"/>
-          </a:p>
-        </p:txBody>
-      </p:sp>
-      <p:pic>
-        <p:nvPicPr>
-          <p:cNvPr id="2050" name="Picture 2"/>
-          <p:cNvPicPr>
-            <a:picLocks noChangeAspect="1" noChangeArrowheads="1"/>
-          </p:cNvPicPr>
-          <p:nvPr/>
-        </p:nvPicPr>
-        <p:blipFill>
-          <a:blip r:embed="rId2" cstate="print"/>
-          <a:srcRect/>
-          <a:stretch>
-            <a:fillRect/>
-          </a:stretch>
-        </p:blipFill>
-        <p:spPr bwMode="auto">
-          <a:xfrm>
-            <a:off x="323528" y="2785492"/>
-            <a:ext cx="8460432" cy="2146025"/>
-          </a:xfrm>
-          <a:prstGeom prst="rect">
-            <a:avLst/>
-          </a:prstGeom>
-          <a:noFill/>
-          <a:ln w="9525">
-            <a:noFill/>
-            <a:miter lim="800000"/>
-            <a:headEnd/>
-            <a:tailEnd/>
-          </a:ln>
-        </p:spPr>
-      </p:pic>
-      <p:pic>
-        <p:nvPicPr>
-          <p:cNvPr id="2051" name="Picture 3"/>
-          <p:cNvPicPr>
-            <a:picLocks noChangeAspect="1" noChangeArrowheads="1"/>
-          </p:cNvPicPr>
-          <p:nvPr/>
-        </p:nvPicPr>
-        <p:blipFill>
-          <a:blip r:embed="rId3" cstate="print"/>
-          <a:srcRect/>
-          <a:stretch>
-            <a:fillRect/>
-          </a:stretch>
-        </p:blipFill>
-        <p:spPr bwMode="auto">
-          <a:xfrm>
-            <a:off x="3995936" y="913284"/>
-            <a:ext cx="4708054" cy="1872208"/>
-          </a:xfrm>
-          <a:prstGeom prst="rect">
-            <a:avLst/>
-          </a:prstGeom>
-          <a:noFill/>
-          <a:ln w="9525">
-            <a:noFill/>
-            <a:miter lim="800000"/>
-            <a:headEnd/>
-            <a:tailEnd/>
-          </a:ln>
-        </p:spPr>
-      </p:pic>
-      <p:sp>
-        <p:nvSpPr>
-          <p:cNvPr id="6" name="矩形 5"/>
-          <p:cNvSpPr/>
-          <p:nvPr/>
-        </p:nvSpPr>
-        <p:spPr>
-          <a:xfrm>
-            <a:off x="6588224" y="769268"/>
-            <a:ext cx="1728192" cy="3816424"/>
-          </a:xfrm>
-          <a:prstGeom prst="rect">
-            <a:avLst/>
-          </a:prstGeom>
-          <a:solidFill>
-            <a:schemeClr val="accent1">
-              <a:alpha val="24000"/>
-            </a:schemeClr>
-          </a:solidFill>
-          <a:ln w="15875">
-            <a:solidFill>
-              <a:schemeClr val="tx2">
-                <a:lumMod val="60000"/>
-                <a:lumOff val="40000"/>
-              </a:schemeClr>
-            </a:solidFill>
-          </a:ln>
-        </p:spPr>
-        <p:style>
-          <a:lnRef idx="1">
-            <a:schemeClr val="accent5"/>
-          </a:lnRef>
-          <a:fillRef idx="2">
-            <a:schemeClr val="accent5"/>
-          </a:fillRef>
-          <a:effectRef idx="1">
-            <a:schemeClr val="accent5"/>
-          </a:effectRef>
-          <a:fontRef idx="minor">
-            <a:schemeClr val="dk1"/>
-          </a:fontRef>
-        </p:style>
-        <p:txBody>
-          <a:bodyPr rtlCol="0" anchor="ctr"/>
-          <a:lstStyle/>
-          <a:p>
-            <a:pPr algn="ctr"/>
-            <a:endParaRPr lang="zh-TW" altLang="en-US" dirty="0" smtClean="0"/>
-          </a:p>
-        </p:txBody>
-      </p:sp>
-      <p:sp>
-        <p:nvSpPr>
-          <p:cNvPr id="7" name="矩形 6"/>
-          <p:cNvSpPr/>
-          <p:nvPr/>
-        </p:nvSpPr>
-        <p:spPr>
-          <a:xfrm>
-            <a:off x="611560" y="769268"/>
-            <a:ext cx="5904656" cy="3816424"/>
-          </a:xfrm>
-          <a:prstGeom prst="rect">
-            <a:avLst/>
-          </a:prstGeom>
-          <a:solidFill>
-            <a:schemeClr val="accent6">
-              <a:lumMod val="40000"/>
-              <a:lumOff val="60000"/>
-              <a:alpha val="24000"/>
-            </a:schemeClr>
-          </a:solidFill>
-          <a:ln w="15875">
-            <a:solidFill>
-              <a:srgbClr val="FF0000"/>
-            </a:solidFill>
-          </a:ln>
-        </p:spPr>
-        <p:style>
-          <a:lnRef idx="1">
-            <a:schemeClr val="accent5"/>
-          </a:lnRef>
-          <a:fillRef idx="2">
-            <a:schemeClr val="accent5"/>
-          </a:fillRef>
-          <a:effectRef idx="1">
-            <a:schemeClr val="accent5"/>
-          </a:effectRef>
-          <a:fontRef idx="minor">
-            <a:schemeClr val="dk1"/>
-          </a:fontRef>
-        </p:style>
-        <p:txBody>
-          <a:bodyPr rtlCol="0" anchor="ctr"/>
-          <a:lstStyle/>
-          <a:p>
-            <a:pPr algn="ctr"/>
-            <a:endParaRPr lang="zh-TW" altLang="en-US" dirty="0" smtClean="0"/>
-          </a:p>
-        </p:txBody>
-      </p:sp>
-      <p:sp>
-        <p:nvSpPr>
-          <p:cNvPr id="8" name="矩形 7"/>
-          <p:cNvSpPr/>
-          <p:nvPr/>
-        </p:nvSpPr>
-        <p:spPr>
-          <a:xfrm>
-            <a:off x="8388424" y="769268"/>
-            <a:ext cx="360040" cy="3824808"/>
-          </a:xfrm>
-          <a:prstGeom prst="rect">
-            <a:avLst/>
-          </a:prstGeom>
-          <a:solidFill>
-            <a:schemeClr val="accent3">
-              <a:lumMod val="40000"/>
-              <a:lumOff val="60000"/>
-              <a:alpha val="24000"/>
-            </a:schemeClr>
-          </a:solidFill>
-          <a:ln w="15875">
-            <a:solidFill>
-              <a:schemeClr val="accent3">
-                <a:lumMod val="50000"/>
-              </a:schemeClr>
-            </a:solidFill>
-          </a:ln>
-        </p:spPr>
-        <p:style>
-          <a:lnRef idx="1">
-            <a:schemeClr val="accent5"/>
-          </a:lnRef>
-          <a:fillRef idx="2">
-            <a:schemeClr val="accent5"/>
-          </a:fillRef>
-          <a:effectRef idx="1">
-            <a:schemeClr val="accent5"/>
-          </a:effectRef>
-          <a:fontRef idx="minor">
-            <a:schemeClr val="dk1"/>
-          </a:fontRef>
-        </p:style>
-        <p:txBody>
-          <a:bodyPr rtlCol="0" anchor="ctr"/>
-          <a:lstStyle/>
-          <a:p>
-            <a:pPr algn="ctr"/>
-            <a:endParaRPr lang="zh-TW" altLang="en-US" dirty="0" smtClean="0"/>
-          </a:p>
-        </p:txBody>
-      </p:sp>
-      <p:sp>
-        <p:nvSpPr>
-          <p:cNvPr id="9" name="文字方塊 8"/>
-          <p:cNvSpPr txBox="1"/>
-          <p:nvPr/>
-        </p:nvSpPr>
-        <p:spPr>
-          <a:xfrm>
-            <a:off x="6632942" y="4657700"/>
-            <a:ext cx="1683474" cy="276999"/>
-          </a:xfrm>
-          <a:prstGeom prst="rect">
-            <a:avLst/>
-          </a:prstGeom>
-          <a:noFill/>
-        </p:spPr>
-        <p:txBody>
-          <a:bodyPr wrap="none" rtlCol="0">
-            <a:spAutoFit/>
-          </a:bodyPr>
-          <a:lstStyle/>
-          <a:p>
-            <a:r>
-              <a:rPr lang="en-US" altLang="zh-TW" sz="1200" b="1" dirty="0" smtClean="0">
-                <a:solidFill>
-                  <a:schemeClr val="tx2">
-                    <a:lumMod val="75000"/>
-                  </a:schemeClr>
-                </a:solidFill>
-              </a:rPr>
-              <a:t>socle_i2c_read_bytes()</a:t>
-            </a:r>
-            <a:endParaRPr lang="zh-TW" altLang="en-US" sz="1200" b="1" dirty="0">
-              <a:solidFill>
-                <a:schemeClr val="tx2">
-                  <a:lumMod val="75000"/>
-                </a:schemeClr>
-              </a:solidFill>
-            </a:endParaRPr>
-          </a:p>
-        </p:txBody>
-      </p:sp>
-      <p:sp>
-        <p:nvSpPr>
-          <p:cNvPr id="10" name="文字方塊 9"/>
-          <p:cNvSpPr txBox="1"/>
-          <p:nvPr/>
-        </p:nvSpPr>
-        <p:spPr>
-          <a:xfrm>
-            <a:off x="6632942" y="4884757"/>
-            <a:ext cx="1683474" cy="276999"/>
-          </a:xfrm>
-          <a:prstGeom prst="rect">
-            <a:avLst/>
-          </a:prstGeom>
-          <a:noFill/>
-        </p:spPr>
-        <p:txBody>
-          <a:bodyPr wrap="none" rtlCol="0">
-            <a:spAutoFit/>
-          </a:bodyPr>
-          <a:lstStyle/>
-          <a:p>
-            <a:r>
-              <a:rPr lang="en-US" altLang="zh-TW" sz="1200" b="1" dirty="0" smtClean="0">
-                <a:solidFill>
-                  <a:schemeClr val="tx2">
-                    <a:lumMod val="75000"/>
-                  </a:schemeClr>
-                </a:solidFill>
-              </a:rPr>
-              <a:t>socle_i2c_send_bytes()</a:t>
-            </a:r>
-            <a:endParaRPr lang="zh-TW" altLang="en-US" sz="1200" b="1" dirty="0">
-              <a:solidFill>
-                <a:schemeClr val="tx2">
-                  <a:lumMod val="75000"/>
-                </a:schemeClr>
-              </a:solidFill>
-            </a:endParaRPr>
-          </a:p>
-        </p:txBody>
-      </p:sp>
-      <p:sp>
-        <p:nvSpPr>
-          <p:cNvPr id="11" name="文字方塊 10"/>
-          <p:cNvSpPr txBox="1"/>
-          <p:nvPr/>
-        </p:nvSpPr>
-        <p:spPr>
-          <a:xfrm>
-            <a:off x="2771800" y="4657700"/>
-            <a:ext cx="1736373" cy="276999"/>
-          </a:xfrm>
-          <a:prstGeom prst="rect">
-            <a:avLst/>
-          </a:prstGeom>
-          <a:noFill/>
-        </p:spPr>
-        <p:txBody>
-          <a:bodyPr wrap="none" rtlCol="0">
-            <a:spAutoFit/>
-          </a:bodyPr>
-          <a:lstStyle/>
-          <a:p>
-            <a:r>
-              <a:rPr lang="en-US" altLang="zh-TW" sz="1200" b="1" dirty="0" smtClean="0">
-                <a:solidFill>
-                  <a:srgbClr val="FF0000"/>
-                </a:solidFill>
-              </a:rPr>
-              <a:t>socle_i2c_do_address()</a:t>
-            </a:r>
-            <a:endParaRPr lang="zh-TW" altLang="en-US" sz="1200" b="1" dirty="0">
-              <a:solidFill>
-                <a:srgbClr val="FF0000"/>
-              </a:solidFill>
-            </a:endParaRPr>
-          </a:p>
-        </p:txBody>
-      </p:sp>
-      <p:sp>
-        <p:nvSpPr>
-          <p:cNvPr id="13" name="文字方塊 12"/>
-          <p:cNvSpPr txBox="1"/>
-          <p:nvPr/>
-        </p:nvSpPr>
-        <p:spPr>
-          <a:xfrm>
-            <a:off x="7812360" y="5161756"/>
-            <a:ext cx="1239442" cy="276999"/>
-          </a:xfrm>
-          <a:prstGeom prst="rect">
-            <a:avLst/>
-          </a:prstGeom>
-          <a:noFill/>
-        </p:spPr>
-        <p:txBody>
-          <a:bodyPr wrap="none" rtlCol="0">
-            <a:spAutoFit/>
-          </a:bodyPr>
-          <a:lstStyle/>
-          <a:p>
-            <a:r>
-              <a:rPr lang="en-US" altLang="zh-TW" sz="1200" b="1" dirty="0" smtClean="0">
-                <a:solidFill>
-                  <a:schemeClr val="accent3">
-                    <a:lumMod val="50000"/>
-                  </a:schemeClr>
-                </a:solidFill>
-              </a:rPr>
-              <a:t>socle_i2c_stop()</a:t>
-            </a:r>
-            <a:endParaRPr lang="zh-TW" altLang="en-US" sz="1200" b="1" dirty="0">
-              <a:solidFill>
-                <a:schemeClr val="accent3">
-                  <a:lumMod val="50000"/>
-                </a:schemeClr>
-              </a:solidFill>
-            </a:endParaRPr>
-          </a:p>
-        </p:txBody>
-      </p:sp>
-    </p:spTree>
-  </p:cSld>
-  <p:clrMapOvr>
-    <a:masterClrMapping/>
-  </p:clrMapOvr>
-  <p:timing>
-    <p:tnLst>
-      <p:par>
-        <p:cTn id="1" dur="indefinite" restart="never" nodeType="tmRoot"/>
-      </p:par>
-    </p:tnLst>
-  </p:timing>
 </p:sld>
 </file>
 
@@ -18857,19 +21009,21 @@
           <a:bodyPr/>
           <a:lstStyle/>
           <a:p>
-            <a:endParaRPr lang="zh-TW" altLang="en-US"/>
+            <a:r>
+              <a:rPr lang="en-US" altLang="zh-TW" dirty="0" smtClean="0"/>
+              <a:t>Detail Register Description</a:t>
+            </a:r>
+            <a:endParaRPr lang="zh-TW" altLang="en-US" dirty="0"/>
           </a:p>
         </p:txBody>
       </p:sp>
       <p:pic>
         <p:nvPicPr>
-          <p:cNvPr id="3074" name="Picture 2"/>
+          <p:cNvPr id="2050" name="Picture 2"/>
           <p:cNvPicPr>
-            <a:picLocks noGrp="1" noChangeAspect="1" noChangeArrowheads="1"/>
+            <a:picLocks noChangeAspect="1" noChangeArrowheads="1"/>
           </p:cNvPicPr>
-          <p:nvPr>
-            <p:ph sz="half" idx="2"/>
-          </p:nvPr>
+          <p:nvPr/>
         </p:nvPicPr>
         <p:blipFill>
           <a:blip r:embed="rId2" cstate="print"/>
@@ -18880,8 +21034,8 @@
         </p:blipFill>
         <p:spPr bwMode="auto">
           <a:xfrm>
-            <a:off x="471488" y="1246172"/>
-            <a:ext cx="8215312" cy="3140106"/>
+            <a:off x="323528" y="2785492"/>
+            <a:ext cx="8460432" cy="2146025"/>
           </a:xfrm>
           <a:prstGeom prst="rect">
             <a:avLst/>
@@ -18895,11 +21049,367 @@
           </a:ln>
         </p:spPr>
       </p:pic>
+      <p:pic>
+        <p:nvPicPr>
+          <p:cNvPr id="2051" name="Picture 3"/>
+          <p:cNvPicPr>
+            <a:picLocks noChangeAspect="1" noChangeArrowheads="1"/>
+          </p:cNvPicPr>
+          <p:nvPr/>
+        </p:nvPicPr>
+        <p:blipFill>
+          <a:blip r:embed="rId3" cstate="print"/>
+          <a:srcRect/>
+          <a:stretch>
+            <a:fillRect/>
+          </a:stretch>
+        </p:blipFill>
+        <p:spPr bwMode="auto">
+          <a:xfrm>
+            <a:off x="3995936" y="913284"/>
+            <a:ext cx="4708054" cy="1872208"/>
+          </a:xfrm>
+          <a:prstGeom prst="rect">
+            <a:avLst/>
+          </a:prstGeom>
+          <a:noFill/>
+          <a:ln w="9525">
+            <a:noFill/>
+            <a:miter lim="800000"/>
+            <a:headEnd/>
+            <a:tailEnd/>
+          </a:ln>
+        </p:spPr>
+      </p:pic>
+      <p:sp>
+        <p:nvSpPr>
+          <p:cNvPr id="6" name="矩形 5"/>
+          <p:cNvSpPr/>
+          <p:nvPr/>
+        </p:nvSpPr>
+        <p:spPr>
+          <a:xfrm>
+            <a:off x="6588224" y="769268"/>
+            <a:ext cx="1728192" cy="3816424"/>
+          </a:xfrm>
+          <a:prstGeom prst="rect">
+            <a:avLst/>
+          </a:prstGeom>
+          <a:solidFill>
+            <a:schemeClr val="accent1">
+              <a:alpha val="24000"/>
+            </a:schemeClr>
+          </a:solidFill>
+          <a:ln w="15875">
+            <a:solidFill>
+              <a:schemeClr val="tx2">
+                <a:lumMod val="60000"/>
+                <a:lumOff val="40000"/>
+              </a:schemeClr>
+            </a:solidFill>
+          </a:ln>
+        </p:spPr>
+        <p:style>
+          <a:lnRef idx="1">
+            <a:schemeClr val="accent5"/>
+          </a:lnRef>
+          <a:fillRef idx="2">
+            <a:schemeClr val="accent5"/>
+          </a:fillRef>
+          <a:effectRef idx="1">
+            <a:schemeClr val="accent5"/>
+          </a:effectRef>
+          <a:fontRef idx="minor">
+            <a:schemeClr val="dk1"/>
+          </a:fontRef>
+        </p:style>
+        <p:txBody>
+          <a:bodyPr rtlCol="0" anchor="ctr"/>
+          <a:lstStyle/>
+          <a:p>
+            <a:pPr algn="ctr"/>
+            <a:endParaRPr lang="zh-TW" altLang="en-US" dirty="0" smtClean="0"/>
+          </a:p>
+        </p:txBody>
+      </p:sp>
+      <p:sp>
+        <p:nvSpPr>
+          <p:cNvPr id="7" name="矩形 6"/>
+          <p:cNvSpPr/>
+          <p:nvPr/>
+        </p:nvSpPr>
+        <p:spPr>
+          <a:xfrm>
+            <a:off x="611560" y="769268"/>
+            <a:ext cx="5904656" cy="3816424"/>
+          </a:xfrm>
+          <a:prstGeom prst="rect">
+            <a:avLst/>
+          </a:prstGeom>
+          <a:solidFill>
+            <a:schemeClr val="accent6">
+              <a:lumMod val="40000"/>
+              <a:lumOff val="60000"/>
+              <a:alpha val="24000"/>
+            </a:schemeClr>
+          </a:solidFill>
+          <a:ln w="15875">
+            <a:solidFill>
+              <a:srgbClr val="FF0000"/>
+            </a:solidFill>
+          </a:ln>
+        </p:spPr>
+        <p:style>
+          <a:lnRef idx="1">
+            <a:schemeClr val="accent5"/>
+          </a:lnRef>
+          <a:fillRef idx="2">
+            <a:schemeClr val="accent5"/>
+          </a:fillRef>
+          <a:effectRef idx="1">
+            <a:schemeClr val="accent5"/>
+          </a:effectRef>
+          <a:fontRef idx="minor">
+            <a:schemeClr val="dk1"/>
+          </a:fontRef>
+        </p:style>
+        <p:txBody>
+          <a:bodyPr rtlCol="0" anchor="ctr"/>
+          <a:lstStyle/>
+          <a:p>
+            <a:pPr algn="ctr"/>
+            <a:endParaRPr lang="zh-TW" altLang="en-US" dirty="0" smtClean="0"/>
+          </a:p>
+        </p:txBody>
+      </p:sp>
+      <p:sp>
+        <p:nvSpPr>
+          <p:cNvPr id="8" name="矩形 7"/>
+          <p:cNvSpPr/>
+          <p:nvPr/>
+        </p:nvSpPr>
+        <p:spPr>
+          <a:xfrm>
+            <a:off x="8388424" y="769268"/>
+            <a:ext cx="360040" cy="3824808"/>
+          </a:xfrm>
+          <a:prstGeom prst="rect">
+            <a:avLst/>
+          </a:prstGeom>
+          <a:solidFill>
+            <a:schemeClr val="accent3">
+              <a:lumMod val="40000"/>
+              <a:lumOff val="60000"/>
+              <a:alpha val="24000"/>
+            </a:schemeClr>
+          </a:solidFill>
+          <a:ln w="15875">
+            <a:solidFill>
+              <a:schemeClr val="accent3">
+                <a:lumMod val="50000"/>
+              </a:schemeClr>
+            </a:solidFill>
+          </a:ln>
+        </p:spPr>
+        <p:style>
+          <a:lnRef idx="1">
+            <a:schemeClr val="accent5"/>
+          </a:lnRef>
+          <a:fillRef idx="2">
+            <a:schemeClr val="accent5"/>
+          </a:fillRef>
+          <a:effectRef idx="1">
+            <a:schemeClr val="accent5"/>
+          </a:effectRef>
+          <a:fontRef idx="minor">
+            <a:schemeClr val="dk1"/>
+          </a:fontRef>
+        </p:style>
+        <p:txBody>
+          <a:bodyPr rtlCol="0" anchor="ctr"/>
+          <a:lstStyle/>
+          <a:p>
+            <a:pPr algn="ctr"/>
+            <a:endParaRPr lang="zh-TW" altLang="en-US" dirty="0" smtClean="0"/>
+          </a:p>
+        </p:txBody>
+      </p:sp>
+      <p:sp>
+        <p:nvSpPr>
+          <p:cNvPr id="9" name="文字方塊 8"/>
+          <p:cNvSpPr txBox="1"/>
+          <p:nvPr/>
+        </p:nvSpPr>
+        <p:spPr>
+          <a:xfrm>
+            <a:off x="6632942" y="4657700"/>
+            <a:ext cx="1683474" cy="276999"/>
+          </a:xfrm>
+          <a:prstGeom prst="rect">
+            <a:avLst/>
+          </a:prstGeom>
+          <a:noFill/>
+        </p:spPr>
+        <p:txBody>
+          <a:bodyPr wrap="none" rtlCol="0">
+            <a:spAutoFit/>
+          </a:bodyPr>
+          <a:lstStyle/>
+          <a:p>
+            <a:r>
+              <a:rPr lang="en-US" altLang="zh-TW" sz="1200" b="1" dirty="0" smtClean="0">
+                <a:solidFill>
+                  <a:schemeClr val="tx2">
+                    <a:lumMod val="75000"/>
+                  </a:schemeClr>
+                </a:solidFill>
+              </a:rPr>
+              <a:t>socle_i2c_read_bytes()</a:t>
+            </a:r>
+            <a:endParaRPr lang="zh-TW" altLang="en-US" sz="1200" b="1" dirty="0">
+              <a:solidFill>
+                <a:schemeClr val="tx2">
+                  <a:lumMod val="75000"/>
+                </a:schemeClr>
+              </a:solidFill>
+            </a:endParaRPr>
+          </a:p>
+        </p:txBody>
+      </p:sp>
+      <p:sp>
+        <p:nvSpPr>
+          <p:cNvPr id="10" name="文字方塊 9"/>
+          <p:cNvSpPr txBox="1"/>
+          <p:nvPr/>
+        </p:nvSpPr>
+        <p:spPr>
+          <a:xfrm>
+            <a:off x="6632942" y="4884757"/>
+            <a:ext cx="1683474" cy="276999"/>
+          </a:xfrm>
+          <a:prstGeom prst="rect">
+            <a:avLst/>
+          </a:prstGeom>
+          <a:noFill/>
+        </p:spPr>
+        <p:txBody>
+          <a:bodyPr wrap="none" rtlCol="0">
+            <a:spAutoFit/>
+          </a:bodyPr>
+          <a:lstStyle/>
+          <a:p>
+            <a:r>
+              <a:rPr lang="en-US" altLang="zh-TW" sz="1200" b="1" dirty="0" smtClean="0">
+                <a:solidFill>
+                  <a:schemeClr val="tx2">
+                    <a:lumMod val="75000"/>
+                  </a:schemeClr>
+                </a:solidFill>
+              </a:rPr>
+              <a:t>socle_i2c_send_bytes()</a:t>
+            </a:r>
+            <a:endParaRPr lang="zh-TW" altLang="en-US" sz="1200" b="1" dirty="0">
+              <a:solidFill>
+                <a:schemeClr val="tx2">
+                  <a:lumMod val="75000"/>
+                </a:schemeClr>
+              </a:solidFill>
+            </a:endParaRPr>
+          </a:p>
+        </p:txBody>
+      </p:sp>
+      <p:sp>
+        <p:nvSpPr>
+          <p:cNvPr id="11" name="文字方塊 10"/>
+          <p:cNvSpPr txBox="1"/>
+          <p:nvPr/>
+        </p:nvSpPr>
+        <p:spPr>
+          <a:xfrm>
+            <a:off x="2771800" y="4657700"/>
+            <a:ext cx="1736373" cy="276999"/>
+          </a:xfrm>
+          <a:prstGeom prst="rect">
+            <a:avLst/>
+          </a:prstGeom>
+          <a:noFill/>
+        </p:spPr>
+        <p:txBody>
+          <a:bodyPr wrap="none" rtlCol="0">
+            <a:spAutoFit/>
+          </a:bodyPr>
+          <a:lstStyle/>
+          <a:p>
+            <a:r>
+              <a:rPr lang="en-US" altLang="zh-TW" sz="1200" b="1" dirty="0" smtClean="0">
+                <a:solidFill>
+                  <a:srgbClr val="FF0000"/>
+                </a:solidFill>
+              </a:rPr>
+              <a:t>socle_i2c_do_address()</a:t>
+            </a:r>
+            <a:endParaRPr lang="zh-TW" altLang="en-US" sz="1200" b="1" dirty="0">
+              <a:solidFill>
+                <a:srgbClr val="FF0000"/>
+              </a:solidFill>
+            </a:endParaRPr>
+          </a:p>
+        </p:txBody>
+      </p:sp>
+      <p:sp>
+        <p:nvSpPr>
+          <p:cNvPr id="13" name="文字方塊 12"/>
+          <p:cNvSpPr txBox="1"/>
+          <p:nvPr/>
+        </p:nvSpPr>
+        <p:spPr>
+          <a:xfrm>
+            <a:off x="7812360" y="5161756"/>
+            <a:ext cx="1239442" cy="276999"/>
+          </a:xfrm>
+          <a:prstGeom prst="rect">
+            <a:avLst/>
+          </a:prstGeom>
+          <a:noFill/>
+        </p:spPr>
+        <p:txBody>
+          <a:bodyPr wrap="none" rtlCol="0">
+            <a:spAutoFit/>
+          </a:bodyPr>
+          <a:lstStyle/>
+          <a:p>
+            <a:r>
+              <a:rPr lang="en-US" altLang="zh-TW" sz="1200" b="1" dirty="0" smtClean="0">
+                <a:solidFill>
+                  <a:schemeClr val="accent3">
+                    <a:lumMod val="50000"/>
+                  </a:schemeClr>
+                </a:solidFill>
+              </a:rPr>
+              <a:t>socle_i2c_stop()</a:t>
+            </a:r>
+            <a:endParaRPr lang="zh-TW" altLang="en-US" sz="1200" b="1" dirty="0">
+              <a:solidFill>
+                <a:schemeClr val="accent3">
+                  <a:lumMod val="50000"/>
+                </a:schemeClr>
+              </a:solidFill>
+            </a:endParaRPr>
+          </a:p>
+        </p:txBody>
+      </p:sp>
     </p:spTree>
   </p:cSld>
   <p:clrMapOvr>
     <a:masterClrMapping/>
   </p:clrMapOvr>
+  <p:timing>
+    <p:tnLst>
+      <p:par>
+        <p:cTn id="1" dur="indefinite" restart="never" nodeType="tmRoot"/>
+      </p:par>
+    </p:tnLst>
+  </p:timing>
 </p:sld>
 </file>
 
@@ -18922,110 +21432,6 @@
       </p:grpSpPr>
       <p:sp>
         <p:nvSpPr>
-          <p:cNvPr id="2" name="內容版面配置區 1"/>
-          <p:cNvSpPr>
-            <a:spLocks noGrp="1"/>
-          </p:cNvSpPr>
-          <p:nvPr>
-            <p:ph sz="half" idx="2"/>
-          </p:nvPr>
-        </p:nvSpPr>
-        <p:spPr>
-          <a:xfrm>
-            <a:off x="4643438" y="793739"/>
-            <a:ext cx="4286280" cy="3421083"/>
-          </a:xfrm>
-        </p:spPr>
-        <p:txBody>
-          <a:bodyPr/>
-          <a:lstStyle/>
-          <a:p>
-            <a:r>
-              <a:rPr lang="en-US" altLang="zh-TW" sz="1600" b="1" dirty="0" smtClean="0"/>
-              <a:t>i2c_regs – Control and Status Registers</a:t>
-            </a:r>
-          </a:p>
-          <a:p>
-            <a:pPr>
-              <a:buNone/>
-            </a:pPr>
-            <a:r>
-              <a:rPr lang="en-US" altLang="zh-TW" sz="1600" dirty="0" smtClean="0"/>
-              <a:t>	</a:t>
-            </a:r>
-            <a:r>
-              <a:rPr lang="en-US" altLang="zh-TW" sz="1000" dirty="0" smtClean="0"/>
-              <a:t>The i2c_regs component is used to control the I2C controller operation by the host with APB interface. It implements the register set and the interrupt functionality. The CSR component operates synchronously with the </a:t>
-            </a:r>
-            <a:r>
-              <a:rPr lang="en-US" altLang="zh-TW" sz="1000" dirty="0" err="1" smtClean="0"/>
-              <a:t>pclk</a:t>
-            </a:r>
-            <a:r>
-              <a:rPr lang="en-US" altLang="zh-TW" sz="1000" dirty="0" smtClean="0"/>
-              <a:t> clock.</a:t>
-            </a:r>
-            <a:endParaRPr lang="en-US" altLang="zh-TW" sz="1600" b="1" dirty="0" smtClean="0"/>
-          </a:p>
-          <a:p>
-            <a:r>
-              <a:rPr lang="en-US" altLang="zh-TW" sz="1600" b="1" dirty="0" smtClean="0"/>
-              <a:t>i2c_master – I2C Master Control and State Machine</a:t>
-            </a:r>
-          </a:p>
-          <a:p>
-            <a:pPr>
-              <a:buNone/>
-            </a:pPr>
-            <a:r>
-              <a:rPr lang="en-US" altLang="zh-TW" sz="1600" b="1" dirty="0" smtClean="0"/>
-              <a:t>	</a:t>
-            </a:r>
-            <a:r>
-              <a:rPr lang="en-US" altLang="zh-TW" sz="1000" dirty="0" smtClean="0"/>
-              <a:t>The I2C master controller implements the I2C master operation for transmit data to and receive data from other I2C devices. The I2C master controller operates synchronously with the </a:t>
-            </a:r>
-            <a:r>
-              <a:rPr lang="en-US" altLang="zh-TW" sz="1000" dirty="0" err="1" smtClean="0"/>
-              <a:t>pclk</a:t>
-            </a:r>
-            <a:r>
-              <a:rPr lang="en-US" altLang="zh-TW" sz="1000" dirty="0" smtClean="0"/>
-              <a:t>.</a:t>
-            </a:r>
-          </a:p>
-          <a:p>
-            <a:r>
-              <a:rPr lang="en-US" altLang="zh-TW" sz="1600" b="1" dirty="0" smtClean="0"/>
-              <a:t>i2c_slave – I2C Slave Control and State Machine</a:t>
-            </a:r>
-          </a:p>
-          <a:p>
-            <a:pPr>
-              <a:buNone/>
-            </a:pPr>
-            <a:r>
-              <a:rPr lang="en-US" altLang="zh-TW" sz="1600" dirty="0" smtClean="0"/>
-              <a:t>	</a:t>
-            </a:r>
-            <a:r>
-              <a:rPr lang="en-US" altLang="zh-TW" sz="1000" dirty="0" smtClean="0"/>
-              <a:t>The I2C slave controller implements the I2C master operation for transmit data to and receive data from other I2C devices. The I2C slave controller operates synchronously with the </a:t>
-            </a:r>
-            <a:r>
-              <a:rPr lang="en-US" altLang="zh-TW" sz="1000" dirty="0" err="1" smtClean="0"/>
-              <a:t>pclk</a:t>
-            </a:r>
-            <a:r>
-              <a:rPr lang="en-US" altLang="zh-TW" sz="1000" dirty="0" smtClean="0"/>
-              <a:t>.</a:t>
-            </a:r>
-            <a:endParaRPr lang="en-US" altLang="zh-TW" sz="1000" b="1" dirty="0" smtClean="0"/>
-          </a:p>
-        </p:txBody>
-      </p:sp>
-      <p:sp>
-        <p:nvSpPr>
           <p:cNvPr id="3" name="標題 2"/>
           <p:cNvSpPr>
             <a:spLocks noGrp="1"/>
@@ -19039,21 +21445,19 @@
           <a:bodyPr/>
           <a:lstStyle/>
           <a:p>
-            <a:r>
-              <a:rPr lang="en-US" altLang="zh-TW" dirty="0" smtClean="0"/>
-              <a:t>I2C</a:t>
-            </a:r>
-            <a:endParaRPr lang="zh-TW" altLang="en-US" dirty="0"/>
+            <a:endParaRPr lang="zh-TW" altLang="en-US"/>
           </a:p>
         </p:txBody>
       </p:sp>
       <p:pic>
         <p:nvPicPr>
-          <p:cNvPr id="4" name="Picture 2"/>
+          <p:cNvPr id="3074" name="Picture 2"/>
           <p:cNvPicPr>
-            <a:picLocks noChangeAspect="1" noChangeArrowheads="1"/>
+            <a:picLocks noGrp="1" noChangeAspect="1" noChangeArrowheads="1"/>
           </p:cNvPicPr>
-          <p:nvPr/>
+          <p:nvPr>
+            <p:ph sz="half" idx="2"/>
+          </p:nvPr>
         </p:nvPicPr>
         <p:blipFill>
           <a:blip r:embed="rId2" cstate="print"/>
@@ -19064,8 +21468,8 @@
         </p:blipFill>
         <p:spPr bwMode="auto">
           <a:xfrm>
-            <a:off x="142844" y="357170"/>
-            <a:ext cx="4354748" cy="3067054"/>
+            <a:off x="471488" y="1246172"/>
+            <a:ext cx="8215312" cy="3140106"/>
           </a:xfrm>
           <a:prstGeom prst="rect">
             <a:avLst/>
@@ -19077,292 +21481,8 @@
             <a:headEnd/>
             <a:tailEnd/>
           </a:ln>
-          <a:effectLst/>
         </p:spPr>
       </p:pic>
-      <p:sp>
-        <p:nvSpPr>
-          <p:cNvPr id="5" name="內容版面配置區 1"/>
-          <p:cNvSpPr txBox="1">
-            <a:spLocks/>
-          </p:cNvSpPr>
-          <p:nvPr/>
-        </p:nvSpPr>
-        <p:spPr>
-          <a:xfrm>
-            <a:off x="142844" y="3579821"/>
-            <a:ext cx="8858312" cy="1706571"/>
-          </a:xfrm>
-          <a:prstGeom prst="rect">
-            <a:avLst/>
-          </a:prstGeom>
-        </p:spPr>
-        <p:txBody>
-          <a:bodyPr/>
-          <a:lstStyle/>
-          <a:p>
-            <a:pPr marL="514350" marR="0" lvl="0" indent="-514350" algn="l" defTabSz="914400" rtl="0" eaLnBrk="1" fontAlgn="base" latinLnBrk="0" hangingPunct="1">
-              <a:lnSpc>
-                <a:spcPct val="100000"/>
-              </a:lnSpc>
-              <a:spcBef>
-                <a:spcPct val="20000"/>
-              </a:spcBef>
-              <a:spcAft>
-                <a:spcPct val="0"/>
-              </a:spcAft>
-              <a:buClr>
-                <a:srgbClr val="1273B1"/>
-              </a:buClr>
-              <a:buSzTx/>
-              <a:buFont typeface="Wingdings" pitchFamily="2" charset="2"/>
-              <a:buChar char="l"/>
-              <a:tabLst/>
-              <a:defRPr/>
-            </a:pPr>
-            <a:r>
-              <a:rPr kumimoji="1" lang="en-US" altLang="zh-TW" sz="1600" b="1" i="0" u="none" strike="noStrike" kern="1200" cap="none" spc="0" normalizeH="0" baseline="0" noProof="0" dirty="0" smtClean="0">
-                <a:ln>
-                  <a:noFill/>
-                </a:ln>
-                <a:solidFill>
-                  <a:schemeClr val="tx1"/>
-                </a:solidFill>
-                <a:effectLst/>
-                <a:uLnTx/>
-                <a:uFillTx/>
-                <a:latin typeface="+mn-lt"/>
-                <a:ea typeface="+mn-ea"/>
-                <a:cs typeface="+mn-cs"/>
-              </a:rPr>
-              <a:t>i2c_divider – Clock Divider</a:t>
-            </a:r>
-          </a:p>
-          <a:p>
-            <a:pPr marL="971550" lvl="1" indent="-514350" fontAlgn="base">
-              <a:spcBef>
-                <a:spcPct val="20000"/>
-              </a:spcBef>
-              <a:spcAft>
-                <a:spcPct val="0"/>
-              </a:spcAft>
-              <a:buClr>
-                <a:srgbClr val="1273B1"/>
-              </a:buClr>
-            </a:pPr>
-            <a:r>
-              <a:rPr lang="en-US" altLang="zh-TW" sz="1000" dirty="0" smtClean="0"/>
-              <a:t>The clock divider module generates I2C clock SCL output signals from </a:t>
-            </a:r>
-            <a:r>
-              <a:rPr lang="en-US" altLang="zh-TW" sz="1000" dirty="0" err="1" smtClean="0"/>
-              <a:t>pclk</a:t>
-            </a:r>
-            <a:r>
-              <a:rPr lang="en-US" altLang="zh-TW" sz="1000" dirty="0" smtClean="0"/>
-              <a:t> at </a:t>
-            </a:r>
-          </a:p>
-          <a:p>
-            <a:pPr marL="971550" lvl="1" indent="-514350" fontAlgn="base">
-              <a:spcBef>
-                <a:spcPct val="20000"/>
-              </a:spcBef>
-              <a:spcAft>
-                <a:spcPct val="0"/>
-              </a:spcAft>
-              <a:buClr>
-                <a:srgbClr val="1273B1"/>
-              </a:buClr>
-            </a:pPr>
-            <a:r>
-              <a:rPr lang="en-US" altLang="zh-TW" sz="1000" dirty="0" smtClean="0"/>
-              <a:t>frequency according the given equation.</a:t>
-            </a:r>
-            <a:endParaRPr kumimoji="1" lang="en-US" altLang="zh-TW" sz="1600" b="1" i="0" u="none" strike="noStrike" kern="1200" cap="none" spc="0" normalizeH="0" baseline="0" noProof="0" dirty="0" smtClean="0">
-              <a:ln>
-                <a:noFill/>
-              </a:ln>
-              <a:solidFill>
-                <a:schemeClr val="tx1"/>
-              </a:solidFill>
-              <a:effectLst/>
-              <a:uLnTx/>
-              <a:uFillTx/>
-              <a:latin typeface="+mn-lt"/>
-              <a:ea typeface="+mn-ea"/>
-              <a:cs typeface="+mn-cs"/>
-            </a:endParaRPr>
-          </a:p>
-          <a:p>
-            <a:pPr marL="514350" marR="0" lvl="0" indent="-514350" algn="l" defTabSz="914400" rtl="0" eaLnBrk="1" fontAlgn="base" latinLnBrk="0" hangingPunct="1">
-              <a:lnSpc>
-                <a:spcPct val="100000"/>
-              </a:lnSpc>
-              <a:spcBef>
-                <a:spcPct val="20000"/>
-              </a:spcBef>
-              <a:spcAft>
-                <a:spcPct val="0"/>
-              </a:spcAft>
-              <a:buClr>
-                <a:srgbClr val="1273B1"/>
-              </a:buClr>
-              <a:buSzTx/>
-              <a:buFont typeface="Wingdings" pitchFamily="2" charset="2"/>
-              <a:buChar char="l"/>
-              <a:tabLst/>
-              <a:defRPr/>
-            </a:pPr>
-            <a:r>
-              <a:rPr kumimoji="1" lang="en-US" altLang="zh-TW" sz="1600" b="1" i="0" u="none" strike="noStrike" kern="1200" cap="none" spc="0" normalizeH="0" baseline="0" noProof="0" dirty="0" smtClean="0">
-                <a:ln>
-                  <a:noFill/>
-                </a:ln>
-                <a:solidFill>
-                  <a:schemeClr val="tx1"/>
-                </a:solidFill>
-                <a:effectLst/>
-                <a:uLnTx/>
-                <a:uFillTx/>
-                <a:latin typeface="+mn-lt"/>
-                <a:ea typeface="+mn-ea"/>
-                <a:cs typeface="+mn-cs"/>
-              </a:rPr>
-              <a:t>i2c_interface – I2C interface (These are logics under top module. There is actually no such a module)</a:t>
-            </a:r>
-          </a:p>
-          <a:p>
-            <a:pPr marL="971550" lvl="1" indent="-514350" fontAlgn="base">
-              <a:spcBef>
-                <a:spcPct val="20000"/>
-              </a:spcBef>
-              <a:spcAft>
-                <a:spcPct val="0"/>
-              </a:spcAft>
-              <a:buClr>
-                <a:srgbClr val="1273B1"/>
-              </a:buClr>
-            </a:pPr>
-            <a:r>
-              <a:rPr lang="en-US" altLang="zh-TW" sz="1000" dirty="0" smtClean="0"/>
-              <a:t>SDA output enable from I2C master controller and slave controller are </a:t>
-            </a:r>
-            <a:r>
-              <a:rPr lang="en-US" altLang="zh-TW" sz="1000" dirty="0" err="1" smtClean="0"/>
-              <a:t>ANDed</a:t>
-            </a:r>
-            <a:r>
-              <a:rPr lang="en-US" altLang="zh-TW" sz="1000" dirty="0" smtClean="0"/>
-              <a:t> together as the output ports. Similarly, SCL output enable from I2C </a:t>
-            </a:r>
-          </a:p>
-          <a:p>
-            <a:pPr marL="971550" lvl="1" indent="-514350" fontAlgn="base">
-              <a:spcBef>
-                <a:spcPct val="20000"/>
-              </a:spcBef>
-              <a:spcAft>
-                <a:spcPct val="0"/>
-              </a:spcAft>
-              <a:buClr>
-                <a:srgbClr val="1273B1"/>
-              </a:buClr>
-            </a:pPr>
-            <a:r>
-              <a:rPr lang="en-US" altLang="zh-TW" sz="1000" dirty="0" smtClean="0"/>
-              <a:t>master controller and slave controller are </a:t>
-            </a:r>
-            <a:r>
-              <a:rPr lang="en-US" altLang="zh-TW" sz="1000" dirty="0" err="1" smtClean="0"/>
-              <a:t>ANDed</a:t>
-            </a:r>
-            <a:r>
-              <a:rPr lang="en-US" altLang="zh-TW" sz="1000" dirty="0" smtClean="0"/>
-              <a:t> together. SDA output and SCL output are actually ties to the ground since I2C is an open drain </a:t>
-            </a:r>
-          </a:p>
-          <a:p>
-            <a:pPr marL="971550" lvl="1" indent="-514350" fontAlgn="base">
-              <a:spcBef>
-                <a:spcPct val="20000"/>
-              </a:spcBef>
-              <a:spcAft>
-                <a:spcPct val="0"/>
-              </a:spcAft>
-              <a:buClr>
-                <a:srgbClr val="1273B1"/>
-              </a:buClr>
-            </a:pPr>
-            <a:r>
-              <a:rPr lang="en-US" altLang="zh-TW" sz="1000" dirty="0" smtClean="0"/>
-              <a:t>architecture. So once enabled, SDA/ SCL on I2C will be pulled low.</a:t>
-            </a:r>
-          </a:p>
-          <a:p>
-            <a:pPr marL="971550" lvl="1" indent="-514350" fontAlgn="base">
-              <a:spcBef>
-                <a:spcPct val="20000"/>
-              </a:spcBef>
-              <a:spcAft>
-                <a:spcPct val="0"/>
-              </a:spcAft>
-              <a:buClr>
-                <a:srgbClr val="1273B1"/>
-              </a:buClr>
-            </a:pPr>
-            <a:endParaRPr kumimoji="1" lang="en-US" altLang="zh-TW" sz="1600" b="1" i="0" u="none" strike="noStrike" kern="1200" cap="none" spc="0" normalizeH="0" baseline="0" noProof="0" dirty="0" smtClean="0">
-              <a:ln>
-                <a:noFill/>
-              </a:ln>
-              <a:solidFill>
-                <a:schemeClr val="tx1"/>
-              </a:solidFill>
-              <a:effectLst/>
-              <a:uLnTx/>
-              <a:uFillTx/>
-              <a:latin typeface="+mn-lt"/>
-              <a:ea typeface="+mn-ea"/>
-              <a:cs typeface="+mn-cs"/>
-            </a:endParaRPr>
-          </a:p>
-          <a:p>
-            <a:pPr marL="514350" marR="0" lvl="0" indent="-514350" algn="l" defTabSz="914400" rtl="0" eaLnBrk="1" fontAlgn="base" latinLnBrk="0" hangingPunct="1">
-              <a:lnSpc>
-                <a:spcPct val="100000"/>
-              </a:lnSpc>
-              <a:spcBef>
-                <a:spcPct val="20000"/>
-              </a:spcBef>
-              <a:spcAft>
-                <a:spcPct val="0"/>
-              </a:spcAft>
-              <a:buClr>
-                <a:srgbClr val="1273B1"/>
-              </a:buClr>
-              <a:buSzTx/>
-              <a:buFont typeface="Wingdings" pitchFamily="2" charset="2"/>
-              <a:buNone/>
-              <a:tabLst/>
-              <a:defRPr/>
-            </a:pPr>
-            <a:endParaRPr kumimoji="1" lang="zh-TW" altLang="en-US" sz="2000" b="0" i="0" u="none" strike="noStrike" kern="1200" cap="none" spc="0" normalizeH="0" baseline="0" noProof="0" dirty="0">
-              <a:ln>
-                <a:noFill/>
-              </a:ln>
-              <a:solidFill>
-                <a:schemeClr val="tx1"/>
-              </a:solidFill>
-              <a:effectLst/>
-              <a:uLnTx/>
-              <a:uFillTx/>
-              <a:latin typeface="+mn-lt"/>
-              <a:ea typeface="+mn-ea"/>
-              <a:cs typeface="+mn-cs"/>
-            </a:endParaRPr>
-          </a:p>
-        </p:txBody>
-      </p:sp>
     </p:spTree>
   </p:cSld>
   <p:clrMapOvr>
@@ -19524,7 +21644,7 @@
     </p:spTree>
     <p:extLst>
       <p:ext uri="{BB962C8B-B14F-4D97-AF65-F5344CB8AC3E}">
-        <p14:creationId xmlns="" xmlns:p14="http://schemas.microsoft.com/office/powerpoint/2010/main" val="3577142735"/>
+        <p14:creationId xmlns:p14="http://schemas.microsoft.com/office/powerpoint/2010/main" xmlns="" val="3577142735"/>
       </p:ext>
     </p:extLst>
   </p:cSld>
@@ -19560,6 +21680,110 @@
       </p:grpSpPr>
       <p:sp>
         <p:nvSpPr>
+          <p:cNvPr id="2" name="內容版面配置區 1"/>
+          <p:cNvSpPr>
+            <a:spLocks noGrp="1"/>
+          </p:cNvSpPr>
+          <p:nvPr>
+            <p:ph sz="half" idx="2"/>
+          </p:nvPr>
+        </p:nvSpPr>
+        <p:spPr>
+          <a:xfrm>
+            <a:off x="4643438" y="793739"/>
+            <a:ext cx="4286280" cy="3421083"/>
+          </a:xfrm>
+        </p:spPr>
+        <p:txBody>
+          <a:bodyPr/>
+          <a:lstStyle/>
+          <a:p>
+            <a:r>
+              <a:rPr lang="en-US" altLang="zh-TW" sz="1600" b="1" dirty="0" smtClean="0"/>
+              <a:t>i2c_regs – Control and Status Registers</a:t>
+            </a:r>
+          </a:p>
+          <a:p>
+            <a:pPr>
+              <a:buNone/>
+            </a:pPr>
+            <a:r>
+              <a:rPr lang="en-US" altLang="zh-TW" sz="1600" dirty="0" smtClean="0"/>
+              <a:t>	</a:t>
+            </a:r>
+            <a:r>
+              <a:rPr lang="en-US" altLang="zh-TW" sz="1000" dirty="0" smtClean="0"/>
+              <a:t>The i2c_regs component is used to control the I2C controller operation by the host with APB interface. It implements the register set and the interrupt functionality. The CSR component operates synchronously with the </a:t>
+            </a:r>
+            <a:r>
+              <a:rPr lang="en-US" altLang="zh-TW" sz="1000" dirty="0" err="1" smtClean="0"/>
+              <a:t>pclk</a:t>
+            </a:r>
+            <a:r>
+              <a:rPr lang="en-US" altLang="zh-TW" sz="1000" dirty="0" smtClean="0"/>
+              <a:t> clock.</a:t>
+            </a:r>
+            <a:endParaRPr lang="en-US" altLang="zh-TW" sz="1600" b="1" dirty="0" smtClean="0"/>
+          </a:p>
+          <a:p>
+            <a:r>
+              <a:rPr lang="en-US" altLang="zh-TW" sz="1600" b="1" dirty="0" smtClean="0"/>
+              <a:t>i2c_master – I2C Master Control and State Machine</a:t>
+            </a:r>
+          </a:p>
+          <a:p>
+            <a:pPr>
+              <a:buNone/>
+            </a:pPr>
+            <a:r>
+              <a:rPr lang="en-US" altLang="zh-TW" sz="1600" b="1" dirty="0" smtClean="0"/>
+              <a:t>	</a:t>
+            </a:r>
+            <a:r>
+              <a:rPr lang="en-US" altLang="zh-TW" sz="1000" dirty="0" smtClean="0"/>
+              <a:t>The I2C master controller implements the I2C master operation for transmit data to and receive data from other I2C devices. The I2C master controller operates synchronously with the </a:t>
+            </a:r>
+            <a:r>
+              <a:rPr lang="en-US" altLang="zh-TW" sz="1000" dirty="0" err="1" smtClean="0"/>
+              <a:t>pclk</a:t>
+            </a:r>
+            <a:r>
+              <a:rPr lang="en-US" altLang="zh-TW" sz="1000" dirty="0" smtClean="0"/>
+              <a:t>.</a:t>
+            </a:r>
+          </a:p>
+          <a:p>
+            <a:r>
+              <a:rPr lang="en-US" altLang="zh-TW" sz="1600" b="1" dirty="0" smtClean="0"/>
+              <a:t>i2c_slave – I2C Slave Control and State Machine</a:t>
+            </a:r>
+          </a:p>
+          <a:p>
+            <a:pPr>
+              <a:buNone/>
+            </a:pPr>
+            <a:r>
+              <a:rPr lang="en-US" altLang="zh-TW" sz="1600" dirty="0" smtClean="0"/>
+              <a:t>	</a:t>
+            </a:r>
+            <a:r>
+              <a:rPr lang="en-US" altLang="zh-TW" sz="1000" dirty="0" smtClean="0"/>
+              <a:t>The I2C slave controller implements the I2C master operation for transmit data to and receive data from other I2C devices. The I2C slave controller operates synchronously with the </a:t>
+            </a:r>
+            <a:r>
+              <a:rPr lang="en-US" altLang="zh-TW" sz="1000" dirty="0" err="1" smtClean="0"/>
+              <a:t>pclk</a:t>
+            </a:r>
+            <a:r>
+              <a:rPr lang="en-US" altLang="zh-TW" sz="1000" dirty="0" smtClean="0"/>
+              <a:t>.</a:t>
+            </a:r>
+            <a:endParaRPr lang="en-US" altLang="zh-TW" sz="1000" b="1" dirty="0" smtClean="0"/>
+          </a:p>
+        </p:txBody>
+      </p:sp>
+      <p:sp>
+        <p:nvSpPr>
           <p:cNvPr id="3" name="標題 2"/>
           <p:cNvSpPr>
             <a:spLocks noGrp="1"/>
@@ -19575,14 +21799,15 @@
           <a:p>
             <a:r>
               <a:rPr lang="en-US" altLang="zh-TW" dirty="0" smtClean="0"/>
-              <a:t>Registers Summary</a:t>
-            </a:r>
+              <a:t>I2C</a:t>
+            </a:r>
+            <a:endParaRPr lang="zh-TW" altLang="en-US" dirty="0"/>
           </a:p>
         </p:txBody>
       </p:sp>
       <p:pic>
         <p:nvPicPr>
-          <p:cNvPr id="2050" name="Picture 2"/>
+          <p:cNvPr id="4" name="Picture 2"/>
           <p:cNvPicPr>
             <a:picLocks noChangeAspect="1" noChangeArrowheads="1"/>
           </p:cNvPicPr>
@@ -19597,8 +21822,8 @@
         </p:blipFill>
         <p:spPr bwMode="auto">
           <a:xfrm>
-            <a:off x="828675" y="1009650"/>
-            <a:ext cx="7486650" cy="3695700"/>
+            <a:off x="142844" y="357170"/>
+            <a:ext cx="4354748" cy="3067054"/>
           </a:xfrm>
           <a:prstGeom prst="rect">
             <a:avLst/>
@@ -19613,6 +21838,289 @@
           <a:effectLst/>
         </p:spPr>
       </p:pic>
+      <p:sp>
+        <p:nvSpPr>
+          <p:cNvPr id="5" name="內容版面配置區 1"/>
+          <p:cNvSpPr txBox="1">
+            <a:spLocks/>
+          </p:cNvSpPr>
+          <p:nvPr/>
+        </p:nvSpPr>
+        <p:spPr>
+          <a:xfrm>
+            <a:off x="142844" y="3579821"/>
+            <a:ext cx="8858312" cy="1706571"/>
+          </a:xfrm>
+          <a:prstGeom prst="rect">
+            <a:avLst/>
+          </a:prstGeom>
+        </p:spPr>
+        <p:txBody>
+          <a:bodyPr/>
+          <a:lstStyle/>
+          <a:p>
+            <a:pPr marL="514350" marR="0" lvl="0" indent="-514350" algn="l" defTabSz="914400" rtl="0" eaLnBrk="1" fontAlgn="base" latinLnBrk="0" hangingPunct="1">
+              <a:lnSpc>
+                <a:spcPct val="100000"/>
+              </a:lnSpc>
+              <a:spcBef>
+                <a:spcPct val="20000"/>
+              </a:spcBef>
+              <a:spcAft>
+                <a:spcPct val="0"/>
+              </a:spcAft>
+              <a:buClr>
+                <a:srgbClr val="1273B1"/>
+              </a:buClr>
+              <a:buSzTx/>
+              <a:buFont typeface="Wingdings" pitchFamily="2" charset="2"/>
+              <a:buChar char="l"/>
+              <a:tabLst/>
+              <a:defRPr/>
+            </a:pPr>
+            <a:r>
+              <a:rPr kumimoji="1" lang="en-US" altLang="zh-TW" sz="1600" b="1" i="0" u="none" strike="noStrike" kern="1200" cap="none" spc="0" normalizeH="0" baseline="0" noProof="0" dirty="0" smtClean="0">
+                <a:ln>
+                  <a:noFill/>
+                </a:ln>
+                <a:solidFill>
+                  <a:schemeClr val="tx1"/>
+                </a:solidFill>
+                <a:effectLst/>
+                <a:uLnTx/>
+                <a:uFillTx/>
+                <a:latin typeface="+mn-lt"/>
+                <a:ea typeface="+mn-ea"/>
+                <a:cs typeface="+mn-cs"/>
+              </a:rPr>
+              <a:t>i2c_divider – Clock Divider</a:t>
+            </a:r>
+          </a:p>
+          <a:p>
+            <a:pPr marL="971550" lvl="1" indent="-514350" fontAlgn="base">
+              <a:spcBef>
+                <a:spcPct val="20000"/>
+              </a:spcBef>
+              <a:spcAft>
+                <a:spcPct val="0"/>
+              </a:spcAft>
+              <a:buClr>
+                <a:srgbClr val="1273B1"/>
+              </a:buClr>
+            </a:pPr>
+            <a:r>
+              <a:rPr lang="en-US" altLang="zh-TW" sz="1000" dirty="0" smtClean="0"/>
+              <a:t>The clock divider module generates I2C clock SCL output signals from </a:t>
+            </a:r>
+            <a:r>
+              <a:rPr lang="en-US" altLang="zh-TW" sz="1000" dirty="0" err="1" smtClean="0"/>
+              <a:t>pclk</a:t>
+            </a:r>
+            <a:r>
+              <a:rPr lang="en-US" altLang="zh-TW" sz="1000" dirty="0" smtClean="0"/>
+              <a:t> at </a:t>
+            </a:r>
+          </a:p>
+          <a:p>
+            <a:pPr marL="971550" lvl="1" indent="-514350" fontAlgn="base">
+              <a:spcBef>
+                <a:spcPct val="20000"/>
+              </a:spcBef>
+              <a:spcAft>
+                <a:spcPct val="0"/>
+              </a:spcAft>
+              <a:buClr>
+                <a:srgbClr val="1273B1"/>
+              </a:buClr>
+            </a:pPr>
+            <a:r>
+              <a:rPr lang="en-US" altLang="zh-TW" sz="1000" dirty="0" smtClean="0"/>
+              <a:t>frequency according the given equation.</a:t>
+            </a:r>
+            <a:endParaRPr kumimoji="1" lang="en-US" altLang="zh-TW" sz="1600" b="1" i="0" u="none" strike="noStrike" kern="1200" cap="none" spc="0" normalizeH="0" baseline="0" noProof="0" dirty="0" smtClean="0">
+              <a:ln>
+                <a:noFill/>
+              </a:ln>
+              <a:solidFill>
+                <a:schemeClr val="tx1"/>
+              </a:solidFill>
+              <a:effectLst/>
+              <a:uLnTx/>
+              <a:uFillTx/>
+              <a:latin typeface="+mn-lt"/>
+              <a:ea typeface="+mn-ea"/>
+              <a:cs typeface="+mn-cs"/>
+            </a:endParaRPr>
+          </a:p>
+          <a:p>
+            <a:pPr marL="514350" marR="0" lvl="0" indent="-514350" algn="l" defTabSz="914400" rtl="0" eaLnBrk="1" fontAlgn="base" latinLnBrk="0" hangingPunct="1">
+              <a:lnSpc>
+                <a:spcPct val="100000"/>
+              </a:lnSpc>
+              <a:spcBef>
+                <a:spcPct val="20000"/>
+              </a:spcBef>
+              <a:spcAft>
+                <a:spcPct val="0"/>
+              </a:spcAft>
+              <a:buClr>
+                <a:srgbClr val="1273B1"/>
+              </a:buClr>
+              <a:buSzTx/>
+              <a:buFont typeface="Wingdings" pitchFamily="2" charset="2"/>
+              <a:buChar char="l"/>
+              <a:tabLst/>
+              <a:defRPr/>
+            </a:pPr>
+            <a:r>
+              <a:rPr kumimoji="1" lang="en-US" altLang="zh-TW" sz="1600" b="1" i="0" u="none" strike="noStrike" kern="1200" cap="none" spc="0" normalizeH="0" baseline="0" noProof="0" dirty="0" smtClean="0">
+                <a:ln>
+                  <a:noFill/>
+                </a:ln>
+                <a:solidFill>
+                  <a:schemeClr val="tx1"/>
+                </a:solidFill>
+                <a:effectLst/>
+                <a:uLnTx/>
+                <a:uFillTx/>
+                <a:latin typeface="+mn-lt"/>
+                <a:ea typeface="+mn-ea"/>
+                <a:cs typeface="+mn-cs"/>
+              </a:rPr>
+              <a:t>i2c_interface – I2C interface (These are logics under top module. There is actually no such a module)</a:t>
+            </a:r>
+          </a:p>
+          <a:p>
+            <a:pPr marL="971550" lvl="1" indent="-514350" fontAlgn="base">
+              <a:spcBef>
+                <a:spcPct val="20000"/>
+              </a:spcBef>
+              <a:spcAft>
+                <a:spcPct val="0"/>
+              </a:spcAft>
+              <a:buClr>
+                <a:srgbClr val="1273B1"/>
+              </a:buClr>
+            </a:pPr>
+            <a:r>
+              <a:rPr lang="en-US" altLang="zh-TW" sz="1000" dirty="0" smtClean="0"/>
+              <a:t>SDA output enable from I2C master controller and slave controller are </a:t>
+            </a:r>
+            <a:r>
+              <a:rPr lang="en-US" altLang="zh-TW" sz="1000" dirty="0" err="1" smtClean="0"/>
+              <a:t>ANDed</a:t>
+            </a:r>
+            <a:r>
+              <a:rPr lang="en-US" altLang="zh-TW" sz="1000" dirty="0" smtClean="0"/>
+              <a:t> together as the output ports. Similarly, SCL output enable from I2C </a:t>
+            </a:r>
+          </a:p>
+          <a:p>
+            <a:pPr marL="971550" lvl="1" indent="-514350" fontAlgn="base">
+              <a:spcBef>
+                <a:spcPct val="20000"/>
+              </a:spcBef>
+              <a:spcAft>
+                <a:spcPct val="0"/>
+              </a:spcAft>
+              <a:buClr>
+                <a:srgbClr val="1273B1"/>
+              </a:buClr>
+            </a:pPr>
+            <a:r>
+              <a:rPr lang="en-US" altLang="zh-TW" sz="1000" dirty="0" smtClean="0"/>
+              <a:t>master controller and slave controller are </a:t>
+            </a:r>
+            <a:r>
+              <a:rPr lang="en-US" altLang="zh-TW" sz="1000" dirty="0" err="1" smtClean="0"/>
+              <a:t>ANDed</a:t>
+            </a:r>
+            <a:r>
+              <a:rPr lang="en-US" altLang="zh-TW" sz="1000" dirty="0" smtClean="0"/>
+              <a:t> together. SDA output and SCL output are actually ties to the ground since I2C is an open drain </a:t>
+            </a:r>
+          </a:p>
+          <a:p>
+            <a:pPr marL="971550" lvl="1" indent="-514350" fontAlgn="base">
+              <a:spcBef>
+                <a:spcPct val="20000"/>
+              </a:spcBef>
+              <a:spcAft>
+                <a:spcPct val="0"/>
+              </a:spcAft>
+              <a:buClr>
+                <a:srgbClr val="1273B1"/>
+              </a:buClr>
+            </a:pPr>
+            <a:r>
+              <a:rPr lang="en-US" altLang="zh-TW" sz="1000" dirty="0" smtClean="0"/>
+              <a:t>architecture. So once enabled, SDA/ SCL on I2C will be pulled low.</a:t>
+            </a:r>
+          </a:p>
+          <a:p>
+            <a:pPr marL="971550" lvl="1" indent="-514350" fontAlgn="base">
+              <a:spcBef>
+                <a:spcPct val="20000"/>
+              </a:spcBef>
+              <a:spcAft>
+                <a:spcPct val="0"/>
+              </a:spcAft>
+              <a:buClr>
+                <a:srgbClr val="1273B1"/>
+              </a:buClr>
+            </a:pPr>
+            <a:endParaRPr kumimoji="1" lang="en-US" altLang="zh-TW" sz="1600" b="1" i="0" u="none" strike="noStrike" kern="1200" cap="none" spc="0" normalizeH="0" baseline="0" noProof="0" dirty="0" smtClean="0">
+              <a:ln>
+                <a:noFill/>
+              </a:ln>
+              <a:solidFill>
+                <a:schemeClr val="tx1"/>
+              </a:solidFill>
+              <a:effectLst/>
+              <a:uLnTx/>
+              <a:uFillTx/>
+              <a:latin typeface="+mn-lt"/>
+              <a:ea typeface="+mn-ea"/>
+              <a:cs typeface="+mn-cs"/>
+            </a:endParaRPr>
+          </a:p>
+          <a:p>
+            <a:pPr marL="514350" marR="0" lvl="0" indent="-514350" algn="l" defTabSz="914400" rtl="0" eaLnBrk="1" fontAlgn="base" latinLnBrk="0" hangingPunct="1">
+              <a:lnSpc>
+                <a:spcPct val="100000"/>
+              </a:lnSpc>
+              <a:spcBef>
+                <a:spcPct val="20000"/>
+              </a:spcBef>
+              <a:spcAft>
+                <a:spcPct val="0"/>
+              </a:spcAft>
+              <a:buClr>
+                <a:srgbClr val="1273B1"/>
+              </a:buClr>
+              <a:buSzTx/>
+              <a:buFont typeface="Wingdings" pitchFamily="2" charset="2"/>
+              <a:buNone/>
+              <a:tabLst/>
+              <a:defRPr/>
+            </a:pPr>
+            <a:endParaRPr kumimoji="1" lang="zh-TW" altLang="en-US" sz="2000" b="0" i="0" u="none" strike="noStrike" kern="1200" cap="none" spc="0" normalizeH="0" baseline="0" noProof="0" dirty="0">
+              <a:ln>
+                <a:noFill/>
+              </a:ln>
+              <a:solidFill>
+                <a:schemeClr val="tx1"/>
+              </a:solidFill>
+              <a:effectLst/>
+              <a:uLnTx/>
+              <a:uFillTx/>
+              <a:latin typeface="+mn-lt"/>
+              <a:ea typeface="+mn-ea"/>
+              <a:cs typeface="+mn-cs"/>
+            </a:endParaRPr>
+          </a:p>
+        </p:txBody>
+      </p:sp>
     </p:spTree>
   </p:cSld>
   <p:clrMapOvr>
@@ -19640,25 +22148,6 @@
       </p:grpSpPr>
       <p:sp>
         <p:nvSpPr>
-          <p:cNvPr id="2" name="內容版面配置區 1"/>
-          <p:cNvSpPr>
-            <a:spLocks noGrp="1"/>
-          </p:cNvSpPr>
-          <p:nvPr>
-            <p:ph sz="half" idx="2"/>
-          </p:nvPr>
-        </p:nvSpPr>
-        <p:spPr/>
-        <p:txBody>
-          <a:bodyPr/>
-          <a:lstStyle/>
-          <a:p>
-            <a:endParaRPr lang="zh-TW" altLang="en-US" dirty="0"/>
-          </a:p>
-        </p:txBody>
-      </p:sp>
-      <p:sp>
-        <p:nvSpPr>
           <p:cNvPr id="3" name="標題 2"/>
           <p:cNvSpPr>
             <a:spLocks noGrp="1"/>
@@ -19669,25 +22158,19 @@
         </p:nvSpPr>
         <p:spPr/>
         <p:txBody>
-          <a:bodyPr>
-            <a:normAutofit fontScale="90000"/>
-          </a:bodyPr>
+          <a:bodyPr/>
           <a:lstStyle/>
           <a:p>
             <a:r>
               <a:rPr lang="en-US" altLang="zh-TW" dirty="0" smtClean="0"/>
-              <a:t>Detail Register Description - MTXR</a:t>
-            </a:r>
-            <a:br>
-              <a:rPr lang="en-US" altLang="zh-TW" dirty="0" smtClean="0"/>
-            </a:br>
-            <a:endParaRPr lang="zh-TW" altLang="en-US" dirty="0"/>
+              <a:t>Registers Summary</a:t>
+            </a:r>
           </a:p>
         </p:txBody>
       </p:sp>
       <p:pic>
         <p:nvPicPr>
-          <p:cNvPr id="3074" name="Picture 2"/>
+          <p:cNvPr id="2050" name="Picture 2"/>
           <p:cNvPicPr>
             <a:picLocks noChangeAspect="1" noChangeArrowheads="1"/>
           </p:cNvPicPr>
@@ -19702,8 +22185,8 @@
         </p:blipFill>
         <p:spPr bwMode="auto">
           <a:xfrm>
-            <a:off x="785786" y="714360"/>
-            <a:ext cx="7486650" cy="4591050"/>
+            <a:off x="828675" y="1009650"/>
+            <a:ext cx="7486650" cy="3695700"/>
           </a:xfrm>
           <a:prstGeom prst="rect">
             <a:avLst/>
@@ -19758,7 +22241,7 @@
           <a:bodyPr/>
           <a:lstStyle/>
           <a:p>
-            <a:endParaRPr lang="zh-TW" altLang="en-US"/>
+            <a:endParaRPr lang="zh-TW" altLang="en-US" dirty="0"/>
           </a:p>
         </p:txBody>
       </p:sp>
@@ -19781,7 +22264,7 @@
           <a:p>
             <a:r>
               <a:rPr lang="en-US" altLang="zh-TW" dirty="0" smtClean="0"/>
-              <a:t>Detail Register Description – SRXR, SADDR</a:t>
+              <a:t>Detail Register Description - MTXR</a:t>
             </a:r>
             <a:br>
               <a:rPr lang="en-US" altLang="zh-TW" dirty="0" smtClean="0"/>
@@ -19792,7 +22275,7 @@
       </p:sp>
       <p:pic>
         <p:nvPicPr>
-          <p:cNvPr id="4098" name="Picture 2"/>
+          <p:cNvPr id="3074" name="Picture 2"/>
           <p:cNvPicPr>
             <a:picLocks noChangeAspect="1" noChangeArrowheads="1"/>
           </p:cNvPicPr>
@@ -19807,8 +22290,8 @@
         </p:blipFill>
         <p:spPr bwMode="auto">
           <a:xfrm>
-            <a:off x="819150" y="1347788"/>
-            <a:ext cx="7505700" cy="3019425"/>
+            <a:off x="785786" y="714360"/>
+            <a:ext cx="7486650" cy="4591050"/>
           </a:xfrm>
           <a:prstGeom prst="rect">
             <a:avLst/>
@@ -19879,20 +22362,25 @@
         </p:nvSpPr>
         <p:spPr/>
         <p:txBody>
-          <a:bodyPr/>
+          <a:bodyPr>
+            <a:normAutofit fontScale="90000"/>
+          </a:bodyPr>
           <a:lstStyle/>
           <a:p>
             <a:r>
               <a:rPr lang="en-US" altLang="zh-TW" dirty="0" smtClean="0"/>
-              <a:t>Detail Register Description – I2C_IER</a:t>
-            </a:r>
+              <a:t>Detail Register Description – SRXR, SADDR</a:t>
+            </a:r>
+            <a:br>
+              <a:rPr lang="en-US" altLang="zh-TW" dirty="0" smtClean="0"/>
+            </a:br>
             <a:endParaRPr lang="zh-TW" altLang="en-US" dirty="0"/>
           </a:p>
         </p:txBody>
       </p:sp>
       <p:pic>
         <p:nvPicPr>
-          <p:cNvPr id="5122" name="Picture 2"/>
+          <p:cNvPr id="4098" name="Picture 2"/>
           <p:cNvPicPr>
             <a:picLocks noChangeAspect="1" noChangeArrowheads="1"/>
           </p:cNvPicPr>
@@ -19907,8 +22395,8 @@
         </p:blipFill>
         <p:spPr bwMode="auto">
           <a:xfrm>
-            <a:off x="828675" y="571518"/>
-            <a:ext cx="7486650" cy="4857750"/>
+            <a:off x="819150" y="1347788"/>
+            <a:ext cx="7505700" cy="3019425"/>
           </a:xfrm>
           <a:prstGeom prst="rect">
             <a:avLst/>
@@ -19984,7 +22472,7 @@
           <a:p>
             <a:r>
               <a:rPr lang="en-US" altLang="zh-TW" dirty="0" smtClean="0"/>
-              <a:t>Detail Register Description - ISR</a:t>
+              <a:t>Detail Register Description – I2C_IER</a:t>
             </a:r>
             <a:endParaRPr lang="zh-TW" altLang="en-US" dirty="0"/>
           </a:p>
@@ -19992,7 +22480,7 @@
       </p:sp>
       <p:pic>
         <p:nvPicPr>
-          <p:cNvPr id="1026" name="Picture 2"/>
+          <p:cNvPr id="5122" name="Picture 2"/>
           <p:cNvPicPr>
             <a:picLocks noChangeAspect="1" noChangeArrowheads="1"/>
           </p:cNvPicPr>
@@ -20007,8 +22495,8 @@
         </p:blipFill>
         <p:spPr bwMode="auto">
           <a:xfrm>
-            <a:off x="2627784" y="553244"/>
-            <a:ext cx="3672408" cy="4910824"/>
+            <a:off x="828675" y="571518"/>
+            <a:ext cx="7486650" cy="4857750"/>
           </a:xfrm>
           <a:prstGeom prst="rect">
             <a:avLst/>
@@ -20020,6 +22508,7 @@
             <a:headEnd/>
             <a:tailEnd/>
           </a:ln>
+          <a:effectLst/>
         </p:spPr>
       </p:pic>
     </p:spTree>
@@ -20062,7 +22551,7 @@
           <a:bodyPr/>
           <a:lstStyle/>
           <a:p>
-            <a:endParaRPr lang="zh-TW" altLang="en-US" dirty="0"/>
+            <a:endParaRPr lang="zh-TW" altLang="en-US"/>
           </a:p>
         </p:txBody>
       </p:sp>
@@ -20083,7 +22572,7 @@
           <a:p>
             <a:r>
               <a:rPr lang="en-US" altLang="zh-TW" dirty="0" smtClean="0"/>
-              <a:t>Detail Register Description - LCMR</a:t>
+              <a:t>Detail Register Description - ISR</a:t>
             </a:r>
             <a:endParaRPr lang="zh-TW" altLang="en-US" dirty="0"/>
           </a:p>
@@ -20091,7 +22580,7 @@
       </p:sp>
       <p:pic>
         <p:nvPicPr>
-          <p:cNvPr id="6146" name="Picture 2"/>
+          <p:cNvPr id="1026" name="Picture 2"/>
           <p:cNvPicPr>
             <a:picLocks noChangeAspect="1" noChangeArrowheads="1"/>
           </p:cNvPicPr>
@@ -20106,8 +22595,8 @@
         </p:blipFill>
         <p:spPr bwMode="auto">
           <a:xfrm>
-            <a:off x="838200" y="766780"/>
-            <a:ext cx="7467600" cy="4591050"/>
+            <a:off x="2627784" y="553244"/>
+            <a:ext cx="3672408" cy="4910824"/>
           </a:xfrm>
           <a:prstGeom prst="rect">
             <a:avLst/>
@@ -20119,7 +22608,6 @@
             <a:headEnd/>
             <a:tailEnd/>
           </a:ln>
-          <a:effectLst/>
         </p:spPr>
       </p:pic>
     </p:spTree>
@@ -20162,7 +22650,7 @@
           <a:bodyPr/>
           <a:lstStyle/>
           <a:p>
-            <a:endParaRPr lang="zh-TW" altLang="en-US"/>
+            <a:endParaRPr lang="zh-TW" altLang="en-US" dirty="0"/>
           </a:p>
         </p:txBody>
       </p:sp>
@@ -20183,7 +22671,7 @@
           <a:p>
             <a:r>
               <a:rPr lang="en-US" altLang="zh-TW" dirty="0" smtClean="0"/>
-              <a:t>Detail Register Description - LSR</a:t>
+              <a:t>Detail Register Description - LCMR</a:t>
             </a:r>
             <a:endParaRPr lang="zh-TW" altLang="en-US" dirty="0"/>
           </a:p>
@@ -20191,7 +22679,7 @@
       </p:sp>
       <p:pic>
         <p:nvPicPr>
-          <p:cNvPr id="7170" name="Picture 2"/>
+          <p:cNvPr id="6146" name="Picture 2"/>
           <p:cNvPicPr>
             <a:picLocks noChangeAspect="1" noChangeArrowheads="1"/>
           </p:cNvPicPr>
@@ -20206,8 +22694,8 @@
         </p:blipFill>
         <p:spPr bwMode="auto">
           <a:xfrm>
-            <a:off x="928662" y="1071550"/>
-            <a:ext cx="7486650" cy="2495550"/>
+            <a:off x="838200" y="766780"/>
+            <a:ext cx="7467600" cy="4591050"/>
           </a:xfrm>
           <a:prstGeom prst="rect">
             <a:avLst/>
@@ -20283,7 +22771,7 @@
           <a:p>
             <a:r>
               <a:rPr lang="en-US" altLang="zh-TW" dirty="0" smtClean="0"/>
-              <a:t>Detail Register Description - CONR</a:t>
+              <a:t>Detail Register Description - LSR</a:t>
             </a:r>
             <a:endParaRPr lang="zh-TW" altLang="en-US" dirty="0"/>
           </a:p>
@@ -20291,7 +22779,7 @@
       </p:sp>
       <p:pic>
         <p:nvPicPr>
-          <p:cNvPr id="7171" name="Picture 3"/>
+          <p:cNvPr id="7170" name="Picture 2"/>
           <p:cNvPicPr>
             <a:picLocks noChangeAspect="1" noChangeArrowheads="1"/>
           </p:cNvPicPr>
@@ -20306,8 +22794,8 @@
         </p:blipFill>
         <p:spPr bwMode="auto">
           <a:xfrm>
-            <a:off x="785786" y="857236"/>
-            <a:ext cx="7524750" cy="3838575"/>
+            <a:off x="928662" y="1071550"/>
+            <a:ext cx="7486650" cy="2495550"/>
           </a:xfrm>
           <a:prstGeom prst="rect">
             <a:avLst/>
@@ -20383,7 +22871,7 @@
           <a:p>
             <a:r>
               <a:rPr lang="en-US" altLang="zh-TW" dirty="0" smtClean="0"/>
-              <a:t>Detail Register Description - OPR</a:t>
+              <a:t>Detail Register Description - CONR</a:t>
             </a:r>
             <a:endParaRPr lang="zh-TW" altLang="en-US" dirty="0"/>
           </a:p>
@@ -20391,7 +22879,7 @@
       </p:sp>
       <p:pic>
         <p:nvPicPr>
-          <p:cNvPr id="8194" name="Picture 2"/>
+          <p:cNvPr id="7171" name="Picture 3"/>
           <p:cNvPicPr>
             <a:picLocks noChangeAspect="1" noChangeArrowheads="1"/>
           </p:cNvPicPr>
@@ -20406,8 +22894,8 @@
         </p:blipFill>
         <p:spPr bwMode="auto">
           <a:xfrm>
-            <a:off x="833438" y="904892"/>
-            <a:ext cx="7477125" cy="4381500"/>
+            <a:off x="785786" y="857236"/>
+            <a:ext cx="7524750" cy="3838575"/>
           </a:xfrm>
           <a:prstGeom prst="rect">
             <a:avLst/>
@@ -20449,6 +22937,25 @@
       </p:grpSpPr>
       <p:sp>
         <p:nvSpPr>
+          <p:cNvPr id="2" name="內容版面配置區 1"/>
+          <p:cNvSpPr>
+            <a:spLocks noGrp="1"/>
+          </p:cNvSpPr>
+          <p:nvPr>
+            <p:ph sz="half" idx="2"/>
+          </p:nvPr>
+        </p:nvSpPr>
+        <p:spPr/>
+        <p:txBody>
+          <a:bodyPr/>
+          <a:lstStyle/>
+          <a:p>
+            <a:endParaRPr lang="zh-TW" altLang="en-US"/>
+          </a:p>
+        </p:txBody>
+      </p:sp>
+      <p:sp>
+        <p:nvSpPr>
           <p:cNvPr id="3" name="標題 2"/>
           <p:cNvSpPr>
             <a:spLocks noGrp="1"/>
@@ -20464,1714 +22971,50 @@
           <a:p>
             <a:r>
               <a:rPr lang="en-US" altLang="zh-TW" dirty="0" smtClean="0"/>
-              <a:t>I2C </a:t>
-            </a:r>
-            <a:r>
-              <a:rPr lang="zh-TW" altLang="en-US" dirty="0" smtClean="0"/>
-              <a:t>硬體架構</a:t>
+              <a:t>Detail Register Description - OPR</a:t>
             </a:r>
             <a:endParaRPr lang="zh-TW" altLang="en-US" dirty="0"/>
           </a:p>
         </p:txBody>
       </p:sp>
-      <p:cxnSp>
-        <p:nvCxnSpPr>
-          <p:cNvPr id="6" name="直線接點 5"/>
-          <p:cNvCxnSpPr/>
+      <p:pic>
+        <p:nvPicPr>
+          <p:cNvPr id="8194" name="Picture 2"/>
+          <p:cNvPicPr>
+            <a:picLocks noChangeAspect="1" noChangeArrowheads="1"/>
+          </p:cNvPicPr>
           <p:nvPr/>
-        </p:nvCxnSpPr>
-        <p:spPr>
-          <a:xfrm>
-            <a:off x="611560" y="2425452"/>
-            <a:ext cx="4392488" cy="0"/>
-          </a:xfrm>
-          <a:prstGeom prst="line">
-            <a:avLst/>
-          </a:prstGeom>
-          <a:ln w="25400"/>
-        </p:spPr>
-        <p:style>
-          <a:lnRef idx="1">
-            <a:schemeClr val="accent1"/>
-          </a:lnRef>
-          <a:fillRef idx="0">
-            <a:schemeClr val="accent1"/>
-          </a:fillRef>
-          <a:effectRef idx="0">
-            <a:schemeClr val="accent1"/>
-          </a:effectRef>
-          <a:fontRef idx="minor">
-            <a:schemeClr val="tx1"/>
-          </a:fontRef>
-        </p:style>
-      </p:cxnSp>
-      <p:cxnSp>
-        <p:nvCxnSpPr>
-          <p:cNvPr id="7" name="直線接點 6"/>
-          <p:cNvCxnSpPr/>
-          <p:nvPr/>
-        </p:nvCxnSpPr>
-        <p:spPr>
-          <a:xfrm>
-            <a:off x="611560" y="3217540"/>
-            <a:ext cx="4392488" cy="0"/>
-          </a:xfrm>
-          <a:prstGeom prst="line">
-            <a:avLst/>
-          </a:prstGeom>
-          <a:ln w="25400"/>
-        </p:spPr>
-        <p:style>
-          <a:lnRef idx="1">
-            <a:schemeClr val="accent1"/>
-          </a:lnRef>
-          <a:fillRef idx="0">
-            <a:schemeClr val="accent1"/>
-          </a:fillRef>
-          <a:effectRef idx="0">
-            <a:schemeClr val="accent1"/>
-          </a:effectRef>
-          <a:fontRef idx="minor">
-            <a:schemeClr val="tx1"/>
-          </a:fontRef>
-        </p:style>
-      </p:cxnSp>
-      <p:cxnSp>
-        <p:nvCxnSpPr>
-          <p:cNvPr id="8" name="直線接點 7"/>
-          <p:cNvCxnSpPr/>
-          <p:nvPr/>
-        </p:nvCxnSpPr>
-        <p:spPr>
-          <a:xfrm>
-            <a:off x="1403648" y="1561356"/>
-            <a:ext cx="2448272" cy="0"/>
-          </a:xfrm>
-          <a:prstGeom prst="line">
-            <a:avLst/>
-          </a:prstGeom>
-          <a:ln w="25400">
-            <a:solidFill>
-              <a:srgbClr val="FF0000"/>
-            </a:solidFill>
-          </a:ln>
-        </p:spPr>
-        <p:style>
-          <a:lnRef idx="1">
-            <a:schemeClr val="accent1"/>
-          </a:lnRef>
-          <a:fillRef idx="0">
-            <a:schemeClr val="accent1"/>
-          </a:fillRef>
-          <a:effectRef idx="0">
-            <a:schemeClr val="accent1"/>
-          </a:effectRef>
-          <a:fontRef idx="minor">
-            <a:schemeClr val="tx1"/>
-          </a:fontRef>
-        </p:style>
-      </p:cxnSp>
-      <p:cxnSp>
-        <p:nvCxnSpPr>
-          <p:cNvPr id="10" name="直線接點 9"/>
-          <p:cNvCxnSpPr>
-            <a:stCxn id="14" idx="2"/>
-          </p:cNvCxnSpPr>
-          <p:nvPr/>
-        </p:nvCxnSpPr>
-        <p:spPr>
-          <a:xfrm>
-            <a:off x="2411760" y="2209428"/>
-            <a:ext cx="0" cy="1008112"/>
-          </a:xfrm>
-          <a:prstGeom prst="line">
-            <a:avLst/>
-          </a:prstGeom>
-          <a:ln w="25400">
-            <a:solidFill>
-              <a:srgbClr val="FF0000"/>
-            </a:solidFill>
-          </a:ln>
-        </p:spPr>
-        <p:style>
-          <a:lnRef idx="1">
-            <a:schemeClr val="accent1"/>
-          </a:lnRef>
-          <a:fillRef idx="0">
-            <a:schemeClr val="accent1"/>
-          </a:fillRef>
-          <a:effectRef idx="0">
-            <a:schemeClr val="accent1"/>
-          </a:effectRef>
-          <a:fontRef idx="minor">
-            <a:schemeClr val="tx1"/>
-          </a:fontRef>
-        </p:style>
-      </p:cxnSp>
-      <p:sp>
-        <p:nvSpPr>
-          <p:cNvPr id="14" name="矩形 13"/>
-          <p:cNvSpPr/>
-          <p:nvPr/>
-        </p:nvSpPr>
-        <p:spPr>
-          <a:xfrm>
-            <a:off x="2267744" y="1777380"/>
-            <a:ext cx="288032" cy="432048"/>
+        </p:nvPicPr>
+        <p:blipFill>
+          <a:blip r:embed="rId2" cstate="print"/>
+          <a:srcRect/>
+          <a:stretch>
+            <a:fillRect/>
+          </a:stretch>
+        </p:blipFill>
+        <p:spPr bwMode="auto">
+          <a:xfrm>
+            <a:off x="833438" y="904892"/>
+            <a:ext cx="7477125" cy="4381500"/>
           </a:xfrm>
           <a:prstGeom prst="rect">
             <a:avLst/>
           </a:prstGeom>
-          <a:ln>
-            <a:solidFill>
-              <a:srgbClr val="FF0000"/>
-            </a:solidFill>
-          </a:ln>
-        </p:spPr>
-        <p:style>
-          <a:lnRef idx="2">
-            <a:schemeClr val="accent1"/>
-          </a:lnRef>
-          <a:fillRef idx="1">
-            <a:schemeClr val="lt1"/>
-          </a:fillRef>
-          <a:effectRef idx="0">
-            <a:schemeClr val="accent1"/>
-          </a:effectRef>
-          <a:fontRef idx="minor">
-            <a:schemeClr val="dk1"/>
-          </a:fontRef>
-        </p:style>
-        <p:txBody>
-          <a:bodyPr rtlCol="0" anchor="ctr"/>
-          <a:lstStyle/>
-          <a:p>
-            <a:pPr algn="ctr"/>
-            <a:endParaRPr lang="zh-TW" altLang="en-US" dirty="0" smtClean="0"/>
-          </a:p>
-        </p:txBody>
-      </p:sp>
-      <p:cxnSp>
-        <p:nvCxnSpPr>
-          <p:cNvPr id="15" name="直線接點 14"/>
-          <p:cNvCxnSpPr>
-            <a:endCxn id="14" idx="0"/>
-          </p:cNvCxnSpPr>
-          <p:nvPr/>
-        </p:nvCxnSpPr>
-        <p:spPr>
-          <a:xfrm>
-            <a:off x="2411760" y="1561356"/>
-            <a:ext cx="0" cy="216024"/>
-          </a:xfrm>
-          <a:prstGeom prst="line">
-            <a:avLst/>
-          </a:prstGeom>
-          <a:ln w="25400">
-            <a:solidFill>
-              <a:srgbClr val="FF0000"/>
-            </a:solidFill>
-          </a:ln>
-        </p:spPr>
-        <p:style>
-          <a:lnRef idx="1">
-            <a:schemeClr val="accent1"/>
-          </a:lnRef>
-          <a:fillRef idx="0">
-            <a:schemeClr val="accent1"/>
-          </a:fillRef>
-          <a:effectRef idx="0">
-            <a:schemeClr val="accent1"/>
-          </a:effectRef>
-          <a:fontRef idx="minor">
-            <a:schemeClr val="tx1"/>
-          </a:fontRef>
-        </p:style>
-      </p:cxnSp>
-      <p:cxnSp>
-        <p:nvCxnSpPr>
-          <p:cNvPr id="18" name="直線接點 17"/>
-          <p:cNvCxnSpPr>
-            <a:stCxn id="19" idx="2"/>
-          </p:cNvCxnSpPr>
-          <p:nvPr/>
-        </p:nvCxnSpPr>
-        <p:spPr>
-          <a:xfrm>
-            <a:off x="3347864" y="2217812"/>
-            <a:ext cx="0" cy="207640"/>
-          </a:xfrm>
-          <a:prstGeom prst="line">
-            <a:avLst/>
-          </a:prstGeom>
-          <a:ln w="25400">
-            <a:solidFill>
-              <a:srgbClr val="FF0000"/>
-            </a:solidFill>
-          </a:ln>
-        </p:spPr>
-        <p:style>
-          <a:lnRef idx="1">
-            <a:schemeClr val="accent1"/>
-          </a:lnRef>
-          <a:fillRef idx="0">
-            <a:schemeClr val="accent1"/>
-          </a:fillRef>
-          <a:effectRef idx="0">
-            <a:schemeClr val="accent1"/>
-          </a:effectRef>
-          <a:fontRef idx="minor">
-            <a:schemeClr val="tx1"/>
-          </a:fontRef>
-        </p:style>
-      </p:cxnSp>
-      <p:sp>
-        <p:nvSpPr>
-          <p:cNvPr id="19" name="矩形 18"/>
-          <p:cNvSpPr/>
-          <p:nvPr/>
-        </p:nvSpPr>
-        <p:spPr>
-          <a:xfrm>
-            <a:off x="3203848" y="1777380"/>
-            <a:ext cx="288032" cy="440432"/>
-          </a:xfrm>
-          <a:prstGeom prst="rect">
-            <a:avLst/>
-          </a:prstGeom>
-          <a:ln>
-            <a:solidFill>
-              <a:srgbClr val="FF0000"/>
-            </a:solidFill>
-          </a:ln>
-        </p:spPr>
-        <p:style>
-          <a:lnRef idx="2">
-            <a:schemeClr val="accent1"/>
-          </a:lnRef>
-          <a:fillRef idx="1">
-            <a:schemeClr val="lt1"/>
-          </a:fillRef>
-          <a:effectRef idx="0">
-            <a:schemeClr val="accent1"/>
-          </a:effectRef>
-          <a:fontRef idx="minor">
-            <a:schemeClr val="dk1"/>
-          </a:fontRef>
-        </p:style>
-        <p:txBody>
-          <a:bodyPr rtlCol="0" anchor="ctr"/>
-          <a:lstStyle/>
-          <a:p>
-            <a:pPr algn="ctr"/>
-            <a:endParaRPr lang="zh-TW" altLang="en-US" dirty="0" smtClean="0"/>
-          </a:p>
-        </p:txBody>
-      </p:sp>
-      <p:cxnSp>
-        <p:nvCxnSpPr>
-          <p:cNvPr id="20" name="直線接點 19"/>
-          <p:cNvCxnSpPr>
-            <a:endCxn id="19" idx="0"/>
-          </p:cNvCxnSpPr>
-          <p:nvPr/>
-        </p:nvCxnSpPr>
-        <p:spPr>
-          <a:xfrm>
-            <a:off x="3347864" y="1569740"/>
-            <a:ext cx="0" cy="207640"/>
-          </a:xfrm>
-          <a:prstGeom prst="line">
-            <a:avLst/>
-          </a:prstGeom>
-          <a:ln w="25400">
-            <a:solidFill>
-              <a:srgbClr val="FF0000"/>
-            </a:solidFill>
-          </a:ln>
-        </p:spPr>
-        <p:style>
-          <a:lnRef idx="1">
-            <a:schemeClr val="accent1"/>
-          </a:lnRef>
-          <a:fillRef idx="0">
-            <a:schemeClr val="accent1"/>
-          </a:fillRef>
-          <a:effectRef idx="0">
-            <a:schemeClr val="accent1"/>
-          </a:effectRef>
-          <a:fontRef idx="minor">
-            <a:schemeClr val="tx1"/>
-          </a:fontRef>
-        </p:style>
-      </p:cxnSp>
-      <p:sp>
-        <p:nvSpPr>
-          <p:cNvPr id="23" name="橢圓 22"/>
-          <p:cNvSpPr/>
-          <p:nvPr/>
-        </p:nvSpPr>
-        <p:spPr>
-          <a:xfrm>
-            <a:off x="3275856" y="1489348"/>
-            <a:ext cx="144016" cy="144016"/>
-          </a:xfrm>
-          <a:prstGeom prst="ellipse">
-            <a:avLst/>
-          </a:prstGeom>
-          <a:solidFill>
-            <a:srgbClr val="FF0000"/>
-          </a:solidFill>
-          <a:ln w="0">
+          <a:noFill/>
+          <a:ln w="9525">
             <a:noFill/>
+            <a:miter lim="800000"/>
+            <a:headEnd/>
+            <a:tailEnd/>
           </a:ln>
           <a:effectLst/>
         </p:spPr>
-        <p:style>
-          <a:lnRef idx="1">
-            <a:schemeClr val="accent1"/>
-          </a:lnRef>
-          <a:fillRef idx="3">
-            <a:schemeClr val="accent1"/>
-          </a:fillRef>
-          <a:effectRef idx="2">
-            <a:schemeClr val="accent1"/>
-          </a:effectRef>
-          <a:fontRef idx="minor">
-            <a:schemeClr val="lt1"/>
-          </a:fontRef>
-        </p:style>
-        <p:txBody>
-          <a:bodyPr rtlCol="0" anchor="ctr"/>
-          <a:lstStyle/>
-          <a:p>
-            <a:pPr algn="ctr"/>
-            <a:endParaRPr lang="zh-TW" altLang="en-US" dirty="0" smtClean="0"/>
-          </a:p>
-        </p:txBody>
-      </p:sp>
-      <p:sp>
-        <p:nvSpPr>
-          <p:cNvPr id="24" name="橢圓 23"/>
-          <p:cNvSpPr/>
-          <p:nvPr/>
-        </p:nvSpPr>
-        <p:spPr>
-          <a:xfrm>
-            <a:off x="2339752" y="1489348"/>
-            <a:ext cx="144016" cy="144016"/>
-          </a:xfrm>
-          <a:prstGeom prst="ellipse">
-            <a:avLst/>
-          </a:prstGeom>
-          <a:solidFill>
-            <a:srgbClr val="FF0000"/>
-          </a:solidFill>
-          <a:ln w="0">
-            <a:noFill/>
-          </a:ln>
-          <a:effectLst/>
-        </p:spPr>
-        <p:style>
-          <a:lnRef idx="1">
-            <a:schemeClr val="accent1"/>
-          </a:lnRef>
-          <a:fillRef idx="3">
-            <a:schemeClr val="accent1"/>
-          </a:fillRef>
-          <a:effectRef idx="2">
-            <a:schemeClr val="accent1"/>
-          </a:effectRef>
-          <a:fontRef idx="minor">
-            <a:schemeClr val="lt1"/>
-          </a:fontRef>
-        </p:style>
-        <p:txBody>
-          <a:bodyPr rtlCol="0" anchor="ctr"/>
-          <a:lstStyle/>
-          <a:p>
-            <a:pPr algn="ctr"/>
-            <a:endParaRPr lang="zh-TW" altLang="en-US" dirty="0" smtClean="0"/>
-          </a:p>
-        </p:txBody>
-      </p:sp>
-      <p:sp>
-        <p:nvSpPr>
-          <p:cNvPr id="25" name="橢圓 24"/>
-          <p:cNvSpPr/>
-          <p:nvPr/>
-        </p:nvSpPr>
-        <p:spPr>
-          <a:xfrm>
-            <a:off x="3275856" y="2353444"/>
-            <a:ext cx="144016" cy="144016"/>
-          </a:xfrm>
-          <a:prstGeom prst="ellipse">
-            <a:avLst/>
-          </a:prstGeom>
-          <a:solidFill>
-            <a:srgbClr val="FF0000"/>
-          </a:solidFill>
-          <a:ln w="0">
-            <a:noFill/>
-          </a:ln>
-          <a:effectLst/>
-        </p:spPr>
-        <p:style>
-          <a:lnRef idx="1">
-            <a:schemeClr val="accent1"/>
-          </a:lnRef>
-          <a:fillRef idx="3">
-            <a:schemeClr val="accent1"/>
-          </a:fillRef>
-          <a:effectRef idx="2">
-            <a:schemeClr val="accent1"/>
-          </a:effectRef>
-          <a:fontRef idx="minor">
-            <a:schemeClr val="lt1"/>
-          </a:fontRef>
-        </p:style>
-        <p:txBody>
-          <a:bodyPr rtlCol="0" anchor="ctr"/>
-          <a:lstStyle/>
-          <a:p>
-            <a:pPr algn="ctr"/>
-            <a:endParaRPr lang="zh-TW" altLang="en-US" dirty="0" smtClean="0"/>
-          </a:p>
-        </p:txBody>
-      </p:sp>
-      <p:sp>
-        <p:nvSpPr>
-          <p:cNvPr id="26" name="橢圓 25"/>
-          <p:cNvSpPr/>
-          <p:nvPr/>
-        </p:nvSpPr>
-        <p:spPr>
-          <a:xfrm>
-            <a:off x="2339752" y="3145532"/>
-            <a:ext cx="144016" cy="144016"/>
-          </a:xfrm>
-          <a:prstGeom prst="ellipse">
-            <a:avLst/>
-          </a:prstGeom>
-          <a:solidFill>
-            <a:srgbClr val="FF0000"/>
-          </a:solidFill>
-          <a:ln w="0">
-            <a:noFill/>
-          </a:ln>
-          <a:effectLst/>
-        </p:spPr>
-        <p:style>
-          <a:lnRef idx="1">
-            <a:schemeClr val="accent1"/>
-          </a:lnRef>
-          <a:fillRef idx="3">
-            <a:schemeClr val="accent1"/>
-          </a:fillRef>
-          <a:effectRef idx="2">
-            <a:schemeClr val="accent1"/>
-          </a:effectRef>
-          <a:fontRef idx="minor">
-            <a:schemeClr val="lt1"/>
-          </a:fontRef>
-        </p:style>
-        <p:txBody>
-          <a:bodyPr rtlCol="0" anchor="ctr"/>
-          <a:lstStyle/>
-          <a:p>
-            <a:pPr algn="ctr"/>
-            <a:endParaRPr lang="zh-TW" altLang="en-US" dirty="0" smtClean="0"/>
-          </a:p>
-        </p:txBody>
-      </p:sp>
-      <p:sp>
-        <p:nvSpPr>
-          <p:cNvPr id="27" name="矩形 26"/>
-          <p:cNvSpPr/>
-          <p:nvPr/>
-        </p:nvSpPr>
-        <p:spPr>
-          <a:xfrm>
-            <a:off x="1043608" y="3433564"/>
-            <a:ext cx="1296144" cy="648072"/>
-          </a:xfrm>
-          <a:prstGeom prst="rect">
-            <a:avLst/>
-          </a:prstGeom>
-        </p:spPr>
-        <p:style>
-          <a:lnRef idx="1">
-            <a:schemeClr val="accent6"/>
-          </a:lnRef>
-          <a:fillRef idx="2">
-            <a:schemeClr val="accent6"/>
-          </a:fillRef>
-          <a:effectRef idx="1">
-            <a:schemeClr val="accent6"/>
-          </a:effectRef>
-          <a:fontRef idx="minor">
-            <a:schemeClr val="dk1"/>
-          </a:fontRef>
-        </p:style>
-        <p:txBody>
-          <a:bodyPr rtlCol="0" anchor="ctr"/>
-          <a:lstStyle/>
-          <a:p>
-            <a:pPr algn="ctr"/>
-            <a:r>
-              <a:rPr lang="en-US" altLang="zh-TW" sz="1600" dirty="0" smtClean="0">
-                <a:solidFill>
-                  <a:schemeClr val="accent6">
-                    <a:lumMod val="75000"/>
-                  </a:schemeClr>
-                </a:solidFill>
-              </a:rPr>
-              <a:t>I2C Master</a:t>
-            </a:r>
-            <a:endParaRPr lang="zh-TW" altLang="en-US" sz="1600" dirty="0" smtClean="0">
-              <a:solidFill>
-                <a:schemeClr val="accent6">
-                  <a:lumMod val="75000"/>
-                </a:schemeClr>
-              </a:solidFill>
-            </a:endParaRPr>
-          </a:p>
-        </p:txBody>
-      </p:sp>
-      <p:sp>
-        <p:nvSpPr>
-          <p:cNvPr id="28" name="矩形 27"/>
-          <p:cNvSpPr/>
-          <p:nvPr/>
-        </p:nvSpPr>
-        <p:spPr>
-          <a:xfrm>
-            <a:off x="2411760" y="3433564"/>
-            <a:ext cx="1296144" cy="648072"/>
-          </a:xfrm>
-          <a:prstGeom prst="rect">
-            <a:avLst/>
-          </a:prstGeom>
-        </p:spPr>
-        <p:style>
-          <a:lnRef idx="1">
-            <a:schemeClr val="accent6"/>
-          </a:lnRef>
-          <a:fillRef idx="2">
-            <a:schemeClr val="accent6"/>
-          </a:fillRef>
-          <a:effectRef idx="1">
-            <a:schemeClr val="accent6"/>
-          </a:effectRef>
-          <a:fontRef idx="minor">
-            <a:schemeClr val="dk1"/>
-          </a:fontRef>
-        </p:style>
-        <p:txBody>
-          <a:bodyPr rtlCol="0" anchor="ctr"/>
-          <a:lstStyle/>
-          <a:p>
-            <a:pPr algn="ctr"/>
-            <a:r>
-              <a:rPr lang="en-US" altLang="zh-TW" sz="1600" dirty="0" smtClean="0">
-                <a:solidFill>
-                  <a:schemeClr val="accent6">
-                    <a:lumMod val="75000"/>
-                  </a:schemeClr>
-                </a:solidFill>
-              </a:rPr>
-              <a:t>I2C Slave 1</a:t>
-            </a:r>
-            <a:endParaRPr lang="zh-TW" altLang="en-US" sz="1600" dirty="0" smtClean="0">
-              <a:solidFill>
-                <a:schemeClr val="accent6">
-                  <a:lumMod val="75000"/>
-                </a:schemeClr>
-              </a:solidFill>
-            </a:endParaRPr>
-          </a:p>
-        </p:txBody>
-      </p:sp>
-      <p:sp>
-        <p:nvSpPr>
-          <p:cNvPr id="29" name="矩形 28"/>
-          <p:cNvSpPr/>
-          <p:nvPr/>
-        </p:nvSpPr>
-        <p:spPr>
-          <a:xfrm>
-            <a:off x="3779912" y="3433564"/>
-            <a:ext cx="1296144" cy="648072"/>
-          </a:xfrm>
-          <a:prstGeom prst="rect">
-            <a:avLst/>
-          </a:prstGeom>
-        </p:spPr>
-        <p:style>
-          <a:lnRef idx="1">
-            <a:schemeClr val="accent6"/>
-          </a:lnRef>
-          <a:fillRef idx="2">
-            <a:schemeClr val="accent6"/>
-          </a:fillRef>
-          <a:effectRef idx="1">
-            <a:schemeClr val="accent6"/>
-          </a:effectRef>
-          <a:fontRef idx="minor">
-            <a:schemeClr val="dk1"/>
-          </a:fontRef>
-        </p:style>
-        <p:txBody>
-          <a:bodyPr rtlCol="0" anchor="ctr"/>
-          <a:lstStyle/>
-          <a:p>
-            <a:pPr algn="ctr"/>
-            <a:r>
-              <a:rPr lang="en-US" altLang="zh-TW" sz="1600" dirty="0" smtClean="0">
-                <a:solidFill>
-                  <a:schemeClr val="accent6">
-                    <a:lumMod val="75000"/>
-                  </a:schemeClr>
-                </a:solidFill>
-              </a:rPr>
-              <a:t>I2C Slave 2</a:t>
-            </a:r>
-            <a:endParaRPr lang="zh-TW" altLang="en-US" sz="1600" dirty="0" smtClean="0">
-              <a:solidFill>
-                <a:schemeClr val="accent6">
-                  <a:lumMod val="75000"/>
-                </a:schemeClr>
-              </a:solidFill>
-            </a:endParaRPr>
-          </a:p>
-        </p:txBody>
-      </p:sp>
-      <p:sp>
-        <p:nvSpPr>
-          <p:cNvPr id="32" name="橢圓 31"/>
-          <p:cNvSpPr/>
-          <p:nvPr/>
-        </p:nvSpPr>
-        <p:spPr>
-          <a:xfrm>
-            <a:off x="1331640" y="2353444"/>
-            <a:ext cx="144016" cy="144016"/>
-          </a:xfrm>
-          <a:prstGeom prst="ellipse">
-            <a:avLst/>
-          </a:prstGeom>
-          <a:solidFill>
-            <a:schemeClr val="accent6">
-              <a:lumMod val="75000"/>
-            </a:schemeClr>
-          </a:solidFill>
-          <a:ln w="0">
-            <a:noFill/>
-          </a:ln>
-          <a:effectLst/>
-        </p:spPr>
-        <p:style>
-          <a:lnRef idx="1">
-            <a:schemeClr val="accent1"/>
-          </a:lnRef>
-          <a:fillRef idx="3">
-            <a:schemeClr val="accent1"/>
-          </a:fillRef>
-          <a:effectRef idx="2">
-            <a:schemeClr val="accent1"/>
-          </a:effectRef>
-          <a:fontRef idx="minor">
-            <a:schemeClr val="lt1"/>
-          </a:fontRef>
-        </p:style>
-        <p:txBody>
-          <a:bodyPr rtlCol="0" anchor="ctr"/>
-          <a:lstStyle/>
-          <a:p>
-            <a:pPr algn="ctr"/>
-            <a:endParaRPr lang="zh-TW" altLang="en-US" dirty="0" smtClean="0"/>
-          </a:p>
-        </p:txBody>
-      </p:sp>
-      <p:sp>
-        <p:nvSpPr>
-          <p:cNvPr id="35" name="橢圓 34"/>
-          <p:cNvSpPr/>
-          <p:nvPr/>
-        </p:nvSpPr>
-        <p:spPr>
-          <a:xfrm>
-            <a:off x="1907704" y="3145532"/>
-            <a:ext cx="144016" cy="144016"/>
-          </a:xfrm>
-          <a:prstGeom prst="ellipse">
-            <a:avLst/>
-          </a:prstGeom>
-          <a:solidFill>
-            <a:schemeClr val="accent6">
-              <a:lumMod val="75000"/>
-            </a:schemeClr>
-          </a:solidFill>
-          <a:ln w="0">
-            <a:noFill/>
-          </a:ln>
-          <a:effectLst/>
-        </p:spPr>
-        <p:style>
-          <a:lnRef idx="1">
-            <a:schemeClr val="accent1"/>
-          </a:lnRef>
-          <a:fillRef idx="3">
-            <a:schemeClr val="accent1"/>
-          </a:fillRef>
-          <a:effectRef idx="2">
-            <a:schemeClr val="accent1"/>
-          </a:effectRef>
-          <a:fontRef idx="minor">
-            <a:schemeClr val="lt1"/>
-          </a:fontRef>
-        </p:style>
-        <p:txBody>
-          <a:bodyPr rtlCol="0" anchor="ctr"/>
-          <a:lstStyle/>
-          <a:p>
-            <a:pPr algn="ctr"/>
-            <a:endParaRPr lang="zh-TW" altLang="en-US" dirty="0" smtClean="0"/>
-          </a:p>
-        </p:txBody>
-      </p:sp>
-      <p:sp>
-        <p:nvSpPr>
-          <p:cNvPr id="37" name="橢圓 36"/>
-          <p:cNvSpPr/>
-          <p:nvPr/>
-        </p:nvSpPr>
-        <p:spPr>
-          <a:xfrm>
-            <a:off x="2699792" y="2353444"/>
-            <a:ext cx="144016" cy="144016"/>
-          </a:xfrm>
-          <a:prstGeom prst="ellipse">
-            <a:avLst/>
-          </a:prstGeom>
-          <a:solidFill>
-            <a:schemeClr val="accent6">
-              <a:lumMod val="75000"/>
-            </a:schemeClr>
-          </a:solidFill>
-          <a:ln w="0">
-            <a:noFill/>
-          </a:ln>
-          <a:effectLst/>
-        </p:spPr>
-        <p:style>
-          <a:lnRef idx="1">
-            <a:schemeClr val="accent1"/>
-          </a:lnRef>
-          <a:fillRef idx="3">
-            <a:schemeClr val="accent1"/>
-          </a:fillRef>
-          <a:effectRef idx="2">
-            <a:schemeClr val="accent1"/>
-          </a:effectRef>
-          <a:fontRef idx="minor">
-            <a:schemeClr val="lt1"/>
-          </a:fontRef>
-        </p:style>
-        <p:txBody>
-          <a:bodyPr rtlCol="0" anchor="ctr"/>
-          <a:lstStyle/>
-          <a:p>
-            <a:pPr algn="ctr"/>
-            <a:endParaRPr lang="zh-TW" altLang="en-US" dirty="0" smtClean="0"/>
-          </a:p>
-        </p:txBody>
-      </p:sp>
-      <p:sp>
-        <p:nvSpPr>
-          <p:cNvPr id="39" name="橢圓 38"/>
-          <p:cNvSpPr/>
-          <p:nvPr/>
-        </p:nvSpPr>
-        <p:spPr>
-          <a:xfrm>
-            <a:off x="3275856" y="3145532"/>
-            <a:ext cx="144016" cy="144016"/>
-          </a:xfrm>
-          <a:prstGeom prst="ellipse">
-            <a:avLst/>
-          </a:prstGeom>
-          <a:solidFill>
-            <a:schemeClr val="accent6">
-              <a:lumMod val="75000"/>
-            </a:schemeClr>
-          </a:solidFill>
-          <a:ln w="0">
-            <a:noFill/>
-          </a:ln>
-          <a:effectLst/>
-        </p:spPr>
-        <p:style>
-          <a:lnRef idx="1">
-            <a:schemeClr val="accent1"/>
-          </a:lnRef>
-          <a:fillRef idx="3">
-            <a:schemeClr val="accent1"/>
-          </a:fillRef>
-          <a:effectRef idx="2">
-            <a:schemeClr val="accent1"/>
-          </a:effectRef>
-          <a:fontRef idx="minor">
-            <a:schemeClr val="lt1"/>
-          </a:fontRef>
-        </p:style>
-        <p:txBody>
-          <a:bodyPr rtlCol="0" anchor="ctr"/>
-          <a:lstStyle/>
-          <a:p>
-            <a:pPr algn="ctr"/>
-            <a:endParaRPr lang="zh-TW" altLang="en-US" dirty="0" smtClean="0"/>
-          </a:p>
-        </p:txBody>
-      </p:sp>
-      <p:cxnSp>
-        <p:nvCxnSpPr>
-          <p:cNvPr id="40" name="直線接點 39"/>
-          <p:cNvCxnSpPr>
-            <a:stCxn id="41" idx="4"/>
-          </p:cNvCxnSpPr>
-          <p:nvPr/>
-        </p:nvCxnSpPr>
-        <p:spPr>
-          <a:xfrm>
-            <a:off x="4139952" y="2497460"/>
-            <a:ext cx="0" cy="936104"/>
-          </a:xfrm>
-          <a:prstGeom prst="line">
-            <a:avLst/>
-          </a:prstGeom>
-          <a:ln w="25400">
-            <a:solidFill>
-              <a:schemeClr val="accent6">
-                <a:lumMod val="75000"/>
-              </a:schemeClr>
-            </a:solidFill>
-          </a:ln>
-        </p:spPr>
-        <p:style>
-          <a:lnRef idx="1">
-            <a:schemeClr val="accent1"/>
-          </a:lnRef>
-          <a:fillRef idx="0">
-            <a:schemeClr val="accent1"/>
-          </a:fillRef>
-          <a:effectRef idx="0">
-            <a:schemeClr val="accent1"/>
-          </a:effectRef>
-          <a:fontRef idx="minor">
-            <a:schemeClr val="tx1"/>
-          </a:fontRef>
-        </p:style>
-      </p:cxnSp>
-      <p:sp>
-        <p:nvSpPr>
-          <p:cNvPr id="41" name="橢圓 40"/>
-          <p:cNvSpPr/>
-          <p:nvPr/>
-        </p:nvSpPr>
-        <p:spPr>
-          <a:xfrm>
-            <a:off x="4067944" y="2353444"/>
-            <a:ext cx="144016" cy="144016"/>
-          </a:xfrm>
-          <a:prstGeom prst="ellipse">
-            <a:avLst/>
-          </a:prstGeom>
-          <a:solidFill>
-            <a:schemeClr val="accent6">
-              <a:lumMod val="75000"/>
-            </a:schemeClr>
-          </a:solidFill>
-          <a:ln w="0">
-            <a:noFill/>
-          </a:ln>
-          <a:effectLst/>
-        </p:spPr>
-        <p:style>
-          <a:lnRef idx="1">
-            <a:schemeClr val="accent1"/>
-          </a:lnRef>
-          <a:fillRef idx="3">
-            <a:schemeClr val="accent1"/>
-          </a:fillRef>
-          <a:effectRef idx="2">
-            <a:schemeClr val="accent1"/>
-          </a:effectRef>
-          <a:fontRef idx="minor">
-            <a:schemeClr val="lt1"/>
-          </a:fontRef>
-        </p:style>
-        <p:txBody>
-          <a:bodyPr rtlCol="0" anchor="ctr"/>
-          <a:lstStyle/>
-          <a:p>
-            <a:pPr algn="ctr"/>
-            <a:endParaRPr lang="zh-TW" altLang="en-US" dirty="0" smtClean="0"/>
-          </a:p>
-        </p:txBody>
-      </p:sp>
-      <p:cxnSp>
-        <p:nvCxnSpPr>
-          <p:cNvPr id="42" name="直線接點 41"/>
-          <p:cNvCxnSpPr/>
-          <p:nvPr/>
-        </p:nvCxnSpPr>
-        <p:spPr>
-          <a:xfrm>
-            <a:off x="4716016" y="3217540"/>
-            <a:ext cx="0" cy="216024"/>
-          </a:xfrm>
-          <a:prstGeom prst="line">
-            <a:avLst/>
-          </a:prstGeom>
-          <a:ln w="25400">
-            <a:solidFill>
-              <a:schemeClr val="accent6">
-                <a:lumMod val="75000"/>
-              </a:schemeClr>
-            </a:solidFill>
-          </a:ln>
-        </p:spPr>
-        <p:style>
-          <a:lnRef idx="1">
-            <a:schemeClr val="accent1"/>
-          </a:lnRef>
-          <a:fillRef idx="0">
-            <a:schemeClr val="accent1"/>
-          </a:fillRef>
-          <a:effectRef idx="0">
-            <a:schemeClr val="accent1"/>
-          </a:effectRef>
-          <a:fontRef idx="minor">
-            <a:schemeClr val="tx1"/>
-          </a:fontRef>
-        </p:style>
-      </p:cxnSp>
-      <p:sp>
-        <p:nvSpPr>
-          <p:cNvPr id="43" name="橢圓 42"/>
-          <p:cNvSpPr/>
-          <p:nvPr/>
-        </p:nvSpPr>
-        <p:spPr>
-          <a:xfrm>
-            <a:off x="4644008" y="3145532"/>
-            <a:ext cx="144016" cy="144016"/>
-          </a:xfrm>
-          <a:prstGeom prst="ellipse">
-            <a:avLst/>
-          </a:prstGeom>
-          <a:solidFill>
-            <a:schemeClr val="accent6">
-              <a:lumMod val="75000"/>
-            </a:schemeClr>
-          </a:solidFill>
-          <a:ln w="0">
-            <a:noFill/>
-          </a:ln>
-          <a:effectLst/>
-        </p:spPr>
-        <p:style>
-          <a:lnRef idx="1">
-            <a:schemeClr val="accent1"/>
-          </a:lnRef>
-          <a:fillRef idx="3">
-            <a:schemeClr val="accent1"/>
-          </a:fillRef>
-          <a:effectRef idx="2">
-            <a:schemeClr val="accent1"/>
-          </a:effectRef>
-          <a:fontRef idx="minor">
-            <a:schemeClr val="lt1"/>
-          </a:fontRef>
-        </p:style>
-        <p:txBody>
-          <a:bodyPr rtlCol="0" anchor="ctr"/>
-          <a:lstStyle/>
-          <a:p>
-            <a:pPr algn="ctr"/>
-            <a:endParaRPr lang="zh-TW" altLang="en-US" dirty="0" smtClean="0"/>
-          </a:p>
-        </p:txBody>
-      </p:sp>
-      <p:sp>
-        <p:nvSpPr>
-          <p:cNvPr id="44" name="文字方塊 43"/>
-          <p:cNvSpPr txBox="1"/>
-          <p:nvPr/>
-        </p:nvSpPr>
-        <p:spPr>
-          <a:xfrm>
-            <a:off x="3923928" y="1345332"/>
-            <a:ext cx="497252" cy="369332"/>
-          </a:xfrm>
-          <a:prstGeom prst="rect">
-            <a:avLst/>
-          </a:prstGeom>
-          <a:noFill/>
-        </p:spPr>
-        <p:txBody>
-          <a:bodyPr wrap="none" rtlCol="0">
-            <a:spAutoFit/>
-          </a:bodyPr>
-          <a:lstStyle/>
-          <a:p>
-            <a:r>
-              <a:rPr lang="en-US" altLang="zh-TW" dirty="0" err="1" smtClean="0">
-                <a:solidFill>
-                  <a:srgbClr val="FF0000"/>
-                </a:solidFill>
-              </a:rPr>
-              <a:t>vcc</a:t>
-            </a:r>
-            <a:endParaRPr lang="zh-TW" altLang="en-US" dirty="0">
-              <a:solidFill>
-                <a:srgbClr val="FF0000"/>
-              </a:solidFill>
-            </a:endParaRPr>
-          </a:p>
-        </p:txBody>
-      </p:sp>
-      <p:sp>
-        <p:nvSpPr>
-          <p:cNvPr id="45" name="文字方塊 44"/>
-          <p:cNvSpPr txBox="1"/>
-          <p:nvPr/>
-        </p:nvSpPr>
-        <p:spPr>
-          <a:xfrm>
-            <a:off x="3482588" y="1645558"/>
-            <a:ext cx="369332" cy="707886"/>
-          </a:xfrm>
-          <a:prstGeom prst="rect">
-            <a:avLst/>
-          </a:prstGeom>
-          <a:noFill/>
-        </p:spPr>
-        <p:txBody>
-          <a:bodyPr vert="eaVert" wrap="none" rtlCol="0">
-            <a:spAutoFit/>
-          </a:bodyPr>
-          <a:lstStyle/>
-          <a:p>
-            <a:r>
-              <a:rPr lang="zh-TW" altLang="en-US" sz="1200" dirty="0" smtClean="0">
-                <a:solidFill>
-                  <a:srgbClr val="FF0000"/>
-                </a:solidFill>
-              </a:rPr>
-              <a:t>上拉電阻</a:t>
-            </a:r>
-            <a:endParaRPr lang="en-US" altLang="zh-TW" sz="1200" dirty="0" smtClean="0">
-              <a:solidFill>
-                <a:srgbClr val="FF0000"/>
-              </a:solidFill>
-            </a:endParaRPr>
-          </a:p>
-        </p:txBody>
-      </p:sp>
-      <p:sp>
-        <p:nvSpPr>
-          <p:cNvPr id="46" name="文字方塊 45"/>
-          <p:cNvSpPr txBox="1"/>
-          <p:nvPr/>
-        </p:nvSpPr>
-        <p:spPr>
-          <a:xfrm>
-            <a:off x="2546484" y="1645558"/>
-            <a:ext cx="369332" cy="707886"/>
-          </a:xfrm>
-          <a:prstGeom prst="rect">
-            <a:avLst/>
-          </a:prstGeom>
-          <a:noFill/>
-        </p:spPr>
-        <p:txBody>
-          <a:bodyPr vert="eaVert" wrap="none" rtlCol="0">
-            <a:spAutoFit/>
-          </a:bodyPr>
-          <a:lstStyle/>
-          <a:p>
-            <a:r>
-              <a:rPr lang="zh-TW" altLang="en-US" sz="1200" dirty="0" smtClean="0">
-                <a:solidFill>
-                  <a:srgbClr val="FF0000"/>
-                </a:solidFill>
-              </a:rPr>
-              <a:t>上拉電阻</a:t>
-            </a:r>
-            <a:endParaRPr lang="en-US" altLang="zh-TW" sz="1200" dirty="0" smtClean="0">
-              <a:solidFill>
-                <a:srgbClr val="FF0000"/>
-              </a:solidFill>
-            </a:endParaRPr>
-          </a:p>
-        </p:txBody>
-      </p:sp>
-      <p:sp>
-        <p:nvSpPr>
-          <p:cNvPr id="47" name="文字方塊 46"/>
-          <p:cNvSpPr txBox="1"/>
-          <p:nvPr/>
-        </p:nvSpPr>
-        <p:spPr>
-          <a:xfrm>
-            <a:off x="5004048" y="2209428"/>
-            <a:ext cx="564193" cy="338554"/>
-          </a:xfrm>
-          <a:prstGeom prst="rect">
-            <a:avLst/>
-          </a:prstGeom>
-          <a:noFill/>
-        </p:spPr>
-        <p:txBody>
-          <a:bodyPr wrap="none" rtlCol="0">
-            <a:spAutoFit/>
-          </a:bodyPr>
-          <a:lstStyle/>
-          <a:p>
-            <a:r>
-              <a:rPr lang="en-US" altLang="zh-TW" sz="1600" dirty="0" smtClean="0">
-                <a:solidFill>
-                  <a:schemeClr val="accent1">
-                    <a:lumMod val="75000"/>
-                  </a:schemeClr>
-                </a:solidFill>
-              </a:rPr>
-              <a:t>SDA</a:t>
-            </a:r>
-            <a:endParaRPr lang="zh-TW" altLang="en-US" sz="1600" dirty="0">
-              <a:solidFill>
-                <a:schemeClr val="accent1">
-                  <a:lumMod val="75000"/>
-                </a:schemeClr>
-              </a:solidFill>
-            </a:endParaRPr>
-          </a:p>
-        </p:txBody>
-      </p:sp>
-      <p:sp>
-        <p:nvSpPr>
-          <p:cNvPr id="48" name="文字方塊 47"/>
-          <p:cNvSpPr txBox="1"/>
-          <p:nvPr/>
-        </p:nvSpPr>
-        <p:spPr>
-          <a:xfrm>
-            <a:off x="5004048" y="3023002"/>
-            <a:ext cx="532518" cy="338554"/>
-          </a:xfrm>
-          <a:prstGeom prst="rect">
-            <a:avLst/>
-          </a:prstGeom>
-          <a:noFill/>
-        </p:spPr>
-        <p:txBody>
-          <a:bodyPr wrap="none" rtlCol="0">
-            <a:spAutoFit/>
-          </a:bodyPr>
-          <a:lstStyle/>
-          <a:p>
-            <a:r>
-              <a:rPr lang="en-US" altLang="zh-TW" sz="1600" dirty="0" smtClean="0">
-                <a:solidFill>
-                  <a:schemeClr val="accent1">
-                    <a:lumMod val="75000"/>
-                  </a:schemeClr>
-                </a:solidFill>
-              </a:rPr>
-              <a:t>SCL</a:t>
-            </a:r>
-            <a:endParaRPr lang="zh-TW" altLang="en-US" sz="1600" dirty="0">
-              <a:solidFill>
-                <a:schemeClr val="accent1">
-                  <a:lumMod val="75000"/>
-                </a:schemeClr>
-              </a:solidFill>
-            </a:endParaRPr>
-          </a:p>
-        </p:txBody>
-      </p:sp>
-      <p:sp>
-        <p:nvSpPr>
-          <p:cNvPr id="49" name="文字方塊 48"/>
-          <p:cNvSpPr txBox="1"/>
-          <p:nvPr/>
-        </p:nvSpPr>
-        <p:spPr>
-          <a:xfrm>
-            <a:off x="179512" y="2641476"/>
-            <a:ext cx="979755" cy="338554"/>
-          </a:xfrm>
-          <a:prstGeom prst="rect">
-            <a:avLst/>
-          </a:prstGeom>
-          <a:noFill/>
-        </p:spPr>
-        <p:txBody>
-          <a:bodyPr wrap="none" rtlCol="0">
-            <a:spAutoFit/>
-          </a:bodyPr>
-          <a:lstStyle/>
-          <a:p>
-            <a:r>
-              <a:rPr lang="en-US" altLang="zh-TW" sz="1600" dirty="0" smtClean="0">
-                <a:solidFill>
-                  <a:schemeClr val="accent1">
-                    <a:lumMod val="75000"/>
-                  </a:schemeClr>
-                </a:solidFill>
-                <a:latin typeface="+mn-ea"/>
-              </a:rPr>
-              <a:t>I2C </a:t>
-            </a:r>
-            <a:r>
-              <a:rPr lang="zh-TW" altLang="en-US" sz="1600" dirty="0" smtClean="0">
-                <a:solidFill>
-                  <a:schemeClr val="accent1">
-                    <a:lumMod val="75000"/>
-                  </a:schemeClr>
-                </a:solidFill>
-                <a:latin typeface="+mn-ea"/>
-              </a:rPr>
-              <a:t>總線</a:t>
-            </a:r>
-            <a:endParaRPr lang="zh-TW" altLang="en-US" sz="1600" dirty="0">
-              <a:solidFill>
-                <a:schemeClr val="accent1">
-                  <a:lumMod val="75000"/>
-                </a:schemeClr>
-              </a:solidFill>
-              <a:latin typeface="+mn-ea"/>
-            </a:endParaRPr>
-          </a:p>
-        </p:txBody>
-      </p:sp>
-      <p:sp>
-        <p:nvSpPr>
-          <p:cNvPr id="50" name="文字方塊 49"/>
-          <p:cNvSpPr txBox="1"/>
-          <p:nvPr/>
-        </p:nvSpPr>
-        <p:spPr>
-          <a:xfrm>
-            <a:off x="1196158" y="3433564"/>
-            <a:ext cx="423514" cy="246221"/>
-          </a:xfrm>
-          <a:prstGeom prst="rect">
-            <a:avLst/>
-          </a:prstGeom>
-          <a:noFill/>
-        </p:spPr>
-        <p:txBody>
-          <a:bodyPr wrap="none" rtlCol="0">
-            <a:spAutoFit/>
-          </a:bodyPr>
-          <a:lstStyle/>
-          <a:p>
-            <a:r>
-              <a:rPr lang="en-US" altLang="zh-TW" sz="1000" dirty="0" smtClean="0">
-                <a:solidFill>
-                  <a:schemeClr val="accent1">
-                    <a:lumMod val="75000"/>
-                  </a:schemeClr>
-                </a:solidFill>
-              </a:rPr>
-              <a:t>SDA</a:t>
-            </a:r>
-            <a:endParaRPr lang="zh-TW" altLang="en-US" sz="1000" dirty="0">
-              <a:solidFill>
-                <a:schemeClr val="accent1">
-                  <a:lumMod val="75000"/>
-                </a:schemeClr>
-              </a:solidFill>
-            </a:endParaRPr>
-          </a:p>
-        </p:txBody>
-      </p:sp>
-      <p:sp>
-        <p:nvSpPr>
-          <p:cNvPr id="51" name="文字方塊 50"/>
-          <p:cNvSpPr txBox="1"/>
-          <p:nvPr/>
-        </p:nvSpPr>
-        <p:spPr>
-          <a:xfrm>
-            <a:off x="1772222" y="3433564"/>
-            <a:ext cx="401072" cy="246221"/>
-          </a:xfrm>
-          <a:prstGeom prst="rect">
-            <a:avLst/>
-          </a:prstGeom>
-          <a:noFill/>
-        </p:spPr>
-        <p:txBody>
-          <a:bodyPr wrap="none" rtlCol="0">
-            <a:spAutoFit/>
-          </a:bodyPr>
-          <a:lstStyle/>
-          <a:p>
-            <a:r>
-              <a:rPr lang="en-US" altLang="zh-TW" sz="1000" dirty="0" smtClean="0">
-                <a:solidFill>
-                  <a:schemeClr val="accent1">
-                    <a:lumMod val="75000"/>
-                  </a:schemeClr>
-                </a:solidFill>
-              </a:rPr>
-              <a:t>SCL</a:t>
-            </a:r>
-            <a:endParaRPr lang="zh-TW" altLang="en-US" sz="1000" dirty="0">
-              <a:solidFill>
-                <a:schemeClr val="accent1">
-                  <a:lumMod val="75000"/>
-                </a:schemeClr>
-              </a:solidFill>
-            </a:endParaRPr>
-          </a:p>
-        </p:txBody>
-      </p:sp>
-      <p:sp>
-        <p:nvSpPr>
-          <p:cNvPr id="52" name="文字方塊 51"/>
-          <p:cNvSpPr txBox="1"/>
-          <p:nvPr/>
-        </p:nvSpPr>
-        <p:spPr>
-          <a:xfrm>
-            <a:off x="2555776" y="3433564"/>
-            <a:ext cx="423514" cy="246221"/>
-          </a:xfrm>
-          <a:prstGeom prst="rect">
-            <a:avLst/>
-          </a:prstGeom>
-          <a:noFill/>
-        </p:spPr>
-        <p:txBody>
-          <a:bodyPr wrap="none" rtlCol="0">
-            <a:spAutoFit/>
-          </a:bodyPr>
-          <a:lstStyle/>
-          <a:p>
-            <a:r>
-              <a:rPr lang="en-US" altLang="zh-TW" sz="1000" dirty="0" smtClean="0">
-                <a:solidFill>
-                  <a:schemeClr val="accent1">
-                    <a:lumMod val="75000"/>
-                  </a:schemeClr>
-                </a:solidFill>
-              </a:rPr>
-              <a:t>SDA</a:t>
-            </a:r>
-            <a:endParaRPr lang="zh-TW" altLang="en-US" sz="1000" dirty="0">
-              <a:solidFill>
-                <a:schemeClr val="accent1">
-                  <a:lumMod val="75000"/>
-                </a:schemeClr>
-              </a:solidFill>
-            </a:endParaRPr>
-          </a:p>
-        </p:txBody>
-      </p:sp>
-      <p:sp>
-        <p:nvSpPr>
-          <p:cNvPr id="53" name="文字方塊 52"/>
-          <p:cNvSpPr txBox="1"/>
-          <p:nvPr/>
-        </p:nvSpPr>
-        <p:spPr>
-          <a:xfrm>
-            <a:off x="3131840" y="3433564"/>
-            <a:ext cx="401072" cy="246221"/>
-          </a:xfrm>
-          <a:prstGeom prst="rect">
-            <a:avLst/>
-          </a:prstGeom>
-          <a:noFill/>
-        </p:spPr>
-        <p:txBody>
-          <a:bodyPr wrap="none" rtlCol="0">
-            <a:spAutoFit/>
-          </a:bodyPr>
-          <a:lstStyle/>
-          <a:p>
-            <a:r>
-              <a:rPr lang="en-US" altLang="zh-TW" sz="1000" dirty="0" smtClean="0">
-                <a:solidFill>
-                  <a:schemeClr val="accent1">
-                    <a:lumMod val="75000"/>
-                  </a:schemeClr>
-                </a:solidFill>
-              </a:rPr>
-              <a:t>SCL</a:t>
-            </a:r>
-            <a:endParaRPr lang="zh-TW" altLang="en-US" sz="1000" dirty="0">
-              <a:solidFill>
-                <a:schemeClr val="accent1">
-                  <a:lumMod val="75000"/>
-                </a:schemeClr>
-              </a:solidFill>
-            </a:endParaRPr>
-          </a:p>
-        </p:txBody>
-      </p:sp>
-      <p:sp>
-        <p:nvSpPr>
-          <p:cNvPr id="54" name="文字方塊 53"/>
-          <p:cNvSpPr txBox="1"/>
-          <p:nvPr/>
-        </p:nvSpPr>
-        <p:spPr>
-          <a:xfrm>
-            <a:off x="3923928" y="3433564"/>
-            <a:ext cx="423514" cy="246221"/>
-          </a:xfrm>
-          <a:prstGeom prst="rect">
-            <a:avLst/>
-          </a:prstGeom>
-          <a:noFill/>
-        </p:spPr>
-        <p:txBody>
-          <a:bodyPr wrap="none" rtlCol="0">
-            <a:spAutoFit/>
-          </a:bodyPr>
-          <a:lstStyle/>
-          <a:p>
-            <a:r>
-              <a:rPr lang="en-US" altLang="zh-TW" sz="1000" dirty="0" smtClean="0">
-                <a:solidFill>
-                  <a:schemeClr val="accent1">
-                    <a:lumMod val="75000"/>
-                  </a:schemeClr>
-                </a:solidFill>
-              </a:rPr>
-              <a:t>SDA</a:t>
-            </a:r>
-            <a:endParaRPr lang="zh-TW" altLang="en-US" sz="1000" dirty="0">
-              <a:solidFill>
-                <a:schemeClr val="accent1">
-                  <a:lumMod val="75000"/>
-                </a:schemeClr>
-              </a:solidFill>
-            </a:endParaRPr>
-          </a:p>
-        </p:txBody>
-      </p:sp>
-      <p:sp>
-        <p:nvSpPr>
-          <p:cNvPr id="55" name="文字方塊 54"/>
-          <p:cNvSpPr txBox="1"/>
-          <p:nvPr/>
-        </p:nvSpPr>
-        <p:spPr>
-          <a:xfrm>
-            <a:off x="4499992" y="3433564"/>
-            <a:ext cx="401072" cy="246221"/>
-          </a:xfrm>
-          <a:prstGeom prst="rect">
-            <a:avLst/>
-          </a:prstGeom>
-          <a:noFill/>
-        </p:spPr>
-        <p:txBody>
-          <a:bodyPr wrap="none" rtlCol="0">
-            <a:spAutoFit/>
-          </a:bodyPr>
-          <a:lstStyle/>
-          <a:p>
-            <a:r>
-              <a:rPr lang="en-US" altLang="zh-TW" sz="1000" dirty="0" smtClean="0">
-                <a:solidFill>
-                  <a:schemeClr val="accent1">
-                    <a:lumMod val="75000"/>
-                  </a:schemeClr>
-                </a:solidFill>
-              </a:rPr>
-              <a:t>SCL</a:t>
-            </a:r>
-            <a:endParaRPr lang="zh-TW" altLang="en-US" sz="1000" dirty="0">
-              <a:solidFill>
-                <a:schemeClr val="accent1">
-                  <a:lumMod val="75000"/>
-                </a:schemeClr>
-              </a:solidFill>
-            </a:endParaRPr>
-          </a:p>
-        </p:txBody>
-      </p:sp>
-      <p:cxnSp>
-        <p:nvCxnSpPr>
-          <p:cNvPr id="79" name="直線接點 78"/>
-          <p:cNvCxnSpPr/>
-          <p:nvPr/>
-        </p:nvCxnSpPr>
-        <p:spPr>
-          <a:xfrm>
-            <a:off x="2771800" y="2497460"/>
-            <a:ext cx="0" cy="936104"/>
-          </a:xfrm>
-          <a:prstGeom prst="line">
-            <a:avLst/>
-          </a:prstGeom>
-          <a:ln w="25400">
-            <a:solidFill>
-              <a:schemeClr val="accent6">
-                <a:lumMod val="75000"/>
-              </a:schemeClr>
-            </a:solidFill>
-          </a:ln>
-        </p:spPr>
-        <p:style>
-          <a:lnRef idx="1">
-            <a:schemeClr val="accent1"/>
-          </a:lnRef>
-          <a:fillRef idx="0">
-            <a:schemeClr val="accent1"/>
-          </a:fillRef>
-          <a:effectRef idx="0">
-            <a:schemeClr val="accent1"/>
-          </a:effectRef>
-          <a:fontRef idx="minor">
-            <a:schemeClr val="tx1"/>
-          </a:fontRef>
-        </p:style>
-      </p:cxnSp>
-      <p:cxnSp>
-        <p:nvCxnSpPr>
-          <p:cNvPr id="80" name="直線接點 79"/>
-          <p:cNvCxnSpPr/>
-          <p:nvPr/>
-        </p:nvCxnSpPr>
-        <p:spPr>
-          <a:xfrm>
-            <a:off x="3347864" y="3209156"/>
-            <a:ext cx="0" cy="216024"/>
-          </a:xfrm>
-          <a:prstGeom prst="line">
-            <a:avLst/>
-          </a:prstGeom>
-          <a:ln w="25400">
-            <a:solidFill>
-              <a:schemeClr val="accent6">
-                <a:lumMod val="75000"/>
-              </a:schemeClr>
-            </a:solidFill>
-          </a:ln>
-        </p:spPr>
-        <p:style>
-          <a:lnRef idx="1">
-            <a:schemeClr val="accent1"/>
-          </a:lnRef>
-          <a:fillRef idx="0">
-            <a:schemeClr val="accent1"/>
-          </a:fillRef>
-          <a:effectRef idx="0">
-            <a:schemeClr val="accent1"/>
-          </a:effectRef>
-          <a:fontRef idx="minor">
-            <a:schemeClr val="tx1"/>
-          </a:fontRef>
-        </p:style>
-      </p:cxnSp>
-      <p:cxnSp>
-        <p:nvCxnSpPr>
-          <p:cNvPr id="81" name="直線接點 80"/>
-          <p:cNvCxnSpPr>
-            <a:endCxn id="50" idx="0"/>
-          </p:cNvCxnSpPr>
-          <p:nvPr/>
-        </p:nvCxnSpPr>
-        <p:spPr>
-          <a:xfrm>
-            <a:off x="1403648" y="2425452"/>
-            <a:ext cx="4267" cy="1008112"/>
-          </a:xfrm>
-          <a:prstGeom prst="line">
-            <a:avLst/>
-          </a:prstGeom>
-          <a:ln w="25400">
-            <a:solidFill>
-              <a:schemeClr val="accent6">
-                <a:lumMod val="75000"/>
-              </a:schemeClr>
-            </a:solidFill>
-          </a:ln>
-        </p:spPr>
-        <p:style>
-          <a:lnRef idx="1">
-            <a:schemeClr val="accent1"/>
-          </a:lnRef>
-          <a:fillRef idx="0">
-            <a:schemeClr val="accent1"/>
-          </a:fillRef>
-          <a:effectRef idx="0">
-            <a:schemeClr val="accent1"/>
-          </a:effectRef>
-          <a:fontRef idx="minor">
-            <a:schemeClr val="tx1"/>
-          </a:fontRef>
-        </p:style>
-      </p:cxnSp>
-      <p:cxnSp>
-        <p:nvCxnSpPr>
-          <p:cNvPr id="82" name="直線接點 81"/>
-          <p:cNvCxnSpPr/>
-          <p:nvPr/>
-        </p:nvCxnSpPr>
-        <p:spPr>
-          <a:xfrm>
-            <a:off x="1979712" y="3209156"/>
-            <a:ext cx="0" cy="216024"/>
-          </a:xfrm>
-          <a:prstGeom prst="line">
-            <a:avLst/>
-          </a:prstGeom>
-          <a:ln w="25400">
-            <a:solidFill>
-              <a:schemeClr val="accent6">
-                <a:lumMod val="75000"/>
-              </a:schemeClr>
-            </a:solidFill>
-          </a:ln>
-        </p:spPr>
-        <p:style>
-          <a:lnRef idx="1">
-            <a:schemeClr val="accent1"/>
-          </a:lnRef>
-          <a:fillRef idx="0">
-            <a:schemeClr val="accent1"/>
-          </a:fillRef>
-          <a:effectRef idx="0">
-            <a:schemeClr val="accent1"/>
-          </a:effectRef>
-          <a:fontRef idx="minor">
-            <a:schemeClr val="tx1"/>
-          </a:fontRef>
-        </p:style>
-      </p:cxnSp>
+      </p:pic>
     </p:spTree>
   </p:cSld>
   <p:clrMapOvr>
     <a:masterClrMapping/>
   </p:clrMapOvr>
-  <p:timing>
-    <p:tnLst>
-      <p:par>
-        <p:cTn id="1" dur="indefinite" restart="never" nodeType="tmRoot"/>
-      </p:par>
-    </p:tnLst>
-  </p:timing>
 </p:sld>
 </file>
 
@@ -22241,7 +23084,7 @@
     </p:spTree>
     <p:extLst>
       <p:ext uri="{BB962C8B-B14F-4D97-AF65-F5344CB8AC3E}">
-        <p14:creationId xmlns:p14="http://schemas.microsoft.com/office/powerpoint/2010/main" xmlns="" val="1188013231"/>
+        <p14:creationId xmlns="" xmlns:p14="http://schemas.microsoft.com/office/powerpoint/2010/main" val="1188013231"/>
       </p:ext>
     </p:extLst>
   </p:cSld>
@@ -22277,162 +23120,7 @@
       </p:grpSpPr>
       <p:sp>
         <p:nvSpPr>
-          <p:cNvPr id="2" name="Content Placeholder 1"/>
-          <p:cNvSpPr>
-            <a:spLocks noGrp="1"/>
-          </p:cNvSpPr>
-          <p:nvPr>
-            <p:ph sz="half" idx="2"/>
-          </p:nvPr>
-        </p:nvSpPr>
-        <p:spPr>
-          <a:xfrm>
-            <a:off x="467544" y="3001516"/>
-            <a:ext cx="8215370" cy="1944216"/>
-          </a:xfrm>
-        </p:spPr>
-        <p:txBody>
-          <a:bodyPr/>
-          <a:lstStyle/>
-          <a:p>
-            <a:r>
-              <a:rPr lang="en-US" sz="1600" b="1" dirty="0" smtClean="0">
-                <a:solidFill>
-                  <a:schemeClr val="tx2">
-                    <a:lumMod val="75000"/>
-                  </a:schemeClr>
-                </a:solidFill>
-              </a:rPr>
-              <a:t>Start </a:t>
-            </a:r>
-            <a:r>
-              <a:rPr lang="en-US" altLang="zh-TW" sz="1600" b="1" dirty="0" smtClean="0">
-                <a:solidFill>
-                  <a:schemeClr val="tx2">
-                    <a:lumMod val="75000"/>
-                  </a:schemeClr>
-                </a:solidFill>
-              </a:rPr>
-              <a:t>Condition</a:t>
-            </a:r>
-          </a:p>
-          <a:p>
-            <a:r>
-              <a:rPr lang="en-US" altLang="zh-TW" sz="1600" b="1" dirty="0" smtClean="0">
-                <a:solidFill>
-                  <a:schemeClr val="tx2">
-                    <a:lumMod val="75000"/>
-                  </a:schemeClr>
-                </a:solidFill>
-              </a:rPr>
-              <a:t>Stop Condition</a:t>
-            </a:r>
-          </a:p>
-          <a:p>
-            <a:r>
-              <a:rPr lang="en-US" sz="1600" b="1" dirty="0" err="1" smtClean="0">
-                <a:solidFill>
-                  <a:schemeClr val="tx2">
-                    <a:lumMod val="75000"/>
-                  </a:schemeClr>
-                </a:solidFill>
-              </a:rPr>
-              <a:t>Ack</a:t>
-            </a:r>
-            <a:r>
-              <a:rPr lang="en-US" sz="1600" b="1" dirty="0" smtClean="0">
-                <a:solidFill>
-                  <a:schemeClr val="tx2">
-                    <a:lumMod val="75000"/>
-                  </a:schemeClr>
-                </a:solidFill>
-              </a:rPr>
-              <a:t> Signal : </a:t>
-            </a:r>
-            <a:r>
-              <a:rPr lang="en-US" sz="1600" dirty="0" err="1" smtClean="0"/>
-              <a:t>Ack</a:t>
-            </a:r>
-            <a:r>
-              <a:rPr lang="en-US" sz="1600" dirty="0" smtClean="0"/>
-              <a:t>(0), No </a:t>
-            </a:r>
-            <a:r>
-              <a:rPr lang="en-US" sz="1600" dirty="0" err="1" smtClean="0"/>
-              <a:t>Ack</a:t>
-            </a:r>
-            <a:r>
-              <a:rPr lang="en-US" sz="1600" dirty="0" smtClean="0"/>
-              <a:t> (1).</a:t>
-            </a:r>
-          </a:p>
-          <a:p>
-            <a:r>
-              <a:rPr lang="en-US" altLang="zh-TW" sz="1600" b="1" dirty="0" smtClean="0">
-                <a:solidFill>
-                  <a:schemeClr val="tx2">
-                    <a:lumMod val="75000"/>
-                  </a:schemeClr>
-                </a:solidFill>
-              </a:rPr>
-              <a:t>Wait State : </a:t>
-            </a:r>
-            <a:r>
-              <a:rPr lang="en-US" altLang="zh-TW" sz="1600" dirty="0" smtClean="0"/>
-              <a:t>SCL – </a:t>
-            </a:r>
-            <a:r>
-              <a:rPr lang="en-US" altLang="zh-TW" sz="1600" dirty="0" smtClean="0">
-                <a:solidFill>
-                  <a:srgbClr val="FF0000"/>
-                </a:solidFill>
-              </a:rPr>
-              <a:t>Low</a:t>
-            </a:r>
-            <a:r>
-              <a:rPr lang="en-US" altLang="zh-TW" sz="1600" dirty="0" smtClean="0"/>
-              <a:t>(Slave), SDA – </a:t>
-            </a:r>
-            <a:r>
-              <a:rPr lang="en-US" altLang="zh-TW" sz="1600" dirty="0" smtClean="0">
-                <a:solidFill>
-                  <a:srgbClr val="FF0000"/>
-                </a:solidFill>
-              </a:rPr>
-              <a:t>High</a:t>
-            </a:r>
-            <a:r>
-              <a:rPr lang="en-US" altLang="zh-TW" sz="1600" b="1" dirty="0" smtClean="0">
-                <a:solidFill>
-                  <a:schemeClr val="tx2">
-                    <a:lumMod val="75000"/>
-                  </a:schemeClr>
-                </a:solidFill>
-              </a:rPr>
-              <a:t>.</a:t>
-            </a:r>
-          </a:p>
-          <a:p>
-            <a:r>
-              <a:rPr lang="en-US" sz="1600" b="1" dirty="0" smtClean="0">
-                <a:solidFill>
-                  <a:schemeClr val="tx2">
-                    <a:lumMod val="75000"/>
-                  </a:schemeClr>
-                </a:solidFill>
-              </a:rPr>
-              <a:t>Data Transfer </a:t>
-            </a:r>
-            <a:r>
-              <a:rPr lang="en-US" sz="1600" dirty="0" smtClean="0"/>
-              <a:t>: Byte</a:t>
-            </a:r>
-          </a:p>
-        </p:txBody>
-      </p:sp>
-      <p:sp>
-        <p:nvSpPr>
-          <p:cNvPr id="3" name="Title 2"/>
+          <p:cNvPr id="3" name="標題 2"/>
           <p:cNvSpPr>
             <a:spLocks noGrp="1"/>
           </p:cNvSpPr>
@@ -22446,93 +23134,369 @@
           <a:lstStyle/>
           <a:p>
             <a:r>
-              <a:rPr lang="en-US" altLang="zh-TW" dirty="0" smtClean="0">
-                <a:solidFill>
-                  <a:schemeClr val="tx1">
-                    <a:lumMod val="95000"/>
-                    <a:lumOff val="5000"/>
-                  </a:schemeClr>
-                </a:solidFill>
-              </a:rPr>
+              <a:rPr lang="en-US" altLang="zh-TW" dirty="0" smtClean="0"/>
               <a:t>I2C </a:t>
             </a:r>
             <a:r>
-              <a:rPr lang="zh-TW" altLang="en-US" dirty="0" smtClean="0">
-                <a:solidFill>
-                  <a:schemeClr val="tx1">
-                    <a:lumMod val="95000"/>
-                    <a:lumOff val="5000"/>
-                  </a:schemeClr>
-                </a:solidFill>
-              </a:rPr>
-              <a:t>訊號時序圖</a:t>
-            </a:r>
-            <a:endParaRPr lang="en-US" altLang="zh-TW" dirty="0" smtClean="0">
-              <a:solidFill>
-                <a:schemeClr val="tx1">
-                  <a:lumMod val="95000"/>
-                  <a:lumOff val="5000"/>
-                </a:schemeClr>
-              </a:solidFill>
-            </a:endParaRPr>
+              <a:rPr lang="zh-TW" altLang="en-US" dirty="0" smtClean="0"/>
+              <a:t>硬體架構</a:t>
+            </a:r>
+            <a:endParaRPr lang="zh-TW" altLang="en-US" dirty="0"/>
           </a:p>
         </p:txBody>
       </p:sp>
-      <p:pic>
-        <p:nvPicPr>
-          <p:cNvPr id="2050" name="Picture 2"/>
-          <p:cNvPicPr>
-            <a:picLocks noChangeAspect="1" noChangeArrowheads="1"/>
-          </p:cNvPicPr>
+      <p:cxnSp>
+        <p:nvCxnSpPr>
+          <p:cNvPr id="6" name="直線接點 5"/>
+          <p:cNvCxnSpPr/>
           <p:nvPr/>
-        </p:nvPicPr>
-        <p:blipFill>
-          <a:blip r:embed="rId3" cstate="print"/>
-          <a:srcRect/>
-          <a:stretch>
-            <a:fillRect/>
-          </a:stretch>
-        </p:blipFill>
-        <p:spPr bwMode="auto">
-          <a:xfrm>
-            <a:off x="1043608" y="769268"/>
-            <a:ext cx="7200800" cy="1910956"/>
-          </a:xfrm>
-          <a:prstGeom prst="rect">
-            <a:avLst/>
-          </a:prstGeom>
-          <a:noFill/>
-          <a:ln w="9525">
-            <a:noFill/>
-            <a:miter lim="800000"/>
-            <a:headEnd/>
-            <a:tailEnd/>
+        </p:nvCxnSpPr>
+        <p:spPr>
+          <a:xfrm>
+            <a:off x="611560" y="2425452"/>
+            <a:ext cx="4392488" cy="0"/>
+          </a:xfrm>
+          <a:prstGeom prst="line">
+            <a:avLst/>
+          </a:prstGeom>
+          <a:ln w="25400"/>
+        </p:spPr>
+        <p:style>
+          <a:lnRef idx="1">
+            <a:schemeClr val="accent1"/>
+          </a:lnRef>
+          <a:fillRef idx="0">
+            <a:schemeClr val="accent1"/>
+          </a:fillRef>
+          <a:effectRef idx="0">
+            <a:schemeClr val="accent1"/>
+          </a:effectRef>
+          <a:fontRef idx="minor">
+            <a:schemeClr val="tx1"/>
+          </a:fontRef>
+        </p:style>
+      </p:cxnSp>
+      <p:cxnSp>
+        <p:nvCxnSpPr>
+          <p:cNvPr id="7" name="直線接點 6"/>
+          <p:cNvCxnSpPr/>
+          <p:nvPr/>
+        </p:nvCxnSpPr>
+        <p:spPr>
+          <a:xfrm>
+            <a:off x="611560" y="3217540"/>
+            <a:ext cx="4392488" cy="0"/>
+          </a:xfrm>
+          <a:prstGeom prst="line">
+            <a:avLst/>
+          </a:prstGeom>
+          <a:ln w="25400"/>
+        </p:spPr>
+        <p:style>
+          <a:lnRef idx="1">
+            <a:schemeClr val="accent1"/>
+          </a:lnRef>
+          <a:fillRef idx="0">
+            <a:schemeClr val="accent1"/>
+          </a:fillRef>
+          <a:effectRef idx="0">
+            <a:schemeClr val="accent1"/>
+          </a:effectRef>
+          <a:fontRef idx="minor">
+            <a:schemeClr val="tx1"/>
+          </a:fontRef>
+        </p:style>
+      </p:cxnSp>
+      <p:cxnSp>
+        <p:nvCxnSpPr>
+          <p:cNvPr id="8" name="直線接點 7"/>
+          <p:cNvCxnSpPr/>
+          <p:nvPr/>
+        </p:nvCxnSpPr>
+        <p:spPr>
+          <a:xfrm>
+            <a:off x="1403648" y="1561356"/>
+            <a:ext cx="2448272" cy="0"/>
+          </a:xfrm>
+          <a:prstGeom prst="line">
+            <a:avLst/>
+          </a:prstGeom>
+          <a:ln w="25400">
+            <a:solidFill>
+              <a:srgbClr val="FF0000"/>
+            </a:solidFill>
           </a:ln>
         </p:spPr>
-      </p:pic>
+        <p:style>
+          <a:lnRef idx="1">
+            <a:schemeClr val="accent1"/>
+          </a:lnRef>
+          <a:fillRef idx="0">
+            <a:schemeClr val="accent1"/>
+          </a:fillRef>
+          <a:effectRef idx="0">
+            <a:schemeClr val="accent1"/>
+          </a:effectRef>
+          <a:fontRef idx="minor">
+            <a:schemeClr val="tx1"/>
+          </a:fontRef>
+        </p:style>
+      </p:cxnSp>
+      <p:cxnSp>
+        <p:nvCxnSpPr>
+          <p:cNvPr id="10" name="直線接點 9"/>
+          <p:cNvCxnSpPr>
+            <a:stCxn id="14" idx="2"/>
+          </p:cNvCxnSpPr>
+          <p:nvPr/>
+        </p:nvCxnSpPr>
+        <p:spPr>
+          <a:xfrm>
+            <a:off x="2411760" y="2209428"/>
+            <a:ext cx="0" cy="1008112"/>
+          </a:xfrm>
+          <a:prstGeom prst="line">
+            <a:avLst/>
+          </a:prstGeom>
+          <a:ln w="25400">
+            <a:solidFill>
+              <a:srgbClr val="FF0000"/>
+            </a:solidFill>
+          </a:ln>
+        </p:spPr>
+        <p:style>
+          <a:lnRef idx="1">
+            <a:schemeClr val="accent1"/>
+          </a:lnRef>
+          <a:fillRef idx="0">
+            <a:schemeClr val="accent1"/>
+          </a:fillRef>
+          <a:effectRef idx="0">
+            <a:schemeClr val="accent1"/>
+          </a:effectRef>
+          <a:fontRef idx="minor">
+            <a:schemeClr val="tx1"/>
+          </a:fontRef>
+        </p:style>
+      </p:cxnSp>
       <p:sp>
         <p:nvSpPr>
-          <p:cNvPr id="17" name="矩形 16"/>
+          <p:cNvPr id="14" name="矩形 13"/>
           <p:cNvSpPr/>
           <p:nvPr/>
         </p:nvSpPr>
         <p:spPr>
           <a:xfrm>
-            <a:off x="2411760" y="769268"/>
-            <a:ext cx="2016224" cy="1800200"/>
+            <a:off x="2267744" y="1777380"/>
+            <a:ext cx="288032" cy="432048"/>
           </a:xfrm>
           <a:prstGeom prst="rect">
             <a:avLst/>
           </a:prstGeom>
-          <a:noFill/>
+          <a:ln>
+            <a:solidFill>
+              <a:srgbClr val="FF0000"/>
+            </a:solidFill>
+          </a:ln>
+        </p:spPr>
+        <p:style>
+          <a:lnRef idx="2">
+            <a:schemeClr val="accent1"/>
+          </a:lnRef>
+          <a:fillRef idx="1">
+            <a:schemeClr val="lt1"/>
+          </a:fillRef>
+          <a:effectRef idx="0">
+            <a:schemeClr val="accent1"/>
+          </a:effectRef>
+          <a:fontRef idx="minor">
+            <a:schemeClr val="dk1"/>
+          </a:fontRef>
+        </p:style>
+        <p:txBody>
+          <a:bodyPr rtlCol="0" anchor="ctr"/>
+          <a:lstStyle/>
+          <a:p>
+            <a:pPr algn="ctr"/>
+            <a:endParaRPr lang="zh-TW" altLang="en-US" dirty="0" smtClean="0"/>
+          </a:p>
+        </p:txBody>
+      </p:sp>
+      <p:cxnSp>
+        <p:nvCxnSpPr>
+          <p:cNvPr id="15" name="直線接點 14"/>
+          <p:cNvCxnSpPr>
+            <a:endCxn id="14" idx="0"/>
+          </p:cNvCxnSpPr>
+          <p:nvPr/>
+        </p:nvCxnSpPr>
+        <p:spPr>
+          <a:xfrm>
+            <a:off x="2411760" y="1561356"/>
+            <a:ext cx="0" cy="216024"/>
+          </a:xfrm>
+          <a:prstGeom prst="line">
+            <a:avLst/>
+          </a:prstGeom>
           <a:ln w="25400">
             <a:solidFill>
-              <a:schemeClr val="accent3">
-                <a:lumMod val="75000"/>
-              </a:schemeClr>
+              <a:srgbClr val="FF0000"/>
             </a:solidFill>
-            <a:prstDash val="sysDash"/>
           </a:ln>
+        </p:spPr>
+        <p:style>
+          <a:lnRef idx="1">
+            <a:schemeClr val="accent1"/>
+          </a:lnRef>
+          <a:fillRef idx="0">
+            <a:schemeClr val="accent1"/>
+          </a:fillRef>
+          <a:effectRef idx="0">
+            <a:schemeClr val="accent1"/>
+          </a:effectRef>
+          <a:fontRef idx="minor">
+            <a:schemeClr val="tx1"/>
+          </a:fontRef>
+        </p:style>
+      </p:cxnSp>
+      <p:cxnSp>
+        <p:nvCxnSpPr>
+          <p:cNvPr id="18" name="直線接點 17"/>
+          <p:cNvCxnSpPr>
+            <a:stCxn id="19" idx="2"/>
+          </p:cNvCxnSpPr>
+          <p:nvPr/>
+        </p:nvCxnSpPr>
+        <p:spPr>
+          <a:xfrm>
+            <a:off x="3347864" y="2217812"/>
+            <a:ext cx="0" cy="207640"/>
+          </a:xfrm>
+          <a:prstGeom prst="line">
+            <a:avLst/>
+          </a:prstGeom>
+          <a:ln w="25400">
+            <a:solidFill>
+              <a:srgbClr val="FF0000"/>
+            </a:solidFill>
+          </a:ln>
+        </p:spPr>
+        <p:style>
+          <a:lnRef idx="1">
+            <a:schemeClr val="accent1"/>
+          </a:lnRef>
+          <a:fillRef idx="0">
+            <a:schemeClr val="accent1"/>
+          </a:fillRef>
+          <a:effectRef idx="0">
+            <a:schemeClr val="accent1"/>
+          </a:effectRef>
+          <a:fontRef idx="minor">
+            <a:schemeClr val="tx1"/>
+          </a:fontRef>
+        </p:style>
+      </p:cxnSp>
+      <p:sp>
+        <p:nvSpPr>
+          <p:cNvPr id="19" name="矩形 18"/>
+          <p:cNvSpPr/>
+          <p:nvPr/>
+        </p:nvSpPr>
+        <p:spPr>
+          <a:xfrm>
+            <a:off x="3203848" y="1777380"/>
+            <a:ext cx="288032" cy="440432"/>
+          </a:xfrm>
+          <a:prstGeom prst="rect">
+            <a:avLst/>
+          </a:prstGeom>
+          <a:ln>
+            <a:solidFill>
+              <a:srgbClr val="FF0000"/>
+            </a:solidFill>
+          </a:ln>
+        </p:spPr>
+        <p:style>
+          <a:lnRef idx="2">
+            <a:schemeClr val="accent1"/>
+          </a:lnRef>
+          <a:fillRef idx="1">
+            <a:schemeClr val="lt1"/>
+          </a:fillRef>
+          <a:effectRef idx="0">
+            <a:schemeClr val="accent1"/>
+          </a:effectRef>
+          <a:fontRef idx="minor">
+            <a:schemeClr val="dk1"/>
+          </a:fontRef>
+        </p:style>
+        <p:txBody>
+          <a:bodyPr rtlCol="0" anchor="ctr"/>
+          <a:lstStyle/>
+          <a:p>
+            <a:pPr algn="ctr"/>
+            <a:endParaRPr lang="zh-TW" altLang="en-US" dirty="0" smtClean="0"/>
+          </a:p>
+        </p:txBody>
+      </p:sp>
+      <p:cxnSp>
+        <p:nvCxnSpPr>
+          <p:cNvPr id="20" name="直線接點 19"/>
+          <p:cNvCxnSpPr>
+            <a:endCxn id="19" idx="0"/>
+          </p:cNvCxnSpPr>
+          <p:nvPr/>
+        </p:nvCxnSpPr>
+        <p:spPr>
+          <a:xfrm>
+            <a:off x="3347864" y="1569740"/>
+            <a:ext cx="0" cy="207640"/>
+          </a:xfrm>
+          <a:prstGeom prst="line">
+            <a:avLst/>
+          </a:prstGeom>
+          <a:ln w="25400">
+            <a:solidFill>
+              <a:srgbClr val="FF0000"/>
+            </a:solidFill>
+          </a:ln>
+        </p:spPr>
+        <p:style>
+          <a:lnRef idx="1">
+            <a:schemeClr val="accent1"/>
+          </a:lnRef>
+          <a:fillRef idx="0">
+            <a:schemeClr val="accent1"/>
+          </a:fillRef>
+          <a:effectRef idx="0">
+            <a:schemeClr val="accent1"/>
+          </a:effectRef>
+          <a:fontRef idx="minor">
+            <a:schemeClr val="tx1"/>
+          </a:fontRef>
+        </p:style>
+      </p:cxnSp>
+      <p:sp>
+        <p:nvSpPr>
+          <p:cNvPr id="23" name="橢圓 22"/>
+          <p:cNvSpPr/>
+          <p:nvPr/>
+        </p:nvSpPr>
+        <p:spPr>
+          <a:xfrm>
+            <a:off x="3275856" y="1489348"/>
+            <a:ext cx="144016" cy="144016"/>
+          </a:xfrm>
+          <a:prstGeom prst="ellipse">
+            <a:avLst/>
+          </a:prstGeom>
+          <a:solidFill>
+            <a:srgbClr val="FF0000"/>
+          </a:solidFill>
+          <a:ln w="0">
+            <a:noFill/>
+          </a:ln>
+          <a:effectLst/>
         </p:spPr>
         <p:style>
           <a:lnRef idx="1">
@@ -22559,28 +23523,25 @@
       </p:sp>
       <p:sp>
         <p:nvSpPr>
-          <p:cNvPr id="19" name="矩形 18"/>
+          <p:cNvPr id="24" name="橢圓 23"/>
           <p:cNvSpPr/>
           <p:nvPr/>
         </p:nvSpPr>
         <p:spPr>
           <a:xfrm>
-            <a:off x="1475656" y="769268"/>
-            <a:ext cx="864096" cy="1800200"/>
-          </a:xfrm>
-          <a:prstGeom prst="rect">
-            <a:avLst/>
-          </a:prstGeom>
-          <a:noFill/>
-          <a:ln w="25400">
-            <a:solidFill>
-              <a:schemeClr val="tx2">
-                <a:lumMod val="60000"/>
-                <a:lumOff val="40000"/>
-              </a:schemeClr>
-            </a:solidFill>
-            <a:prstDash val="sysDash"/>
+            <a:off x="2339752" y="1489348"/>
+            <a:ext cx="144016" cy="144016"/>
+          </a:xfrm>
+          <a:prstGeom prst="ellipse">
+            <a:avLst/>
+          </a:prstGeom>
+          <a:solidFill>
+            <a:srgbClr val="FF0000"/>
+          </a:solidFill>
+          <a:ln w="0">
+            <a:noFill/>
           </a:ln>
+          <a:effectLst/>
         </p:spPr>
         <p:style>
           <a:lnRef idx="1">
@@ -22607,27 +23568,25 @@
       </p:sp>
       <p:sp>
         <p:nvSpPr>
-          <p:cNvPr id="21" name="矩形 20"/>
+          <p:cNvPr id="25" name="橢圓 24"/>
           <p:cNvSpPr/>
           <p:nvPr/>
         </p:nvSpPr>
         <p:spPr>
           <a:xfrm>
-            <a:off x="4427984" y="769268"/>
-            <a:ext cx="432048" cy="1800200"/>
-          </a:xfrm>
-          <a:prstGeom prst="rect">
-            <a:avLst/>
-          </a:prstGeom>
-          <a:noFill/>
-          <a:ln w="25400">
-            <a:solidFill>
-              <a:schemeClr val="bg2">
-                <a:lumMod val="25000"/>
-              </a:schemeClr>
-            </a:solidFill>
-            <a:prstDash val="sysDash"/>
+            <a:off x="3275856" y="2353444"/>
+            <a:ext cx="144016" cy="144016"/>
+          </a:xfrm>
+          <a:prstGeom prst="ellipse">
+            <a:avLst/>
+          </a:prstGeom>
+          <a:solidFill>
+            <a:srgbClr val="FF0000"/>
+          </a:solidFill>
+          <a:ln w="0">
+            <a:noFill/>
           </a:ln>
+          <a:effectLst/>
         </p:spPr>
         <p:style>
           <a:lnRef idx="1">
@@ -22654,28 +23613,25 @@
       </p:sp>
       <p:sp>
         <p:nvSpPr>
-          <p:cNvPr id="22" name="矩形 21"/>
+          <p:cNvPr id="26" name="橢圓 25"/>
           <p:cNvSpPr/>
           <p:nvPr/>
         </p:nvSpPr>
         <p:spPr>
           <a:xfrm>
-            <a:off x="4644008" y="769268"/>
-            <a:ext cx="792088" cy="1800200"/>
-          </a:xfrm>
-          <a:prstGeom prst="rect">
-            <a:avLst/>
-          </a:prstGeom>
-          <a:noFill/>
-          <a:ln w="25400">
-            <a:solidFill>
-              <a:schemeClr val="tx1">
-                <a:lumMod val="75000"/>
-                <a:lumOff val="25000"/>
-              </a:schemeClr>
-            </a:solidFill>
-            <a:prstDash val="sysDash"/>
+            <a:off x="2339752" y="3145532"/>
+            <a:ext cx="144016" cy="144016"/>
+          </a:xfrm>
+          <a:prstGeom prst="ellipse">
+            <a:avLst/>
+          </a:prstGeom>
+          <a:solidFill>
+            <a:srgbClr val="FF0000"/>
+          </a:solidFill>
+          <a:ln w="0">
+            <a:noFill/>
           </a:ln>
+          <a:effectLst/>
         </p:spPr>
         <p:style>
           <a:lnRef idx="1">
@@ -22702,27 +23658,189 @@
       </p:sp>
       <p:sp>
         <p:nvSpPr>
-          <p:cNvPr id="23" name="矩形 22"/>
+          <p:cNvPr id="27" name="矩形 26"/>
           <p:cNvSpPr/>
           <p:nvPr/>
         </p:nvSpPr>
         <p:spPr>
           <a:xfrm>
-            <a:off x="7236296" y="769268"/>
-            <a:ext cx="864096" cy="1800200"/>
+            <a:off x="1043608" y="3433564"/>
+            <a:ext cx="1296144" cy="648072"/>
           </a:xfrm>
           <a:prstGeom prst="rect">
             <a:avLst/>
           </a:prstGeom>
-          <a:noFill/>
-          <a:ln w="25400">
-            <a:solidFill>
-              <a:schemeClr val="accent5">
-                <a:lumMod val="75000"/>
-              </a:schemeClr>
-            </a:solidFill>
-            <a:prstDash val="sysDash"/>
+        </p:spPr>
+        <p:style>
+          <a:lnRef idx="1">
+            <a:schemeClr val="accent6"/>
+          </a:lnRef>
+          <a:fillRef idx="2">
+            <a:schemeClr val="accent6"/>
+          </a:fillRef>
+          <a:effectRef idx="1">
+            <a:schemeClr val="accent6"/>
+          </a:effectRef>
+          <a:fontRef idx="minor">
+            <a:schemeClr val="dk1"/>
+          </a:fontRef>
+        </p:style>
+        <p:txBody>
+          <a:bodyPr rtlCol="0" anchor="ctr"/>
+          <a:lstStyle/>
+          <a:p>
+            <a:pPr algn="ctr"/>
+            <a:r>
+              <a:rPr lang="en-US" altLang="zh-TW" sz="1600" dirty="0" smtClean="0">
+                <a:solidFill>
+                  <a:schemeClr val="accent6">
+                    <a:lumMod val="75000"/>
+                  </a:schemeClr>
+                </a:solidFill>
+              </a:rPr>
+              <a:t>I2C Master</a:t>
+            </a:r>
+            <a:endParaRPr lang="zh-TW" altLang="en-US" sz="1600" dirty="0" smtClean="0">
+              <a:solidFill>
+                <a:schemeClr val="accent6">
+                  <a:lumMod val="75000"/>
+                </a:schemeClr>
+              </a:solidFill>
+            </a:endParaRPr>
+          </a:p>
+        </p:txBody>
+      </p:sp>
+      <p:sp>
+        <p:nvSpPr>
+          <p:cNvPr id="28" name="矩形 27"/>
+          <p:cNvSpPr/>
+          <p:nvPr/>
+        </p:nvSpPr>
+        <p:spPr>
+          <a:xfrm>
+            <a:off x="2411760" y="3433564"/>
+            <a:ext cx="1296144" cy="648072"/>
+          </a:xfrm>
+          <a:prstGeom prst="rect">
+            <a:avLst/>
+          </a:prstGeom>
+        </p:spPr>
+        <p:style>
+          <a:lnRef idx="1">
+            <a:schemeClr val="accent6"/>
+          </a:lnRef>
+          <a:fillRef idx="2">
+            <a:schemeClr val="accent6"/>
+          </a:fillRef>
+          <a:effectRef idx="1">
+            <a:schemeClr val="accent6"/>
+          </a:effectRef>
+          <a:fontRef idx="minor">
+            <a:schemeClr val="dk1"/>
+          </a:fontRef>
+        </p:style>
+        <p:txBody>
+          <a:bodyPr rtlCol="0" anchor="ctr"/>
+          <a:lstStyle/>
+          <a:p>
+            <a:pPr algn="ctr"/>
+            <a:r>
+              <a:rPr lang="en-US" altLang="zh-TW" sz="1600" dirty="0" smtClean="0">
+                <a:solidFill>
+                  <a:schemeClr val="accent6">
+                    <a:lumMod val="75000"/>
+                  </a:schemeClr>
+                </a:solidFill>
+              </a:rPr>
+              <a:t>I2C Slave 1</a:t>
+            </a:r>
+            <a:endParaRPr lang="zh-TW" altLang="en-US" sz="1600" dirty="0" smtClean="0">
+              <a:solidFill>
+                <a:schemeClr val="accent6">
+                  <a:lumMod val="75000"/>
+                </a:schemeClr>
+              </a:solidFill>
+            </a:endParaRPr>
+          </a:p>
+        </p:txBody>
+      </p:sp>
+      <p:sp>
+        <p:nvSpPr>
+          <p:cNvPr id="29" name="矩形 28"/>
+          <p:cNvSpPr/>
+          <p:nvPr/>
+        </p:nvSpPr>
+        <p:spPr>
+          <a:xfrm>
+            <a:off x="3779912" y="3433564"/>
+            <a:ext cx="1296144" cy="648072"/>
+          </a:xfrm>
+          <a:prstGeom prst="rect">
+            <a:avLst/>
+          </a:prstGeom>
+        </p:spPr>
+        <p:style>
+          <a:lnRef idx="1">
+            <a:schemeClr val="accent6"/>
+          </a:lnRef>
+          <a:fillRef idx="2">
+            <a:schemeClr val="accent6"/>
+          </a:fillRef>
+          <a:effectRef idx="1">
+            <a:schemeClr val="accent6"/>
+          </a:effectRef>
+          <a:fontRef idx="minor">
+            <a:schemeClr val="dk1"/>
+          </a:fontRef>
+        </p:style>
+        <p:txBody>
+          <a:bodyPr rtlCol="0" anchor="ctr"/>
+          <a:lstStyle/>
+          <a:p>
+            <a:pPr algn="ctr"/>
+            <a:r>
+              <a:rPr lang="en-US" altLang="zh-TW" sz="1600" dirty="0" smtClean="0">
+                <a:solidFill>
+                  <a:schemeClr val="accent6">
+                    <a:lumMod val="75000"/>
+                  </a:schemeClr>
+                </a:solidFill>
+              </a:rPr>
+              <a:t>I2C Slave 2</a:t>
+            </a:r>
+            <a:endParaRPr lang="zh-TW" altLang="en-US" sz="1600" dirty="0" smtClean="0">
+              <a:solidFill>
+                <a:schemeClr val="accent6">
+                  <a:lumMod val="75000"/>
+                </a:schemeClr>
+              </a:solidFill>
+            </a:endParaRPr>
+          </a:p>
+        </p:txBody>
+      </p:sp>
+      <p:sp>
+        <p:nvSpPr>
+          <p:cNvPr id="32" name="橢圓 31"/>
+          <p:cNvSpPr/>
+          <p:nvPr/>
+        </p:nvSpPr>
+        <p:spPr>
+          <a:xfrm>
+            <a:off x="1331640" y="2353444"/>
+            <a:ext cx="144016" cy="144016"/>
+          </a:xfrm>
+          <a:prstGeom prst="ellipse">
+            <a:avLst/>
+          </a:prstGeom>
+          <a:solidFill>
+            <a:schemeClr val="accent6">
+              <a:lumMod val="75000"/>
+            </a:schemeClr>
+          </a:solidFill>
+          <a:ln w="0">
+            <a:noFill/>
           </a:ln>
+          <a:effectLst/>
         </p:spPr>
         <p:style>
           <a:lnRef idx="1">
@@ -22747,44 +23865,973 @@
           </a:p>
         </p:txBody>
       </p:sp>
-      <p:pic>
-        <p:nvPicPr>
-          <p:cNvPr id="4" name="Picture 2"/>
-          <p:cNvPicPr>
-            <a:picLocks noChangeAspect="1" noChangeArrowheads="1"/>
-          </p:cNvPicPr>
+      <p:sp>
+        <p:nvSpPr>
+          <p:cNvPr id="35" name="橢圓 34"/>
+          <p:cNvSpPr/>
           <p:nvPr/>
-        </p:nvPicPr>
-        <p:blipFill>
-          <a:blip r:embed="rId4" cstate="print"/>
-          <a:srcRect/>
-          <a:stretch>
-            <a:fillRect/>
-          </a:stretch>
-        </p:blipFill>
-        <p:spPr bwMode="auto">
-          <a:xfrm>
-            <a:off x="1691680" y="3289548"/>
-            <a:ext cx="6329536" cy="1868957"/>
+        </p:nvSpPr>
+        <p:spPr>
+          <a:xfrm>
+            <a:off x="1907704" y="3145532"/>
+            <a:ext cx="144016" cy="144016"/>
+          </a:xfrm>
+          <a:prstGeom prst="ellipse">
+            <a:avLst/>
+          </a:prstGeom>
+          <a:solidFill>
+            <a:schemeClr val="accent6">
+              <a:lumMod val="75000"/>
+            </a:schemeClr>
+          </a:solidFill>
+          <a:ln w="0">
+            <a:noFill/>
+          </a:ln>
+          <a:effectLst/>
+        </p:spPr>
+        <p:style>
+          <a:lnRef idx="1">
+            <a:schemeClr val="accent1"/>
+          </a:lnRef>
+          <a:fillRef idx="3">
+            <a:schemeClr val="accent1"/>
+          </a:fillRef>
+          <a:effectRef idx="2">
+            <a:schemeClr val="accent1"/>
+          </a:effectRef>
+          <a:fontRef idx="minor">
+            <a:schemeClr val="lt1"/>
+          </a:fontRef>
+        </p:style>
+        <p:txBody>
+          <a:bodyPr rtlCol="0" anchor="ctr"/>
+          <a:lstStyle/>
+          <a:p>
+            <a:pPr algn="ctr"/>
+            <a:endParaRPr lang="zh-TW" altLang="en-US" dirty="0" smtClean="0"/>
+          </a:p>
+        </p:txBody>
+      </p:sp>
+      <p:sp>
+        <p:nvSpPr>
+          <p:cNvPr id="37" name="橢圓 36"/>
+          <p:cNvSpPr/>
+          <p:nvPr/>
+        </p:nvSpPr>
+        <p:spPr>
+          <a:xfrm>
+            <a:off x="2699792" y="2353444"/>
+            <a:ext cx="144016" cy="144016"/>
+          </a:xfrm>
+          <a:prstGeom prst="ellipse">
+            <a:avLst/>
+          </a:prstGeom>
+          <a:solidFill>
+            <a:schemeClr val="accent6">
+              <a:lumMod val="75000"/>
+            </a:schemeClr>
+          </a:solidFill>
+          <a:ln w="0">
+            <a:noFill/>
+          </a:ln>
+          <a:effectLst/>
+        </p:spPr>
+        <p:style>
+          <a:lnRef idx="1">
+            <a:schemeClr val="accent1"/>
+          </a:lnRef>
+          <a:fillRef idx="3">
+            <a:schemeClr val="accent1"/>
+          </a:fillRef>
+          <a:effectRef idx="2">
+            <a:schemeClr val="accent1"/>
+          </a:effectRef>
+          <a:fontRef idx="minor">
+            <a:schemeClr val="lt1"/>
+          </a:fontRef>
+        </p:style>
+        <p:txBody>
+          <a:bodyPr rtlCol="0" anchor="ctr"/>
+          <a:lstStyle/>
+          <a:p>
+            <a:pPr algn="ctr"/>
+            <a:endParaRPr lang="zh-TW" altLang="en-US" dirty="0" smtClean="0"/>
+          </a:p>
+        </p:txBody>
+      </p:sp>
+      <p:sp>
+        <p:nvSpPr>
+          <p:cNvPr id="39" name="橢圓 38"/>
+          <p:cNvSpPr/>
+          <p:nvPr/>
+        </p:nvSpPr>
+        <p:spPr>
+          <a:xfrm>
+            <a:off x="3275856" y="3145532"/>
+            <a:ext cx="144016" cy="144016"/>
+          </a:xfrm>
+          <a:prstGeom prst="ellipse">
+            <a:avLst/>
+          </a:prstGeom>
+          <a:solidFill>
+            <a:schemeClr val="accent6">
+              <a:lumMod val="75000"/>
+            </a:schemeClr>
+          </a:solidFill>
+          <a:ln w="0">
+            <a:noFill/>
+          </a:ln>
+          <a:effectLst/>
+        </p:spPr>
+        <p:style>
+          <a:lnRef idx="1">
+            <a:schemeClr val="accent1"/>
+          </a:lnRef>
+          <a:fillRef idx="3">
+            <a:schemeClr val="accent1"/>
+          </a:fillRef>
+          <a:effectRef idx="2">
+            <a:schemeClr val="accent1"/>
+          </a:effectRef>
+          <a:fontRef idx="minor">
+            <a:schemeClr val="lt1"/>
+          </a:fontRef>
+        </p:style>
+        <p:txBody>
+          <a:bodyPr rtlCol="0" anchor="ctr"/>
+          <a:lstStyle/>
+          <a:p>
+            <a:pPr algn="ctr"/>
+            <a:endParaRPr lang="zh-TW" altLang="en-US" dirty="0" smtClean="0"/>
+          </a:p>
+        </p:txBody>
+      </p:sp>
+      <p:cxnSp>
+        <p:nvCxnSpPr>
+          <p:cNvPr id="40" name="直線接點 39"/>
+          <p:cNvCxnSpPr>
+            <a:stCxn id="41" idx="4"/>
+          </p:cNvCxnSpPr>
+          <p:nvPr/>
+        </p:nvCxnSpPr>
+        <p:spPr>
+          <a:xfrm>
+            <a:off x="4139952" y="2497460"/>
+            <a:ext cx="0" cy="936104"/>
+          </a:xfrm>
+          <a:prstGeom prst="line">
+            <a:avLst/>
+          </a:prstGeom>
+          <a:ln w="25400">
+            <a:solidFill>
+              <a:schemeClr val="accent6">
+                <a:lumMod val="75000"/>
+              </a:schemeClr>
+            </a:solidFill>
+          </a:ln>
+        </p:spPr>
+        <p:style>
+          <a:lnRef idx="1">
+            <a:schemeClr val="accent1"/>
+          </a:lnRef>
+          <a:fillRef idx="0">
+            <a:schemeClr val="accent1"/>
+          </a:fillRef>
+          <a:effectRef idx="0">
+            <a:schemeClr val="accent1"/>
+          </a:effectRef>
+          <a:fontRef idx="minor">
+            <a:schemeClr val="tx1"/>
+          </a:fontRef>
+        </p:style>
+      </p:cxnSp>
+      <p:sp>
+        <p:nvSpPr>
+          <p:cNvPr id="41" name="橢圓 40"/>
+          <p:cNvSpPr/>
+          <p:nvPr/>
+        </p:nvSpPr>
+        <p:spPr>
+          <a:xfrm>
+            <a:off x="4067944" y="2353444"/>
+            <a:ext cx="144016" cy="144016"/>
+          </a:xfrm>
+          <a:prstGeom prst="ellipse">
+            <a:avLst/>
+          </a:prstGeom>
+          <a:solidFill>
+            <a:schemeClr val="accent6">
+              <a:lumMod val="75000"/>
+            </a:schemeClr>
+          </a:solidFill>
+          <a:ln w="0">
+            <a:noFill/>
+          </a:ln>
+          <a:effectLst/>
+        </p:spPr>
+        <p:style>
+          <a:lnRef idx="1">
+            <a:schemeClr val="accent1"/>
+          </a:lnRef>
+          <a:fillRef idx="3">
+            <a:schemeClr val="accent1"/>
+          </a:fillRef>
+          <a:effectRef idx="2">
+            <a:schemeClr val="accent1"/>
+          </a:effectRef>
+          <a:fontRef idx="minor">
+            <a:schemeClr val="lt1"/>
+          </a:fontRef>
+        </p:style>
+        <p:txBody>
+          <a:bodyPr rtlCol="0" anchor="ctr"/>
+          <a:lstStyle/>
+          <a:p>
+            <a:pPr algn="ctr"/>
+            <a:endParaRPr lang="zh-TW" altLang="en-US" dirty="0" smtClean="0"/>
+          </a:p>
+        </p:txBody>
+      </p:sp>
+      <p:cxnSp>
+        <p:nvCxnSpPr>
+          <p:cNvPr id="42" name="直線接點 41"/>
+          <p:cNvCxnSpPr/>
+          <p:nvPr/>
+        </p:nvCxnSpPr>
+        <p:spPr>
+          <a:xfrm>
+            <a:off x="4716016" y="3217540"/>
+            <a:ext cx="0" cy="216024"/>
+          </a:xfrm>
+          <a:prstGeom prst="line">
+            <a:avLst/>
+          </a:prstGeom>
+          <a:ln w="25400">
+            <a:solidFill>
+              <a:schemeClr val="accent6">
+                <a:lumMod val="75000"/>
+              </a:schemeClr>
+            </a:solidFill>
+          </a:ln>
+        </p:spPr>
+        <p:style>
+          <a:lnRef idx="1">
+            <a:schemeClr val="accent1"/>
+          </a:lnRef>
+          <a:fillRef idx="0">
+            <a:schemeClr val="accent1"/>
+          </a:fillRef>
+          <a:effectRef idx="0">
+            <a:schemeClr val="accent1"/>
+          </a:effectRef>
+          <a:fontRef idx="minor">
+            <a:schemeClr val="tx1"/>
+          </a:fontRef>
+        </p:style>
+      </p:cxnSp>
+      <p:sp>
+        <p:nvSpPr>
+          <p:cNvPr id="43" name="橢圓 42"/>
+          <p:cNvSpPr/>
+          <p:nvPr/>
+        </p:nvSpPr>
+        <p:spPr>
+          <a:xfrm>
+            <a:off x="4644008" y="3145532"/>
+            <a:ext cx="144016" cy="144016"/>
+          </a:xfrm>
+          <a:prstGeom prst="ellipse">
+            <a:avLst/>
+          </a:prstGeom>
+          <a:solidFill>
+            <a:schemeClr val="accent6">
+              <a:lumMod val="75000"/>
+            </a:schemeClr>
+          </a:solidFill>
+          <a:ln w="0">
+            <a:noFill/>
+          </a:ln>
+          <a:effectLst/>
+        </p:spPr>
+        <p:style>
+          <a:lnRef idx="1">
+            <a:schemeClr val="accent1"/>
+          </a:lnRef>
+          <a:fillRef idx="3">
+            <a:schemeClr val="accent1"/>
+          </a:fillRef>
+          <a:effectRef idx="2">
+            <a:schemeClr val="accent1"/>
+          </a:effectRef>
+          <a:fontRef idx="minor">
+            <a:schemeClr val="lt1"/>
+          </a:fontRef>
+        </p:style>
+        <p:txBody>
+          <a:bodyPr rtlCol="0" anchor="ctr"/>
+          <a:lstStyle/>
+          <a:p>
+            <a:pPr algn="ctr"/>
+            <a:endParaRPr lang="zh-TW" altLang="en-US" dirty="0" smtClean="0"/>
+          </a:p>
+        </p:txBody>
+      </p:sp>
+      <p:sp>
+        <p:nvSpPr>
+          <p:cNvPr id="44" name="文字方塊 43"/>
+          <p:cNvSpPr txBox="1"/>
+          <p:nvPr/>
+        </p:nvSpPr>
+        <p:spPr>
+          <a:xfrm>
+            <a:off x="3923928" y="1345332"/>
+            <a:ext cx="497252" cy="369332"/>
           </a:xfrm>
           <a:prstGeom prst="rect">
             <a:avLst/>
           </a:prstGeom>
           <a:noFill/>
-          <a:ln w="9525">
-            <a:noFill/>
-            <a:miter lim="800000"/>
-            <a:headEnd/>
-            <a:tailEnd/>
+        </p:spPr>
+        <p:txBody>
+          <a:bodyPr wrap="none" rtlCol="0">
+            <a:spAutoFit/>
+          </a:bodyPr>
+          <a:lstStyle/>
+          <a:p>
+            <a:r>
+              <a:rPr lang="en-US" altLang="zh-TW" dirty="0" err="1" smtClean="0">
+                <a:solidFill>
+                  <a:srgbClr val="FF0000"/>
+                </a:solidFill>
+              </a:rPr>
+              <a:t>vcc</a:t>
+            </a:r>
+            <a:endParaRPr lang="zh-TW" altLang="en-US" dirty="0">
+              <a:solidFill>
+                <a:srgbClr val="FF0000"/>
+              </a:solidFill>
+            </a:endParaRPr>
+          </a:p>
+        </p:txBody>
+      </p:sp>
+      <p:sp>
+        <p:nvSpPr>
+          <p:cNvPr id="45" name="文字方塊 44"/>
+          <p:cNvSpPr txBox="1"/>
+          <p:nvPr/>
+        </p:nvSpPr>
+        <p:spPr>
+          <a:xfrm>
+            <a:off x="3482588" y="1645558"/>
+            <a:ext cx="369332" cy="707886"/>
+          </a:xfrm>
+          <a:prstGeom prst="rect">
+            <a:avLst/>
+          </a:prstGeom>
+          <a:noFill/>
+        </p:spPr>
+        <p:txBody>
+          <a:bodyPr vert="eaVert" wrap="none" rtlCol="0">
+            <a:spAutoFit/>
+          </a:bodyPr>
+          <a:lstStyle/>
+          <a:p>
+            <a:r>
+              <a:rPr lang="zh-TW" altLang="en-US" sz="1200" dirty="0" smtClean="0">
+                <a:solidFill>
+                  <a:srgbClr val="FF0000"/>
+                </a:solidFill>
+              </a:rPr>
+              <a:t>上拉電阻</a:t>
+            </a:r>
+            <a:endParaRPr lang="en-US" altLang="zh-TW" sz="1200" dirty="0" smtClean="0">
+              <a:solidFill>
+                <a:srgbClr val="FF0000"/>
+              </a:solidFill>
+            </a:endParaRPr>
+          </a:p>
+        </p:txBody>
+      </p:sp>
+      <p:sp>
+        <p:nvSpPr>
+          <p:cNvPr id="46" name="文字方塊 45"/>
+          <p:cNvSpPr txBox="1"/>
+          <p:nvPr/>
+        </p:nvSpPr>
+        <p:spPr>
+          <a:xfrm>
+            <a:off x="2546484" y="1645558"/>
+            <a:ext cx="369332" cy="707886"/>
+          </a:xfrm>
+          <a:prstGeom prst="rect">
+            <a:avLst/>
+          </a:prstGeom>
+          <a:noFill/>
+        </p:spPr>
+        <p:txBody>
+          <a:bodyPr vert="eaVert" wrap="none" rtlCol="0">
+            <a:spAutoFit/>
+          </a:bodyPr>
+          <a:lstStyle/>
+          <a:p>
+            <a:r>
+              <a:rPr lang="zh-TW" altLang="en-US" sz="1200" dirty="0" smtClean="0">
+                <a:solidFill>
+                  <a:srgbClr val="FF0000"/>
+                </a:solidFill>
+              </a:rPr>
+              <a:t>上拉電阻</a:t>
+            </a:r>
+            <a:endParaRPr lang="en-US" altLang="zh-TW" sz="1200" dirty="0" smtClean="0">
+              <a:solidFill>
+                <a:srgbClr val="FF0000"/>
+              </a:solidFill>
+            </a:endParaRPr>
+          </a:p>
+        </p:txBody>
+      </p:sp>
+      <p:sp>
+        <p:nvSpPr>
+          <p:cNvPr id="47" name="文字方塊 46"/>
+          <p:cNvSpPr txBox="1"/>
+          <p:nvPr/>
+        </p:nvSpPr>
+        <p:spPr>
+          <a:xfrm>
+            <a:off x="5004048" y="2209428"/>
+            <a:ext cx="564193" cy="338554"/>
+          </a:xfrm>
+          <a:prstGeom prst="rect">
+            <a:avLst/>
+          </a:prstGeom>
+          <a:noFill/>
+        </p:spPr>
+        <p:txBody>
+          <a:bodyPr wrap="none" rtlCol="0">
+            <a:spAutoFit/>
+          </a:bodyPr>
+          <a:lstStyle/>
+          <a:p>
+            <a:r>
+              <a:rPr lang="en-US" altLang="zh-TW" sz="1600" dirty="0" smtClean="0">
+                <a:solidFill>
+                  <a:schemeClr val="accent1">
+                    <a:lumMod val="75000"/>
+                  </a:schemeClr>
+                </a:solidFill>
+              </a:rPr>
+              <a:t>SDA</a:t>
+            </a:r>
+            <a:endParaRPr lang="zh-TW" altLang="en-US" sz="1600" dirty="0">
+              <a:solidFill>
+                <a:schemeClr val="accent1">
+                  <a:lumMod val="75000"/>
+                </a:schemeClr>
+              </a:solidFill>
+            </a:endParaRPr>
+          </a:p>
+        </p:txBody>
+      </p:sp>
+      <p:sp>
+        <p:nvSpPr>
+          <p:cNvPr id="48" name="文字方塊 47"/>
+          <p:cNvSpPr txBox="1"/>
+          <p:nvPr/>
+        </p:nvSpPr>
+        <p:spPr>
+          <a:xfrm>
+            <a:off x="5004048" y="3023002"/>
+            <a:ext cx="532518" cy="338554"/>
+          </a:xfrm>
+          <a:prstGeom prst="rect">
+            <a:avLst/>
+          </a:prstGeom>
+          <a:noFill/>
+        </p:spPr>
+        <p:txBody>
+          <a:bodyPr wrap="none" rtlCol="0">
+            <a:spAutoFit/>
+          </a:bodyPr>
+          <a:lstStyle/>
+          <a:p>
+            <a:r>
+              <a:rPr lang="en-US" altLang="zh-TW" sz="1600" dirty="0" smtClean="0">
+                <a:solidFill>
+                  <a:schemeClr val="accent1">
+                    <a:lumMod val="75000"/>
+                  </a:schemeClr>
+                </a:solidFill>
+              </a:rPr>
+              <a:t>SCL</a:t>
+            </a:r>
+            <a:endParaRPr lang="zh-TW" altLang="en-US" sz="1600" dirty="0">
+              <a:solidFill>
+                <a:schemeClr val="accent1">
+                  <a:lumMod val="75000"/>
+                </a:schemeClr>
+              </a:solidFill>
+            </a:endParaRPr>
+          </a:p>
+        </p:txBody>
+      </p:sp>
+      <p:sp>
+        <p:nvSpPr>
+          <p:cNvPr id="49" name="文字方塊 48"/>
+          <p:cNvSpPr txBox="1"/>
+          <p:nvPr/>
+        </p:nvSpPr>
+        <p:spPr>
+          <a:xfrm>
+            <a:off x="179512" y="2641476"/>
+            <a:ext cx="979755" cy="338554"/>
+          </a:xfrm>
+          <a:prstGeom prst="rect">
+            <a:avLst/>
+          </a:prstGeom>
+          <a:noFill/>
+        </p:spPr>
+        <p:txBody>
+          <a:bodyPr wrap="none" rtlCol="0">
+            <a:spAutoFit/>
+          </a:bodyPr>
+          <a:lstStyle/>
+          <a:p>
+            <a:r>
+              <a:rPr lang="en-US" altLang="zh-TW" sz="1600" dirty="0" smtClean="0">
+                <a:solidFill>
+                  <a:schemeClr val="accent1">
+                    <a:lumMod val="75000"/>
+                  </a:schemeClr>
+                </a:solidFill>
+                <a:latin typeface="+mn-ea"/>
+              </a:rPr>
+              <a:t>I2C </a:t>
+            </a:r>
+            <a:r>
+              <a:rPr lang="zh-TW" altLang="en-US" sz="1600" dirty="0" smtClean="0">
+                <a:solidFill>
+                  <a:schemeClr val="accent1">
+                    <a:lumMod val="75000"/>
+                  </a:schemeClr>
+                </a:solidFill>
+                <a:latin typeface="+mn-ea"/>
+              </a:rPr>
+              <a:t>總線</a:t>
+            </a:r>
+            <a:endParaRPr lang="zh-TW" altLang="en-US" sz="1600" dirty="0">
+              <a:solidFill>
+                <a:schemeClr val="accent1">
+                  <a:lumMod val="75000"/>
+                </a:schemeClr>
+              </a:solidFill>
+              <a:latin typeface="+mn-ea"/>
+            </a:endParaRPr>
+          </a:p>
+        </p:txBody>
+      </p:sp>
+      <p:sp>
+        <p:nvSpPr>
+          <p:cNvPr id="50" name="文字方塊 49"/>
+          <p:cNvSpPr txBox="1"/>
+          <p:nvPr/>
+        </p:nvSpPr>
+        <p:spPr>
+          <a:xfrm>
+            <a:off x="1196158" y="3433564"/>
+            <a:ext cx="423514" cy="246221"/>
+          </a:xfrm>
+          <a:prstGeom prst="rect">
+            <a:avLst/>
+          </a:prstGeom>
+          <a:noFill/>
+        </p:spPr>
+        <p:txBody>
+          <a:bodyPr wrap="none" rtlCol="0">
+            <a:spAutoFit/>
+          </a:bodyPr>
+          <a:lstStyle/>
+          <a:p>
+            <a:r>
+              <a:rPr lang="en-US" altLang="zh-TW" sz="1000" dirty="0" smtClean="0">
+                <a:solidFill>
+                  <a:schemeClr val="accent1">
+                    <a:lumMod val="75000"/>
+                  </a:schemeClr>
+                </a:solidFill>
+              </a:rPr>
+              <a:t>SDA</a:t>
+            </a:r>
+            <a:endParaRPr lang="zh-TW" altLang="en-US" sz="1000" dirty="0">
+              <a:solidFill>
+                <a:schemeClr val="accent1">
+                  <a:lumMod val="75000"/>
+                </a:schemeClr>
+              </a:solidFill>
+            </a:endParaRPr>
+          </a:p>
+        </p:txBody>
+      </p:sp>
+      <p:sp>
+        <p:nvSpPr>
+          <p:cNvPr id="51" name="文字方塊 50"/>
+          <p:cNvSpPr txBox="1"/>
+          <p:nvPr/>
+        </p:nvSpPr>
+        <p:spPr>
+          <a:xfrm>
+            <a:off x="1772222" y="3433564"/>
+            <a:ext cx="401072" cy="246221"/>
+          </a:xfrm>
+          <a:prstGeom prst="rect">
+            <a:avLst/>
+          </a:prstGeom>
+          <a:noFill/>
+        </p:spPr>
+        <p:txBody>
+          <a:bodyPr wrap="none" rtlCol="0">
+            <a:spAutoFit/>
+          </a:bodyPr>
+          <a:lstStyle/>
+          <a:p>
+            <a:r>
+              <a:rPr lang="en-US" altLang="zh-TW" sz="1000" dirty="0" smtClean="0">
+                <a:solidFill>
+                  <a:schemeClr val="accent1">
+                    <a:lumMod val="75000"/>
+                  </a:schemeClr>
+                </a:solidFill>
+              </a:rPr>
+              <a:t>SCL</a:t>
+            </a:r>
+            <a:endParaRPr lang="zh-TW" altLang="en-US" sz="1000" dirty="0">
+              <a:solidFill>
+                <a:schemeClr val="accent1">
+                  <a:lumMod val="75000"/>
+                </a:schemeClr>
+              </a:solidFill>
+            </a:endParaRPr>
+          </a:p>
+        </p:txBody>
+      </p:sp>
+      <p:sp>
+        <p:nvSpPr>
+          <p:cNvPr id="52" name="文字方塊 51"/>
+          <p:cNvSpPr txBox="1"/>
+          <p:nvPr/>
+        </p:nvSpPr>
+        <p:spPr>
+          <a:xfrm>
+            <a:off x="2555776" y="3433564"/>
+            <a:ext cx="423514" cy="246221"/>
+          </a:xfrm>
+          <a:prstGeom prst="rect">
+            <a:avLst/>
+          </a:prstGeom>
+          <a:noFill/>
+        </p:spPr>
+        <p:txBody>
+          <a:bodyPr wrap="none" rtlCol="0">
+            <a:spAutoFit/>
+          </a:bodyPr>
+          <a:lstStyle/>
+          <a:p>
+            <a:r>
+              <a:rPr lang="en-US" altLang="zh-TW" sz="1000" dirty="0" smtClean="0">
+                <a:solidFill>
+                  <a:schemeClr val="accent1">
+                    <a:lumMod val="75000"/>
+                  </a:schemeClr>
+                </a:solidFill>
+              </a:rPr>
+              <a:t>SDA</a:t>
+            </a:r>
+            <a:endParaRPr lang="zh-TW" altLang="en-US" sz="1000" dirty="0">
+              <a:solidFill>
+                <a:schemeClr val="accent1">
+                  <a:lumMod val="75000"/>
+                </a:schemeClr>
+              </a:solidFill>
+            </a:endParaRPr>
+          </a:p>
+        </p:txBody>
+      </p:sp>
+      <p:sp>
+        <p:nvSpPr>
+          <p:cNvPr id="53" name="文字方塊 52"/>
+          <p:cNvSpPr txBox="1"/>
+          <p:nvPr/>
+        </p:nvSpPr>
+        <p:spPr>
+          <a:xfrm>
+            <a:off x="3131840" y="3433564"/>
+            <a:ext cx="401072" cy="246221"/>
+          </a:xfrm>
+          <a:prstGeom prst="rect">
+            <a:avLst/>
+          </a:prstGeom>
+          <a:noFill/>
+        </p:spPr>
+        <p:txBody>
+          <a:bodyPr wrap="none" rtlCol="0">
+            <a:spAutoFit/>
+          </a:bodyPr>
+          <a:lstStyle/>
+          <a:p>
+            <a:r>
+              <a:rPr lang="en-US" altLang="zh-TW" sz="1000" dirty="0" smtClean="0">
+                <a:solidFill>
+                  <a:schemeClr val="accent1">
+                    <a:lumMod val="75000"/>
+                  </a:schemeClr>
+                </a:solidFill>
+              </a:rPr>
+              <a:t>SCL</a:t>
+            </a:r>
+            <a:endParaRPr lang="zh-TW" altLang="en-US" sz="1000" dirty="0">
+              <a:solidFill>
+                <a:schemeClr val="accent1">
+                  <a:lumMod val="75000"/>
+                </a:schemeClr>
+              </a:solidFill>
+            </a:endParaRPr>
+          </a:p>
+        </p:txBody>
+      </p:sp>
+      <p:sp>
+        <p:nvSpPr>
+          <p:cNvPr id="54" name="文字方塊 53"/>
+          <p:cNvSpPr txBox="1"/>
+          <p:nvPr/>
+        </p:nvSpPr>
+        <p:spPr>
+          <a:xfrm>
+            <a:off x="3923928" y="3433564"/>
+            <a:ext cx="423514" cy="246221"/>
+          </a:xfrm>
+          <a:prstGeom prst="rect">
+            <a:avLst/>
+          </a:prstGeom>
+          <a:noFill/>
+        </p:spPr>
+        <p:txBody>
+          <a:bodyPr wrap="none" rtlCol="0">
+            <a:spAutoFit/>
+          </a:bodyPr>
+          <a:lstStyle/>
+          <a:p>
+            <a:r>
+              <a:rPr lang="en-US" altLang="zh-TW" sz="1000" dirty="0" smtClean="0">
+                <a:solidFill>
+                  <a:schemeClr val="accent1">
+                    <a:lumMod val="75000"/>
+                  </a:schemeClr>
+                </a:solidFill>
+              </a:rPr>
+              <a:t>SDA</a:t>
+            </a:r>
+            <a:endParaRPr lang="zh-TW" altLang="en-US" sz="1000" dirty="0">
+              <a:solidFill>
+                <a:schemeClr val="accent1">
+                  <a:lumMod val="75000"/>
+                </a:schemeClr>
+              </a:solidFill>
+            </a:endParaRPr>
+          </a:p>
+        </p:txBody>
+      </p:sp>
+      <p:sp>
+        <p:nvSpPr>
+          <p:cNvPr id="55" name="文字方塊 54"/>
+          <p:cNvSpPr txBox="1"/>
+          <p:nvPr/>
+        </p:nvSpPr>
+        <p:spPr>
+          <a:xfrm>
+            <a:off x="4499992" y="3433564"/>
+            <a:ext cx="401072" cy="246221"/>
+          </a:xfrm>
+          <a:prstGeom prst="rect">
+            <a:avLst/>
+          </a:prstGeom>
+          <a:noFill/>
+        </p:spPr>
+        <p:txBody>
+          <a:bodyPr wrap="none" rtlCol="0">
+            <a:spAutoFit/>
+          </a:bodyPr>
+          <a:lstStyle/>
+          <a:p>
+            <a:r>
+              <a:rPr lang="en-US" altLang="zh-TW" sz="1000" dirty="0" smtClean="0">
+                <a:solidFill>
+                  <a:schemeClr val="accent1">
+                    <a:lumMod val="75000"/>
+                  </a:schemeClr>
+                </a:solidFill>
+              </a:rPr>
+              <a:t>SCL</a:t>
+            </a:r>
+            <a:endParaRPr lang="zh-TW" altLang="en-US" sz="1000" dirty="0">
+              <a:solidFill>
+                <a:schemeClr val="accent1">
+                  <a:lumMod val="75000"/>
+                </a:schemeClr>
+              </a:solidFill>
+            </a:endParaRPr>
+          </a:p>
+        </p:txBody>
+      </p:sp>
+      <p:cxnSp>
+        <p:nvCxnSpPr>
+          <p:cNvPr id="79" name="直線接點 78"/>
+          <p:cNvCxnSpPr/>
+          <p:nvPr/>
+        </p:nvCxnSpPr>
+        <p:spPr>
+          <a:xfrm>
+            <a:off x="2771800" y="2497460"/>
+            <a:ext cx="0" cy="936104"/>
+          </a:xfrm>
+          <a:prstGeom prst="line">
+            <a:avLst/>
+          </a:prstGeom>
+          <a:ln w="25400">
+            <a:solidFill>
+              <a:schemeClr val="accent6">
+                <a:lumMod val="75000"/>
+              </a:schemeClr>
+            </a:solidFill>
           </a:ln>
         </p:spPr>
-      </p:pic>
+        <p:style>
+          <a:lnRef idx="1">
+            <a:schemeClr val="accent1"/>
+          </a:lnRef>
+          <a:fillRef idx="0">
+            <a:schemeClr val="accent1"/>
+          </a:fillRef>
+          <a:effectRef idx="0">
+            <a:schemeClr val="accent1"/>
+          </a:effectRef>
+          <a:fontRef idx="minor">
+            <a:schemeClr val="tx1"/>
+          </a:fontRef>
+        </p:style>
+      </p:cxnSp>
+      <p:cxnSp>
+        <p:nvCxnSpPr>
+          <p:cNvPr id="80" name="直線接點 79"/>
+          <p:cNvCxnSpPr/>
+          <p:nvPr/>
+        </p:nvCxnSpPr>
+        <p:spPr>
+          <a:xfrm>
+            <a:off x="3347864" y="3209156"/>
+            <a:ext cx="0" cy="216024"/>
+          </a:xfrm>
+          <a:prstGeom prst="line">
+            <a:avLst/>
+          </a:prstGeom>
+          <a:ln w="25400">
+            <a:solidFill>
+              <a:schemeClr val="accent6">
+                <a:lumMod val="75000"/>
+              </a:schemeClr>
+            </a:solidFill>
+          </a:ln>
+        </p:spPr>
+        <p:style>
+          <a:lnRef idx="1">
+            <a:schemeClr val="accent1"/>
+          </a:lnRef>
+          <a:fillRef idx="0">
+            <a:schemeClr val="accent1"/>
+          </a:fillRef>
+          <a:effectRef idx="0">
+            <a:schemeClr val="accent1"/>
+          </a:effectRef>
+          <a:fontRef idx="minor">
+            <a:schemeClr val="tx1"/>
+          </a:fontRef>
+        </p:style>
+      </p:cxnSp>
+      <p:cxnSp>
+        <p:nvCxnSpPr>
+          <p:cNvPr id="81" name="直線接點 80"/>
+          <p:cNvCxnSpPr>
+            <a:endCxn id="50" idx="0"/>
+          </p:cNvCxnSpPr>
+          <p:nvPr/>
+        </p:nvCxnSpPr>
+        <p:spPr>
+          <a:xfrm>
+            <a:off x="1403648" y="2425452"/>
+            <a:ext cx="4267" cy="1008112"/>
+          </a:xfrm>
+          <a:prstGeom prst="line">
+            <a:avLst/>
+          </a:prstGeom>
+          <a:ln w="25400">
+            <a:solidFill>
+              <a:schemeClr val="accent6">
+                <a:lumMod val="75000"/>
+              </a:schemeClr>
+            </a:solidFill>
+          </a:ln>
+        </p:spPr>
+        <p:style>
+          <a:lnRef idx="1">
+            <a:schemeClr val="accent1"/>
+          </a:lnRef>
+          <a:fillRef idx="0">
+            <a:schemeClr val="accent1"/>
+          </a:fillRef>
+          <a:effectRef idx="0">
+            <a:schemeClr val="accent1"/>
+          </a:effectRef>
+          <a:fontRef idx="minor">
+            <a:schemeClr val="tx1"/>
+          </a:fontRef>
+        </p:style>
+      </p:cxnSp>
+      <p:cxnSp>
+        <p:nvCxnSpPr>
+          <p:cNvPr id="82" name="直線接點 81"/>
+          <p:cNvCxnSpPr/>
+          <p:nvPr/>
+        </p:nvCxnSpPr>
+        <p:spPr>
+          <a:xfrm>
+            <a:off x="1979712" y="3209156"/>
+            <a:ext cx="0" cy="216024"/>
+          </a:xfrm>
+          <a:prstGeom prst="line">
+            <a:avLst/>
+          </a:prstGeom>
+          <a:ln w="25400">
+            <a:solidFill>
+              <a:schemeClr val="accent6">
+                <a:lumMod val="75000"/>
+              </a:schemeClr>
+            </a:solidFill>
+          </a:ln>
+        </p:spPr>
+        <p:style>
+          <a:lnRef idx="1">
+            <a:schemeClr val="accent1"/>
+          </a:lnRef>
+          <a:fillRef idx="0">
+            <a:schemeClr val="accent1"/>
+          </a:fillRef>
+          <a:effectRef idx="0">
+            <a:schemeClr val="accent1"/>
+          </a:effectRef>
+          <a:fontRef idx="minor">
+            <a:schemeClr val="tx1"/>
+          </a:fontRef>
+        </p:style>
+      </p:cxnSp>
     </p:spTree>
-    <p:extLst>
-      <p:ext uri="{BB962C8B-B14F-4D97-AF65-F5344CB8AC3E}">
-        <p14:creationId xmlns:p14="http://schemas.microsoft.com/office/powerpoint/2010/main" xmlns="" val="2423379894"/>
-      </p:ext>
-    </p:extLst>
   </p:cSld>
   <p:clrMapOvr>
     <a:masterClrMapping/>
@@ -22828,6 +24875,547 @@
         </p:nvSpPr>
         <p:spPr>
           <a:xfrm>
+            <a:off x="467544" y="3001516"/>
+            <a:ext cx="8215370" cy="1944216"/>
+          </a:xfrm>
+        </p:spPr>
+        <p:txBody>
+          <a:bodyPr/>
+          <a:lstStyle/>
+          <a:p>
+            <a:r>
+              <a:rPr lang="en-US" sz="1600" b="1" dirty="0" smtClean="0">
+                <a:solidFill>
+                  <a:schemeClr val="tx2">
+                    <a:lumMod val="75000"/>
+                  </a:schemeClr>
+                </a:solidFill>
+              </a:rPr>
+              <a:t>Start </a:t>
+            </a:r>
+            <a:r>
+              <a:rPr lang="en-US" altLang="zh-TW" sz="1600" b="1" dirty="0" smtClean="0">
+                <a:solidFill>
+                  <a:schemeClr val="tx2">
+                    <a:lumMod val="75000"/>
+                  </a:schemeClr>
+                </a:solidFill>
+              </a:rPr>
+              <a:t>Condition</a:t>
+            </a:r>
+          </a:p>
+          <a:p>
+            <a:r>
+              <a:rPr lang="en-US" altLang="zh-TW" sz="1600" b="1" dirty="0" smtClean="0">
+                <a:solidFill>
+                  <a:schemeClr val="tx2">
+                    <a:lumMod val="75000"/>
+                  </a:schemeClr>
+                </a:solidFill>
+              </a:rPr>
+              <a:t>Stop Condition</a:t>
+            </a:r>
+          </a:p>
+          <a:p>
+            <a:r>
+              <a:rPr lang="en-US" sz="1600" b="1" dirty="0" err="1" smtClean="0">
+                <a:solidFill>
+                  <a:schemeClr val="tx2">
+                    <a:lumMod val="75000"/>
+                  </a:schemeClr>
+                </a:solidFill>
+              </a:rPr>
+              <a:t>Ack</a:t>
+            </a:r>
+            <a:r>
+              <a:rPr lang="en-US" sz="1600" b="1" dirty="0" smtClean="0">
+                <a:solidFill>
+                  <a:schemeClr val="tx2">
+                    <a:lumMod val="75000"/>
+                  </a:schemeClr>
+                </a:solidFill>
+              </a:rPr>
+              <a:t> Signal : </a:t>
+            </a:r>
+            <a:r>
+              <a:rPr lang="en-US" sz="1600" dirty="0" err="1" smtClean="0"/>
+              <a:t>Ack</a:t>
+            </a:r>
+            <a:r>
+              <a:rPr lang="en-US" sz="1600" dirty="0" smtClean="0"/>
+              <a:t>(0), No </a:t>
+            </a:r>
+            <a:r>
+              <a:rPr lang="en-US" sz="1600" dirty="0" err="1" smtClean="0"/>
+              <a:t>Ack</a:t>
+            </a:r>
+            <a:r>
+              <a:rPr lang="en-US" sz="1600" dirty="0" smtClean="0"/>
+              <a:t> (1).</a:t>
+            </a:r>
+          </a:p>
+          <a:p>
+            <a:r>
+              <a:rPr lang="en-US" altLang="zh-TW" sz="1600" b="1" dirty="0" smtClean="0">
+                <a:solidFill>
+                  <a:schemeClr val="tx2">
+                    <a:lumMod val="75000"/>
+                  </a:schemeClr>
+                </a:solidFill>
+              </a:rPr>
+              <a:t>Wait State : </a:t>
+            </a:r>
+            <a:r>
+              <a:rPr lang="en-US" altLang="zh-TW" sz="1600" dirty="0" smtClean="0"/>
+              <a:t>SCL – </a:t>
+            </a:r>
+            <a:r>
+              <a:rPr lang="en-US" altLang="zh-TW" sz="1600" dirty="0" smtClean="0">
+                <a:solidFill>
+                  <a:srgbClr val="FF0000"/>
+                </a:solidFill>
+              </a:rPr>
+              <a:t>Low</a:t>
+            </a:r>
+            <a:r>
+              <a:rPr lang="en-US" altLang="zh-TW" sz="1600" dirty="0" smtClean="0"/>
+              <a:t>(Slave), SDA – </a:t>
+            </a:r>
+            <a:r>
+              <a:rPr lang="en-US" altLang="zh-TW" sz="1600" dirty="0" smtClean="0">
+                <a:solidFill>
+                  <a:srgbClr val="FF0000"/>
+                </a:solidFill>
+              </a:rPr>
+              <a:t>High</a:t>
+            </a:r>
+            <a:r>
+              <a:rPr lang="en-US" altLang="zh-TW" sz="1600" b="1" dirty="0" smtClean="0">
+                <a:solidFill>
+                  <a:schemeClr val="tx2">
+                    <a:lumMod val="75000"/>
+                  </a:schemeClr>
+                </a:solidFill>
+              </a:rPr>
+              <a:t>.</a:t>
+            </a:r>
+          </a:p>
+          <a:p>
+            <a:r>
+              <a:rPr lang="en-US" sz="1600" b="1" dirty="0" smtClean="0">
+                <a:solidFill>
+                  <a:schemeClr val="tx2">
+                    <a:lumMod val="75000"/>
+                  </a:schemeClr>
+                </a:solidFill>
+              </a:rPr>
+              <a:t>Data Transfer </a:t>
+            </a:r>
+            <a:r>
+              <a:rPr lang="en-US" sz="1600" dirty="0" smtClean="0"/>
+              <a:t>: Byte</a:t>
+            </a:r>
+          </a:p>
+        </p:txBody>
+      </p:sp>
+      <p:sp>
+        <p:nvSpPr>
+          <p:cNvPr id="3" name="Title 2"/>
+          <p:cNvSpPr>
+            <a:spLocks noGrp="1"/>
+          </p:cNvSpPr>
+          <p:nvPr>
+            <p:ph type="title"/>
+          </p:nvPr>
+        </p:nvSpPr>
+        <p:spPr/>
+        <p:txBody>
+          <a:bodyPr/>
+          <a:lstStyle/>
+          <a:p>
+            <a:r>
+              <a:rPr lang="en-US" altLang="zh-TW" dirty="0" smtClean="0">
+                <a:solidFill>
+                  <a:schemeClr val="tx1">
+                    <a:lumMod val="95000"/>
+                    <a:lumOff val="5000"/>
+                  </a:schemeClr>
+                </a:solidFill>
+              </a:rPr>
+              <a:t>I2C </a:t>
+            </a:r>
+            <a:r>
+              <a:rPr lang="zh-TW" altLang="en-US" dirty="0" smtClean="0">
+                <a:solidFill>
+                  <a:schemeClr val="tx1">
+                    <a:lumMod val="95000"/>
+                    <a:lumOff val="5000"/>
+                  </a:schemeClr>
+                </a:solidFill>
+              </a:rPr>
+              <a:t>訊號時序圖</a:t>
+            </a:r>
+            <a:endParaRPr lang="en-US" altLang="zh-TW" dirty="0" smtClean="0">
+              <a:solidFill>
+                <a:schemeClr val="tx1">
+                  <a:lumMod val="95000"/>
+                  <a:lumOff val="5000"/>
+                </a:schemeClr>
+              </a:solidFill>
+            </a:endParaRPr>
+          </a:p>
+        </p:txBody>
+      </p:sp>
+      <p:pic>
+        <p:nvPicPr>
+          <p:cNvPr id="2050" name="Picture 2"/>
+          <p:cNvPicPr>
+            <a:picLocks noChangeAspect="1" noChangeArrowheads="1"/>
+          </p:cNvPicPr>
+          <p:nvPr/>
+        </p:nvPicPr>
+        <p:blipFill>
+          <a:blip r:embed="rId3" cstate="print"/>
+          <a:srcRect/>
+          <a:stretch>
+            <a:fillRect/>
+          </a:stretch>
+        </p:blipFill>
+        <p:spPr bwMode="auto">
+          <a:xfrm>
+            <a:off x="1043608" y="769268"/>
+            <a:ext cx="7200800" cy="1910956"/>
+          </a:xfrm>
+          <a:prstGeom prst="rect">
+            <a:avLst/>
+          </a:prstGeom>
+          <a:noFill/>
+          <a:ln w="9525">
+            <a:noFill/>
+            <a:miter lim="800000"/>
+            <a:headEnd/>
+            <a:tailEnd/>
+          </a:ln>
+        </p:spPr>
+      </p:pic>
+      <p:sp>
+        <p:nvSpPr>
+          <p:cNvPr id="17" name="矩形 16"/>
+          <p:cNvSpPr/>
+          <p:nvPr/>
+        </p:nvSpPr>
+        <p:spPr>
+          <a:xfrm>
+            <a:off x="2411760" y="769268"/>
+            <a:ext cx="2016224" cy="1800200"/>
+          </a:xfrm>
+          <a:prstGeom prst="rect">
+            <a:avLst/>
+          </a:prstGeom>
+          <a:noFill/>
+          <a:ln w="25400">
+            <a:solidFill>
+              <a:schemeClr val="accent3">
+                <a:lumMod val="75000"/>
+              </a:schemeClr>
+            </a:solidFill>
+            <a:prstDash val="sysDash"/>
+          </a:ln>
+        </p:spPr>
+        <p:style>
+          <a:lnRef idx="1">
+            <a:schemeClr val="accent1"/>
+          </a:lnRef>
+          <a:fillRef idx="3">
+            <a:schemeClr val="accent1"/>
+          </a:fillRef>
+          <a:effectRef idx="2">
+            <a:schemeClr val="accent1"/>
+          </a:effectRef>
+          <a:fontRef idx="minor">
+            <a:schemeClr val="lt1"/>
+          </a:fontRef>
+        </p:style>
+        <p:txBody>
+          <a:bodyPr rtlCol="0" anchor="ctr"/>
+          <a:lstStyle/>
+          <a:p>
+            <a:pPr algn="ctr"/>
+            <a:endParaRPr lang="zh-TW" altLang="en-US" dirty="0" smtClean="0"/>
+          </a:p>
+        </p:txBody>
+      </p:sp>
+      <p:sp>
+        <p:nvSpPr>
+          <p:cNvPr id="19" name="矩形 18"/>
+          <p:cNvSpPr/>
+          <p:nvPr/>
+        </p:nvSpPr>
+        <p:spPr>
+          <a:xfrm>
+            <a:off x="1475656" y="769268"/>
+            <a:ext cx="864096" cy="1800200"/>
+          </a:xfrm>
+          <a:prstGeom prst="rect">
+            <a:avLst/>
+          </a:prstGeom>
+          <a:noFill/>
+          <a:ln w="25400">
+            <a:solidFill>
+              <a:schemeClr val="tx2">
+                <a:lumMod val="60000"/>
+                <a:lumOff val="40000"/>
+              </a:schemeClr>
+            </a:solidFill>
+            <a:prstDash val="sysDash"/>
+          </a:ln>
+        </p:spPr>
+        <p:style>
+          <a:lnRef idx="1">
+            <a:schemeClr val="accent1"/>
+          </a:lnRef>
+          <a:fillRef idx="3">
+            <a:schemeClr val="accent1"/>
+          </a:fillRef>
+          <a:effectRef idx="2">
+            <a:schemeClr val="accent1"/>
+          </a:effectRef>
+          <a:fontRef idx="minor">
+            <a:schemeClr val="lt1"/>
+          </a:fontRef>
+        </p:style>
+        <p:txBody>
+          <a:bodyPr rtlCol="0" anchor="ctr"/>
+          <a:lstStyle/>
+          <a:p>
+            <a:pPr algn="ctr"/>
+            <a:endParaRPr lang="zh-TW" altLang="en-US" dirty="0" smtClean="0"/>
+          </a:p>
+        </p:txBody>
+      </p:sp>
+      <p:sp>
+        <p:nvSpPr>
+          <p:cNvPr id="21" name="矩形 20"/>
+          <p:cNvSpPr/>
+          <p:nvPr/>
+        </p:nvSpPr>
+        <p:spPr>
+          <a:xfrm>
+            <a:off x="4427984" y="769268"/>
+            <a:ext cx="432048" cy="1800200"/>
+          </a:xfrm>
+          <a:prstGeom prst="rect">
+            <a:avLst/>
+          </a:prstGeom>
+          <a:noFill/>
+          <a:ln w="25400">
+            <a:solidFill>
+              <a:schemeClr val="bg2">
+                <a:lumMod val="25000"/>
+              </a:schemeClr>
+            </a:solidFill>
+            <a:prstDash val="sysDash"/>
+          </a:ln>
+        </p:spPr>
+        <p:style>
+          <a:lnRef idx="1">
+            <a:schemeClr val="accent1"/>
+          </a:lnRef>
+          <a:fillRef idx="3">
+            <a:schemeClr val="accent1"/>
+          </a:fillRef>
+          <a:effectRef idx="2">
+            <a:schemeClr val="accent1"/>
+          </a:effectRef>
+          <a:fontRef idx="minor">
+            <a:schemeClr val="lt1"/>
+          </a:fontRef>
+        </p:style>
+        <p:txBody>
+          <a:bodyPr rtlCol="0" anchor="ctr"/>
+          <a:lstStyle/>
+          <a:p>
+            <a:pPr algn="ctr"/>
+            <a:endParaRPr lang="zh-TW" altLang="en-US" dirty="0" smtClean="0"/>
+          </a:p>
+        </p:txBody>
+      </p:sp>
+      <p:sp>
+        <p:nvSpPr>
+          <p:cNvPr id="22" name="矩形 21"/>
+          <p:cNvSpPr/>
+          <p:nvPr/>
+        </p:nvSpPr>
+        <p:spPr>
+          <a:xfrm>
+            <a:off x="4644008" y="769268"/>
+            <a:ext cx="792088" cy="1800200"/>
+          </a:xfrm>
+          <a:prstGeom prst="rect">
+            <a:avLst/>
+          </a:prstGeom>
+          <a:noFill/>
+          <a:ln w="25400">
+            <a:solidFill>
+              <a:schemeClr val="tx1">
+                <a:lumMod val="75000"/>
+                <a:lumOff val="25000"/>
+              </a:schemeClr>
+            </a:solidFill>
+            <a:prstDash val="sysDash"/>
+          </a:ln>
+        </p:spPr>
+        <p:style>
+          <a:lnRef idx="1">
+            <a:schemeClr val="accent1"/>
+          </a:lnRef>
+          <a:fillRef idx="3">
+            <a:schemeClr val="accent1"/>
+          </a:fillRef>
+          <a:effectRef idx="2">
+            <a:schemeClr val="accent1"/>
+          </a:effectRef>
+          <a:fontRef idx="minor">
+            <a:schemeClr val="lt1"/>
+          </a:fontRef>
+        </p:style>
+        <p:txBody>
+          <a:bodyPr rtlCol="0" anchor="ctr"/>
+          <a:lstStyle/>
+          <a:p>
+            <a:pPr algn="ctr"/>
+            <a:endParaRPr lang="zh-TW" altLang="en-US" dirty="0" smtClean="0"/>
+          </a:p>
+        </p:txBody>
+      </p:sp>
+      <p:sp>
+        <p:nvSpPr>
+          <p:cNvPr id="23" name="矩形 22"/>
+          <p:cNvSpPr/>
+          <p:nvPr/>
+        </p:nvSpPr>
+        <p:spPr>
+          <a:xfrm>
+            <a:off x="7236296" y="769268"/>
+            <a:ext cx="864096" cy="1800200"/>
+          </a:xfrm>
+          <a:prstGeom prst="rect">
+            <a:avLst/>
+          </a:prstGeom>
+          <a:noFill/>
+          <a:ln w="25400">
+            <a:solidFill>
+              <a:schemeClr val="accent5">
+                <a:lumMod val="75000"/>
+              </a:schemeClr>
+            </a:solidFill>
+            <a:prstDash val="sysDash"/>
+          </a:ln>
+        </p:spPr>
+        <p:style>
+          <a:lnRef idx="1">
+            <a:schemeClr val="accent1"/>
+          </a:lnRef>
+          <a:fillRef idx="3">
+            <a:schemeClr val="accent1"/>
+          </a:fillRef>
+          <a:effectRef idx="2">
+            <a:schemeClr val="accent1"/>
+          </a:effectRef>
+          <a:fontRef idx="minor">
+            <a:schemeClr val="lt1"/>
+          </a:fontRef>
+        </p:style>
+        <p:txBody>
+          <a:bodyPr rtlCol="0" anchor="ctr"/>
+          <a:lstStyle/>
+          <a:p>
+            <a:pPr algn="ctr"/>
+            <a:endParaRPr lang="zh-TW" altLang="en-US" dirty="0" smtClean="0"/>
+          </a:p>
+        </p:txBody>
+      </p:sp>
+      <p:pic>
+        <p:nvPicPr>
+          <p:cNvPr id="4" name="Picture 2"/>
+          <p:cNvPicPr>
+            <a:picLocks noChangeAspect="1" noChangeArrowheads="1"/>
+          </p:cNvPicPr>
+          <p:nvPr/>
+        </p:nvPicPr>
+        <p:blipFill>
+          <a:blip r:embed="rId4" cstate="print"/>
+          <a:srcRect/>
+          <a:stretch>
+            <a:fillRect/>
+          </a:stretch>
+        </p:blipFill>
+        <p:spPr bwMode="auto">
+          <a:xfrm>
+            <a:off x="1691680" y="3289548"/>
+            <a:ext cx="6329536" cy="1868957"/>
+          </a:xfrm>
+          <a:prstGeom prst="rect">
+            <a:avLst/>
+          </a:prstGeom>
+          <a:noFill/>
+          <a:ln w="9525">
+            <a:noFill/>
+            <a:miter lim="800000"/>
+            <a:headEnd/>
+            <a:tailEnd/>
+          </a:ln>
+        </p:spPr>
+      </p:pic>
+    </p:spTree>
+    <p:extLst>
+      <p:ext uri="{BB962C8B-B14F-4D97-AF65-F5344CB8AC3E}">
+        <p14:creationId xmlns="" xmlns:p14="http://schemas.microsoft.com/office/powerpoint/2010/main" val="2423379894"/>
+      </p:ext>
+    </p:extLst>
+  </p:cSld>
+  <p:clrMapOvr>
+    <a:masterClrMapping/>
+  </p:clrMapOvr>
+  <p:timing>
+    <p:tnLst>
+      <p:par>
+        <p:cTn id="1" dur="indefinite" restart="never" nodeType="tmRoot"/>
+      </p:par>
+    </p:tnLst>
+  </p:timing>
+</p:sld>
+</file>
+
+<file path=ppt/slides/slide32.xml><?xml version="1.0" encoding="utf-8"?>
+<p:sld xmlns:a="http://schemas.openxmlformats.org/drawingml/2006/main" xmlns:r="http://schemas.openxmlformats.org/officeDocument/2006/relationships" xmlns:p="http://schemas.openxmlformats.org/presentationml/2006/main">
+  <p:cSld>
+    <p:spTree>
+      <p:nvGrpSpPr>
+        <p:cNvPr id="1" name=""/>
+        <p:cNvGrpSpPr/>
+        <p:nvPr/>
+      </p:nvGrpSpPr>
+      <p:grpSpPr>
+        <a:xfrm>
+          <a:off x="0" y="0"/>
+          <a:ext cx="0" cy="0"/>
+          <a:chOff x="0" y="0"/>
+          <a:chExt cx="0" cy="0"/>
+        </a:xfrm>
+      </p:grpSpPr>
+      <p:sp>
+        <p:nvSpPr>
+          <p:cNvPr id="2" name="Content Placeholder 1"/>
+          <p:cNvSpPr>
+            <a:spLocks noGrp="1"/>
+          </p:cNvSpPr>
+          <p:nvPr>
+            <p:ph sz="half" idx="2"/>
+          </p:nvPr>
+        </p:nvSpPr>
+        <p:spPr>
+          <a:xfrm>
             <a:off x="467544" y="3361556"/>
             <a:ext cx="8215370" cy="1944216"/>
           </a:xfrm>
@@ -23058,7 +25646,7 @@
     </p:spTree>
     <p:extLst>
       <p:ext uri="{BB962C8B-B14F-4D97-AF65-F5344CB8AC3E}">
-        <p14:creationId xmlns:p14="http://schemas.microsoft.com/office/powerpoint/2010/main" xmlns="" val="2423379894"/>
+        <p14:creationId xmlns="" xmlns:p14="http://schemas.microsoft.com/office/powerpoint/2010/main" val="2423379894"/>
       </p:ext>
     </p:extLst>
   </p:cSld>
@@ -24003,7 +26591,7 @@
     </p:spTree>
     <p:extLst>
       <p:ext uri="{BB962C8B-B14F-4D97-AF65-F5344CB8AC3E}">
-        <p14:creationId xmlns:p14="http://schemas.microsoft.com/office/powerpoint/2010/main" xmlns="" val="2423379894"/>
+        <p14:creationId xmlns="" xmlns:p14="http://schemas.microsoft.com/office/powerpoint/2010/main" val="2423379894"/>
       </p:ext>
     </p:extLst>
   </p:cSld>
@@ -25077,7 +27665,7 @@
     </p:spTree>
     <p:extLst>
       <p:ext uri="{BB962C8B-B14F-4D97-AF65-F5344CB8AC3E}">
-        <p14:creationId xmlns:p14="http://schemas.microsoft.com/office/powerpoint/2010/main" xmlns="" val="2423379894"/>
+        <p14:creationId xmlns="" xmlns:p14="http://schemas.microsoft.com/office/powerpoint/2010/main" val="2423379894"/>
       </p:ext>
     </p:extLst>
   </p:cSld>
@@ -26572,7 +29160,7 @@
     </p:spTree>
     <p:extLst>
       <p:ext uri="{BB962C8B-B14F-4D97-AF65-F5344CB8AC3E}">
-        <p14:creationId xmlns:p14="http://schemas.microsoft.com/office/powerpoint/2010/main" xmlns="" val="2423379894"/>
+        <p14:creationId xmlns="" xmlns:p14="http://schemas.microsoft.com/office/powerpoint/2010/main" val="2423379894"/>
       </p:ext>
     </p:extLst>
   </p:cSld>
@@ -26660,7 +29248,7 @@
     </p:spTree>
     <p:extLst>
       <p:ext uri="{BB962C8B-B14F-4D97-AF65-F5344CB8AC3E}">
-        <p14:creationId xmlns:p14="http://schemas.microsoft.com/office/powerpoint/2010/main" xmlns="" val="1188013231"/>
+        <p14:creationId xmlns="" xmlns:p14="http://schemas.microsoft.com/office/powerpoint/2010/main" val="1188013231"/>
       </p:ext>
     </p:extLst>
   </p:cSld>
@@ -29012,7 +31600,7 @@
     </p:spTree>
     <p:extLst>
       <p:ext uri="{BB962C8B-B14F-4D97-AF65-F5344CB8AC3E}">
-        <p14:creationId xmlns:p14="http://schemas.microsoft.com/office/powerpoint/2010/main" xmlns="" val="2423379894"/>
+        <p14:creationId xmlns="" xmlns:p14="http://schemas.microsoft.com/office/powerpoint/2010/main" val="2423379894"/>
       </p:ext>
     </p:extLst>
   </p:cSld>
